--- a/0-varios/Archivos-Office/Desarrollo web Teovisión v2.pptx
+++ b/0-varios/Archivos-Office/Desarrollo web Teovisión v2.pptx
@@ -14815,13 +14815,8 @@
             <a:pPr lvl="1"/>
             <a:r>
               <a:rPr lang="es-AR" dirty="0" smtClean="0"/>
-              <a:t>Edición, preferencias por </a:t>
+              <a:t>Edición, preferencias por productos, cambio de contraseña</a:t>
             </a:r>
-            <a:r>
-              <a:rPr lang="es-AR" dirty="0" smtClean="0"/>
-              <a:t>productos, cambio de contraseña</a:t>
-            </a:r>
-            <a:endParaRPr lang="es-AR" dirty="0" smtClean="0"/>
           </a:p>
           <a:p>
             <a:r>
@@ -17614,7 +17609,7 @@
           <p:nvPr>
             <p:extLst>
               <p:ext uri="{D42A27DB-BD31-4B8C-83A1-F6EECF244321}">
-                <p14:modId xmlns:p14="http://schemas.microsoft.com/office/powerpoint/2010/main" val="454989914"/>
+                <p14:modId xmlns:p14="http://schemas.microsoft.com/office/powerpoint/2010/main" val="3776318683"/>
               </p:ext>
             </p:extLst>
           </p:nvPr>
@@ -17866,6 +17861,24 @@
                         <a:defRPr/>
                       </a:pPr>
                       <a:r>
+                        <a:rPr kumimoji="0" lang="es-AR" sz="1400" b="0" i="0" u="none" strike="noStrike" kern="1200" cap="none" spc="0" normalizeH="0" baseline="0" noProof="0" smtClean="0">
+                          <a:ln>
+                            <a:noFill/>
+                          </a:ln>
+                          <a:solidFill>
+                            <a:prstClr val="black"/>
+                          </a:solidFill>
+                          <a:effectLst/>
+                          <a:uLnTx/>
+                          <a:uFillTx/>
+                          <a:latin typeface="+mn-lt"/>
+                          <a:ea typeface="+mn-ea"/>
+                          <a:cs typeface="+mn-cs"/>
+                          <a:sym typeface="Wingdings" panose="05000000000000000000" pitchFamily="2" charset="2"/>
+                        </a:rPr>
+                        <a:t></a:t>
+                      </a:r>
+                      <a:r>
                         <a:rPr kumimoji="0" lang="es-AR" sz="1400" b="0" i="0" u="none" strike="noStrike" kern="1200" cap="none" spc="0" normalizeH="0" baseline="0" noProof="0" dirty="0" smtClean="0">
                           <a:ln>
                             <a:noFill/>
@@ -17881,43 +17894,8 @@
                           <a:cs typeface="+mn-cs"/>
                           <a:sym typeface="Wingdings" panose="05000000000000000000" pitchFamily="2" charset="2"/>
                         </a:rPr>
-                        <a:t>	98%</a:t>
-                      </a:r>
-                      <a:endParaRPr kumimoji="0" lang="es-AR" sz="1400" b="0" i="0" u="none" strike="noStrike" kern="1200" cap="none" spc="0" normalizeH="0" baseline="0" noProof="0" dirty="0" smtClean="0">
-                        <a:ln>
-                          <a:noFill/>
-                        </a:ln>
-                        <a:solidFill>
-                          <a:prstClr val="black"/>
-                        </a:solidFill>
-                        <a:effectLst/>
-                        <a:uLnTx/>
-                        <a:uFillTx/>
-                        <a:latin typeface="+mn-lt"/>
-                        <a:ea typeface="+mn-ea"/>
-                        <a:cs typeface="+mn-cs"/>
-                      </a:endParaRPr>
-                    </a:p>
-                    <a:p>
-                      <a:pPr marL="0" marR="0" lvl="0" indent="0" algn="ctr" defTabSz="914400" rtl="0" eaLnBrk="1" fontAlgn="auto" latinLnBrk="0" hangingPunct="1">
-                        <a:lnSpc>
-                          <a:spcPct val="100000"/>
-                        </a:lnSpc>
-                        <a:spcBef>
-                          <a:spcPts val="0"/>
-                        </a:spcBef>
-                        <a:spcAft>
-                          <a:spcPts val="0"/>
-                        </a:spcAft>
-                        <a:buClrTx/>
-                        <a:buSzTx/>
-                        <a:buFontTx/>
-                        <a:buNone/>
-                        <a:tabLst>
-                          <a:tab pos="630238" algn="r"/>
-                        </a:tabLst>
-                        <a:defRPr/>
-                      </a:pPr>
+                        <a:t>	</a:t>
+                      </a:r>
                       <a:r>
                         <a:rPr kumimoji="0" lang="es-AR" sz="1400" b="0" i="0" u="none" strike="noStrike" kern="1200" cap="none" spc="0" normalizeH="0" baseline="0" noProof="0" dirty="0" smtClean="0">
                           <a:ln>
@@ -17934,7 +17912,7 @@
                           <a:cs typeface="+mn-cs"/>
                           <a:sym typeface="Wingdings" panose="05000000000000000000" pitchFamily="2" charset="2"/>
                         </a:rPr>
-                        <a:t>	95%</a:t>
+                        <a:t>100%</a:t>
                       </a:r>
                       <a:endParaRPr kumimoji="0" lang="es-AR" sz="1400" b="0" i="0" u="none" strike="noStrike" kern="1200" cap="none" spc="0" normalizeH="0" baseline="0" noProof="0" dirty="0" smtClean="0">
                         <a:ln>
@@ -17951,6 +17929,77 @@
                         <a:cs typeface="+mn-cs"/>
                       </a:endParaRPr>
                     </a:p>
+                    <a:p>
+                      <a:pPr marL="0" marR="0" lvl="0" indent="0" algn="ctr" defTabSz="914400" rtl="0" eaLnBrk="1" fontAlgn="auto" latinLnBrk="0" hangingPunct="1">
+                        <a:lnSpc>
+                          <a:spcPct val="100000"/>
+                        </a:lnSpc>
+                        <a:spcBef>
+                          <a:spcPts val="0"/>
+                        </a:spcBef>
+                        <a:spcAft>
+                          <a:spcPts val="0"/>
+                        </a:spcAft>
+                        <a:buClrTx/>
+                        <a:buSzTx/>
+                        <a:buFontTx/>
+                        <a:buNone/>
+                        <a:tabLst>
+                          <a:tab pos="630238" algn="r"/>
+                        </a:tabLst>
+                        <a:defRPr/>
+                      </a:pPr>
+                      <a:r>
+                        <a:rPr kumimoji="0" lang="es-AR" sz="1400" b="0" i="0" u="none" strike="noStrike" kern="1200" cap="none" spc="0" normalizeH="0" baseline="0" noProof="0" dirty="0" smtClean="0">
+                          <a:ln>
+                            <a:noFill/>
+                          </a:ln>
+                          <a:solidFill>
+                            <a:prstClr val="black"/>
+                          </a:solidFill>
+                          <a:effectLst/>
+                          <a:uLnTx/>
+                          <a:uFillTx/>
+                          <a:latin typeface="+mn-lt"/>
+                          <a:ea typeface="+mn-ea"/>
+                          <a:cs typeface="+mn-cs"/>
+                          <a:sym typeface="Wingdings" panose="05000000000000000000" pitchFamily="2" charset="2"/>
+                        </a:rPr>
+                        <a:t>	</a:t>
+                      </a:r>
+                      <a:r>
+                        <a:rPr kumimoji="0" lang="es-AR" sz="1400" b="0" i="0" u="none" strike="noStrike" kern="1200" cap="none" spc="0" normalizeH="0" baseline="0" noProof="0" dirty="0" smtClean="0">
+                          <a:ln>
+                            <a:noFill/>
+                          </a:ln>
+                          <a:solidFill>
+                            <a:prstClr val="black"/>
+                          </a:solidFill>
+                          <a:effectLst/>
+                          <a:uLnTx/>
+                          <a:uFillTx/>
+                          <a:latin typeface="+mn-lt"/>
+                          <a:ea typeface="+mn-ea"/>
+                          <a:cs typeface="+mn-cs"/>
+                          <a:sym typeface="Wingdings" panose="05000000000000000000" pitchFamily="2" charset="2"/>
+                        </a:rPr>
+                        <a:t>100%</a:t>
+                      </a:r>
+                      <a:endParaRPr kumimoji="0" lang="es-AR" sz="1400" b="0" i="0" u="none" strike="noStrike" kern="1200" cap="none" spc="0" normalizeH="0" baseline="0" noProof="0" dirty="0" smtClean="0">
+                        <a:ln>
+                          <a:noFill/>
+                        </a:ln>
+                        <a:solidFill>
+                          <a:prstClr val="black"/>
+                        </a:solidFill>
+                        <a:effectLst/>
+                        <a:uLnTx/>
+                        <a:uFillTx/>
+                        <a:latin typeface="+mn-lt"/>
+                        <a:ea typeface="+mn-ea"/>
+                        <a:cs typeface="+mn-cs"/>
+                      </a:endParaRPr>
+                    </a:p>
                   </a:txBody>
                   <a:tcPr/>
                 </a:tc>
@@ -17991,8 +18040,22 @@
                           <a:ea typeface="+mn-ea"/>
                           <a:cs typeface="+mn-cs"/>
                         </a:rPr>
-                        <a:t>98%</a:t>
-                      </a:r>
+                        <a:t>100%</a:t>
+                      </a:r>
+                      <a:endParaRPr kumimoji="0" lang="es-AR" sz="1800" b="0" i="0" u="none" strike="noStrike" kern="1200" cap="none" spc="0" normalizeH="0" baseline="0" noProof="0" dirty="0" smtClean="0">
+                        <a:ln>
+                          <a:noFill/>
+                        </a:ln>
+                        <a:solidFill>
+                          <a:prstClr val="black"/>
+                        </a:solidFill>
+                        <a:effectLst/>
+                        <a:uLnTx/>
+                        <a:uFillTx/>
+                        <a:latin typeface="+mn-lt"/>
+                        <a:ea typeface="+mn-ea"/>
+                        <a:cs typeface="+mn-cs"/>
+                      </a:endParaRPr>
                     </a:p>
                   </a:txBody>
                   <a:tcPr anchor="ctr"/>
@@ -18585,14 +18648,14 @@
           <p:nvPr>
             <p:extLst>
               <p:ext uri="{D42A27DB-BD31-4B8C-83A1-F6EECF244321}">
-                <p14:modId xmlns:p14="http://schemas.microsoft.com/office/powerpoint/2010/main" val="47238375"/>
+                <p14:modId xmlns:p14="http://schemas.microsoft.com/office/powerpoint/2010/main" val="3478870658"/>
               </p:ext>
             </p:extLst>
           </p:nvPr>
         </p:nvGraphicFramePr>
         <p:xfrm>
           <a:off x="7822640" y="2121314"/>
-          <a:ext cx="3745543" cy="3048000"/>
+          <a:ext cx="3854919" cy="2834640"/>
         </p:xfrm>
         <a:graphic>
           <a:graphicData uri="http://schemas.openxmlformats.org/drawingml/2006/table">
@@ -18608,21 +18671,21 @@
                     </a:ext>
                   </a:extLst>
                 </a:gridCol>
-                <a:gridCol w="621030">
+                <a:gridCol w="612000">
                   <a:extLst>
                     <a:ext uri="{9D8B030D-6E8A-4147-A177-3AD203B41FA5}">
                       <a16:colId xmlns:a16="http://schemas.microsoft.com/office/drawing/2014/main" val="2200592698"/>
                     </a:ext>
                   </a:extLst>
                 </a:gridCol>
-                <a:gridCol w="552797">
+                <a:gridCol w="612000">
                   <a:extLst>
                     <a:ext uri="{9D8B030D-6E8A-4147-A177-3AD203B41FA5}">
                       <a16:colId xmlns:a16="http://schemas.microsoft.com/office/drawing/2014/main" val="2765855669"/>
                     </a:ext>
                   </a:extLst>
                 </a:gridCol>
-                <a:gridCol w="552797">
+                <a:gridCol w="612000">
                   <a:extLst>
                     <a:ext uri="{9D8B030D-6E8A-4147-A177-3AD203B41FA5}">
                       <a16:colId xmlns:a16="http://schemas.microsoft.com/office/drawing/2014/main" val="1279672875"/>
@@ -18770,17 +18833,11 @@
                       </a:pPr>
                       <a:r>
                         <a:rPr lang="es-ES" sz="1400" i="1" dirty="0" smtClean="0"/>
-                        <a:t>Ingreso FA</a:t>
-                      </a:r>
-                    </a:p>
-                    <a:p>
-                      <a:pPr marL="265113" indent="-265113">
-                        <a:buFont typeface="+mj-lt"/>
-                        <a:buAutoNum type="arabicPeriod"/>
-                      </a:pPr>
+                        <a:t>Datos </a:t>
+                      </a:r>
                       <a:r>
                         <a:rPr lang="es-ES" sz="1400" i="1" dirty="0" smtClean="0"/>
-                        <a:t>Datos Duros</a:t>
+                        <a:t>Duros</a:t>
                       </a:r>
                     </a:p>
                     <a:p>
@@ -19008,6 +19065,21 @@
                         </a:rPr>
                         <a:t></a:t>
                       </a:r>
+                      <a:endParaRPr kumimoji="0" lang="es-AR" sz="1400" b="0" i="0" u="none" strike="noStrike" kern="1200" cap="none" spc="0" normalizeH="0" baseline="0" noProof="0" dirty="0" smtClean="0">
+                        <a:ln>
+                          <a:noFill/>
+                        </a:ln>
+                        <a:solidFill>
+                          <a:prstClr val="black"/>
+                        </a:solidFill>
+                        <a:effectLst/>
+                        <a:uLnTx/>
+                        <a:uFillTx/>
+                        <a:latin typeface="+mn-lt"/>
+                        <a:ea typeface="+mn-ea"/>
+                        <a:cs typeface="+mn-cs"/>
+                        <a:sym typeface="Wingdings" panose="05000000000000000000" pitchFamily="2" charset="2"/>
+                      </a:endParaRPr>
                     </a:p>
                     <a:p>
                       <a:pPr marL="0" marR="0" indent="0" algn="ctr" defTabSz="914400" rtl="0" eaLnBrk="1" fontAlgn="auto" latinLnBrk="0" hangingPunct="1">
@@ -19194,6 +19266,50 @@
                         <a:t></a:t>
                       </a:r>
                     </a:p>
+                  </a:txBody>
+                  <a:tcPr/>
+                </a:tc>
+                <a:tc>
+                  <a:txBody>
+                    <a:bodyPr/>
+                    <a:lstStyle/>
+                    <a:p>
+                      <a:pPr marL="0" marR="0" indent="0" algn="ctr" defTabSz="914400" rtl="0" eaLnBrk="1" fontAlgn="auto" latinLnBrk="0" hangingPunct="1">
+                        <a:lnSpc>
+                          <a:spcPct val="100000"/>
+                        </a:lnSpc>
+                        <a:spcBef>
+                          <a:spcPts val="0"/>
+                        </a:spcBef>
+                        <a:spcAft>
+                          <a:spcPts val="0"/>
+                        </a:spcAft>
+                        <a:buClrTx/>
+                        <a:buSzTx/>
+                        <a:buFontTx/>
+                        <a:buNone/>
+                        <a:tabLst/>
+                        <a:defRPr/>
+                      </a:pPr>
+                      <a:r>
+                        <a:rPr kumimoji="0" lang="es-AR" sz="1400" b="0" i="0" u="none" strike="noStrike" kern="1200" cap="none" spc="0" normalizeH="0" baseline="0" noProof="0" dirty="0" smtClean="0">
+                          <a:ln>
+                            <a:noFill/>
+                          </a:ln>
+                          <a:solidFill>
+                            <a:prstClr val="black"/>
+                          </a:solidFill>
+                          <a:effectLst/>
+                          <a:uLnTx/>
+                          <a:uFillTx/>
+                          <a:latin typeface="+mn-lt"/>
+                          <a:ea typeface="+mn-ea"/>
+                          <a:cs typeface="+mn-cs"/>
+                          <a:sym typeface="Wingdings" panose="05000000000000000000" pitchFamily="2" charset="2"/>
+                        </a:rPr>
+                        <a:t>-</a:t>
+                      </a:r>
+                    </a:p>
                     <a:p>
                       <a:pPr marL="0" marR="0" indent="0" algn="ctr" defTabSz="914400" rtl="0" eaLnBrk="1" fontAlgn="auto" latinLnBrk="0" hangingPunct="1">
                         <a:lnSpc>
@@ -19231,13 +19347,221 @@
                         <a:t></a:t>
                       </a:r>
                     </a:p>
-                  </a:txBody>
-                  <a:tcPr/>
-                </a:tc>
-                <a:tc>
-                  <a:txBody>
-                    <a:bodyPr/>
-                    <a:lstStyle/>
+                    <a:p>
+                      <a:pPr marL="0" marR="0" indent="0" algn="ctr" defTabSz="914400" rtl="0" eaLnBrk="1" fontAlgn="auto" latinLnBrk="0" hangingPunct="1">
+                        <a:lnSpc>
+                          <a:spcPct val="100000"/>
+                        </a:lnSpc>
+                        <a:spcBef>
+                          <a:spcPts val="0"/>
+                        </a:spcBef>
+                        <a:spcAft>
+                          <a:spcPts val="0"/>
+                        </a:spcAft>
+                        <a:buClrTx/>
+                        <a:buSzTx/>
+                        <a:buFontTx/>
+                        <a:buNone/>
+                        <a:tabLst/>
+                        <a:defRPr/>
+                      </a:pPr>
+                      <a:r>
+                        <a:rPr kumimoji="0" lang="es-AR" sz="1400" b="0" i="0" u="none" strike="noStrike" kern="1200" cap="none" spc="0" normalizeH="0" baseline="0" noProof="0" dirty="0" smtClean="0">
+                          <a:ln>
+                            <a:noFill/>
+                          </a:ln>
+                          <a:solidFill>
+                            <a:prstClr val="black"/>
+                          </a:solidFill>
+                          <a:effectLst/>
+                          <a:uLnTx/>
+                          <a:uFillTx/>
+                          <a:latin typeface="+mn-lt"/>
+                          <a:ea typeface="+mn-ea"/>
+                          <a:cs typeface="+mn-cs"/>
+                          <a:sym typeface="Wingdings" panose="05000000000000000000" pitchFamily="2" charset="2"/>
+                        </a:rPr>
+                        <a:t></a:t>
+                      </a:r>
+                    </a:p>
+                    <a:p>
+                      <a:pPr marL="0" marR="0" indent="0" algn="ctr" defTabSz="914400" rtl="0" eaLnBrk="1" fontAlgn="auto" latinLnBrk="0" hangingPunct="1">
+                        <a:lnSpc>
+                          <a:spcPct val="100000"/>
+                        </a:lnSpc>
+                        <a:spcBef>
+                          <a:spcPts val="0"/>
+                        </a:spcBef>
+                        <a:spcAft>
+                          <a:spcPts val="0"/>
+                        </a:spcAft>
+                        <a:buClrTx/>
+                        <a:buSzTx/>
+                        <a:buFontTx/>
+                        <a:buNone/>
+                        <a:tabLst/>
+                        <a:defRPr/>
+                      </a:pPr>
+                      <a:r>
+                        <a:rPr kumimoji="0" lang="es-AR" sz="1400" b="0" i="0" u="none" strike="noStrike" kern="1200" cap="none" spc="0" normalizeH="0" baseline="0" noProof="0" dirty="0" smtClean="0">
+                          <a:ln>
+                            <a:noFill/>
+                          </a:ln>
+                          <a:solidFill>
+                            <a:prstClr val="black"/>
+                          </a:solidFill>
+                          <a:effectLst/>
+                          <a:uLnTx/>
+                          <a:uFillTx/>
+                          <a:latin typeface="+mn-lt"/>
+                          <a:ea typeface="+mn-ea"/>
+                          <a:cs typeface="+mn-cs"/>
+                          <a:sym typeface="Wingdings" panose="05000000000000000000" pitchFamily="2" charset="2"/>
+                        </a:rPr>
+                        <a:t></a:t>
+                      </a:r>
+                      <a:endParaRPr kumimoji="0" lang="es-AR" sz="1400" b="0" i="0" u="none" strike="noStrike" kern="1200" cap="none" spc="0" normalizeH="0" baseline="0" noProof="0" dirty="0" smtClean="0">
+                        <a:ln>
+                          <a:noFill/>
+                        </a:ln>
+                        <a:solidFill>
+                          <a:prstClr val="black"/>
+                        </a:solidFill>
+                        <a:effectLst/>
+                        <a:uLnTx/>
+                        <a:uFillTx/>
+                        <a:latin typeface="+mn-lt"/>
+                        <a:ea typeface="+mn-ea"/>
+                        <a:cs typeface="+mn-cs"/>
+                        <a:sym typeface="Wingdings" panose="05000000000000000000" pitchFamily="2" charset="2"/>
+                      </a:endParaRPr>
+                    </a:p>
+                    <a:p>
+                      <a:pPr marL="0" marR="0" indent="0" algn="ctr" defTabSz="914400" rtl="0" eaLnBrk="1" fontAlgn="auto" latinLnBrk="0" hangingPunct="1">
+                        <a:lnSpc>
+                          <a:spcPct val="100000"/>
+                        </a:lnSpc>
+                        <a:spcBef>
+                          <a:spcPts val="0"/>
+                        </a:spcBef>
+                        <a:spcAft>
+                          <a:spcPts val="0"/>
+                        </a:spcAft>
+                        <a:buClrTx/>
+                        <a:buSzTx/>
+                        <a:buFontTx/>
+                        <a:buNone/>
+                        <a:tabLst/>
+                        <a:defRPr/>
+                      </a:pPr>
+                      <a:r>
+                        <a:rPr kumimoji="0" lang="es-AR" sz="1400" b="0" i="0" u="none" strike="noStrike" kern="1200" cap="none" spc="0" normalizeH="0" baseline="0" noProof="0" dirty="0" smtClean="0">
+                          <a:ln>
+                            <a:noFill/>
+                          </a:ln>
+                          <a:solidFill>
+                            <a:prstClr val="black"/>
+                          </a:solidFill>
+                          <a:effectLst/>
+                          <a:uLnTx/>
+                          <a:uFillTx/>
+                          <a:latin typeface="+mn-lt"/>
+                          <a:ea typeface="+mn-ea"/>
+                          <a:cs typeface="+mn-cs"/>
+                          <a:sym typeface="Wingdings" panose="05000000000000000000" pitchFamily="2" charset="2"/>
+                        </a:rPr>
+                        <a:t></a:t>
+                      </a:r>
+                      <a:endParaRPr kumimoji="0" lang="es-AR" sz="1400" b="0" i="0" u="none" strike="noStrike" kern="1200" cap="none" spc="0" normalizeH="0" baseline="0" noProof="0" dirty="0" smtClean="0">
+                        <a:ln>
+                          <a:noFill/>
+                        </a:ln>
+                        <a:solidFill>
+                          <a:prstClr val="black"/>
+                        </a:solidFill>
+                        <a:effectLst/>
+                        <a:uLnTx/>
+                        <a:uFillTx/>
+                        <a:latin typeface="+mn-lt"/>
+                        <a:ea typeface="+mn-ea"/>
+                        <a:cs typeface="+mn-cs"/>
+                        <a:sym typeface="Wingdings" panose="05000000000000000000" pitchFamily="2" charset="2"/>
+                      </a:endParaRPr>
+                    </a:p>
+                    <a:p>
+                      <a:pPr marL="0" marR="0" indent="0" algn="ctr" defTabSz="914400" rtl="0" eaLnBrk="1" fontAlgn="auto" latinLnBrk="0" hangingPunct="1">
+                        <a:lnSpc>
+                          <a:spcPct val="100000"/>
+                        </a:lnSpc>
+                        <a:spcBef>
+                          <a:spcPts val="0"/>
+                        </a:spcBef>
+                        <a:spcAft>
+                          <a:spcPts val="0"/>
+                        </a:spcAft>
+                        <a:buClrTx/>
+                        <a:buSzTx/>
+                        <a:buFontTx/>
+                        <a:buNone/>
+                        <a:tabLst/>
+                        <a:defRPr/>
+                      </a:pPr>
+                      <a:r>
+                        <a:rPr kumimoji="0" lang="es-AR" sz="1400" b="0" i="0" u="none" strike="noStrike" kern="1200" cap="none" spc="0" normalizeH="0" baseline="0" noProof="0" dirty="0" smtClean="0">
+                          <a:ln>
+                            <a:noFill/>
+                          </a:ln>
+                          <a:solidFill>
+                            <a:prstClr val="black"/>
+                          </a:solidFill>
+                          <a:effectLst/>
+                          <a:uLnTx/>
+                          <a:uFillTx/>
+                          <a:latin typeface="+mn-lt"/>
+                          <a:ea typeface="+mn-ea"/>
+                          <a:cs typeface="+mn-cs"/>
+                          <a:sym typeface="Wingdings" panose="05000000000000000000" pitchFamily="2" charset="2"/>
+                        </a:rPr>
+                        <a:t></a:t>
+                      </a:r>
+                    </a:p>
+                    <a:p>
+                      <a:pPr marL="0" marR="0" indent="0" algn="ctr" defTabSz="914400" rtl="0" eaLnBrk="1" fontAlgn="auto" latinLnBrk="0" hangingPunct="1">
+                        <a:lnSpc>
+                          <a:spcPct val="100000"/>
+                        </a:lnSpc>
+                        <a:spcBef>
+                          <a:spcPts val="0"/>
+                        </a:spcBef>
+                        <a:spcAft>
+                          <a:spcPts val="0"/>
+                        </a:spcAft>
+                        <a:buClrTx/>
+                        <a:buSzTx/>
+                        <a:buFontTx/>
+                        <a:buNone/>
+                        <a:tabLst/>
+                        <a:defRPr/>
+                      </a:pPr>
+                      <a:r>
+                        <a:rPr kumimoji="0" lang="es-AR" sz="1400" b="0" i="0" u="none" strike="noStrike" kern="1200" cap="none" spc="0" normalizeH="0" baseline="0" noProof="0" dirty="0" smtClean="0">
+                          <a:ln>
+                            <a:noFill/>
+                          </a:ln>
+                          <a:solidFill>
+                            <a:prstClr val="black"/>
+                          </a:solidFill>
+                          <a:effectLst/>
+                          <a:uLnTx/>
+                          <a:uFillTx/>
+                          <a:latin typeface="+mn-lt"/>
+                          <a:ea typeface="+mn-ea"/>
+                          <a:cs typeface="+mn-cs"/>
+                          <a:sym typeface="Wingdings" panose="05000000000000000000" pitchFamily="2" charset="2"/>
+                        </a:rPr>
+                        <a:t></a:t>
+                      </a:r>
+                    </a:p>
                     <a:p>
                       <a:pPr marL="0" marR="0" indent="0" algn="ctr" defTabSz="914400" rtl="0" eaLnBrk="1" fontAlgn="auto" latinLnBrk="0" hangingPunct="1">
                         <a:lnSpc>
@@ -19346,9 +19670,16 @@
                           <a:cs typeface="+mn-cs"/>
                           <a:sym typeface="Wingdings" panose="05000000000000000000" pitchFamily="2" charset="2"/>
                         </a:rPr>
-                        <a:t>85%</a:t>
-                      </a:r>
-                    </a:p>
+                        <a:t></a:t>
+                      </a:r>
+                    </a:p>
+                  </a:txBody>
+                  <a:tcPr/>
+                </a:tc>
+                <a:tc>
+                  <a:txBody>
+                    <a:bodyPr/>
+                    <a:lstStyle/>
                     <a:p>
                       <a:pPr marL="0" marR="0" indent="0" algn="ctr" defTabSz="914400" rtl="0" eaLnBrk="1" fontAlgn="auto" latinLnBrk="0" hangingPunct="1">
                         <a:lnSpc>
@@ -19533,43 +19864,21 @@
                         </a:rPr>
                         <a:t></a:t>
                       </a:r>
-                    </a:p>
-                    <a:p>
-                      <a:pPr marL="0" marR="0" indent="0" algn="ctr" defTabSz="914400" rtl="0" eaLnBrk="1" fontAlgn="auto" latinLnBrk="0" hangingPunct="1">
-                        <a:lnSpc>
-                          <a:spcPct val="100000"/>
-                        </a:lnSpc>
-                        <a:spcBef>
-                          <a:spcPts val="0"/>
-                        </a:spcBef>
-                        <a:spcAft>
-                          <a:spcPts val="0"/>
-                        </a:spcAft>
-                        <a:buClrTx/>
-                        <a:buSzTx/>
-                        <a:buFontTx/>
-                        <a:buNone/>
-                        <a:tabLst/>
-                        <a:defRPr/>
-                      </a:pPr>
-                      <a:r>
-                        <a:rPr kumimoji="0" lang="es-AR" sz="1400" b="0" i="0" u="none" strike="noStrike" kern="1200" cap="none" spc="0" normalizeH="0" baseline="0" noProof="0" dirty="0" smtClean="0">
-                          <a:ln>
-                            <a:noFill/>
-                          </a:ln>
-                          <a:solidFill>
-                            <a:prstClr val="black"/>
-                          </a:solidFill>
-                          <a:effectLst/>
-                          <a:uLnTx/>
-                          <a:uFillTx/>
-                          <a:latin typeface="+mn-lt"/>
-                          <a:ea typeface="+mn-ea"/>
-                          <a:cs typeface="+mn-cs"/>
-                          <a:sym typeface="Wingdings" panose="05000000000000000000" pitchFamily="2" charset="2"/>
-                        </a:rPr>
-                        <a:t>-</a:t>
-                      </a:r>
+                      <a:endParaRPr kumimoji="0" lang="es-AR" sz="1400" b="0" i="0" u="none" strike="noStrike" kern="1200" cap="none" spc="0" normalizeH="0" baseline="0" noProof="0" dirty="0" smtClean="0">
+                        <a:ln>
+                          <a:noFill/>
+                        </a:ln>
+                        <a:solidFill>
+                          <a:prstClr val="black"/>
+                        </a:solidFill>
+                        <a:effectLst/>
+                        <a:uLnTx/>
+                        <a:uFillTx/>
+                        <a:latin typeface="+mn-lt"/>
+                        <a:ea typeface="+mn-ea"/>
+                        <a:cs typeface="+mn-cs"/>
+                        <a:sym typeface="Wingdings" panose="05000000000000000000" pitchFamily="2" charset="2"/>
+                      </a:endParaRPr>
                     </a:p>
                     <a:p>
                       <a:pPr marL="0" marR="0" indent="0" algn="ctr" defTabSz="914400" rtl="0" eaLnBrk="1" fontAlgn="auto" latinLnBrk="0" hangingPunct="1">
@@ -19645,13 +19954,6 @@
                         <a:t></a:t>
                       </a:r>
                     </a:p>
-                  </a:txBody>
-                  <a:tcPr/>
-                </a:tc>
-                <a:tc>
-                  <a:txBody>
-                    <a:bodyPr/>
-                    <a:lstStyle/>
                     <a:p>
                       <a:pPr marL="0" marR="0" indent="0" algn="ctr" defTabSz="914400" rtl="0" eaLnBrk="1" fontAlgn="auto" latinLnBrk="0" hangingPunct="1">
                         <a:lnSpc>
@@ -19763,320 +20065,6 @@
                         <a:t></a:t>
                       </a:r>
                     </a:p>
-                    <a:p>
-                      <a:pPr marL="0" marR="0" indent="0" algn="ctr" defTabSz="914400" rtl="0" eaLnBrk="1" fontAlgn="auto" latinLnBrk="0" hangingPunct="1">
-                        <a:lnSpc>
-                          <a:spcPct val="100000"/>
-                        </a:lnSpc>
-                        <a:spcBef>
-                          <a:spcPts val="0"/>
-                        </a:spcBef>
-                        <a:spcAft>
-                          <a:spcPts val="0"/>
-                        </a:spcAft>
-                        <a:buClrTx/>
-                        <a:buSzTx/>
-                        <a:buFontTx/>
-                        <a:buNone/>
-                        <a:tabLst/>
-                        <a:defRPr/>
-                      </a:pPr>
-                      <a:r>
-                        <a:rPr kumimoji="0" lang="es-AR" sz="1400" b="0" i="0" u="none" strike="noStrike" kern="1200" cap="none" spc="0" normalizeH="0" baseline="0" noProof="0" smtClean="0">
-                          <a:ln>
-                            <a:noFill/>
-                          </a:ln>
-                          <a:solidFill>
-                            <a:prstClr val="black"/>
-                          </a:solidFill>
-                          <a:effectLst/>
-                          <a:uLnTx/>
-                          <a:uFillTx/>
-                          <a:latin typeface="+mn-lt"/>
-                          <a:ea typeface="+mn-ea"/>
-                          <a:cs typeface="+mn-cs"/>
-                          <a:sym typeface="Wingdings" panose="05000000000000000000" pitchFamily="2" charset="2"/>
-                        </a:rPr>
-                        <a:t></a:t>
-                      </a:r>
-                    </a:p>
-                    <a:p>
-                      <a:pPr marL="0" marR="0" indent="0" algn="ctr" defTabSz="914400" rtl="0" eaLnBrk="1" fontAlgn="auto" latinLnBrk="0" hangingPunct="1">
-                        <a:lnSpc>
-                          <a:spcPct val="100000"/>
-                        </a:lnSpc>
-                        <a:spcBef>
-                          <a:spcPts val="0"/>
-                        </a:spcBef>
-                        <a:spcAft>
-                          <a:spcPts val="0"/>
-                        </a:spcAft>
-                        <a:buClrTx/>
-                        <a:buSzTx/>
-                        <a:buFontTx/>
-                        <a:buNone/>
-                        <a:tabLst/>
-                        <a:defRPr/>
-                      </a:pPr>
-                      <a:r>
-                        <a:rPr kumimoji="0" lang="es-AR" sz="1400" b="0" i="0" u="none" strike="noStrike" kern="1200" cap="none" spc="0" normalizeH="0" baseline="0" noProof="0" smtClean="0">
-                          <a:ln>
-                            <a:noFill/>
-                          </a:ln>
-                          <a:solidFill>
-                            <a:prstClr val="black"/>
-                          </a:solidFill>
-                          <a:effectLst/>
-                          <a:uLnTx/>
-                          <a:uFillTx/>
-                          <a:latin typeface="+mn-lt"/>
-                          <a:ea typeface="+mn-ea"/>
-                          <a:cs typeface="+mn-cs"/>
-                          <a:sym typeface="Wingdings" panose="05000000000000000000" pitchFamily="2" charset="2"/>
-                        </a:rPr>
-                        <a:t>70</a:t>
-                      </a:r>
-                      <a:r>
-                        <a:rPr kumimoji="0" lang="es-AR" sz="1400" b="0" i="0" u="none" strike="noStrike" kern="1200" cap="none" spc="0" normalizeH="0" baseline="0" noProof="0" dirty="0" smtClean="0">
-                          <a:ln>
-                            <a:noFill/>
-                          </a:ln>
-                          <a:solidFill>
-                            <a:prstClr val="black"/>
-                          </a:solidFill>
-                          <a:effectLst/>
-                          <a:uLnTx/>
-                          <a:uFillTx/>
-                          <a:latin typeface="+mn-lt"/>
-                          <a:ea typeface="+mn-ea"/>
-                          <a:cs typeface="+mn-cs"/>
-                          <a:sym typeface="Wingdings" panose="05000000000000000000" pitchFamily="2" charset="2"/>
-                        </a:rPr>
-                        <a:t>%</a:t>
-                      </a:r>
-                    </a:p>
-                    <a:p>
-                      <a:pPr marL="0" marR="0" indent="0" algn="ctr" defTabSz="914400" rtl="0" eaLnBrk="1" fontAlgn="auto" latinLnBrk="0" hangingPunct="1">
-                        <a:lnSpc>
-                          <a:spcPct val="100000"/>
-                        </a:lnSpc>
-                        <a:spcBef>
-                          <a:spcPts val="0"/>
-                        </a:spcBef>
-                        <a:spcAft>
-                          <a:spcPts val="0"/>
-                        </a:spcAft>
-                        <a:buClrTx/>
-                        <a:buSzTx/>
-                        <a:buFontTx/>
-                        <a:buNone/>
-                        <a:tabLst/>
-                        <a:defRPr/>
-                      </a:pPr>
-                      <a:r>
-                        <a:rPr kumimoji="0" lang="es-AR" sz="1400" b="0" i="0" u="none" strike="noStrike" kern="1200" cap="none" spc="0" normalizeH="0" baseline="0" noProof="0" dirty="0" smtClean="0">
-                          <a:ln>
-                            <a:noFill/>
-                          </a:ln>
-                          <a:solidFill>
-                            <a:prstClr val="black"/>
-                          </a:solidFill>
-                          <a:effectLst/>
-                          <a:uLnTx/>
-                          <a:uFillTx/>
-                          <a:latin typeface="+mn-lt"/>
-                          <a:ea typeface="+mn-ea"/>
-                          <a:cs typeface="+mn-cs"/>
-                          <a:sym typeface="Wingdings" panose="05000000000000000000" pitchFamily="2" charset="2"/>
-                        </a:rPr>
-                        <a:t></a:t>
-                      </a:r>
-                    </a:p>
-                    <a:p>
-                      <a:pPr marL="0" marR="0" indent="0" algn="ctr" defTabSz="914400" rtl="0" eaLnBrk="1" fontAlgn="auto" latinLnBrk="0" hangingPunct="1">
-                        <a:lnSpc>
-                          <a:spcPct val="100000"/>
-                        </a:lnSpc>
-                        <a:spcBef>
-                          <a:spcPts val="0"/>
-                        </a:spcBef>
-                        <a:spcAft>
-                          <a:spcPts val="0"/>
-                        </a:spcAft>
-                        <a:buClrTx/>
-                        <a:buSzTx/>
-                        <a:buFontTx/>
-                        <a:buNone/>
-                        <a:tabLst/>
-                        <a:defRPr/>
-                      </a:pPr>
-                      <a:r>
-                        <a:rPr kumimoji="0" lang="es-AR" sz="1400" b="0" i="0" u="none" strike="noStrike" kern="1200" cap="none" spc="0" normalizeH="0" baseline="0" noProof="0" dirty="0" smtClean="0">
-                          <a:ln>
-                            <a:noFill/>
-                          </a:ln>
-                          <a:solidFill>
-                            <a:prstClr val="black"/>
-                          </a:solidFill>
-                          <a:effectLst/>
-                          <a:uLnTx/>
-                          <a:uFillTx/>
-                          <a:latin typeface="+mn-lt"/>
-                          <a:ea typeface="+mn-ea"/>
-                          <a:cs typeface="+mn-cs"/>
-                          <a:sym typeface="Wingdings" panose="05000000000000000000" pitchFamily="2" charset="2"/>
-                        </a:rPr>
-                        <a:t></a:t>
-                      </a:r>
-                    </a:p>
-                    <a:p>
-                      <a:pPr marL="0" marR="0" indent="0" algn="ctr" defTabSz="914400" rtl="0" eaLnBrk="1" fontAlgn="auto" latinLnBrk="0" hangingPunct="1">
-                        <a:lnSpc>
-                          <a:spcPct val="100000"/>
-                        </a:lnSpc>
-                        <a:spcBef>
-                          <a:spcPts val="0"/>
-                        </a:spcBef>
-                        <a:spcAft>
-                          <a:spcPts val="0"/>
-                        </a:spcAft>
-                        <a:buClrTx/>
-                        <a:buSzTx/>
-                        <a:buFontTx/>
-                        <a:buNone/>
-                        <a:tabLst/>
-                        <a:defRPr/>
-                      </a:pPr>
-                      <a:r>
-                        <a:rPr kumimoji="0" lang="es-AR" sz="1400" b="0" i="0" u="none" strike="noStrike" kern="1200" cap="none" spc="0" normalizeH="0" baseline="0" noProof="0" dirty="0" smtClean="0">
-                          <a:ln>
-                            <a:noFill/>
-                          </a:ln>
-                          <a:solidFill>
-                            <a:prstClr val="black"/>
-                          </a:solidFill>
-                          <a:effectLst/>
-                          <a:uLnTx/>
-                          <a:uFillTx/>
-                          <a:latin typeface="+mn-lt"/>
-                          <a:ea typeface="+mn-ea"/>
-                          <a:cs typeface="+mn-cs"/>
-                          <a:sym typeface="Wingdings" panose="05000000000000000000" pitchFamily="2" charset="2"/>
-                        </a:rPr>
-                        <a:t></a:t>
-                      </a:r>
-                    </a:p>
-                    <a:p>
-                      <a:pPr marL="0" marR="0" indent="0" algn="ctr" defTabSz="914400" rtl="0" eaLnBrk="1" fontAlgn="auto" latinLnBrk="0" hangingPunct="1">
-                        <a:lnSpc>
-                          <a:spcPct val="100000"/>
-                        </a:lnSpc>
-                        <a:spcBef>
-                          <a:spcPts val="0"/>
-                        </a:spcBef>
-                        <a:spcAft>
-                          <a:spcPts val="0"/>
-                        </a:spcAft>
-                        <a:buClrTx/>
-                        <a:buSzTx/>
-                        <a:buFontTx/>
-                        <a:buNone/>
-                        <a:tabLst/>
-                        <a:defRPr/>
-                      </a:pPr>
-                      <a:r>
-                        <a:rPr kumimoji="0" lang="es-AR" sz="1400" b="0" i="0" u="none" strike="noStrike" kern="1200" cap="none" spc="0" normalizeH="0" baseline="0" noProof="0" dirty="0" smtClean="0">
-                          <a:ln>
-                            <a:noFill/>
-                          </a:ln>
-                          <a:solidFill>
-                            <a:prstClr val="black"/>
-                          </a:solidFill>
-                          <a:effectLst/>
-                          <a:uLnTx/>
-                          <a:uFillTx/>
-                          <a:latin typeface="+mn-lt"/>
-                          <a:ea typeface="+mn-ea"/>
-                          <a:cs typeface="+mn-cs"/>
-                          <a:sym typeface="Wingdings" panose="05000000000000000000" pitchFamily="2" charset="2"/>
-                        </a:rPr>
-                        <a:t></a:t>
-                      </a:r>
-                    </a:p>
-                    <a:p>
-                      <a:pPr marL="0" marR="0" indent="0" algn="ctr" defTabSz="914400" rtl="0" eaLnBrk="1" fontAlgn="auto" latinLnBrk="0" hangingPunct="1">
-                        <a:lnSpc>
-                          <a:spcPct val="100000"/>
-                        </a:lnSpc>
-                        <a:spcBef>
-                          <a:spcPts val="0"/>
-                        </a:spcBef>
-                        <a:spcAft>
-                          <a:spcPts val="0"/>
-                        </a:spcAft>
-                        <a:buClrTx/>
-                        <a:buSzTx/>
-                        <a:buFontTx/>
-                        <a:buNone/>
-                        <a:tabLst/>
-                        <a:defRPr/>
-                      </a:pPr>
-                      <a:r>
-                        <a:rPr kumimoji="0" lang="es-AR" sz="1400" b="0" i="0" u="none" strike="noStrike" kern="1200" cap="none" spc="0" normalizeH="0" baseline="0" noProof="0" dirty="0" smtClean="0">
-                          <a:ln>
-                            <a:noFill/>
-                          </a:ln>
-                          <a:solidFill>
-                            <a:prstClr val="black"/>
-                          </a:solidFill>
-                          <a:effectLst/>
-                          <a:uLnTx/>
-                          <a:uFillTx/>
-                          <a:latin typeface="+mn-lt"/>
-                          <a:ea typeface="+mn-ea"/>
-                          <a:cs typeface="+mn-cs"/>
-                          <a:sym typeface="Wingdings" panose="05000000000000000000" pitchFamily="2" charset="2"/>
-                        </a:rPr>
-                        <a:t></a:t>
-                      </a:r>
-                    </a:p>
-                    <a:p>
-                      <a:pPr marL="0" marR="0" indent="0" algn="ctr" defTabSz="914400" rtl="0" eaLnBrk="1" fontAlgn="auto" latinLnBrk="0" hangingPunct="1">
-                        <a:lnSpc>
-                          <a:spcPct val="100000"/>
-                        </a:lnSpc>
-                        <a:spcBef>
-                          <a:spcPts val="0"/>
-                        </a:spcBef>
-                        <a:spcAft>
-                          <a:spcPts val="0"/>
-                        </a:spcAft>
-                        <a:buClrTx/>
-                        <a:buSzTx/>
-                        <a:buFontTx/>
-                        <a:buNone/>
-                        <a:tabLst/>
-                        <a:defRPr/>
-                      </a:pPr>
-                      <a:r>
-                        <a:rPr kumimoji="0" lang="es-AR" sz="1400" b="0" i="0" u="none" strike="noStrike" kern="1200" cap="none" spc="0" normalizeH="0" baseline="0" noProof="0" dirty="0" smtClean="0">
-                          <a:ln>
-                            <a:noFill/>
-                          </a:ln>
-                          <a:solidFill>
-                            <a:prstClr val="black"/>
-                          </a:solidFill>
-                          <a:effectLst/>
-                          <a:uLnTx/>
-                          <a:uFillTx/>
-                          <a:latin typeface="+mn-lt"/>
-                          <a:ea typeface="+mn-ea"/>
-                          <a:cs typeface="+mn-cs"/>
-                          <a:sym typeface="Wingdings" panose="05000000000000000000" pitchFamily="2" charset="2"/>
-                        </a:rPr>
-                        <a:t></a:t>
-                      </a:r>
-                    </a:p>
                   </a:txBody>
                   <a:tcPr/>
                 </a:tc>
@@ -20127,7 +20115,7 @@
                       <a:pPr algn="ctr"/>
                       <a:r>
                         <a:rPr lang="es-AR" sz="1400" dirty="0" smtClean="0"/>
-                        <a:t>98%</a:t>
+                        <a:t>100%</a:t>
                       </a:r>
                       <a:endParaRPr lang="es-AR" sz="1400" dirty="0"/>
                     </a:p>
@@ -20142,7 +20130,7 @@
                       <a:pPr algn="ctr"/>
                       <a:r>
                         <a:rPr lang="es-AR" sz="1400" dirty="0" smtClean="0"/>
-                        <a:t>95%</a:t>
+                        <a:t>100%</a:t>
                       </a:r>
                       <a:endParaRPr lang="es-AR" sz="1400" dirty="0"/>
                     </a:p>
@@ -20217,7 +20205,7 @@
           <a:p>
             <a:fld id="{026729C1-673E-4729-AC71-847050BEA676}" type="datetime1">
               <a:rPr lang="es-AR" smtClean="0"/>
-              <a:t>7/dic.22</a:t>
+              <a:t>8/dic.22</a:t>
             </a:fld>
             <a:endParaRPr lang="es-AR"/>
           </a:p>

--- a/0-varios/Archivos-Office/Desarrollo web Teovisión v2.pptx
+++ b/0-varios/Archivos-Office/Desarrollo web Teovisión v2.pptx
@@ -3066,7 +3066,7 @@
           <a:p>
             <a:fld id="{15A53EF2-857A-475A-B989-D621464FC5FE}" type="datetimeFigureOut">
               <a:rPr lang="es-AR" smtClean="0"/>
-              <a:t>7/dic.22</a:t>
+              <a:t>8/dic.22</a:t>
             </a:fld>
             <a:endParaRPr lang="es-AR"/>
           </a:p>
@@ -3593,7 +3593,7 @@
           <a:p>
             <a:fld id="{61A29766-F8F1-40A0-9012-1D6D854DEF19}" type="datetime1">
               <a:rPr lang="es-AR" smtClean="0"/>
-              <a:t>7/dic.22</a:t>
+              <a:t>8/dic.22</a:t>
             </a:fld>
             <a:endParaRPr lang="es-AR"/>
           </a:p>
@@ -3773,7 +3773,7 @@
           <a:p>
             <a:fld id="{AE6B27E4-E037-4417-BAA1-4EA2285D12B1}" type="datetime1">
               <a:rPr lang="es-AR" smtClean="0"/>
-              <a:t>7/dic.22</a:t>
+              <a:t>8/dic.22</a:t>
             </a:fld>
             <a:endParaRPr lang="es-AR"/>
           </a:p>
@@ -3953,7 +3953,7 @@
           <a:p>
             <a:fld id="{06E9FD0F-B1A3-4BFC-9B6C-EFC7C439C1C6}" type="datetime1">
               <a:rPr lang="es-AR" smtClean="0"/>
-              <a:t>7/dic.22</a:t>
+              <a:t>8/dic.22</a:t>
             </a:fld>
             <a:endParaRPr lang="es-AR"/>
           </a:p>
@@ -4199,7 +4199,7 @@
           <a:p>
             <a:fld id="{12B0B659-48BD-489A-B1DB-2611836A1BF3}" type="datetime1">
               <a:rPr lang="es-AR" smtClean="0"/>
-              <a:t>7/dic.22</a:t>
+              <a:t>8/dic.22</a:t>
             </a:fld>
             <a:endParaRPr lang="es-AR"/>
           </a:p>
@@ -4431,7 +4431,7 @@
           <a:p>
             <a:fld id="{2012BD2E-4DE1-43F3-9389-38F8F1A594C5}" type="datetime1">
               <a:rPr lang="es-AR" smtClean="0"/>
-              <a:t>7/dic.22</a:t>
+              <a:t>8/dic.22</a:t>
             </a:fld>
             <a:endParaRPr lang="es-AR"/>
           </a:p>
@@ -4798,7 +4798,7 @@
           <a:p>
             <a:fld id="{C40B5982-6B3C-4989-8EDA-6F8B49694493}" type="datetime1">
               <a:rPr lang="es-AR" smtClean="0"/>
-              <a:t>7/dic.22</a:t>
+              <a:t>8/dic.22</a:t>
             </a:fld>
             <a:endParaRPr lang="es-AR"/>
           </a:p>
@@ -4944,7 +4944,7 @@
           <a:p>
             <a:fld id="{BC4B7BD7-8412-49DF-88C1-6EBDC5AFB437}" type="datetime1">
               <a:rPr lang="es-AR" smtClean="0"/>
-              <a:t>7/dic.22</a:t>
+              <a:t>8/dic.22</a:t>
             </a:fld>
             <a:endParaRPr lang="es-AR"/>
           </a:p>
@@ -5039,7 +5039,7 @@
           <a:p>
             <a:fld id="{3F2EFFA2-EE5D-4D7A-8A67-E43B2E1F3BCF}" type="datetime1">
               <a:rPr lang="es-AR" smtClean="0"/>
-              <a:t>7/dic.22</a:t>
+              <a:t>8/dic.22</a:t>
             </a:fld>
             <a:endParaRPr lang="es-AR"/>
           </a:p>
@@ -5316,7 +5316,7 @@
           <a:p>
             <a:fld id="{1657CC18-C596-4B8D-B0F2-39407AF309E9}" type="datetime1">
               <a:rPr lang="es-AR" smtClean="0"/>
-              <a:t>7/dic.22</a:t>
+              <a:t>8/dic.22</a:t>
             </a:fld>
             <a:endParaRPr lang="es-AR"/>
           </a:p>
@@ -5569,7 +5569,7 @@
           <a:p>
             <a:fld id="{70E49125-F661-48D8-9660-7F121CB22E0F}" type="datetime1">
               <a:rPr lang="es-AR" smtClean="0"/>
-              <a:t>7/dic.22</a:t>
+              <a:t>8/dic.22</a:t>
             </a:fld>
             <a:endParaRPr lang="es-AR"/>
           </a:p>
@@ -5782,7 +5782,7 @@
           <a:p>
             <a:fld id="{18DEFC15-B62B-4B9A-91AC-2F8E1CBC4E3C}" type="datetime1">
               <a:rPr lang="es-AR" smtClean="0"/>
-              <a:t>7/dic.22</a:t>
+              <a:t>8/dic.22</a:t>
             </a:fld>
             <a:endParaRPr lang="es-AR"/>
           </a:p>
@@ -7383,7 +7383,7 @@
           <a:p>
             <a:fld id="{AA591B98-6277-41D2-B70A-1673F04ACFE9}" type="datetime1">
               <a:rPr lang="es-AR" smtClean="0"/>
-              <a:t>7/dic.22</a:t>
+              <a:t>8/dic.22</a:t>
             </a:fld>
             <a:endParaRPr lang="es-AR"/>
           </a:p>
@@ -8500,7 +8500,7 @@
           <a:p>
             <a:fld id="{C5CE8752-E2F2-47CF-97DC-DD84E18D0F4F}" type="datetime1">
               <a:rPr lang="es-AR" smtClean="0"/>
-              <a:t>7/dic.22</a:t>
+              <a:t>8/dic.22</a:t>
             </a:fld>
             <a:endParaRPr lang="es-AR"/>
           </a:p>
@@ -10116,7 +10116,7 @@
           <a:p>
             <a:fld id="{C7F284DD-8BD8-4AE3-AD53-DA6B95DB2724}" type="datetime1">
               <a:rPr lang="es-AR" smtClean="0"/>
-              <a:t>7/dic.22</a:t>
+              <a:t>8/dic.22</a:t>
             </a:fld>
             <a:endParaRPr lang="es-AR"/>
           </a:p>
@@ -10720,7 +10720,7 @@
           <a:p>
             <a:fld id="{684A9043-1EFE-4B98-B43D-E1961C97A46D}" type="datetime1">
               <a:rPr lang="es-AR" smtClean="0"/>
-              <a:t>7/dic.22</a:t>
+              <a:t>8/dic.22</a:t>
             </a:fld>
             <a:endParaRPr lang="es-AR"/>
           </a:p>
@@ -12363,7 +12363,7 @@
           <a:p>
             <a:fld id="{F2ABE03F-56D9-4DAA-B448-BCAE1AF83530}" type="datetime1">
               <a:rPr lang="es-AR" smtClean="0"/>
-              <a:t>7/dic.22</a:t>
+              <a:t>8/dic.22</a:t>
             </a:fld>
             <a:endParaRPr lang="es-AR"/>
           </a:p>
@@ -13125,7 +13125,7 @@
           <a:p>
             <a:fld id="{E951C919-5623-4638-8F14-AA256741F6A5}" type="datetime1">
               <a:rPr lang="es-AR" smtClean="0"/>
-              <a:t>7/dic.22</a:t>
+              <a:t>8/dic.22</a:t>
             </a:fld>
             <a:endParaRPr lang="es-AR"/>
           </a:p>
@@ -13276,7 +13276,7 @@
           <a:p>
             <a:fld id="{55A656B1-C9FD-42B0-AB20-78DD3B9FFBDA}" type="datetime1">
               <a:rPr lang="es-AR" smtClean="0"/>
-              <a:t>7/dic.22</a:t>
+              <a:t>8/dic.22</a:t>
             </a:fld>
             <a:endParaRPr lang="es-AR"/>
           </a:p>
@@ -13825,7 +13825,7 @@
           <a:p>
             <a:fld id="{E23C16FB-EA57-49DC-AABC-6B4D367E3A00}" type="datetime1">
               <a:rPr lang="es-AR" smtClean="0"/>
-              <a:t>7/dic.22</a:t>
+              <a:t>8/dic.22</a:t>
             </a:fld>
             <a:endParaRPr lang="es-AR"/>
           </a:p>
@@ -14369,7 +14369,7 @@
           <a:p>
             <a:fld id="{927297CD-6264-42C7-ABE6-86FA57CA8201}" type="datetime1">
               <a:rPr lang="es-AR" smtClean="0"/>
-              <a:t>7/dic.22</a:t>
+              <a:t>8/dic.22</a:t>
             </a:fld>
             <a:endParaRPr lang="es-AR"/>
           </a:p>
@@ -14717,7 +14717,7 @@
           <a:p>
             <a:fld id="{7427010C-2A1D-4BE3-9336-5EA48CCE2D32}" type="datetime1">
               <a:rPr lang="es-AR" smtClean="0"/>
-              <a:t>7/dic.22</a:t>
+              <a:t>8/dic.22</a:t>
             </a:fld>
             <a:endParaRPr lang="es-AR"/>
           </a:p>
@@ -14918,7 +14918,7 @@
           <a:p>
             <a:fld id="{EB150FDE-CE14-4564-B75A-7B098249F7BF}" type="datetime1">
               <a:rPr lang="es-AR" smtClean="0"/>
-              <a:t>7/dic.22</a:t>
+              <a:t>8/dic.22</a:t>
             </a:fld>
             <a:endParaRPr lang="es-AR"/>
           </a:p>
@@ -15009,7 +15009,7 @@
           <p:nvPr>
             <p:extLst>
               <p:ext uri="{D42A27DB-BD31-4B8C-83A1-F6EECF244321}">
-                <p14:modId xmlns:p14="http://schemas.microsoft.com/office/powerpoint/2010/main" val="2172716739"/>
+                <p14:modId xmlns:p14="http://schemas.microsoft.com/office/powerpoint/2010/main" val="3173724595"/>
               </p:ext>
             </p:extLst>
           </p:nvPr>
@@ -15250,7 +15250,7 @@
                   <a:tcPr>
                     <a:solidFill>
                       <a:schemeClr val="tx1">
-                        <a:lumMod val="50000"/>
+                        <a:lumMod val="65000"/>
                       </a:schemeClr>
                     </a:solidFill>
                   </a:tcPr>
@@ -15296,7 +15296,7 @@
                   <a:tcPr>
                     <a:solidFill>
                       <a:schemeClr val="tx1">
-                        <a:lumMod val="50000"/>
+                        <a:lumMod val="65000"/>
                       </a:schemeClr>
                     </a:solidFill>
                   </a:tcPr>
@@ -15360,420 +15360,6 @@
                           <a:latin typeface="Calibri" panose="020F0502020204030204"/>
                           <a:ea typeface="+mn-ea"/>
                           <a:cs typeface="+mn-cs"/>
-                        </a:rPr>
-                        <a:t>97%</a:t>
-                      </a:r>
-                      <a:endParaRPr kumimoji="0" lang="es-AR" sz="1800" b="0" i="0" u="none" strike="noStrike" kern="1200" cap="none" spc="0" normalizeH="0" baseline="0" noProof="0" dirty="0">
-                        <a:ln>
-                          <a:noFill/>
-                        </a:ln>
-                        <a:solidFill>
-                          <a:prstClr val="black"/>
-                        </a:solidFill>
-                        <a:effectLst/>
-                        <a:uLnTx/>
-                        <a:uFillTx/>
-                        <a:latin typeface="Calibri" panose="020F0502020204030204"/>
-                        <a:ea typeface="+mn-ea"/>
-                        <a:cs typeface="+mn-cs"/>
-                      </a:endParaRPr>
-                    </a:p>
-                  </a:txBody>
-                  <a:tcPr/>
-                </a:tc>
-                <a:tc>
-                  <a:txBody>
-                    <a:bodyPr/>
-                    <a:lstStyle/>
-                    <a:p>
-                      <a:pPr marL="0" marR="0" lvl="0" indent="0" algn="ctr" defTabSz="914400" rtl="0" eaLnBrk="1" fontAlgn="auto" latinLnBrk="0" hangingPunct="1">
-                        <a:lnSpc>
-                          <a:spcPct val="100000"/>
-                        </a:lnSpc>
-                        <a:spcBef>
-                          <a:spcPts val="0"/>
-                        </a:spcBef>
-                        <a:spcAft>
-                          <a:spcPts val="0"/>
-                        </a:spcAft>
-                        <a:buClrTx/>
-                        <a:buSzTx/>
-                        <a:buFontTx/>
-                        <a:buNone/>
-                        <a:tabLst>
-                          <a:tab pos="717550" algn="r"/>
-                        </a:tabLst>
-                        <a:defRPr/>
-                      </a:pPr>
-                      <a:r>
-                        <a:rPr kumimoji="0" lang="es-AR" sz="1800" b="0" i="0" u="none" strike="noStrike" kern="1200" cap="none" spc="0" normalizeH="0" baseline="0" noProof="0" dirty="0" smtClean="0">
-                          <a:ln>
-                            <a:noFill/>
-                          </a:ln>
-                          <a:solidFill>
-                            <a:prstClr val="black"/>
-                          </a:solidFill>
-                          <a:effectLst/>
-                          <a:uLnTx/>
-                          <a:uFillTx/>
-                          <a:latin typeface="Calibri" panose="020F0502020204030204"/>
-                          <a:ea typeface="+mn-ea"/>
-                          <a:cs typeface="+mn-cs"/>
-                          <a:sym typeface="Symbol" panose="05050102010706020507" pitchFamily="18" charset="2"/>
-                        </a:rPr>
-                        <a:t>①</a:t>
-                      </a:r>
-                      <a:endParaRPr kumimoji="0" lang="es-AR" sz="1800" b="0" i="0" u="none" strike="noStrike" kern="1200" cap="none" spc="0" normalizeH="0" baseline="0" noProof="0" dirty="0">
-                        <a:ln>
-                          <a:noFill/>
-                        </a:ln>
-                        <a:solidFill>
-                          <a:prstClr val="black"/>
-                        </a:solidFill>
-                        <a:effectLst/>
-                        <a:uLnTx/>
-                        <a:uFillTx/>
-                        <a:latin typeface="Calibri" panose="020F0502020204030204"/>
-                        <a:ea typeface="+mn-ea"/>
-                        <a:cs typeface="+mn-cs"/>
-                      </a:endParaRPr>
-                    </a:p>
-                  </a:txBody>
-                  <a:tcPr/>
-                </a:tc>
-                <a:tc>
-                  <a:txBody>
-                    <a:bodyPr/>
-                    <a:lstStyle/>
-                    <a:p>
-                      <a:pPr marL="0" marR="0" lvl="0" indent="0" algn="l" defTabSz="914400" rtl="0" eaLnBrk="1" fontAlgn="auto" latinLnBrk="0" hangingPunct="1">
-                        <a:lnSpc>
-                          <a:spcPct val="100000"/>
-                        </a:lnSpc>
-                        <a:spcBef>
-                          <a:spcPts val="0"/>
-                        </a:spcBef>
-                        <a:spcAft>
-                          <a:spcPts val="0"/>
-                        </a:spcAft>
-                        <a:buClrTx/>
-                        <a:buSzTx/>
-                        <a:buFontTx/>
-                        <a:buNone/>
-                        <a:tabLst>
-                          <a:tab pos="717550" algn="r"/>
-                        </a:tabLst>
-                        <a:defRPr/>
-                      </a:pPr>
-                      <a:r>
-                        <a:rPr kumimoji="0" lang="es-AR" sz="1800" b="0" i="0" u="none" strike="noStrike" kern="1200" cap="none" spc="0" normalizeH="0" baseline="0" noProof="0" dirty="0" smtClean="0">
-                          <a:ln>
-                            <a:noFill/>
-                          </a:ln>
-                          <a:solidFill>
-                            <a:prstClr val="black"/>
-                          </a:solidFill>
-                          <a:effectLst/>
-                          <a:uLnTx/>
-                          <a:uFillTx/>
-                          <a:latin typeface="Calibri" panose="020F0502020204030204"/>
-                          <a:ea typeface="+mn-ea"/>
-                          <a:cs typeface="+mn-cs"/>
-                        </a:rPr>
-                        <a:t>Diego</a:t>
-                      </a:r>
-                      <a:endParaRPr kumimoji="0" lang="es-AR" sz="1800" b="0" i="0" u="none" strike="noStrike" kern="1200" cap="none" spc="0" normalizeH="0" baseline="0" noProof="0" dirty="0">
-                        <a:ln>
-                          <a:noFill/>
-                        </a:ln>
-                        <a:solidFill>
-                          <a:prstClr val="black"/>
-                        </a:solidFill>
-                        <a:effectLst/>
-                        <a:uLnTx/>
-                        <a:uFillTx/>
-                        <a:latin typeface="Calibri" panose="020F0502020204030204"/>
-                        <a:ea typeface="+mn-ea"/>
-                        <a:cs typeface="+mn-cs"/>
-                      </a:endParaRPr>
-                    </a:p>
-                  </a:txBody>
-                  <a:tcPr/>
-                </a:tc>
-                <a:extLst>
-                  <a:ext uri="{0D108BD9-81ED-4DB2-BD59-A6C34878D82A}">
-                    <a16:rowId xmlns:a16="http://schemas.microsoft.com/office/drawing/2014/main" val="3756542038"/>
-                  </a:ext>
-                </a:extLst>
-              </a:tr>
-              <a:tr h="370840">
-                <a:tc>
-                  <a:txBody>
-                    <a:bodyPr/>
-                    <a:lstStyle/>
-                    <a:p>
-                      <a:pPr marL="0" marR="0" indent="0" algn="l" defTabSz="914400" rtl="0" eaLnBrk="1" fontAlgn="auto" latinLnBrk="0" hangingPunct="1">
-                        <a:lnSpc>
-                          <a:spcPct val="100000"/>
-                        </a:lnSpc>
-                        <a:spcBef>
-                          <a:spcPts val="0"/>
-                        </a:spcBef>
-                        <a:spcAft>
-                          <a:spcPts val="0"/>
-                        </a:spcAft>
-                        <a:buClrTx/>
-                        <a:buSzTx/>
-                        <a:buFontTx/>
-                        <a:buNone/>
-                        <a:tabLst/>
-                        <a:defRPr/>
-                      </a:pPr>
-                      <a:r>
-                        <a:rPr lang="es-AR" dirty="0" smtClean="0"/>
-                        <a:t>CRUD + Revisión de RCLV</a:t>
-                      </a:r>
-                    </a:p>
-                  </a:txBody>
-                  <a:tcPr/>
-                </a:tc>
-                <a:tc>
-                  <a:txBody>
-                    <a:bodyPr/>
-                    <a:lstStyle/>
-                    <a:p>
-                      <a:pPr marL="0" marR="0" lvl="0" indent="0" algn="ctr" defTabSz="914400" rtl="0" eaLnBrk="1" fontAlgn="auto" latinLnBrk="0" hangingPunct="1">
-                        <a:lnSpc>
-                          <a:spcPct val="100000"/>
-                        </a:lnSpc>
-                        <a:spcBef>
-                          <a:spcPts val="0"/>
-                        </a:spcBef>
-                        <a:spcAft>
-                          <a:spcPts val="0"/>
-                        </a:spcAft>
-                        <a:buClrTx/>
-                        <a:buSzTx/>
-                        <a:buFontTx/>
-                        <a:buNone/>
-                        <a:tabLst>
-                          <a:tab pos="717550" algn="r"/>
-                        </a:tabLst>
-                        <a:defRPr/>
-                      </a:pPr>
-                      <a:r>
-                        <a:rPr kumimoji="0" lang="es-AR" sz="1800" b="0" i="0" u="none" strike="noStrike" kern="1200" cap="none" spc="0" normalizeH="0" baseline="0" noProof="0" dirty="0" smtClean="0">
-                          <a:ln>
-                            <a:noFill/>
-                          </a:ln>
-                          <a:solidFill>
-                            <a:prstClr val="black"/>
-                          </a:solidFill>
-                          <a:effectLst/>
-                          <a:uLnTx/>
-                          <a:uFillTx/>
-                          <a:latin typeface="Calibri" panose="020F0502020204030204"/>
-                          <a:ea typeface="+mn-ea"/>
-                          <a:cs typeface="+mn-cs"/>
-                        </a:rPr>
-                        <a:t>53%</a:t>
-                      </a:r>
-                      <a:endParaRPr kumimoji="0" lang="es-AR" sz="1800" b="0" i="0" u="none" strike="noStrike" kern="1200" cap="none" spc="0" normalizeH="0" baseline="0" noProof="0" dirty="0">
-                        <a:ln>
-                          <a:noFill/>
-                        </a:ln>
-                        <a:solidFill>
-                          <a:prstClr val="black"/>
-                        </a:solidFill>
-                        <a:effectLst/>
-                        <a:uLnTx/>
-                        <a:uFillTx/>
-                        <a:latin typeface="Calibri" panose="020F0502020204030204"/>
-                        <a:ea typeface="+mn-ea"/>
-                        <a:cs typeface="+mn-cs"/>
-                      </a:endParaRPr>
-                    </a:p>
-                  </a:txBody>
-                  <a:tcPr/>
-                </a:tc>
-                <a:tc>
-                  <a:txBody>
-                    <a:bodyPr/>
-                    <a:lstStyle/>
-                    <a:p>
-                      <a:pPr marL="0" marR="0" lvl="0" indent="0" algn="ctr" defTabSz="914400" rtl="0" eaLnBrk="1" fontAlgn="auto" latinLnBrk="0" hangingPunct="1">
-                        <a:lnSpc>
-                          <a:spcPct val="100000"/>
-                        </a:lnSpc>
-                        <a:spcBef>
-                          <a:spcPts val="0"/>
-                        </a:spcBef>
-                        <a:spcAft>
-                          <a:spcPts val="0"/>
-                        </a:spcAft>
-                        <a:buClrTx/>
-                        <a:buSzTx/>
-                        <a:buFontTx/>
-                        <a:buNone/>
-                        <a:tabLst>
-                          <a:tab pos="717550" algn="r"/>
-                        </a:tabLst>
-                        <a:defRPr/>
-                      </a:pPr>
-                      <a:r>
-                        <a:rPr kumimoji="0" lang="es-AR" sz="1800" b="0" i="0" u="none" strike="noStrike" kern="1200" cap="none" spc="0" normalizeH="0" baseline="0" noProof="0" dirty="0" smtClean="0">
-                          <a:ln>
-                            <a:noFill/>
-                          </a:ln>
-                          <a:solidFill>
-                            <a:prstClr val="black"/>
-                          </a:solidFill>
-                          <a:effectLst/>
-                          <a:uLnTx/>
-                          <a:uFillTx/>
-                          <a:latin typeface="Calibri" panose="020F0502020204030204"/>
-                          <a:ea typeface="+mn-ea"/>
-                          <a:cs typeface="+mn-cs"/>
-                        </a:rPr>
-                        <a:t>③</a:t>
-                      </a:r>
-                      <a:endParaRPr kumimoji="0" lang="es-AR" sz="1800" b="0" i="0" u="none" strike="noStrike" kern="1200" cap="none" spc="0" normalizeH="0" baseline="0" noProof="0" dirty="0">
-                        <a:ln>
-                          <a:noFill/>
-                        </a:ln>
-                        <a:solidFill>
-                          <a:prstClr val="black"/>
-                        </a:solidFill>
-                        <a:effectLst/>
-                        <a:uLnTx/>
-                        <a:uFillTx/>
-                        <a:latin typeface="Calibri" panose="020F0502020204030204"/>
-                        <a:ea typeface="+mn-ea"/>
-                        <a:cs typeface="+mn-cs"/>
-                      </a:endParaRPr>
-                    </a:p>
-                  </a:txBody>
-                  <a:tcPr/>
-                </a:tc>
-                <a:tc>
-                  <a:txBody>
-                    <a:bodyPr/>
-                    <a:lstStyle/>
-                    <a:p>
-                      <a:pPr marL="0" marR="0" lvl="0" indent="0" algn="l" defTabSz="914400" rtl="0" eaLnBrk="1" fontAlgn="auto" latinLnBrk="0" hangingPunct="1">
-                        <a:lnSpc>
-                          <a:spcPct val="100000"/>
-                        </a:lnSpc>
-                        <a:spcBef>
-                          <a:spcPts val="0"/>
-                        </a:spcBef>
-                        <a:spcAft>
-                          <a:spcPts val="0"/>
-                        </a:spcAft>
-                        <a:buClrTx/>
-                        <a:buSzTx/>
-                        <a:buFontTx/>
-                        <a:buNone/>
-                        <a:tabLst>
-                          <a:tab pos="717550" algn="r"/>
-                        </a:tabLst>
-                        <a:defRPr/>
-                      </a:pPr>
-                      <a:r>
-                        <a:rPr kumimoji="0" lang="es-AR" sz="1800" b="0" i="0" u="none" strike="noStrike" kern="1200" cap="none" spc="0" normalizeH="0" baseline="0" noProof="0" dirty="0" smtClean="0">
-                          <a:ln>
-                            <a:noFill/>
-                          </a:ln>
-                          <a:solidFill>
-                            <a:prstClr val="black"/>
-                          </a:solidFill>
-                          <a:effectLst/>
-                          <a:uLnTx/>
-                          <a:uFillTx/>
-                          <a:latin typeface="+mn-lt"/>
-                          <a:ea typeface="+mn-ea"/>
-                          <a:cs typeface="+mn-cs"/>
-                        </a:rPr>
-                        <a:t>Diego</a:t>
-                      </a:r>
-                      <a:endParaRPr kumimoji="0" lang="es-AR" sz="1800" b="0" i="0" u="none" strike="noStrike" kern="1200" cap="none" spc="0" normalizeH="0" baseline="0" noProof="0" dirty="0">
-                        <a:ln>
-                          <a:noFill/>
-                        </a:ln>
-                        <a:solidFill>
-                          <a:prstClr val="black"/>
-                        </a:solidFill>
-                        <a:effectLst/>
-                        <a:uLnTx/>
-                        <a:uFillTx/>
-                        <a:latin typeface="Calibri" panose="020F0502020204030204"/>
-                        <a:ea typeface="+mn-ea"/>
-                        <a:cs typeface="+mn-cs"/>
-                      </a:endParaRPr>
-                    </a:p>
-                  </a:txBody>
-                  <a:tcPr/>
-                </a:tc>
-                <a:extLst>
-                  <a:ext uri="{0D108BD9-81ED-4DB2-BD59-A6C34878D82A}">
-                    <a16:rowId xmlns:a16="http://schemas.microsoft.com/office/drawing/2014/main" val="2820232137"/>
-                  </a:ext>
-                </a:extLst>
-              </a:tr>
-              <a:tr h="370840">
-                <a:tc>
-                  <a:txBody>
-                    <a:bodyPr/>
-                    <a:lstStyle/>
-                    <a:p>
-                      <a:r>
-                        <a:rPr lang="es-AR" dirty="0" smtClean="0"/>
-                        <a:t>ABM + Revisión de Links</a:t>
-                      </a:r>
-                      <a:endParaRPr lang="es-AR" dirty="0"/>
-                    </a:p>
-                  </a:txBody>
-                  <a:tcPr/>
-                </a:tc>
-                <a:tc>
-                  <a:txBody>
-                    <a:bodyPr/>
-                    <a:lstStyle/>
-                    <a:p>
-                      <a:pPr marL="0" marR="0" lvl="0" indent="0" algn="ctr" defTabSz="914400" rtl="0" eaLnBrk="1" fontAlgn="auto" latinLnBrk="0" hangingPunct="1">
-                        <a:lnSpc>
-                          <a:spcPct val="100000"/>
-                        </a:lnSpc>
-                        <a:spcBef>
-                          <a:spcPts val="0"/>
-                        </a:spcBef>
-                        <a:spcAft>
-                          <a:spcPts val="0"/>
-                        </a:spcAft>
-                        <a:buClrTx/>
-                        <a:buSzTx/>
-                        <a:buFontTx/>
-                        <a:buNone/>
-                        <a:tabLst>
-                          <a:tab pos="717550" algn="r"/>
-                        </a:tabLst>
-                        <a:defRPr/>
-                      </a:pPr>
-                      <a:r>
-                        <a:rPr kumimoji="0" lang="es-AR" sz="1800" b="0" i="0" u="none" strike="noStrike" kern="1200" cap="none" spc="0" normalizeH="0" baseline="0" noProof="0" dirty="0" smtClean="0">
-                          <a:ln>
-                            <a:noFill/>
-                          </a:ln>
-                          <a:solidFill>
-                            <a:prstClr val="black"/>
-                          </a:solidFill>
-                          <a:effectLst/>
-                          <a:uLnTx/>
-                          <a:uFillTx/>
-                          <a:latin typeface="Calibri" panose="020F0502020204030204"/>
-                          <a:ea typeface="+mn-ea"/>
-                          <a:cs typeface="+mn-cs"/>
-                          <a:sym typeface="Wingdings" panose="05000000000000000000" pitchFamily="2" charset="2"/>
                         </a:rPr>
                         <a:t>100%</a:t>
                       </a:r>
@@ -15893,7 +15479,7 @@
                 </a:tc>
                 <a:extLst>
                   <a:ext uri="{0D108BD9-81ED-4DB2-BD59-A6C34878D82A}">
-                    <a16:rowId xmlns:a16="http://schemas.microsoft.com/office/drawing/2014/main" val="3696580666"/>
+                    <a16:rowId xmlns:a16="http://schemas.microsoft.com/office/drawing/2014/main" val="3756542038"/>
                   </a:ext>
                 </a:extLst>
               </a:tr>
@@ -15903,13 +15489,222 @@
                     <a:bodyPr/>
                     <a:lstStyle/>
                     <a:p>
+                      <a:pPr marL="0" marR="0" indent="0" algn="l" defTabSz="914400" rtl="0" eaLnBrk="1" fontAlgn="auto" latinLnBrk="0" hangingPunct="1">
+                        <a:lnSpc>
+                          <a:spcPct val="100000"/>
+                        </a:lnSpc>
+                        <a:spcBef>
+                          <a:spcPts val="0"/>
+                        </a:spcBef>
+                        <a:spcAft>
+                          <a:spcPts val="0"/>
+                        </a:spcAft>
+                        <a:buClrTx/>
+                        <a:buSzTx/>
+                        <a:buFontTx/>
+                        <a:buNone/>
+                        <a:tabLst/>
+                        <a:defRPr/>
+                      </a:pPr>
                       <a:r>
                         <a:rPr lang="es-AR" dirty="0" smtClean="0"/>
-                        <a:t>Consultas </a:t>
-                      </a:r>
-                      <a:r>
-                        <a:rPr lang="es-AR" smtClean="0"/>
-                        <a:t>personalizadas s/productos</a:t>
+                        <a:t>CRUD + Revisión de RCLV</a:t>
+                      </a:r>
+                    </a:p>
+                  </a:txBody>
+                  <a:tcPr/>
+                </a:tc>
+                <a:tc>
+                  <a:txBody>
+                    <a:bodyPr/>
+                    <a:lstStyle/>
+                    <a:p>
+                      <a:pPr marL="0" marR="0" lvl="0" indent="0" algn="ctr" defTabSz="914400" rtl="0" eaLnBrk="1" fontAlgn="auto" latinLnBrk="0" hangingPunct="1">
+                        <a:lnSpc>
+                          <a:spcPct val="100000"/>
+                        </a:lnSpc>
+                        <a:spcBef>
+                          <a:spcPts val="0"/>
+                        </a:spcBef>
+                        <a:spcAft>
+                          <a:spcPts val="0"/>
+                        </a:spcAft>
+                        <a:buClrTx/>
+                        <a:buSzTx/>
+                        <a:buFontTx/>
+                        <a:buNone/>
+                        <a:tabLst>
+                          <a:tab pos="717550" algn="r"/>
+                        </a:tabLst>
+                        <a:defRPr/>
+                      </a:pPr>
+                      <a:r>
+                        <a:rPr kumimoji="0" lang="es-AR" sz="1800" b="0" i="0" u="none" strike="noStrike" kern="1200" cap="none" spc="0" normalizeH="0" baseline="0" noProof="0" dirty="0" smtClean="0">
+                          <a:ln>
+                            <a:noFill/>
+                          </a:ln>
+                          <a:solidFill>
+                            <a:prstClr val="black"/>
+                          </a:solidFill>
+                          <a:effectLst/>
+                          <a:uLnTx/>
+                          <a:uFillTx/>
+                          <a:latin typeface="Calibri" panose="020F0502020204030204"/>
+                          <a:ea typeface="+mn-ea"/>
+                          <a:cs typeface="+mn-cs"/>
+                        </a:rPr>
+                        <a:t>53%</a:t>
+                      </a:r>
+                      <a:endParaRPr kumimoji="0" lang="es-AR" sz="1800" b="0" i="0" u="none" strike="noStrike" kern="1200" cap="none" spc="0" normalizeH="0" baseline="0" noProof="0" dirty="0">
+                        <a:ln>
+                          <a:noFill/>
+                        </a:ln>
+                        <a:solidFill>
+                          <a:prstClr val="black"/>
+                        </a:solidFill>
+                        <a:effectLst/>
+                        <a:uLnTx/>
+                        <a:uFillTx/>
+                        <a:latin typeface="Calibri" panose="020F0502020204030204"/>
+                        <a:ea typeface="+mn-ea"/>
+                        <a:cs typeface="+mn-cs"/>
+                      </a:endParaRPr>
+                    </a:p>
+                  </a:txBody>
+                  <a:tcPr/>
+                </a:tc>
+                <a:tc>
+                  <a:txBody>
+                    <a:bodyPr/>
+                    <a:lstStyle/>
+                    <a:p>
+                      <a:pPr marL="0" marR="0" lvl="0" indent="0" algn="ctr" defTabSz="914400" rtl="0" eaLnBrk="1" fontAlgn="auto" latinLnBrk="0" hangingPunct="1">
+                        <a:lnSpc>
+                          <a:spcPct val="100000"/>
+                        </a:lnSpc>
+                        <a:spcBef>
+                          <a:spcPts val="0"/>
+                        </a:spcBef>
+                        <a:spcAft>
+                          <a:spcPts val="0"/>
+                        </a:spcAft>
+                        <a:buClrTx/>
+                        <a:buSzTx/>
+                        <a:buFontTx/>
+                        <a:buNone/>
+                        <a:tabLst/>
+                        <a:defRPr/>
+                      </a:pPr>
+                      <a:r>
+                        <a:rPr kumimoji="0" lang="es-AR" sz="1800" b="0" i="0" u="none" strike="noStrike" kern="1200" cap="none" spc="0" normalizeH="0" baseline="0" noProof="0" dirty="0" smtClean="0">
+                          <a:ln>
+                            <a:noFill/>
+                          </a:ln>
+                          <a:solidFill>
+                            <a:prstClr val="black"/>
+                          </a:solidFill>
+                          <a:effectLst/>
+                          <a:uLnTx/>
+                          <a:uFillTx/>
+                          <a:latin typeface="+mn-lt"/>
+                          <a:ea typeface="+mn-ea"/>
+                          <a:cs typeface="+mn-cs"/>
+                          <a:sym typeface="Symbol" panose="05050102010706020507" pitchFamily="18" charset="2"/>
+                        </a:rPr>
+                        <a:t>②</a:t>
+                      </a:r>
+                      <a:endParaRPr kumimoji="0" lang="es-AR" sz="1800" b="0" i="0" u="none" strike="noStrike" kern="1200" cap="none" spc="0" normalizeH="0" baseline="0" noProof="0" dirty="0" smtClean="0">
+                        <a:ln>
+                          <a:noFill/>
+                        </a:ln>
+                        <a:solidFill>
+                          <a:prstClr val="black"/>
+                        </a:solidFill>
+                        <a:effectLst/>
+                        <a:uLnTx/>
+                        <a:uFillTx/>
+                        <a:latin typeface="+mn-lt"/>
+                        <a:ea typeface="+mn-ea"/>
+                        <a:cs typeface="+mn-cs"/>
+                      </a:endParaRPr>
+                    </a:p>
+                  </a:txBody>
+                  <a:tcPr/>
+                </a:tc>
+                <a:tc>
+                  <a:txBody>
+                    <a:bodyPr/>
+                    <a:lstStyle/>
+                    <a:p>
+                      <a:pPr marL="0" marR="0" lvl="0" indent="0" algn="l" defTabSz="914400" rtl="0" eaLnBrk="1" fontAlgn="auto" latinLnBrk="0" hangingPunct="1">
+                        <a:lnSpc>
+                          <a:spcPct val="100000"/>
+                        </a:lnSpc>
+                        <a:spcBef>
+                          <a:spcPts val="0"/>
+                        </a:spcBef>
+                        <a:spcAft>
+                          <a:spcPts val="0"/>
+                        </a:spcAft>
+                        <a:buClrTx/>
+                        <a:buSzTx/>
+                        <a:buFontTx/>
+                        <a:buNone/>
+                        <a:tabLst>
+                          <a:tab pos="717550" algn="r"/>
+                        </a:tabLst>
+                        <a:defRPr/>
+                      </a:pPr>
+                      <a:r>
+                        <a:rPr kumimoji="0" lang="es-AR" sz="1800" b="0" i="0" u="none" strike="noStrike" kern="1200" cap="none" spc="0" normalizeH="0" baseline="0" noProof="0" dirty="0" smtClean="0">
+                          <a:ln>
+                            <a:noFill/>
+                          </a:ln>
+                          <a:solidFill>
+                            <a:prstClr val="black"/>
+                          </a:solidFill>
+                          <a:effectLst/>
+                          <a:uLnTx/>
+                          <a:uFillTx/>
+                          <a:latin typeface="+mn-lt"/>
+                          <a:ea typeface="+mn-ea"/>
+                          <a:cs typeface="+mn-cs"/>
+                        </a:rPr>
+                        <a:t>Diego</a:t>
+                      </a:r>
+                      <a:endParaRPr kumimoji="0" lang="es-AR" sz="1800" b="0" i="0" u="none" strike="noStrike" kern="1200" cap="none" spc="0" normalizeH="0" baseline="0" noProof="0" dirty="0">
+                        <a:ln>
+                          <a:noFill/>
+                        </a:ln>
+                        <a:solidFill>
+                          <a:prstClr val="black"/>
+                        </a:solidFill>
+                        <a:effectLst/>
+                        <a:uLnTx/>
+                        <a:uFillTx/>
+                        <a:latin typeface="Calibri" panose="020F0502020204030204"/>
+                        <a:ea typeface="+mn-ea"/>
+                        <a:cs typeface="+mn-cs"/>
+                      </a:endParaRPr>
+                    </a:p>
+                  </a:txBody>
+                  <a:tcPr/>
+                </a:tc>
+                <a:extLst>
+                  <a:ext uri="{0D108BD9-81ED-4DB2-BD59-A6C34878D82A}">
+                    <a16:rowId xmlns:a16="http://schemas.microsoft.com/office/drawing/2014/main" val="2820232137"/>
+                  </a:ext>
+                </a:extLst>
+              </a:tr>
+              <a:tr h="370840">
+                <a:tc>
+                  <a:txBody>
+                    <a:bodyPr/>
+                    <a:lstStyle/>
+                    <a:p>
+                      <a:r>
+                        <a:rPr lang="es-AR" dirty="0" smtClean="0"/>
+                        <a:t>ABM + Revisión de Links</a:t>
                       </a:r>
                       <a:endParaRPr lang="es-AR" dirty="0"/>
                     </a:p>
@@ -15956,7 +15751,7 @@
                           <a:cs typeface="+mn-cs"/>
                           <a:sym typeface="Wingdings" panose="05000000000000000000" pitchFamily="2" charset="2"/>
                         </a:rPr>
-                        <a:t>24%</a:t>
+                        <a:t>100%</a:t>
                       </a:r>
                       <a:endParaRPr kumimoji="0" lang="es-AR" sz="1800" b="0" i="0" u="none" strike="noStrike" kern="1200" cap="none" spc="0" normalizeH="0" baseline="0" noProof="0" dirty="0">
                         <a:ln>
@@ -15981,7 +15776,23 @@
                     <a:bodyPr/>
                     <a:lstStyle/>
                     <a:p>
-                      <a:pPr marL="0" marR="0" lvl="0" indent="0" algn="ctr" defTabSz="914400" rtl="0" eaLnBrk="1" fontAlgn="auto" latinLnBrk="0" hangingPunct="1">
+                      <a:endParaRPr lang="es-AR" dirty="0"/>
+                    </a:p>
+                  </a:txBody>
+                  <a:tcPr>
+                    <a:solidFill>
+                      <a:schemeClr val="tx1">
+                        <a:lumMod val="65000"/>
+                      </a:schemeClr>
+                    </a:solidFill>
+                  </a:tcPr>
+                </a:tc>
+                <a:tc>
+                  <a:txBody>
+                    <a:bodyPr/>
+                    <a:lstStyle/>
+                    <a:p>
+                      <a:pPr marL="0" marR="0" lvl="0" indent="0" algn="l" defTabSz="914400" rtl="0" eaLnBrk="1" fontAlgn="auto" latinLnBrk="0" hangingPunct="1">
                         <a:lnSpc>
                           <a:spcPct val="100000"/>
                         </a:lnSpc>
@@ -16016,70 +15827,17 @@
                       </a:endParaRPr>
                     </a:p>
                   </a:txBody>
-                  <a:tcPr/>
-                </a:tc>
-                <a:tc>
-                  <a:txBody>
-                    <a:bodyPr/>
-                    <a:lstStyle/>
-                    <a:p>
-                      <a:pPr marL="0" marR="0" lvl="0" indent="0" algn="l" defTabSz="914400" rtl="0" eaLnBrk="1" fontAlgn="auto" latinLnBrk="0" hangingPunct="1">
-                        <a:lnSpc>
-                          <a:spcPct val="100000"/>
-                        </a:lnSpc>
-                        <a:spcBef>
-                          <a:spcPts val="0"/>
-                        </a:spcBef>
-                        <a:spcAft>
-                          <a:spcPts val="0"/>
-                        </a:spcAft>
-                        <a:buClrTx/>
-                        <a:buSzTx/>
-                        <a:buFontTx/>
-                        <a:buNone/>
-                        <a:tabLst>
-                          <a:tab pos="717550" algn="r"/>
-                        </a:tabLst>
-                        <a:defRPr/>
-                      </a:pPr>
-                      <a:r>
-                        <a:rPr kumimoji="0" lang="es-AR" sz="1800" b="0" i="0" u="none" strike="noStrike" kern="1200" cap="none" spc="0" normalizeH="0" baseline="0" noProof="0" dirty="0" smtClean="0">
-                          <a:ln>
-                            <a:noFill/>
-                          </a:ln>
-                          <a:solidFill>
-                            <a:prstClr val="black"/>
-                          </a:solidFill>
-                          <a:effectLst/>
-                          <a:uLnTx/>
-                          <a:uFillTx/>
-                          <a:latin typeface="Calibri" panose="020F0502020204030204"/>
-                          <a:ea typeface="+mn-ea"/>
-                          <a:cs typeface="+mn-cs"/>
-                        </a:rPr>
-                        <a:t>D/M/F</a:t>
-                      </a:r>
-                      <a:endParaRPr kumimoji="0" lang="es-AR" sz="1800" b="0" i="0" u="none" strike="noStrike" kern="1200" cap="none" spc="0" normalizeH="0" baseline="0" noProof="0" dirty="0">
-                        <a:ln>
-                          <a:noFill/>
-                        </a:ln>
-                        <a:solidFill>
-                          <a:prstClr val="black"/>
-                        </a:solidFill>
-                        <a:effectLst/>
-                        <a:uLnTx/>
-                        <a:uFillTx/>
-                        <a:latin typeface="Calibri" panose="020F0502020204030204"/>
-                        <a:ea typeface="+mn-ea"/>
-                        <a:cs typeface="+mn-cs"/>
-                      </a:endParaRPr>
-                    </a:p>
-                  </a:txBody>
-                  <a:tcPr/>
+                  <a:tcPr>
+                    <a:solidFill>
+                      <a:schemeClr val="tx1">
+                        <a:lumMod val="65000"/>
+                      </a:schemeClr>
+                    </a:solidFill>
+                  </a:tcPr>
                 </a:tc>
                 <a:extLst>
                   <a:ext uri="{0D108BD9-81ED-4DB2-BD59-A6C34878D82A}">
-                    <a16:rowId xmlns:a16="http://schemas.microsoft.com/office/drawing/2014/main" val="2223219619"/>
+                    <a16:rowId xmlns:a16="http://schemas.microsoft.com/office/drawing/2014/main" val="3696580666"/>
                   </a:ext>
                 </a:extLst>
               </a:tr>
@@ -16091,7 +15849,11 @@
                     <a:p>
                       <a:r>
                         <a:rPr lang="es-AR" dirty="0" smtClean="0"/>
-                        <a:t>Contenido institucional</a:t>
+                        <a:t>Consultas </a:t>
+                      </a:r>
+                      <a:r>
+                        <a:rPr lang="es-AR" smtClean="0"/>
+                        <a:t>personalizadas s/productos</a:t>
                       </a:r>
                       <a:endParaRPr lang="es-AR" dirty="0"/>
                     </a:p>
@@ -16138,7 +15900,7 @@
                           <a:cs typeface="+mn-cs"/>
                           <a:sym typeface="Wingdings" panose="05000000000000000000" pitchFamily="2" charset="2"/>
                         </a:rPr>
-                        <a:t>75%</a:t>
+                        <a:t>24%</a:t>
                       </a:r>
                       <a:endParaRPr kumimoji="0" lang="es-AR" sz="1800" b="0" i="0" u="none" strike="noStrike" kern="1200" cap="none" spc="0" normalizeH="0" baseline="0" noProof="0" dirty="0">
                         <a:ln>
@@ -16225,6 +15987,188 @@
                         <a:defRPr/>
                       </a:pPr>
                       <a:r>
+                        <a:rPr kumimoji="0" lang="es-AR" sz="1800" b="0" i="0" u="none" strike="noStrike" kern="1200" cap="none" spc="0" normalizeH="0" baseline="0" noProof="0" dirty="0" smtClean="0">
+                          <a:ln>
+                            <a:noFill/>
+                          </a:ln>
+                          <a:solidFill>
+                            <a:prstClr val="black"/>
+                          </a:solidFill>
+                          <a:effectLst/>
+                          <a:uLnTx/>
+                          <a:uFillTx/>
+                          <a:latin typeface="Calibri" panose="020F0502020204030204"/>
+                          <a:ea typeface="+mn-ea"/>
+                          <a:cs typeface="+mn-cs"/>
+                        </a:rPr>
+                        <a:t>D/M/F</a:t>
+                      </a:r>
+                      <a:endParaRPr kumimoji="0" lang="es-AR" sz="1800" b="0" i="0" u="none" strike="noStrike" kern="1200" cap="none" spc="0" normalizeH="0" baseline="0" noProof="0" dirty="0">
+                        <a:ln>
+                          <a:noFill/>
+                        </a:ln>
+                        <a:solidFill>
+                          <a:prstClr val="black"/>
+                        </a:solidFill>
+                        <a:effectLst/>
+                        <a:uLnTx/>
+                        <a:uFillTx/>
+                        <a:latin typeface="Calibri" panose="020F0502020204030204"/>
+                        <a:ea typeface="+mn-ea"/>
+                        <a:cs typeface="+mn-cs"/>
+                      </a:endParaRPr>
+                    </a:p>
+                  </a:txBody>
+                  <a:tcPr/>
+                </a:tc>
+                <a:extLst>
+                  <a:ext uri="{0D108BD9-81ED-4DB2-BD59-A6C34878D82A}">
+                    <a16:rowId xmlns:a16="http://schemas.microsoft.com/office/drawing/2014/main" val="2223219619"/>
+                  </a:ext>
+                </a:extLst>
+              </a:tr>
+              <a:tr h="370840">
+                <a:tc>
+                  <a:txBody>
+                    <a:bodyPr/>
+                    <a:lstStyle/>
+                    <a:p>
+                      <a:r>
+                        <a:rPr lang="es-AR" dirty="0" smtClean="0"/>
+                        <a:t>Contenido institucional</a:t>
+                      </a:r>
+                      <a:endParaRPr lang="es-AR" dirty="0"/>
+                    </a:p>
+                  </a:txBody>
+                  <a:tcPr/>
+                </a:tc>
+                <a:tc>
+                  <a:txBody>
+                    <a:bodyPr/>
+                    <a:lstStyle/>
+                    <a:p>
+                      <a:pPr marL="0" marR="0" lvl="0" indent="0" algn="ctr" defTabSz="914400" rtl="0" eaLnBrk="1" fontAlgn="auto" latinLnBrk="0" hangingPunct="1">
+                        <a:lnSpc>
+                          <a:spcPct val="100000"/>
+                        </a:lnSpc>
+                        <a:spcBef>
+                          <a:spcPts val="0"/>
+                        </a:spcBef>
+                        <a:spcAft>
+                          <a:spcPts val="0"/>
+                        </a:spcAft>
+                        <a:buClrTx/>
+                        <a:buSzTx/>
+                        <a:buFontTx/>
+                        <a:buNone/>
+                        <a:tabLst>
+                          <a:tab pos="717550" algn="r"/>
+                        </a:tabLst>
+                        <a:defRPr/>
+                      </a:pPr>
+                      <a:r>
+                        <a:rPr kumimoji="0" lang="es-AR" sz="1800" b="0" i="0" u="none" strike="noStrike" kern="1200" cap="none" spc="0" normalizeH="0" baseline="0" noProof="0" dirty="0" smtClean="0">
+                          <a:ln>
+                            <a:noFill/>
+                          </a:ln>
+                          <a:solidFill>
+                            <a:prstClr val="black"/>
+                          </a:solidFill>
+                          <a:effectLst/>
+                          <a:uLnTx/>
+                          <a:uFillTx/>
+                          <a:latin typeface="Calibri" panose="020F0502020204030204"/>
+                          <a:ea typeface="+mn-ea"/>
+                          <a:cs typeface="+mn-cs"/>
+                          <a:sym typeface="Wingdings" panose="05000000000000000000" pitchFamily="2" charset="2"/>
+                        </a:rPr>
+                        <a:t>75%</a:t>
+                      </a:r>
+                      <a:endParaRPr kumimoji="0" lang="es-AR" sz="1800" b="0" i="0" u="none" strike="noStrike" kern="1200" cap="none" spc="0" normalizeH="0" baseline="0" noProof="0" dirty="0">
+                        <a:ln>
+                          <a:noFill/>
+                        </a:ln>
+                        <a:solidFill>
+                          <a:prstClr val="black"/>
+                        </a:solidFill>
+                        <a:effectLst/>
+                        <a:uLnTx/>
+                        <a:uFillTx/>
+                        <a:latin typeface="Calibri" panose="020F0502020204030204"/>
+                        <a:ea typeface="+mn-ea"/>
+                        <a:cs typeface="+mn-cs"/>
+                      </a:endParaRPr>
+                    </a:p>
+                  </a:txBody>
+                  <a:tcPr/>
+                </a:tc>
+                <a:tc>
+                  <a:txBody>
+                    <a:bodyPr/>
+                    <a:lstStyle/>
+                    <a:p>
+                      <a:pPr marL="0" marR="0" lvl="0" indent="0" algn="ctr" defTabSz="914400" rtl="0" eaLnBrk="1" fontAlgn="auto" latinLnBrk="0" hangingPunct="1">
+                        <a:lnSpc>
+                          <a:spcPct val="100000"/>
+                        </a:lnSpc>
+                        <a:spcBef>
+                          <a:spcPts val="0"/>
+                        </a:spcBef>
+                        <a:spcAft>
+                          <a:spcPts val="0"/>
+                        </a:spcAft>
+                        <a:buClrTx/>
+                        <a:buSzTx/>
+                        <a:buFontTx/>
+                        <a:buNone/>
+                        <a:tabLst>
+                          <a:tab pos="717550" algn="r"/>
+                        </a:tabLst>
+                        <a:defRPr/>
+                      </a:pPr>
+                      <a:endParaRPr kumimoji="0" lang="es-AR" sz="1800" b="0" i="0" u="none" strike="noStrike" kern="1200" cap="none" spc="0" normalizeH="0" baseline="0" noProof="0" dirty="0">
+                        <a:ln>
+                          <a:noFill/>
+                        </a:ln>
+                        <a:solidFill>
+                          <a:prstClr val="black"/>
+                        </a:solidFill>
+                        <a:effectLst/>
+                        <a:uLnTx/>
+                        <a:uFillTx/>
+                        <a:latin typeface="Calibri" panose="020F0502020204030204"/>
+                        <a:ea typeface="+mn-ea"/>
+                        <a:cs typeface="+mn-cs"/>
+                      </a:endParaRPr>
+                    </a:p>
+                  </a:txBody>
+                  <a:tcPr/>
+                </a:tc>
+                <a:tc>
+                  <a:txBody>
+                    <a:bodyPr/>
+                    <a:lstStyle/>
+                    <a:p>
+                      <a:pPr marL="0" marR="0" lvl="0" indent="0" algn="l" defTabSz="914400" rtl="0" eaLnBrk="1" fontAlgn="auto" latinLnBrk="0" hangingPunct="1">
+                        <a:lnSpc>
+                          <a:spcPct val="100000"/>
+                        </a:lnSpc>
+                        <a:spcBef>
+                          <a:spcPts val="0"/>
+                        </a:spcBef>
+                        <a:spcAft>
+                          <a:spcPts val="0"/>
+                        </a:spcAft>
+                        <a:buClrTx/>
+                        <a:buSzTx/>
+                        <a:buFontTx/>
+                        <a:buNone/>
+                        <a:tabLst>
+                          <a:tab pos="717550" algn="r"/>
+                        </a:tabLst>
+                        <a:defRPr/>
+                      </a:pPr>
+                      <a:r>
                         <a:rPr kumimoji="0" lang="es-AR" sz="1800" b="0" i="0" u="none" strike="noStrike" kern="1200" cap="none" spc="0" normalizeH="0" baseline="0" noProof="0" dirty="0" err="1" smtClean="0">
                           <a:ln>
                             <a:noFill/>
@@ -16379,27 +16323,12 @@
                           <a:effectLst/>
                           <a:uLnTx/>
                           <a:uFillTx/>
-                          <a:latin typeface="Calibri" panose="020F0502020204030204"/>
+                          <a:latin typeface="+mn-lt"/>
                           <a:ea typeface="+mn-ea"/>
                           <a:cs typeface="+mn-cs"/>
-                          <a:sym typeface="Symbol" panose="05050102010706020507" pitchFamily="18" charset="2"/>
                         </a:rPr>
-                        <a:t>②</a:t>
-                      </a:r>
-                      <a:endParaRPr kumimoji="0" lang="es-AR" sz="1800" b="0" i="0" u="none" strike="noStrike" kern="1200" cap="none" spc="0" normalizeH="0" baseline="0" noProof="0" dirty="0">
-                        <a:ln>
-                          <a:noFill/>
-                        </a:ln>
-                        <a:solidFill>
-                          <a:prstClr val="black"/>
-                        </a:solidFill>
-                        <a:effectLst/>
-                        <a:uLnTx/>
-                        <a:uFillTx/>
-                        <a:latin typeface="Calibri" panose="020F0502020204030204"/>
-                        <a:ea typeface="+mn-ea"/>
-                        <a:cs typeface="+mn-cs"/>
-                      </a:endParaRPr>
+                        <a:t>③</a:t>
+                      </a:r>
                     </a:p>
                   </a:txBody>
                   <a:tcPr/>
@@ -16847,7 +16776,7 @@
           <a:p>
             <a:fld id="{6DB8CD3C-3DAA-4D3B-B403-6CEE1FEBE87F}" type="datetime1">
               <a:rPr lang="es-AR" smtClean="0"/>
-              <a:t>7/dic.22</a:t>
+              <a:t>8/dic.22</a:t>
             </a:fld>
             <a:endParaRPr lang="es-AR"/>
           </a:p>
@@ -17518,7 +17447,7 @@
           <a:p>
             <a:fld id="{EEC263DB-ED5C-4C87-B1ED-E91935869EE7}" type="datetime1">
               <a:rPr lang="es-AR" smtClean="0"/>
-              <a:t>7/dic.22</a:t>
+              <a:t>8/dic.22</a:t>
             </a:fld>
             <a:endParaRPr lang="es-AR"/>
           </a:p>
@@ -17609,7 +17538,7 @@
           <p:nvPr>
             <p:extLst>
               <p:ext uri="{D42A27DB-BD31-4B8C-83A1-F6EECF244321}">
-                <p14:modId xmlns:p14="http://schemas.microsoft.com/office/powerpoint/2010/main" val="3776318683"/>
+                <p14:modId xmlns:p14="http://schemas.microsoft.com/office/powerpoint/2010/main" val="2110915455"/>
               </p:ext>
             </p:extLst>
           </p:nvPr>
@@ -17894,6 +17823,352 @@
                           <a:cs typeface="+mn-cs"/>
                           <a:sym typeface="Wingdings" panose="05000000000000000000" pitchFamily="2" charset="2"/>
                         </a:rPr>
+                        <a:t>	100%</a:t>
+                      </a:r>
+                      <a:endParaRPr kumimoji="0" lang="es-AR" sz="1400" b="0" i="0" u="none" strike="noStrike" kern="1200" cap="none" spc="0" normalizeH="0" baseline="0" noProof="0" dirty="0" smtClean="0">
+                        <a:ln>
+                          <a:noFill/>
+                        </a:ln>
+                        <a:solidFill>
+                          <a:prstClr val="black"/>
+                        </a:solidFill>
+                        <a:effectLst/>
+                        <a:uLnTx/>
+                        <a:uFillTx/>
+                        <a:latin typeface="+mn-lt"/>
+                        <a:ea typeface="+mn-ea"/>
+                        <a:cs typeface="+mn-cs"/>
+                      </a:endParaRPr>
+                    </a:p>
+                    <a:p>
+                      <a:pPr marL="0" marR="0" lvl="0" indent="0" algn="ctr" defTabSz="914400" rtl="0" eaLnBrk="1" fontAlgn="auto" latinLnBrk="0" hangingPunct="1">
+                        <a:lnSpc>
+                          <a:spcPct val="100000"/>
+                        </a:lnSpc>
+                        <a:spcBef>
+                          <a:spcPts val="0"/>
+                        </a:spcBef>
+                        <a:spcAft>
+                          <a:spcPts val="0"/>
+                        </a:spcAft>
+                        <a:buClrTx/>
+                        <a:buSzTx/>
+                        <a:buFontTx/>
+                        <a:buNone/>
+                        <a:tabLst>
+                          <a:tab pos="630238" algn="r"/>
+                        </a:tabLst>
+                        <a:defRPr/>
+                      </a:pPr>
+                      <a:r>
+                        <a:rPr kumimoji="0" lang="es-AR" sz="1400" b="0" i="0" u="none" strike="noStrike" kern="1200" cap="none" spc="0" normalizeH="0" baseline="0" noProof="0" dirty="0" smtClean="0">
+                          <a:ln>
+                            <a:noFill/>
+                          </a:ln>
+                          <a:solidFill>
+                            <a:prstClr val="black"/>
+                          </a:solidFill>
+                          <a:effectLst/>
+                          <a:uLnTx/>
+                          <a:uFillTx/>
+                          <a:latin typeface="+mn-lt"/>
+                          <a:ea typeface="+mn-ea"/>
+                          <a:cs typeface="+mn-cs"/>
+                          <a:sym typeface="Wingdings" panose="05000000000000000000" pitchFamily="2" charset="2"/>
+                        </a:rPr>
+                        <a:t>	100%</a:t>
+                      </a:r>
+                      <a:endParaRPr kumimoji="0" lang="es-AR" sz="1400" b="0" i="0" u="none" strike="noStrike" kern="1200" cap="none" spc="0" normalizeH="0" baseline="0" noProof="0" dirty="0" smtClean="0">
+                        <a:ln>
+                          <a:noFill/>
+                        </a:ln>
+                        <a:solidFill>
+                          <a:prstClr val="black"/>
+                        </a:solidFill>
+                        <a:effectLst/>
+                        <a:uLnTx/>
+                        <a:uFillTx/>
+                        <a:latin typeface="+mn-lt"/>
+                        <a:ea typeface="+mn-ea"/>
+                        <a:cs typeface="+mn-cs"/>
+                      </a:endParaRPr>
+                    </a:p>
+                  </a:txBody>
+                  <a:tcPr/>
+                </a:tc>
+                <a:tc>
+                  <a:txBody>
+                    <a:bodyPr/>
+                    <a:lstStyle/>
+                    <a:p>
+                      <a:pPr marL="0" marR="0" lvl="0" indent="0" algn="ctr" defTabSz="914400" rtl="0" eaLnBrk="1" fontAlgn="auto" latinLnBrk="0" hangingPunct="1">
+                        <a:lnSpc>
+                          <a:spcPct val="100000"/>
+                        </a:lnSpc>
+                        <a:spcBef>
+                          <a:spcPts val="0"/>
+                        </a:spcBef>
+                        <a:spcAft>
+                          <a:spcPts val="0"/>
+                        </a:spcAft>
+                        <a:buClrTx/>
+                        <a:buSzTx/>
+                        <a:buFontTx/>
+                        <a:buNone/>
+                        <a:tabLst/>
+                        <a:defRPr/>
+                      </a:pPr>
+                      <a:r>
+                        <a:rPr kumimoji="0" lang="es-AR" sz="1800" b="0" i="0" u="none" strike="noStrike" kern="1200" cap="none" spc="0" normalizeH="0" baseline="0" noProof="0" dirty="0" smtClean="0">
+                          <a:ln>
+                            <a:noFill/>
+                          </a:ln>
+                          <a:solidFill>
+                            <a:prstClr val="black"/>
+                          </a:solidFill>
+                          <a:effectLst/>
+                          <a:uLnTx/>
+                          <a:uFillTx/>
+                          <a:latin typeface="+mn-lt"/>
+                          <a:ea typeface="+mn-ea"/>
+                          <a:cs typeface="+mn-cs"/>
+                        </a:rPr>
+                        <a:t>100%</a:t>
+                      </a:r>
+                    </a:p>
+                  </a:txBody>
+                  <a:tcPr anchor="ctr"/>
+                </a:tc>
+                <a:extLst>
+                  <a:ext uri="{0D108BD9-81ED-4DB2-BD59-A6C34878D82A}">
+                    <a16:rowId xmlns:a16="http://schemas.microsoft.com/office/drawing/2014/main" val="3275747942"/>
+                  </a:ext>
+                </a:extLst>
+              </a:tr>
+              <a:tr h="370840">
+                <a:tc>
+                  <a:txBody>
+                    <a:bodyPr/>
+                    <a:lstStyle/>
+                    <a:p>
+                      <a:r>
+                        <a:rPr lang="es-AR" dirty="0" smtClean="0"/>
+                        <a:t>Revisión de Productos</a:t>
+                      </a:r>
+                    </a:p>
+                    <a:p>
+                      <a:r>
+                        <a:rPr lang="es-AR" sz="1400" dirty="0" smtClean="0"/>
+                        <a:t>Vistas: 3 (alta, </a:t>
+                      </a:r>
+                      <a:r>
+                        <a:rPr lang="es-AR" sz="1400" dirty="0" err="1" smtClean="0"/>
+                        <a:t>edic</a:t>
+                      </a:r>
+                      <a:r>
+                        <a:rPr lang="es-AR" sz="1400" dirty="0" smtClean="0"/>
+                        <a:t>-avatar, </a:t>
+                      </a:r>
+                      <a:r>
+                        <a:rPr lang="es-AR" sz="1400" dirty="0" err="1" smtClean="0"/>
+                        <a:t>edic</a:t>
+                      </a:r>
+                      <a:r>
+                        <a:rPr lang="es-AR" sz="1400" dirty="0" smtClean="0"/>
+                        <a:t>-demás)</a:t>
+                      </a:r>
+                      <a:endParaRPr lang="es-AR" sz="1400" dirty="0"/>
+                    </a:p>
+                  </a:txBody>
+                  <a:tcPr/>
+                </a:tc>
+                <a:tc>
+                  <a:txBody>
+                    <a:bodyPr/>
+                    <a:lstStyle/>
+                    <a:p>
+                      <a:pPr marL="0" marR="0" lvl="0" indent="0" algn="l" defTabSz="914400" rtl="0" eaLnBrk="1" fontAlgn="auto" latinLnBrk="0" hangingPunct="1">
+                        <a:lnSpc>
+                          <a:spcPct val="100000"/>
+                        </a:lnSpc>
+                        <a:spcBef>
+                          <a:spcPts val="0"/>
+                        </a:spcBef>
+                        <a:spcAft>
+                          <a:spcPts val="0"/>
+                        </a:spcAft>
+                        <a:buClrTx/>
+                        <a:buSzTx/>
+                        <a:buFontTx/>
+                        <a:buNone/>
+                        <a:tabLst/>
+                        <a:defRPr/>
+                      </a:pPr>
+                      <a:r>
+                        <a:rPr kumimoji="0" lang="es-AR" sz="1400" b="0" i="0" u="none" strike="noStrike" kern="1200" cap="none" spc="0" normalizeH="0" baseline="0" noProof="0" smtClean="0">
+                          <a:ln>
+                            <a:noFill/>
+                          </a:ln>
+                          <a:solidFill>
+                            <a:prstClr val="black"/>
+                          </a:solidFill>
+                          <a:effectLst/>
+                          <a:uLnTx/>
+                          <a:uFillTx/>
+                          <a:latin typeface="Calibri" panose="020F0502020204030204"/>
+                          <a:ea typeface="+mn-ea"/>
+                          <a:cs typeface="+mn-cs"/>
+                        </a:rPr>
+                        <a:t>Vistas</a:t>
+                      </a:r>
+                    </a:p>
+                    <a:p>
+                      <a:pPr marL="0" marR="0" lvl="0" indent="0" algn="l" defTabSz="914400" rtl="0" eaLnBrk="1" fontAlgn="auto" latinLnBrk="0" hangingPunct="1">
+                        <a:lnSpc>
+                          <a:spcPct val="100000"/>
+                        </a:lnSpc>
+                        <a:spcBef>
+                          <a:spcPts val="0"/>
+                        </a:spcBef>
+                        <a:spcAft>
+                          <a:spcPts val="0"/>
+                        </a:spcAft>
+                        <a:buClrTx/>
+                        <a:buSzTx/>
+                        <a:buFontTx/>
+                        <a:buNone/>
+                        <a:tabLst/>
+                        <a:defRPr/>
+                      </a:pPr>
+                      <a:r>
+                        <a:rPr kumimoji="0" lang="es-AR" sz="1400" b="0" i="0" u="none" strike="noStrike" kern="1200" cap="none" spc="0" normalizeH="0" baseline="0" noProof="0" smtClean="0">
+                          <a:ln>
+                            <a:noFill/>
+                          </a:ln>
+                          <a:solidFill>
+                            <a:prstClr val="black"/>
+                          </a:solidFill>
+                          <a:effectLst/>
+                          <a:uLnTx/>
+                          <a:uFillTx/>
+                          <a:latin typeface="Calibri" panose="020F0502020204030204"/>
+                          <a:ea typeface="+mn-ea"/>
+                          <a:cs typeface="+mn-cs"/>
+                        </a:rPr>
+                        <a:t>Front-End</a:t>
+                      </a:r>
+                    </a:p>
+                    <a:p>
+                      <a:pPr marL="0" marR="0" lvl="0" indent="0" algn="l" defTabSz="914400" rtl="0" eaLnBrk="1" fontAlgn="auto" latinLnBrk="0" hangingPunct="1">
+                        <a:lnSpc>
+                          <a:spcPct val="100000"/>
+                        </a:lnSpc>
+                        <a:spcBef>
+                          <a:spcPts val="0"/>
+                        </a:spcBef>
+                        <a:spcAft>
+                          <a:spcPts val="0"/>
+                        </a:spcAft>
+                        <a:buClrTx/>
+                        <a:buSzTx/>
+                        <a:buFontTx/>
+                        <a:buNone/>
+                        <a:tabLst/>
+                        <a:defRPr/>
+                      </a:pPr>
+                      <a:r>
+                        <a:rPr kumimoji="0" lang="es-AR" sz="1400" b="0" i="0" u="none" strike="noStrike" kern="1200" cap="none" spc="0" normalizeH="0" baseline="0" noProof="0" smtClean="0">
+                          <a:ln>
+                            <a:noFill/>
+                          </a:ln>
+                          <a:solidFill>
+                            <a:prstClr val="black"/>
+                          </a:solidFill>
+                          <a:effectLst/>
+                          <a:uLnTx/>
+                          <a:uFillTx/>
+                          <a:latin typeface="Calibri" panose="020F0502020204030204"/>
+                          <a:ea typeface="+mn-ea"/>
+                          <a:cs typeface="+mn-cs"/>
+                        </a:rPr>
+                        <a:t>Back-End</a:t>
+                      </a:r>
+                      <a:endParaRPr kumimoji="0" lang="es-AR" sz="1400" b="0" i="0" u="none" strike="noStrike" kern="1200" cap="none" spc="0" normalizeH="0" baseline="0" noProof="0" dirty="0" smtClean="0">
+                        <a:ln>
+                          <a:noFill/>
+                        </a:ln>
+                        <a:solidFill>
+                          <a:prstClr val="black"/>
+                        </a:solidFill>
+                        <a:effectLst/>
+                        <a:uLnTx/>
+                        <a:uFillTx/>
+                        <a:latin typeface="Calibri" panose="020F0502020204030204"/>
+                        <a:ea typeface="+mn-ea"/>
+                        <a:cs typeface="+mn-cs"/>
+                      </a:endParaRPr>
+                    </a:p>
+                  </a:txBody>
+                  <a:tcPr/>
+                </a:tc>
+                <a:tc>
+                  <a:txBody>
+                    <a:bodyPr/>
+                    <a:lstStyle/>
+                    <a:p>
+                      <a:pPr marL="0" marR="0" lvl="0" indent="0" algn="ctr" defTabSz="914400" rtl="0" eaLnBrk="1" fontAlgn="auto" latinLnBrk="0" hangingPunct="1">
+                        <a:lnSpc>
+                          <a:spcPct val="100000"/>
+                        </a:lnSpc>
+                        <a:spcBef>
+                          <a:spcPts val="0"/>
+                        </a:spcBef>
+                        <a:spcAft>
+                          <a:spcPts val="0"/>
+                        </a:spcAft>
+                        <a:buClrTx/>
+                        <a:buSzTx/>
+                        <a:buFontTx/>
+                        <a:buNone/>
+                        <a:tabLst>
+                          <a:tab pos="630238" algn="r"/>
+                        </a:tabLst>
+                        <a:defRPr/>
+                      </a:pPr>
+                      <a:r>
+                        <a:rPr kumimoji="0" lang="es-AR" sz="1400" b="0" i="0" u="none" strike="noStrike" kern="1200" cap="none" spc="0" normalizeH="0" baseline="0" noProof="0" dirty="0" smtClean="0">
+                          <a:ln>
+                            <a:noFill/>
+                          </a:ln>
+                          <a:solidFill>
+                            <a:prstClr val="black"/>
+                          </a:solidFill>
+                          <a:effectLst/>
+                          <a:uLnTx/>
+                          <a:uFillTx/>
+                          <a:latin typeface="+mn-lt"/>
+                          <a:ea typeface="+mn-ea"/>
+                          <a:cs typeface="+mn-cs"/>
+                          <a:sym typeface="Wingdings" panose="05000000000000000000" pitchFamily="2" charset="2"/>
+                        </a:rPr>
+                        <a:t></a:t>
+                      </a:r>
+                      <a:r>
+                        <a:rPr kumimoji="0" lang="es-AR" sz="1400" b="0" i="0" u="none" strike="noStrike" kern="1200" cap="none" spc="0" normalizeH="0" baseline="0" noProof="0" dirty="0" smtClean="0">
+                          <a:ln>
+                            <a:noFill/>
+                          </a:ln>
+                          <a:solidFill>
+                            <a:prstClr val="black"/>
+                          </a:solidFill>
+                          <a:effectLst/>
+                          <a:uLnTx/>
+                          <a:uFillTx/>
+                          <a:latin typeface="+mn-lt"/>
+                          <a:ea typeface="+mn-ea"/>
+                          <a:cs typeface="+mn-cs"/>
+                          <a:sym typeface="Wingdings" panose="05000000000000000000" pitchFamily="2" charset="2"/>
+                        </a:rPr>
                         <a:t>	</a:t>
                       </a:r>
                       <a:r>
@@ -17960,259 +18235,12 @@
                           <a:effectLst/>
                           <a:uLnTx/>
                           <a:uFillTx/>
-                          <a:latin typeface="+mn-lt"/>
+                          <a:latin typeface="Calibri" panose="020F0502020204030204"/>
                           <a:ea typeface="+mn-ea"/>
                           <a:cs typeface="+mn-cs"/>
                           <a:sym typeface="Wingdings" panose="05000000000000000000" pitchFamily="2" charset="2"/>
                         </a:rPr>
-                        <a:t>	</a:t>
-                      </a:r>
-                      <a:r>
-                        <a:rPr kumimoji="0" lang="es-AR" sz="1400" b="0" i="0" u="none" strike="noStrike" kern="1200" cap="none" spc="0" normalizeH="0" baseline="0" noProof="0" dirty="0" smtClean="0">
-                          <a:ln>
-                            <a:noFill/>
-                          </a:ln>
-                          <a:solidFill>
-                            <a:prstClr val="black"/>
-                          </a:solidFill>
-                          <a:effectLst/>
-                          <a:uLnTx/>
-                          <a:uFillTx/>
-                          <a:latin typeface="+mn-lt"/>
-                          <a:ea typeface="+mn-ea"/>
-                          <a:cs typeface="+mn-cs"/>
-                          <a:sym typeface="Wingdings" panose="05000000000000000000" pitchFamily="2" charset="2"/>
-                        </a:rPr>
-                        <a:t>100%</a:t>
-                      </a:r>
-                      <a:endParaRPr kumimoji="0" lang="es-AR" sz="1400" b="0" i="0" u="none" strike="noStrike" kern="1200" cap="none" spc="0" normalizeH="0" baseline="0" noProof="0" dirty="0" smtClean="0">
-                        <a:ln>
-                          <a:noFill/>
-                        </a:ln>
-                        <a:solidFill>
-                          <a:prstClr val="black"/>
-                        </a:solidFill>
-                        <a:effectLst/>
-                        <a:uLnTx/>
-                        <a:uFillTx/>
-                        <a:latin typeface="+mn-lt"/>
-                        <a:ea typeface="+mn-ea"/>
-                        <a:cs typeface="+mn-cs"/>
-                      </a:endParaRPr>
-                    </a:p>
-                  </a:txBody>
-                  <a:tcPr/>
-                </a:tc>
-                <a:tc>
-                  <a:txBody>
-                    <a:bodyPr/>
-                    <a:lstStyle/>
-                    <a:p>
-                      <a:pPr marL="0" marR="0" lvl="0" indent="0" algn="ctr" defTabSz="914400" rtl="0" eaLnBrk="1" fontAlgn="auto" latinLnBrk="0" hangingPunct="1">
-                        <a:lnSpc>
-                          <a:spcPct val="100000"/>
-                        </a:lnSpc>
-                        <a:spcBef>
-                          <a:spcPts val="0"/>
-                        </a:spcBef>
-                        <a:spcAft>
-                          <a:spcPts val="0"/>
-                        </a:spcAft>
-                        <a:buClrTx/>
-                        <a:buSzTx/>
-                        <a:buFontTx/>
-                        <a:buNone/>
-                        <a:tabLst/>
-                        <a:defRPr/>
-                      </a:pPr>
-                      <a:r>
-                        <a:rPr kumimoji="0" lang="es-AR" sz="1800" b="0" i="0" u="none" strike="noStrike" kern="1200" cap="none" spc="0" normalizeH="0" baseline="0" noProof="0" dirty="0" smtClean="0">
-                          <a:ln>
-                            <a:noFill/>
-                          </a:ln>
-                          <a:solidFill>
-                            <a:prstClr val="black"/>
-                          </a:solidFill>
-                          <a:effectLst/>
-                          <a:uLnTx/>
-                          <a:uFillTx/>
-                          <a:latin typeface="+mn-lt"/>
-                          <a:ea typeface="+mn-ea"/>
-                          <a:cs typeface="+mn-cs"/>
-                        </a:rPr>
-                        <a:t>100%</a:t>
-                      </a:r>
-                      <a:endParaRPr kumimoji="0" lang="es-AR" sz="1800" b="0" i="0" u="none" strike="noStrike" kern="1200" cap="none" spc="0" normalizeH="0" baseline="0" noProof="0" dirty="0" smtClean="0">
-                        <a:ln>
-                          <a:noFill/>
-                        </a:ln>
-                        <a:solidFill>
-                          <a:prstClr val="black"/>
-                        </a:solidFill>
-                        <a:effectLst/>
-                        <a:uLnTx/>
-                        <a:uFillTx/>
-                        <a:latin typeface="+mn-lt"/>
-                        <a:ea typeface="+mn-ea"/>
-                        <a:cs typeface="+mn-cs"/>
-                      </a:endParaRPr>
-                    </a:p>
-                  </a:txBody>
-                  <a:tcPr anchor="ctr"/>
-                </a:tc>
-                <a:extLst>
-                  <a:ext uri="{0D108BD9-81ED-4DB2-BD59-A6C34878D82A}">
-                    <a16:rowId xmlns:a16="http://schemas.microsoft.com/office/drawing/2014/main" val="3275747942"/>
-                  </a:ext>
-                </a:extLst>
-              </a:tr>
-              <a:tr h="370840">
-                <a:tc>
-                  <a:txBody>
-                    <a:bodyPr/>
-                    <a:lstStyle/>
-                    <a:p>
-                      <a:r>
-                        <a:rPr lang="es-AR" dirty="0" smtClean="0"/>
-                        <a:t>Revisión de Productos</a:t>
-                      </a:r>
-                    </a:p>
-                    <a:p>
-                      <a:r>
-                        <a:rPr lang="es-AR" sz="1400" dirty="0" smtClean="0"/>
-                        <a:t>Vistas: 3 (alta, </a:t>
-                      </a:r>
-                      <a:r>
-                        <a:rPr lang="es-AR" sz="1400" dirty="0" err="1" smtClean="0"/>
-                        <a:t>edic</a:t>
-                      </a:r>
-                      <a:r>
-                        <a:rPr lang="es-AR" sz="1400" dirty="0" smtClean="0"/>
-                        <a:t>-avatar, </a:t>
-                      </a:r>
-                      <a:r>
-                        <a:rPr lang="es-AR" sz="1400" dirty="0" err="1" smtClean="0"/>
-                        <a:t>edic</a:t>
-                      </a:r>
-                      <a:r>
-                        <a:rPr lang="es-AR" sz="1400" dirty="0" smtClean="0"/>
-                        <a:t>-demás)</a:t>
-                      </a:r>
-                      <a:endParaRPr lang="es-AR" sz="1400" dirty="0"/>
-                    </a:p>
-                  </a:txBody>
-                  <a:tcPr/>
-                </a:tc>
-                <a:tc>
-                  <a:txBody>
-                    <a:bodyPr/>
-                    <a:lstStyle/>
-                    <a:p>
-                      <a:pPr marL="0" marR="0" lvl="0" indent="0" algn="l" defTabSz="914400" rtl="0" eaLnBrk="1" fontAlgn="auto" latinLnBrk="0" hangingPunct="1">
-                        <a:lnSpc>
-                          <a:spcPct val="100000"/>
-                        </a:lnSpc>
-                        <a:spcBef>
-                          <a:spcPts val="0"/>
-                        </a:spcBef>
-                        <a:spcAft>
-                          <a:spcPts val="0"/>
-                        </a:spcAft>
-                        <a:buClrTx/>
-                        <a:buSzTx/>
-                        <a:buFontTx/>
-                        <a:buNone/>
-                        <a:tabLst/>
-                        <a:defRPr/>
-                      </a:pPr>
-                      <a:r>
-                        <a:rPr kumimoji="0" lang="es-AR" sz="1400" b="0" i="0" u="none" strike="noStrike" kern="1200" cap="none" spc="0" normalizeH="0" baseline="0" noProof="0" smtClean="0">
-                          <a:ln>
-                            <a:noFill/>
-                          </a:ln>
-                          <a:solidFill>
-                            <a:prstClr val="black"/>
-                          </a:solidFill>
-                          <a:effectLst/>
-                          <a:uLnTx/>
-                          <a:uFillTx/>
-                          <a:latin typeface="Calibri" panose="020F0502020204030204"/>
-                          <a:ea typeface="+mn-ea"/>
-                          <a:cs typeface="+mn-cs"/>
-                        </a:rPr>
-                        <a:t>Vistas</a:t>
-                      </a:r>
-                    </a:p>
-                    <a:p>
-                      <a:pPr marL="0" marR="0" lvl="0" indent="0" algn="l" defTabSz="914400" rtl="0" eaLnBrk="1" fontAlgn="auto" latinLnBrk="0" hangingPunct="1">
-                        <a:lnSpc>
-                          <a:spcPct val="100000"/>
-                        </a:lnSpc>
-                        <a:spcBef>
-                          <a:spcPts val="0"/>
-                        </a:spcBef>
-                        <a:spcAft>
-                          <a:spcPts val="0"/>
-                        </a:spcAft>
-                        <a:buClrTx/>
-                        <a:buSzTx/>
-                        <a:buFontTx/>
-                        <a:buNone/>
-                        <a:tabLst/>
-                        <a:defRPr/>
-                      </a:pPr>
-                      <a:r>
-                        <a:rPr kumimoji="0" lang="es-AR" sz="1400" b="0" i="0" u="none" strike="noStrike" kern="1200" cap="none" spc="0" normalizeH="0" baseline="0" noProof="0" smtClean="0">
-                          <a:ln>
-                            <a:noFill/>
-                          </a:ln>
-                          <a:solidFill>
-                            <a:prstClr val="black"/>
-                          </a:solidFill>
-                          <a:effectLst/>
-                          <a:uLnTx/>
-                          <a:uFillTx/>
-                          <a:latin typeface="Calibri" panose="020F0502020204030204"/>
-                          <a:ea typeface="+mn-ea"/>
-                          <a:cs typeface="+mn-cs"/>
-                        </a:rPr>
-                        <a:t>Front-End</a:t>
-                      </a:r>
-                    </a:p>
-                    <a:p>
-                      <a:pPr marL="0" marR="0" lvl="0" indent="0" algn="l" defTabSz="914400" rtl="0" eaLnBrk="1" fontAlgn="auto" latinLnBrk="0" hangingPunct="1">
-                        <a:lnSpc>
-                          <a:spcPct val="100000"/>
-                        </a:lnSpc>
-                        <a:spcBef>
-                          <a:spcPts val="0"/>
-                        </a:spcBef>
-                        <a:spcAft>
-                          <a:spcPts val="0"/>
-                        </a:spcAft>
-                        <a:buClrTx/>
-                        <a:buSzTx/>
-                        <a:buFontTx/>
-                        <a:buNone/>
-                        <a:tabLst/>
-                        <a:defRPr/>
-                      </a:pPr>
-                      <a:r>
-                        <a:rPr kumimoji="0" lang="es-AR" sz="1400" b="0" i="0" u="none" strike="noStrike" kern="1200" cap="none" spc="0" normalizeH="0" baseline="0" noProof="0" smtClean="0">
-                          <a:ln>
-                            <a:noFill/>
-                          </a:ln>
-                          <a:solidFill>
-                            <a:prstClr val="black"/>
-                          </a:solidFill>
-                          <a:effectLst/>
-                          <a:uLnTx/>
-                          <a:uFillTx/>
-                          <a:latin typeface="Calibri" panose="020F0502020204030204"/>
-                          <a:ea typeface="+mn-ea"/>
-                          <a:cs typeface="+mn-cs"/>
-                        </a:rPr>
-                        <a:t>Back-End</a:t>
+                        <a:t>	100%</a:t>
                       </a:r>
                       <a:endParaRPr kumimoji="0" lang="es-AR" sz="1400" b="0" i="0" u="none" strike="noStrike" kern="1200" cap="none" spc="0" normalizeH="0" baseline="0" noProof="0" dirty="0" smtClean="0">
                         <a:ln>
@@ -18225,66 +18253,6 @@
                         <a:uLnTx/>
                         <a:uFillTx/>
                         <a:latin typeface="Calibri" panose="020F0502020204030204"/>
-                        <a:ea typeface="+mn-ea"/>
-                        <a:cs typeface="+mn-cs"/>
-                      </a:endParaRPr>
-                    </a:p>
-                  </a:txBody>
-                  <a:tcPr/>
-                </a:tc>
-                <a:tc>
-                  <a:txBody>
-                    <a:bodyPr/>
-                    <a:lstStyle/>
-                    <a:p>
-                      <a:pPr marL="0" marR="0" lvl="0" indent="0" algn="ctr" defTabSz="914400" rtl="0" eaLnBrk="1" fontAlgn="auto" latinLnBrk="0" hangingPunct="1">
-                        <a:lnSpc>
-                          <a:spcPct val="100000"/>
-                        </a:lnSpc>
-                        <a:spcBef>
-                          <a:spcPts val="0"/>
-                        </a:spcBef>
-                        <a:spcAft>
-                          <a:spcPts val="0"/>
-                        </a:spcAft>
-                        <a:buClrTx/>
-                        <a:buSzTx/>
-                        <a:buFontTx/>
-                        <a:buNone/>
-                        <a:tabLst>
-                          <a:tab pos="630238" algn="r"/>
-                        </a:tabLst>
-                        <a:defRPr/>
-                      </a:pPr>
-                      <a:r>
-                        <a:rPr kumimoji="0" lang="es-AR" sz="1400" b="0" i="0" u="none" strike="noStrike" kern="1200" cap="none" spc="0" normalizeH="0" baseline="0" noProof="0" dirty="0" smtClean="0">
-                          <a:ln>
-                            <a:noFill/>
-                          </a:ln>
-                          <a:solidFill>
-                            <a:prstClr val="black"/>
-                          </a:solidFill>
-                          <a:effectLst/>
-                          <a:uLnTx/>
-                          <a:uFillTx/>
-                          <a:latin typeface="+mn-lt"/>
-                          <a:ea typeface="+mn-ea"/>
-                          <a:cs typeface="+mn-cs"/>
-                          <a:sym typeface="Wingdings" panose="05000000000000000000" pitchFamily="2" charset="2"/>
-                        </a:rPr>
-                        <a:t>	83%</a:t>
-                      </a:r>
-                      <a:endParaRPr kumimoji="0" lang="es-AR" sz="1400" b="0" i="0" u="none" strike="noStrike" kern="1200" cap="none" spc="0" normalizeH="0" baseline="0" noProof="0" dirty="0" smtClean="0">
-                        <a:ln>
-                          <a:noFill/>
-                        </a:ln>
-                        <a:solidFill>
-                          <a:prstClr val="black"/>
-                        </a:solidFill>
-                        <a:effectLst/>
-                        <a:uLnTx/>
-                        <a:uFillTx/>
-                        <a:latin typeface="+mn-lt"/>
                         <a:ea typeface="+mn-ea"/>
                         <a:cs typeface="+mn-cs"/>
                       </a:endParaRPr>
@@ -18342,59 +18310,6 @@
                         <a:cs typeface="+mn-cs"/>
                       </a:endParaRPr>
                     </a:p>
-                    <a:p>
-                      <a:pPr marL="0" marR="0" lvl="0" indent="0" algn="ctr" defTabSz="914400" rtl="0" eaLnBrk="1" fontAlgn="auto" latinLnBrk="0" hangingPunct="1">
-                        <a:lnSpc>
-                          <a:spcPct val="100000"/>
-                        </a:lnSpc>
-                        <a:spcBef>
-                          <a:spcPts val="0"/>
-                        </a:spcBef>
-                        <a:spcAft>
-                          <a:spcPts val="0"/>
-                        </a:spcAft>
-                        <a:buClrTx/>
-                        <a:buSzTx/>
-                        <a:buFontTx/>
-                        <a:buNone/>
-                        <a:tabLst>
-                          <a:tab pos="630238" algn="r"/>
-                        </a:tabLst>
-                        <a:defRPr/>
-                      </a:pPr>
-                      <a:r>
-                        <a:rPr kumimoji="0" lang="es-AR" sz="1400" b="0" i="0" u="none" strike="noStrike" kern="1200" cap="none" spc="0" normalizeH="0" baseline="0" noProof="0" dirty="0" smtClean="0">
-                          <a:ln>
-                            <a:noFill/>
-                          </a:ln>
-                          <a:solidFill>
-                            <a:prstClr val="black"/>
-                          </a:solidFill>
-                          <a:effectLst/>
-                          <a:uLnTx/>
-                          <a:uFillTx/>
-                          <a:latin typeface="Calibri" panose="020F0502020204030204"/>
-                          <a:ea typeface="+mn-ea"/>
-                          <a:cs typeface="+mn-cs"/>
-                          <a:sym typeface="Wingdings" panose="05000000000000000000" pitchFamily="2" charset="2"/>
-                        </a:rPr>
-                        <a:t>	100%</a:t>
-                      </a:r>
-                      <a:endParaRPr kumimoji="0" lang="es-AR" sz="1400" b="0" i="0" u="none" strike="noStrike" kern="1200" cap="none" spc="0" normalizeH="0" baseline="0" noProof="0" dirty="0" smtClean="0">
-                        <a:ln>
-                          <a:noFill/>
-                        </a:ln>
-                        <a:solidFill>
-                          <a:prstClr val="black"/>
-                        </a:solidFill>
-                        <a:effectLst/>
-                        <a:uLnTx/>
-                        <a:uFillTx/>
-                        <a:latin typeface="Calibri" panose="020F0502020204030204"/>
-                        <a:ea typeface="+mn-ea"/>
-                        <a:cs typeface="+mn-cs"/>
-                      </a:endParaRPr>
-                    </a:p>
                   </a:txBody>
                   <a:tcPr/>
                 </a:tc>
@@ -18437,8 +18352,22 @@
                           <a:ea typeface="+mn-ea"/>
                           <a:cs typeface="+mn-cs"/>
                         </a:rPr>
-                        <a:t>94%</a:t>
-                      </a:r>
+                        <a:t>100%</a:t>
+                      </a:r>
+                      <a:endParaRPr kumimoji="0" lang="es-AR" sz="1800" b="0" i="0" u="none" strike="noStrike" kern="1200" cap="none" spc="0" normalizeH="0" baseline="0" noProof="0" dirty="0" smtClean="0">
+                        <a:ln>
+                          <a:noFill/>
+                        </a:ln>
+                        <a:solidFill>
+                          <a:prstClr val="black"/>
+                        </a:solidFill>
+                        <a:effectLst/>
+                        <a:uLnTx/>
+                        <a:uFillTx/>
+                        <a:latin typeface="Calibri" panose="020F0502020204030204"/>
+                        <a:ea typeface="+mn-ea"/>
+                        <a:cs typeface="+mn-cs"/>
+                      </a:endParaRPr>
                     </a:p>
                   </a:txBody>
                   <a:tcPr anchor="ctr"/>
@@ -18580,7 +18509,7 @@
                           <a:ea typeface="+mn-ea"/>
                           <a:cs typeface="+mn-cs"/>
                         </a:rPr>
-                        <a:t>97%</a:t>
+                        <a:t>100%</a:t>
                       </a:r>
                       <a:endParaRPr lang="es-AR" sz="1800" b="1" kern="1200" noProof="0" dirty="0">
                         <a:solidFill>
@@ -18833,11 +18762,7 @@
                       </a:pPr>
                       <a:r>
                         <a:rPr lang="es-ES" sz="1400" i="1" dirty="0" smtClean="0"/>
-                        <a:t>Datos </a:t>
-                      </a:r>
-                      <a:r>
-                        <a:rPr lang="es-ES" sz="1400" i="1" dirty="0" smtClean="0"/>
-                        <a:t>Duros</a:t>
+                        <a:t>Datos Duros</a:t>
                       </a:r>
                     </a:p>
                     <a:p>
@@ -19065,21 +18990,6 @@
                         </a:rPr>
                         <a:t></a:t>
                       </a:r>
-                      <a:endParaRPr kumimoji="0" lang="es-AR" sz="1400" b="0" i="0" u="none" strike="noStrike" kern="1200" cap="none" spc="0" normalizeH="0" baseline="0" noProof="0" dirty="0" smtClean="0">
-                        <a:ln>
-                          <a:noFill/>
-                        </a:ln>
-                        <a:solidFill>
-                          <a:prstClr val="black"/>
-                        </a:solidFill>
-                        <a:effectLst/>
-                        <a:uLnTx/>
-                        <a:uFillTx/>
-                        <a:latin typeface="+mn-lt"/>
-                        <a:ea typeface="+mn-ea"/>
-                        <a:cs typeface="+mn-cs"/>
-                        <a:sym typeface="Wingdings" panose="05000000000000000000" pitchFamily="2" charset="2"/>
-                      </a:endParaRPr>
                     </a:p>
                     <a:p>
                       <a:pPr marL="0" marR="0" indent="0" algn="ctr" defTabSz="914400" rtl="0" eaLnBrk="1" fontAlgn="auto" latinLnBrk="0" hangingPunct="1">
@@ -19420,21 +19330,6 @@
                         </a:rPr>
                         <a:t></a:t>
                       </a:r>
-                      <a:endParaRPr kumimoji="0" lang="es-AR" sz="1400" b="0" i="0" u="none" strike="noStrike" kern="1200" cap="none" spc="0" normalizeH="0" baseline="0" noProof="0" dirty="0" smtClean="0">
-                        <a:ln>
-                          <a:noFill/>
-                        </a:ln>
-                        <a:solidFill>
-                          <a:prstClr val="black"/>
-                        </a:solidFill>
-                        <a:effectLst/>
-                        <a:uLnTx/>
-                        <a:uFillTx/>
-                        <a:latin typeface="+mn-lt"/>
-                        <a:ea typeface="+mn-ea"/>
-                        <a:cs typeface="+mn-cs"/>
-                        <a:sym typeface="Wingdings" panose="05000000000000000000" pitchFamily="2" charset="2"/>
-                      </a:endParaRPr>
                     </a:p>
                     <a:p>
                       <a:pPr marL="0" marR="0" indent="0" algn="ctr" defTabSz="914400" rtl="0" eaLnBrk="1" fontAlgn="auto" latinLnBrk="0" hangingPunct="1">
@@ -19472,21 +19367,6 @@
                         </a:rPr>
                         <a:t></a:t>
                       </a:r>
-                      <a:endParaRPr kumimoji="0" lang="es-AR" sz="1400" b="0" i="0" u="none" strike="noStrike" kern="1200" cap="none" spc="0" normalizeH="0" baseline="0" noProof="0" dirty="0" smtClean="0">
-                        <a:ln>
-                          <a:noFill/>
-                        </a:ln>
-                        <a:solidFill>
-                          <a:prstClr val="black"/>
-                        </a:solidFill>
-                        <a:effectLst/>
-                        <a:uLnTx/>
-                        <a:uFillTx/>
-                        <a:latin typeface="+mn-lt"/>
-                        <a:ea typeface="+mn-ea"/>
-                        <a:cs typeface="+mn-cs"/>
-                        <a:sym typeface="Wingdings" panose="05000000000000000000" pitchFamily="2" charset="2"/>
-                      </a:endParaRPr>
                     </a:p>
                     <a:p>
                       <a:pPr marL="0" marR="0" indent="0" algn="ctr" defTabSz="914400" rtl="0" eaLnBrk="1" fontAlgn="auto" latinLnBrk="0" hangingPunct="1">
@@ -19864,21 +19744,6 @@
                         </a:rPr>
                         <a:t></a:t>
                       </a:r>
-                      <a:endParaRPr kumimoji="0" lang="es-AR" sz="1400" b="0" i="0" u="none" strike="noStrike" kern="1200" cap="none" spc="0" normalizeH="0" baseline="0" noProof="0" dirty="0" smtClean="0">
-                        <a:ln>
-                          <a:noFill/>
-                        </a:ln>
-                        <a:solidFill>
-                          <a:prstClr val="black"/>
-                        </a:solidFill>
-                        <a:effectLst/>
-                        <a:uLnTx/>
-                        <a:uFillTx/>
-                        <a:latin typeface="+mn-lt"/>
-                        <a:ea typeface="+mn-ea"/>
-                        <a:cs typeface="+mn-cs"/>
-                        <a:sym typeface="Wingdings" panose="05000000000000000000" pitchFamily="2" charset="2"/>
-                      </a:endParaRPr>
                     </a:p>
                     <a:p>
                       <a:pPr marL="0" marR="0" indent="0" algn="ctr" defTabSz="914400" rtl="0" eaLnBrk="1" fontAlgn="auto" latinLnBrk="0" hangingPunct="1">

--- a/0-varios/Archivos-Office/Desarrollo web Teovisión v2.pptx
+++ b/0-varios/Archivos-Office/Desarrollo web Teovisión v2.pptx
@@ -3066,7 +3066,7 @@
           <a:p>
             <a:fld id="{15A53EF2-857A-475A-B989-D621464FC5FE}" type="datetimeFigureOut">
               <a:rPr lang="es-AR" smtClean="0"/>
-              <a:t>8/dic.22</a:t>
+              <a:t>18/dic.22</a:t>
             </a:fld>
             <a:endParaRPr lang="es-AR"/>
           </a:p>
@@ -3593,7 +3593,7 @@
           <a:p>
             <a:fld id="{61A29766-F8F1-40A0-9012-1D6D854DEF19}" type="datetime1">
               <a:rPr lang="es-AR" smtClean="0"/>
-              <a:t>8/dic.22</a:t>
+              <a:t>18/dic.22</a:t>
             </a:fld>
             <a:endParaRPr lang="es-AR"/>
           </a:p>
@@ -3773,7 +3773,7 @@
           <a:p>
             <a:fld id="{AE6B27E4-E037-4417-BAA1-4EA2285D12B1}" type="datetime1">
               <a:rPr lang="es-AR" smtClean="0"/>
-              <a:t>8/dic.22</a:t>
+              <a:t>18/dic.22</a:t>
             </a:fld>
             <a:endParaRPr lang="es-AR"/>
           </a:p>
@@ -3953,7 +3953,7 @@
           <a:p>
             <a:fld id="{06E9FD0F-B1A3-4BFC-9B6C-EFC7C439C1C6}" type="datetime1">
               <a:rPr lang="es-AR" smtClean="0"/>
-              <a:t>8/dic.22</a:t>
+              <a:t>18/dic.22</a:t>
             </a:fld>
             <a:endParaRPr lang="es-AR"/>
           </a:p>
@@ -4199,7 +4199,7 @@
           <a:p>
             <a:fld id="{12B0B659-48BD-489A-B1DB-2611836A1BF3}" type="datetime1">
               <a:rPr lang="es-AR" smtClean="0"/>
-              <a:t>8/dic.22</a:t>
+              <a:t>18/dic.22</a:t>
             </a:fld>
             <a:endParaRPr lang="es-AR"/>
           </a:p>
@@ -4431,7 +4431,7 @@
           <a:p>
             <a:fld id="{2012BD2E-4DE1-43F3-9389-38F8F1A594C5}" type="datetime1">
               <a:rPr lang="es-AR" smtClean="0"/>
-              <a:t>8/dic.22</a:t>
+              <a:t>18/dic.22</a:t>
             </a:fld>
             <a:endParaRPr lang="es-AR"/>
           </a:p>
@@ -4798,7 +4798,7 @@
           <a:p>
             <a:fld id="{C40B5982-6B3C-4989-8EDA-6F8B49694493}" type="datetime1">
               <a:rPr lang="es-AR" smtClean="0"/>
-              <a:t>8/dic.22</a:t>
+              <a:t>18/dic.22</a:t>
             </a:fld>
             <a:endParaRPr lang="es-AR"/>
           </a:p>
@@ -4944,7 +4944,7 @@
           <a:p>
             <a:fld id="{BC4B7BD7-8412-49DF-88C1-6EBDC5AFB437}" type="datetime1">
               <a:rPr lang="es-AR" smtClean="0"/>
-              <a:t>8/dic.22</a:t>
+              <a:t>18/dic.22</a:t>
             </a:fld>
             <a:endParaRPr lang="es-AR"/>
           </a:p>
@@ -5039,7 +5039,7 @@
           <a:p>
             <a:fld id="{3F2EFFA2-EE5D-4D7A-8A67-E43B2E1F3BCF}" type="datetime1">
               <a:rPr lang="es-AR" smtClean="0"/>
-              <a:t>8/dic.22</a:t>
+              <a:t>18/dic.22</a:t>
             </a:fld>
             <a:endParaRPr lang="es-AR"/>
           </a:p>
@@ -5316,7 +5316,7 @@
           <a:p>
             <a:fld id="{1657CC18-C596-4B8D-B0F2-39407AF309E9}" type="datetime1">
               <a:rPr lang="es-AR" smtClean="0"/>
-              <a:t>8/dic.22</a:t>
+              <a:t>18/dic.22</a:t>
             </a:fld>
             <a:endParaRPr lang="es-AR"/>
           </a:p>
@@ -5569,7 +5569,7 @@
           <a:p>
             <a:fld id="{70E49125-F661-48D8-9660-7F121CB22E0F}" type="datetime1">
               <a:rPr lang="es-AR" smtClean="0"/>
-              <a:t>8/dic.22</a:t>
+              <a:t>18/dic.22</a:t>
             </a:fld>
             <a:endParaRPr lang="es-AR"/>
           </a:p>
@@ -5782,7 +5782,7 @@
           <a:p>
             <a:fld id="{18DEFC15-B62B-4B9A-91AC-2F8E1CBC4E3C}" type="datetime1">
               <a:rPr lang="es-AR" smtClean="0"/>
-              <a:t>8/dic.22</a:t>
+              <a:t>18/dic.22</a:t>
             </a:fld>
             <a:endParaRPr lang="es-AR"/>
           </a:p>
@@ -6361,7 +6361,7 @@
           <p:nvPr>
             <p:extLst>
               <p:ext uri="{D42A27DB-BD31-4B8C-83A1-F6EECF244321}">
-                <p14:modId xmlns:p14="http://schemas.microsoft.com/office/powerpoint/2010/main" val="942792819"/>
+                <p14:modId xmlns:p14="http://schemas.microsoft.com/office/powerpoint/2010/main" val="3750539081"/>
               </p:ext>
             </p:extLst>
           </p:nvPr>
@@ -6567,8 +6567,22 @@
                           <a:cs typeface="+mn-cs"/>
                           <a:sym typeface="Wingdings" panose="05000000000000000000" pitchFamily="2" charset="2"/>
                         </a:rPr>
-                        <a:t>	70%</a:t>
-                      </a:r>
+                        <a:t>	100%</a:t>
+                      </a:r>
+                      <a:endParaRPr kumimoji="0" lang="es-AR" sz="1400" b="0" i="0" u="none" strike="noStrike" kern="1200" cap="none" spc="0" normalizeH="0" baseline="0" noProof="0" dirty="0" smtClean="0">
+                        <a:ln>
+                          <a:noFill/>
+                        </a:ln>
+                        <a:solidFill>
+                          <a:prstClr val="black"/>
+                        </a:solidFill>
+                        <a:effectLst/>
+                        <a:uLnTx/>
+                        <a:uFillTx/>
+                        <a:latin typeface="+mn-lt"/>
+                        <a:ea typeface="+mn-ea"/>
+                        <a:cs typeface="+mn-cs"/>
+                      </a:endParaRPr>
                     </a:p>
                     <a:p>
                       <a:pPr marL="0" marR="0" lvl="0" indent="0" algn="ctr" defTabSz="914400" rtl="0" eaLnBrk="1" fontAlgn="auto" latinLnBrk="0" hangingPunct="1">
@@ -6606,8 +6620,22 @@
                           <a:cs typeface="+mn-cs"/>
                           <a:sym typeface="Wingdings" panose="05000000000000000000" pitchFamily="2" charset="2"/>
                         </a:rPr>
-                        <a:t>	70%</a:t>
-                      </a:r>
+                        <a:t>	100%</a:t>
+                      </a:r>
+                      <a:endParaRPr kumimoji="0" lang="es-AR" sz="1400" b="0" i="0" u="none" strike="noStrike" kern="1200" cap="none" spc="0" normalizeH="0" baseline="0" noProof="0" dirty="0" smtClean="0">
+                        <a:ln>
+                          <a:noFill/>
+                        </a:ln>
+                        <a:solidFill>
+                          <a:prstClr val="black"/>
+                        </a:solidFill>
+                        <a:effectLst/>
+                        <a:uLnTx/>
+                        <a:uFillTx/>
+                        <a:latin typeface="+mn-lt"/>
+                        <a:ea typeface="+mn-ea"/>
+                        <a:cs typeface="+mn-cs"/>
+                      </a:endParaRPr>
                     </a:p>
                     <a:p>
                       <a:pPr marL="0" marR="0" lvl="0" indent="0" algn="ctr" defTabSz="914400" rtl="0" eaLnBrk="1" fontAlgn="auto" latinLnBrk="0" hangingPunct="1">
@@ -6645,8 +6673,22 @@
                           <a:cs typeface="+mn-cs"/>
                           <a:sym typeface="Wingdings" panose="05000000000000000000" pitchFamily="2" charset="2"/>
                         </a:rPr>
-                        <a:t>	70%</a:t>
-                      </a:r>
+                        <a:t>	100%</a:t>
+                      </a:r>
+                      <a:endParaRPr kumimoji="0" lang="es-AR" sz="1400" b="0" i="0" u="none" strike="noStrike" kern="1200" cap="none" spc="0" normalizeH="0" baseline="0" noProof="0" dirty="0" smtClean="0">
+                        <a:ln>
+                          <a:noFill/>
+                        </a:ln>
+                        <a:solidFill>
+                          <a:prstClr val="black"/>
+                        </a:solidFill>
+                        <a:effectLst/>
+                        <a:uLnTx/>
+                        <a:uFillTx/>
+                        <a:latin typeface="+mn-lt"/>
+                        <a:ea typeface="+mn-ea"/>
+                        <a:cs typeface="+mn-cs"/>
+                      </a:endParaRPr>
                     </a:p>
                   </a:txBody>
                   <a:tcPr/>
@@ -6688,7 +6730,24 @@
                           <a:ea typeface="+mn-ea"/>
                           <a:cs typeface="+mn-cs"/>
                         </a:rPr>
-                        <a:t>70%</a:t>
+                        <a:t>100</a:t>
+                      </a:r>
+                      <a:r>
+                        <a:rPr kumimoji="0" lang="es-AR" sz="1800" b="0" i="0" u="none" strike="noStrike" kern="1200" cap="none" spc="0" normalizeH="0" baseline="0" noProof="0" dirty="0" smtClean="0">
+                          <a:ln>
+                            <a:noFill/>
+                          </a:ln>
+                          <a:solidFill>
+                            <a:prstClr val="black"/>
+                          </a:solidFill>
+                          <a:effectLst/>
+                          <a:uLnTx/>
+                          <a:uFillTx/>
+                          <a:latin typeface="Calibri" panose="020F0502020204030204"/>
+                          <a:ea typeface="+mn-ea"/>
+                          <a:cs typeface="+mn-cs"/>
+                        </a:rPr>
+                        <a:t>%</a:t>
                       </a:r>
                     </a:p>
                   </a:txBody>
@@ -7282,7 +7341,7 @@
                           <a:ea typeface="+mn-ea"/>
                           <a:cs typeface="+mn-cs"/>
                         </a:rPr>
-                        <a:t>53%</a:t>
+                        <a:t>67%</a:t>
                       </a:r>
                       <a:endParaRPr lang="es-AR" sz="1800" b="1" kern="1200" noProof="0" dirty="0">
                         <a:solidFill>
@@ -7383,7 +7442,7 @@
           <a:p>
             <a:fld id="{AA591B98-6277-41D2-B70A-1673F04ACFE9}" type="datetime1">
               <a:rPr lang="es-AR" smtClean="0"/>
-              <a:t>8/dic.22</a:t>
+              <a:t>18/dic.22</a:t>
             </a:fld>
             <a:endParaRPr lang="es-AR"/>
           </a:p>
@@ -8500,7 +8559,7 @@
           <a:p>
             <a:fld id="{C5CE8752-E2F2-47CF-97DC-DD84E18D0F4F}" type="datetime1">
               <a:rPr lang="es-AR" smtClean="0"/>
-              <a:t>8/dic.22</a:t>
+              <a:t>18/dic.22</a:t>
             </a:fld>
             <a:endParaRPr lang="es-AR"/>
           </a:p>
@@ -10116,7 +10175,7 @@
           <a:p>
             <a:fld id="{C7F284DD-8BD8-4AE3-AD53-DA6B95DB2724}" type="datetime1">
               <a:rPr lang="es-AR" smtClean="0"/>
-              <a:t>8/dic.22</a:t>
+              <a:t>18/dic.22</a:t>
             </a:fld>
             <a:endParaRPr lang="es-AR"/>
           </a:p>
@@ -10720,7 +10779,7 @@
           <a:p>
             <a:fld id="{684A9043-1EFE-4B98-B43D-E1961C97A46D}" type="datetime1">
               <a:rPr lang="es-AR" smtClean="0"/>
-              <a:t>8/dic.22</a:t>
+              <a:t>18/dic.22</a:t>
             </a:fld>
             <a:endParaRPr lang="es-AR"/>
           </a:p>
@@ -12363,7 +12422,7 @@
           <a:p>
             <a:fld id="{F2ABE03F-56D9-4DAA-B448-BCAE1AF83530}" type="datetime1">
               <a:rPr lang="es-AR" smtClean="0"/>
-              <a:t>8/dic.22</a:t>
+              <a:t>18/dic.22</a:t>
             </a:fld>
             <a:endParaRPr lang="es-AR"/>
           </a:p>
@@ -13125,7 +13184,7 @@
           <a:p>
             <a:fld id="{E951C919-5623-4638-8F14-AA256741F6A5}" type="datetime1">
               <a:rPr lang="es-AR" smtClean="0"/>
-              <a:t>8/dic.22</a:t>
+              <a:t>18/dic.22</a:t>
             </a:fld>
             <a:endParaRPr lang="es-AR"/>
           </a:p>
@@ -13276,7 +13335,7 @@
           <a:p>
             <a:fld id="{55A656B1-C9FD-42B0-AB20-78DD3B9FFBDA}" type="datetime1">
               <a:rPr lang="es-AR" smtClean="0"/>
-              <a:t>8/dic.22</a:t>
+              <a:t>18/dic.22</a:t>
             </a:fld>
             <a:endParaRPr lang="es-AR"/>
           </a:p>
@@ -13825,7 +13884,7 @@
           <a:p>
             <a:fld id="{E23C16FB-EA57-49DC-AABC-6B4D367E3A00}" type="datetime1">
               <a:rPr lang="es-AR" smtClean="0"/>
-              <a:t>8/dic.22</a:t>
+              <a:t>18/dic.22</a:t>
             </a:fld>
             <a:endParaRPr lang="es-AR"/>
           </a:p>
@@ -14369,7 +14428,7 @@
           <a:p>
             <a:fld id="{927297CD-6264-42C7-ABE6-86FA57CA8201}" type="datetime1">
               <a:rPr lang="es-AR" smtClean="0"/>
-              <a:t>8/dic.22</a:t>
+              <a:t>18/dic.22</a:t>
             </a:fld>
             <a:endParaRPr lang="es-AR"/>
           </a:p>
@@ -14717,7 +14776,7 @@
           <a:p>
             <a:fld id="{7427010C-2A1D-4BE3-9336-5EA48CCE2D32}" type="datetime1">
               <a:rPr lang="es-AR" smtClean="0"/>
-              <a:t>8/dic.22</a:t>
+              <a:t>18/dic.22</a:t>
             </a:fld>
             <a:endParaRPr lang="es-AR"/>
           </a:p>
@@ -14918,7 +14977,7 @@
           <a:p>
             <a:fld id="{EB150FDE-CE14-4564-B75A-7B098249F7BF}" type="datetime1">
               <a:rPr lang="es-AR" smtClean="0"/>
-              <a:t>8/dic.22</a:t>
+              <a:t>18/dic.22</a:t>
             </a:fld>
             <a:endParaRPr lang="es-AR"/>
           </a:p>
@@ -15009,7 +15068,7 @@
           <p:nvPr>
             <p:extLst>
               <p:ext uri="{D42A27DB-BD31-4B8C-83A1-F6EECF244321}">
-                <p14:modId xmlns:p14="http://schemas.microsoft.com/office/powerpoint/2010/main" val="3173724595"/>
+                <p14:modId xmlns:p14="http://schemas.microsoft.com/office/powerpoint/2010/main" val="186856667"/>
               </p:ext>
             </p:extLst>
           </p:nvPr>
@@ -15553,7 +15612,7 @@
                           <a:ea typeface="+mn-ea"/>
                           <a:cs typeface="+mn-cs"/>
                         </a:rPr>
-                        <a:t>53%</a:t>
+                        <a:t>67%</a:t>
                       </a:r>
                       <a:endParaRPr kumimoji="0" lang="es-AR" sz="1800" b="0" i="0" u="none" strike="noStrike" kern="1200" cap="none" spc="0" normalizeH="0" baseline="0" noProof="0" dirty="0">
                         <a:ln>
@@ -15704,7 +15763,11 @@
                     <a:p>
                       <a:r>
                         <a:rPr lang="es-AR" dirty="0" smtClean="0"/>
-                        <a:t>ABM + Revisión de Links</a:t>
+                        <a:t>CRUD </a:t>
+                      </a:r>
+                      <a:r>
+                        <a:rPr lang="es-AR" dirty="0" smtClean="0"/>
+                        <a:t>+ Revisión de Links</a:t>
                       </a:r>
                       <a:endParaRPr lang="es-AR" dirty="0"/>
                     </a:p>
@@ -15849,11 +15912,15 @@
                     <a:p>
                       <a:r>
                         <a:rPr lang="es-AR" dirty="0" smtClean="0"/>
-                        <a:t>Consultas </a:t>
-                      </a:r>
-                      <a:r>
-                        <a:rPr lang="es-AR" smtClean="0"/>
-                        <a:t>personalizadas s/productos</a:t>
+                        <a:t>Consultas personalizadas </a:t>
+                      </a:r>
+                      <a:r>
+                        <a:rPr lang="es-AR" dirty="0" smtClean="0"/>
+                        <a:t>de </a:t>
+                      </a:r>
+                      <a:r>
+                        <a:rPr lang="es-AR" dirty="0" err="1" smtClean="0"/>
+                        <a:t>prods</a:t>
                       </a:r>
                       <a:endParaRPr lang="es-AR" dirty="0"/>
                     </a:p>
@@ -16776,7 +16843,7 @@
           <a:p>
             <a:fld id="{6DB8CD3C-3DAA-4D3B-B403-6CEE1FEBE87F}" type="datetime1">
               <a:rPr lang="es-AR" smtClean="0"/>
-              <a:t>8/dic.22</a:t>
+              <a:t>18/dic.22</a:t>
             </a:fld>
             <a:endParaRPr lang="es-AR"/>
           </a:p>
@@ -17447,7 +17514,7 @@
           <a:p>
             <a:fld id="{EEC263DB-ED5C-4C87-B1ED-E91935869EE7}" type="datetime1">
               <a:rPr lang="es-AR" smtClean="0"/>
-              <a:t>8/dic.22</a:t>
+              <a:t>18/dic.22</a:t>
             </a:fld>
             <a:endParaRPr lang="es-AR"/>
           </a:p>
@@ -17790,77 +17857,6 @@
                         <a:defRPr/>
                       </a:pPr>
                       <a:r>
-                        <a:rPr kumimoji="0" lang="es-AR" sz="1400" b="0" i="0" u="none" strike="noStrike" kern="1200" cap="none" spc="0" normalizeH="0" baseline="0" noProof="0" smtClean="0">
-                          <a:ln>
-                            <a:noFill/>
-                          </a:ln>
-                          <a:solidFill>
-                            <a:prstClr val="black"/>
-                          </a:solidFill>
-                          <a:effectLst/>
-                          <a:uLnTx/>
-                          <a:uFillTx/>
-                          <a:latin typeface="+mn-lt"/>
-                          <a:ea typeface="+mn-ea"/>
-                          <a:cs typeface="+mn-cs"/>
-                          <a:sym typeface="Wingdings" panose="05000000000000000000" pitchFamily="2" charset="2"/>
-                        </a:rPr>
-                        <a:t></a:t>
-                      </a:r>
-                      <a:r>
-                        <a:rPr kumimoji="0" lang="es-AR" sz="1400" b="0" i="0" u="none" strike="noStrike" kern="1200" cap="none" spc="0" normalizeH="0" baseline="0" noProof="0" dirty="0" smtClean="0">
-                          <a:ln>
-                            <a:noFill/>
-                          </a:ln>
-                          <a:solidFill>
-                            <a:prstClr val="black"/>
-                          </a:solidFill>
-                          <a:effectLst/>
-                          <a:uLnTx/>
-                          <a:uFillTx/>
-                          <a:latin typeface="+mn-lt"/>
-                          <a:ea typeface="+mn-ea"/>
-                          <a:cs typeface="+mn-cs"/>
-                          <a:sym typeface="Wingdings" panose="05000000000000000000" pitchFamily="2" charset="2"/>
-                        </a:rPr>
-                        <a:t>	100%</a:t>
-                      </a:r>
-                      <a:endParaRPr kumimoji="0" lang="es-AR" sz="1400" b="0" i="0" u="none" strike="noStrike" kern="1200" cap="none" spc="0" normalizeH="0" baseline="0" noProof="0" dirty="0" smtClean="0">
-                        <a:ln>
-                          <a:noFill/>
-                        </a:ln>
-                        <a:solidFill>
-                          <a:prstClr val="black"/>
-                        </a:solidFill>
-                        <a:effectLst/>
-                        <a:uLnTx/>
-                        <a:uFillTx/>
-                        <a:latin typeface="+mn-lt"/>
-                        <a:ea typeface="+mn-ea"/>
-                        <a:cs typeface="+mn-cs"/>
-                      </a:endParaRPr>
-                    </a:p>
-                    <a:p>
-                      <a:pPr marL="0" marR="0" lvl="0" indent="0" algn="ctr" defTabSz="914400" rtl="0" eaLnBrk="1" fontAlgn="auto" latinLnBrk="0" hangingPunct="1">
-                        <a:lnSpc>
-                          <a:spcPct val="100000"/>
-                        </a:lnSpc>
-                        <a:spcBef>
-                          <a:spcPts val="0"/>
-                        </a:spcBef>
-                        <a:spcAft>
-                          <a:spcPts val="0"/>
-                        </a:spcAft>
-                        <a:buClrTx/>
-                        <a:buSzTx/>
-                        <a:buFontTx/>
-                        <a:buNone/>
-                        <a:tabLst>
-                          <a:tab pos="630238" algn="r"/>
-                        </a:tabLst>
-                        <a:defRPr/>
-                      </a:pPr>
-                      <a:r>
                         <a:rPr kumimoji="0" lang="es-AR" sz="1400" b="0" i="0" u="none" strike="noStrike" kern="1200" cap="none" spc="0" normalizeH="0" baseline="0" noProof="0" dirty="0" smtClean="0">
                           <a:ln>
                             <a:noFill/>
@@ -17893,6 +17889,59 @@
                         <a:cs typeface="+mn-cs"/>
                       </a:endParaRPr>
                     </a:p>
+                    <a:p>
+                      <a:pPr marL="0" marR="0" lvl="0" indent="0" algn="ctr" defTabSz="914400" rtl="0" eaLnBrk="1" fontAlgn="auto" latinLnBrk="0" hangingPunct="1">
+                        <a:lnSpc>
+                          <a:spcPct val="100000"/>
+                        </a:lnSpc>
+                        <a:spcBef>
+                          <a:spcPts val="0"/>
+                        </a:spcBef>
+                        <a:spcAft>
+                          <a:spcPts val="0"/>
+                        </a:spcAft>
+                        <a:buClrTx/>
+                        <a:buSzTx/>
+                        <a:buFontTx/>
+                        <a:buNone/>
+                        <a:tabLst>
+                          <a:tab pos="630238" algn="r"/>
+                        </a:tabLst>
+                        <a:defRPr/>
+                      </a:pPr>
+                      <a:r>
+                        <a:rPr kumimoji="0" lang="es-AR" sz="1400" b="0" i="0" u="none" strike="noStrike" kern="1200" cap="none" spc="0" normalizeH="0" baseline="0" noProof="0" dirty="0" smtClean="0">
+                          <a:ln>
+                            <a:noFill/>
+                          </a:ln>
+                          <a:solidFill>
+                            <a:prstClr val="black"/>
+                          </a:solidFill>
+                          <a:effectLst/>
+                          <a:uLnTx/>
+                          <a:uFillTx/>
+                          <a:latin typeface="+mn-lt"/>
+                          <a:ea typeface="+mn-ea"/>
+                          <a:cs typeface="+mn-cs"/>
+                          <a:sym typeface="Wingdings" panose="05000000000000000000" pitchFamily="2" charset="2"/>
+                        </a:rPr>
+                        <a:t>	100%</a:t>
+                      </a:r>
+                      <a:endParaRPr kumimoji="0" lang="es-AR" sz="1400" b="0" i="0" u="none" strike="noStrike" kern="1200" cap="none" spc="0" normalizeH="0" baseline="0" noProof="0" dirty="0" smtClean="0">
+                        <a:ln>
+                          <a:noFill/>
+                        </a:ln>
+                        <a:solidFill>
+                          <a:prstClr val="black"/>
+                        </a:solidFill>
+                        <a:effectLst/>
+                        <a:uLnTx/>
+                        <a:uFillTx/>
+                        <a:latin typeface="+mn-lt"/>
+                        <a:ea typeface="+mn-ea"/>
+                        <a:cs typeface="+mn-cs"/>
+                      </a:endParaRPr>
+                    </a:p>
                   </a:txBody>
                   <a:tcPr/>
                 </a:tc>
@@ -18151,43 +18200,7 @@
                           <a:cs typeface="+mn-cs"/>
                           <a:sym typeface="Wingdings" panose="05000000000000000000" pitchFamily="2" charset="2"/>
                         </a:rPr>
-                        <a:t></a:t>
-                      </a:r>
-                      <a:r>
-                        <a:rPr kumimoji="0" lang="es-AR" sz="1400" b="0" i="0" u="none" strike="noStrike" kern="1200" cap="none" spc="0" normalizeH="0" baseline="0" noProof="0" dirty="0" smtClean="0">
-                          <a:ln>
-                            <a:noFill/>
-                          </a:ln>
-                          <a:solidFill>
-                            <a:prstClr val="black"/>
-                          </a:solidFill>
-                          <a:effectLst/>
-                          <a:uLnTx/>
-                          <a:uFillTx/>
-                          <a:latin typeface="+mn-lt"/>
-                          <a:ea typeface="+mn-ea"/>
-                          <a:cs typeface="+mn-cs"/>
-                          <a:sym typeface="Wingdings" panose="05000000000000000000" pitchFamily="2" charset="2"/>
-                        </a:rPr>
-                        <a:t>	</a:t>
-                      </a:r>
-                      <a:r>
-                        <a:rPr kumimoji="0" lang="es-AR" sz="1400" b="0" i="0" u="none" strike="noStrike" kern="1200" cap="none" spc="0" normalizeH="0" baseline="0" noProof="0" dirty="0" smtClean="0">
-                          <a:ln>
-                            <a:noFill/>
-                          </a:ln>
-                          <a:solidFill>
-                            <a:prstClr val="black"/>
-                          </a:solidFill>
-                          <a:effectLst/>
-                          <a:uLnTx/>
-                          <a:uFillTx/>
-                          <a:latin typeface="+mn-lt"/>
-                          <a:ea typeface="+mn-ea"/>
-                          <a:cs typeface="+mn-cs"/>
-                          <a:sym typeface="Wingdings" panose="05000000000000000000" pitchFamily="2" charset="2"/>
-                        </a:rPr>
-                        <a:t>100%</a:t>
+                        <a:t>	100%</a:t>
                       </a:r>
                       <a:endParaRPr kumimoji="0" lang="es-AR" sz="1400" b="0" i="0" u="none" strike="noStrike" kern="1200" cap="none" spc="0" normalizeH="0" baseline="0" noProof="0" dirty="0" smtClean="0">
                         <a:ln>
@@ -18354,20 +18367,6 @@
                         </a:rPr>
                         <a:t>100%</a:t>
                       </a:r>
-                      <a:endParaRPr kumimoji="0" lang="es-AR" sz="1800" b="0" i="0" u="none" strike="noStrike" kern="1200" cap="none" spc="0" normalizeH="0" baseline="0" noProof="0" dirty="0" smtClean="0">
-                        <a:ln>
-                          <a:noFill/>
-                        </a:ln>
-                        <a:solidFill>
-                          <a:prstClr val="black"/>
-                        </a:solidFill>
-                        <a:effectLst/>
-                        <a:uLnTx/>
-                        <a:uFillTx/>
-                        <a:latin typeface="Calibri" panose="020F0502020204030204"/>
-                        <a:ea typeface="+mn-ea"/>
-                        <a:cs typeface="+mn-cs"/>
-                      </a:endParaRPr>
                     </a:p>
                   </a:txBody>
                   <a:tcPr anchor="ctr"/>
@@ -20070,7 +20069,7 @@
           <a:p>
             <a:fld id="{026729C1-673E-4729-AC71-847050BEA676}" type="datetime1">
               <a:rPr lang="es-AR" smtClean="0"/>
-              <a:t>8/dic.22</a:t>
+              <a:t>18/dic.22</a:t>
             </a:fld>
             <a:endParaRPr lang="es-AR"/>
           </a:p>

--- a/0-varios/Archivos-Office/Desarrollo web Teovisión v2.pptx
+++ b/0-varios/Archivos-Office/Desarrollo web Teovisión v2.pptx
@@ -5,7 +5,7 @@
     <p:sldMasterId id="2147483648" r:id="rId1"/>
   </p:sldMasterIdLst>
   <p:notesMasterIdLst>
-    <p:notesMasterId r:id="rId17"/>
+    <p:notesMasterId r:id="rId18"/>
   </p:notesMasterIdLst>
   <p:sldIdLst>
     <p:sldId id="256" r:id="rId2"/>
@@ -13,16 +13,17 @@
     <p:sldId id="273" r:id="rId4"/>
     <p:sldId id="259" r:id="rId5"/>
     <p:sldId id="257" r:id="rId6"/>
-    <p:sldId id="260" r:id="rId7"/>
-    <p:sldId id="268" r:id="rId8"/>
-    <p:sldId id="258" r:id="rId9"/>
-    <p:sldId id="270" r:id="rId10"/>
-    <p:sldId id="271" r:id="rId11"/>
-    <p:sldId id="272" r:id="rId12"/>
-    <p:sldId id="264" r:id="rId13"/>
-    <p:sldId id="265" r:id="rId14"/>
-    <p:sldId id="266" r:id="rId15"/>
-    <p:sldId id="267" r:id="rId16"/>
+    <p:sldId id="274" r:id="rId7"/>
+    <p:sldId id="260" r:id="rId8"/>
+    <p:sldId id="268" r:id="rId9"/>
+    <p:sldId id="258" r:id="rId10"/>
+    <p:sldId id="270" r:id="rId11"/>
+    <p:sldId id="271" r:id="rId12"/>
+    <p:sldId id="272" r:id="rId13"/>
+    <p:sldId id="264" r:id="rId14"/>
+    <p:sldId id="265" r:id="rId15"/>
+    <p:sldId id="266" r:id="rId16"/>
+    <p:sldId id="267" r:id="rId17"/>
   </p:sldIdLst>
   <p:sldSz cx="12192000" cy="6858000"/>
   <p:notesSz cx="6858000" cy="9144000"/>
@@ -3066,7 +3067,7 @@
           <a:p>
             <a:fld id="{15A53EF2-857A-475A-B989-D621464FC5FE}" type="datetimeFigureOut">
               <a:rPr lang="es-AR" smtClean="0"/>
-              <a:t>18/dic.22</a:t>
+              <a:t>19/dic.22</a:t>
             </a:fld>
             <a:endParaRPr lang="es-AR"/>
           </a:p>
@@ -3593,7 +3594,7 @@
           <a:p>
             <a:fld id="{61A29766-F8F1-40A0-9012-1D6D854DEF19}" type="datetime1">
               <a:rPr lang="es-AR" smtClean="0"/>
-              <a:t>18/dic.22</a:t>
+              <a:t>19/dic.22</a:t>
             </a:fld>
             <a:endParaRPr lang="es-AR"/>
           </a:p>
@@ -3773,7 +3774,7 @@
           <a:p>
             <a:fld id="{AE6B27E4-E037-4417-BAA1-4EA2285D12B1}" type="datetime1">
               <a:rPr lang="es-AR" smtClean="0"/>
-              <a:t>18/dic.22</a:t>
+              <a:t>19/dic.22</a:t>
             </a:fld>
             <a:endParaRPr lang="es-AR"/>
           </a:p>
@@ -3953,7 +3954,7 @@
           <a:p>
             <a:fld id="{06E9FD0F-B1A3-4BFC-9B6C-EFC7C439C1C6}" type="datetime1">
               <a:rPr lang="es-AR" smtClean="0"/>
-              <a:t>18/dic.22</a:t>
+              <a:t>19/dic.22</a:t>
             </a:fld>
             <a:endParaRPr lang="es-AR"/>
           </a:p>
@@ -4199,7 +4200,7 @@
           <a:p>
             <a:fld id="{12B0B659-48BD-489A-B1DB-2611836A1BF3}" type="datetime1">
               <a:rPr lang="es-AR" smtClean="0"/>
-              <a:t>18/dic.22</a:t>
+              <a:t>19/dic.22</a:t>
             </a:fld>
             <a:endParaRPr lang="es-AR"/>
           </a:p>
@@ -4431,7 +4432,7 @@
           <a:p>
             <a:fld id="{2012BD2E-4DE1-43F3-9389-38F8F1A594C5}" type="datetime1">
               <a:rPr lang="es-AR" smtClean="0"/>
-              <a:t>18/dic.22</a:t>
+              <a:t>19/dic.22</a:t>
             </a:fld>
             <a:endParaRPr lang="es-AR"/>
           </a:p>
@@ -4798,7 +4799,7 @@
           <a:p>
             <a:fld id="{C40B5982-6B3C-4989-8EDA-6F8B49694493}" type="datetime1">
               <a:rPr lang="es-AR" smtClean="0"/>
-              <a:t>18/dic.22</a:t>
+              <a:t>19/dic.22</a:t>
             </a:fld>
             <a:endParaRPr lang="es-AR"/>
           </a:p>
@@ -4944,7 +4945,7 @@
           <a:p>
             <a:fld id="{BC4B7BD7-8412-49DF-88C1-6EBDC5AFB437}" type="datetime1">
               <a:rPr lang="es-AR" smtClean="0"/>
-              <a:t>18/dic.22</a:t>
+              <a:t>19/dic.22</a:t>
             </a:fld>
             <a:endParaRPr lang="es-AR"/>
           </a:p>
@@ -5039,7 +5040,7 @@
           <a:p>
             <a:fld id="{3F2EFFA2-EE5D-4D7A-8A67-E43B2E1F3BCF}" type="datetime1">
               <a:rPr lang="es-AR" smtClean="0"/>
-              <a:t>18/dic.22</a:t>
+              <a:t>19/dic.22</a:t>
             </a:fld>
             <a:endParaRPr lang="es-AR"/>
           </a:p>
@@ -5316,7 +5317,7 @@
           <a:p>
             <a:fld id="{1657CC18-C596-4B8D-B0F2-39407AF309E9}" type="datetime1">
               <a:rPr lang="es-AR" smtClean="0"/>
-              <a:t>18/dic.22</a:t>
+              <a:t>19/dic.22</a:t>
             </a:fld>
             <a:endParaRPr lang="es-AR"/>
           </a:p>
@@ -5569,7 +5570,7 @@
           <a:p>
             <a:fld id="{70E49125-F661-48D8-9660-7F121CB22E0F}" type="datetime1">
               <a:rPr lang="es-AR" smtClean="0"/>
-              <a:t>18/dic.22</a:t>
+              <a:t>19/dic.22</a:t>
             </a:fld>
             <a:endParaRPr lang="es-AR"/>
           </a:p>
@@ -5782,7 +5783,7 @@
           <a:p>
             <a:fld id="{18DEFC15-B62B-4B9A-91AC-2F8E1CBC4E3C}" type="datetime1">
               <a:rPr lang="es-AR" smtClean="0"/>
-              <a:t>18/dic.22</a:t>
+              <a:t>19/dic.22</a:t>
             </a:fld>
             <a:endParaRPr lang="es-AR"/>
           </a:p>
@@ -6323,6 +6324,2561 @@
           <a:p>
             <a:r>
               <a:rPr lang="es-AR" dirty="0" smtClean="0"/>
+              <a:t>2/8 - CRUD + Revisión de Productos</a:t>
+            </a:r>
+            <a:endParaRPr lang="es-AR" dirty="0"/>
+          </a:p>
+        </p:txBody>
+      </p:sp>
+      <p:sp>
+        <p:nvSpPr>
+          <p:cNvPr id="4" name="Marcador de número de diapositiva 3"/>
+          <p:cNvSpPr>
+            <a:spLocks noGrp="1"/>
+          </p:cNvSpPr>
+          <p:nvPr>
+            <p:ph type="sldNum" sz="quarter" idx="12"/>
+          </p:nvPr>
+        </p:nvSpPr>
+        <p:spPr/>
+        <p:txBody>
+          <a:bodyPr/>
+          <a:lstStyle/>
+          <a:p>
+            <a:fld id="{42F25427-F6B6-4EC7-A2C4-3EF91D1E0584}" type="slidenum">
+              <a:rPr lang="es-AR" smtClean="0"/>
+              <a:t>10</a:t>
+            </a:fld>
+            <a:endParaRPr lang="es-AR"/>
+          </a:p>
+        </p:txBody>
+      </p:sp>
+      <p:graphicFrame>
+        <p:nvGraphicFramePr>
+          <p:cNvPr id="5" name="Tabla 4"/>
+          <p:cNvGraphicFramePr>
+            <a:graphicFrameLocks noGrp="1"/>
+          </p:cNvGraphicFramePr>
+          <p:nvPr>
+            <p:extLst>
+              <p:ext uri="{D42A27DB-BD31-4B8C-83A1-F6EECF244321}">
+                <p14:modId xmlns:p14="http://schemas.microsoft.com/office/powerpoint/2010/main" val="2110915455"/>
+              </p:ext>
+            </p:extLst>
+          </p:nvPr>
+        </p:nvGraphicFramePr>
+        <p:xfrm>
+          <a:off x="720216" y="2296160"/>
+          <a:ext cx="6302926" cy="2204720"/>
+        </p:xfrm>
+        <a:graphic>
+          <a:graphicData uri="http://schemas.openxmlformats.org/drawingml/2006/table">
+            <a:tbl>
+              <a:tblPr firstRow="1" lastRow="1" bandRow="1">
+                <a:tableStyleId>{5C22544A-7EE6-4342-B048-85BDC9FD1C3A}</a:tableStyleId>
+              </a:tblPr>
+              <a:tblGrid>
+                <a:gridCol w="3031681">
+                  <a:extLst>
+                    <a:ext uri="{9D8B030D-6E8A-4147-A177-3AD203B41FA5}">
+                      <a16:colId xmlns:a16="http://schemas.microsoft.com/office/drawing/2014/main" val="3481815282"/>
+                    </a:ext>
+                  </a:extLst>
+                </a:gridCol>
+                <a:gridCol w="1134635">
+                  <a:extLst>
+                    <a:ext uri="{9D8B030D-6E8A-4147-A177-3AD203B41FA5}">
+                      <a16:colId xmlns:a16="http://schemas.microsoft.com/office/drawing/2014/main" val="1121319936"/>
+                    </a:ext>
+                  </a:extLst>
+                </a:gridCol>
+                <a:gridCol w="1068305">
+                  <a:extLst>
+                    <a:ext uri="{9D8B030D-6E8A-4147-A177-3AD203B41FA5}">
+                      <a16:colId xmlns:a16="http://schemas.microsoft.com/office/drawing/2014/main" val="4247800139"/>
+                    </a:ext>
+                  </a:extLst>
+                </a:gridCol>
+                <a:gridCol w="1068305">
+                  <a:extLst>
+                    <a:ext uri="{9D8B030D-6E8A-4147-A177-3AD203B41FA5}">
+                      <a16:colId xmlns:a16="http://schemas.microsoft.com/office/drawing/2014/main" val="3339644049"/>
+                    </a:ext>
+                  </a:extLst>
+                </a:gridCol>
+              </a:tblGrid>
+              <a:tr h="370840">
+                <a:tc>
+                  <a:txBody>
+                    <a:bodyPr/>
+                    <a:lstStyle/>
+                    <a:p>
+                      <a:r>
+                        <a:rPr lang="es-AR" dirty="0" smtClean="0"/>
+                        <a:t>Tarea</a:t>
+                      </a:r>
+                      <a:endParaRPr lang="es-AR" dirty="0"/>
+                    </a:p>
+                  </a:txBody>
+                  <a:tcPr/>
+                </a:tc>
+                <a:tc>
+                  <a:txBody>
+                    <a:bodyPr/>
+                    <a:lstStyle/>
+                    <a:p>
+                      <a:r>
+                        <a:rPr lang="es-AR" dirty="0" smtClean="0"/>
+                        <a:t>Detalle</a:t>
+                      </a:r>
+                      <a:endParaRPr lang="es-AR" dirty="0"/>
+                    </a:p>
+                  </a:txBody>
+                  <a:tcPr/>
+                </a:tc>
+                <a:tc>
+                  <a:txBody>
+                    <a:bodyPr/>
+                    <a:lstStyle/>
+                    <a:p>
+                      <a:pPr algn="ctr"/>
+                      <a:r>
+                        <a:rPr lang="es-AR" dirty="0" smtClean="0"/>
+                        <a:t>Avance</a:t>
+                      </a:r>
+                      <a:endParaRPr lang="es-AR" dirty="0"/>
+                    </a:p>
+                  </a:txBody>
+                  <a:tcPr/>
+                </a:tc>
+                <a:tc>
+                  <a:txBody>
+                    <a:bodyPr/>
+                    <a:lstStyle/>
+                    <a:p>
+                      <a:pPr algn="ctr"/>
+                      <a:r>
+                        <a:rPr lang="es-AR" dirty="0" smtClean="0"/>
+                        <a:t>Total</a:t>
+                      </a:r>
+                      <a:endParaRPr lang="es-AR" dirty="0"/>
+                    </a:p>
+                  </a:txBody>
+                  <a:tcPr/>
+                </a:tc>
+                <a:extLst>
+                  <a:ext uri="{0D108BD9-81ED-4DB2-BD59-A6C34878D82A}">
+                    <a16:rowId xmlns:a16="http://schemas.microsoft.com/office/drawing/2014/main" val="202133729"/>
+                  </a:ext>
+                </a:extLst>
+              </a:tr>
+              <a:tr h="370840">
+                <a:tc>
+                  <a:txBody>
+                    <a:bodyPr/>
+                    <a:lstStyle/>
+                    <a:p>
+                      <a:r>
+                        <a:rPr lang="es-AR" dirty="0" smtClean="0"/>
+                        <a:t>CRUD de productos</a:t>
+                      </a:r>
+                    </a:p>
+                    <a:p>
+                      <a:r>
+                        <a:rPr lang="es-AR" sz="1400" dirty="0" smtClean="0"/>
+                        <a:t>Vistas:</a:t>
+                      </a:r>
+                      <a:r>
+                        <a:rPr lang="es-AR" sz="1400" baseline="0" dirty="0" smtClean="0"/>
+                        <a:t> 11</a:t>
+                      </a:r>
+                      <a:endParaRPr lang="es-AR" sz="1400" dirty="0"/>
+                    </a:p>
+                  </a:txBody>
+                  <a:tcPr/>
+                </a:tc>
+                <a:tc>
+                  <a:txBody>
+                    <a:bodyPr/>
+                    <a:lstStyle/>
+                    <a:p>
+                      <a:r>
+                        <a:rPr lang="es-AR" sz="1400" dirty="0" smtClean="0"/>
+                        <a:t>Vistas</a:t>
+                      </a:r>
+                    </a:p>
+                    <a:p>
+                      <a:r>
+                        <a:rPr lang="es-AR" sz="1400" dirty="0" smtClean="0"/>
+                        <a:t>Front</a:t>
+                      </a:r>
+                      <a:r>
+                        <a:rPr lang="es-AR" sz="1400" baseline="0" dirty="0" smtClean="0"/>
+                        <a:t>-</a:t>
+                      </a:r>
+                      <a:r>
+                        <a:rPr lang="es-AR" sz="1400" baseline="0" dirty="0" err="1" smtClean="0"/>
+                        <a:t>End</a:t>
+                      </a:r>
+                      <a:endParaRPr lang="es-AR" sz="1400" baseline="0" dirty="0" smtClean="0"/>
+                    </a:p>
+                    <a:p>
+                      <a:r>
+                        <a:rPr lang="es-AR" sz="1400" dirty="0" smtClean="0"/>
+                        <a:t>Back-</a:t>
+                      </a:r>
+                      <a:r>
+                        <a:rPr lang="es-AR" sz="1400" dirty="0" err="1" smtClean="0"/>
+                        <a:t>End</a:t>
+                      </a:r>
+                      <a:endParaRPr lang="es-AR" sz="1400" dirty="0" smtClean="0"/>
+                    </a:p>
+                  </a:txBody>
+                  <a:tcPr/>
+                </a:tc>
+                <a:tc>
+                  <a:txBody>
+                    <a:bodyPr/>
+                    <a:lstStyle/>
+                    <a:p>
+                      <a:pPr marL="0" marR="0" lvl="0" indent="0" algn="ctr" defTabSz="914400" rtl="0" eaLnBrk="1" fontAlgn="auto" latinLnBrk="0" hangingPunct="1">
+                        <a:lnSpc>
+                          <a:spcPct val="100000"/>
+                        </a:lnSpc>
+                        <a:spcBef>
+                          <a:spcPts val="0"/>
+                        </a:spcBef>
+                        <a:spcAft>
+                          <a:spcPts val="0"/>
+                        </a:spcAft>
+                        <a:buClrTx/>
+                        <a:buSzTx/>
+                        <a:buFontTx/>
+                        <a:buNone/>
+                        <a:tabLst>
+                          <a:tab pos="630238" algn="r"/>
+                        </a:tabLst>
+                        <a:defRPr/>
+                      </a:pPr>
+                      <a:r>
+                        <a:rPr kumimoji="0" lang="es-AR" sz="1400" b="0" i="0" u="none" strike="noStrike" kern="1200" cap="none" spc="0" normalizeH="0" baseline="0" noProof="0" dirty="0" smtClean="0">
+                          <a:ln>
+                            <a:noFill/>
+                          </a:ln>
+                          <a:solidFill>
+                            <a:prstClr val="black"/>
+                          </a:solidFill>
+                          <a:effectLst/>
+                          <a:uLnTx/>
+                          <a:uFillTx/>
+                          <a:latin typeface="+mn-lt"/>
+                          <a:ea typeface="+mn-ea"/>
+                          <a:cs typeface="+mn-cs"/>
+                          <a:sym typeface="Wingdings" panose="05000000000000000000" pitchFamily="2" charset="2"/>
+                        </a:rPr>
+                        <a:t>	100%</a:t>
+                      </a:r>
+                      <a:endParaRPr kumimoji="0" lang="es-AR" sz="1400" b="0" i="0" u="none" strike="noStrike" kern="1200" cap="none" spc="0" normalizeH="0" baseline="0" noProof="0" dirty="0" smtClean="0">
+                        <a:ln>
+                          <a:noFill/>
+                        </a:ln>
+                        <a:solidFill>
+                          <a:prstClr val="black"/>
+                        </a:solidFill>
+                        <a:effectLst/>
+                        <a:uLnTx/>
+                        <a:uFillTx/>
+                        <a:latin typeface="+mn-lt"/>
+                        <a:ea typeface="+mn-ea"/>
+                        <a:cs typeface="+mn-cs"/>
+                      </a:endParaRPr>
+                    </a:p>
+                    <a:p>
+                      <a:pPr marL="0" marR="0" lvl="0" indent="0" algn="ctr" defTabSz="914400" rtl="0" eaLnBrk="1" fontAlgn="auto" latinLnBrk="0" hangingPunct="1">
+                        <a:lnSpc>
+                          <a:spcPct val="100000"/>
+                        </a:lnSpc>
+                        <a:spcBef>
+                          <a:spcPts val="0"/>
+                        </a:spcBef>
+                        <a:spcAft>
+                          <a:spcPts val="0"/>
+                        </a:spcAft>
+                        <a:buClrTx/>
+                        <a:buSzTx/>
+                        <a:buFontTx/>
+                        <a:buNone/>
+                        <a:tabLst>
+                          <a:tab pos="630238" algn="r"/>
+                        </a:tabLst>
+                        <a:defRPr/>
+                      </a:pPr>
+                      <a:r>
+                        <a:rPr kumimoji="0" lang="es-AR" sz="1400" b="0" i="0" u="none" strike="noStrike" kern="1200" cap="none" spc="0" normalizeH="0" baseline="0" noProof="0" dirty="0" smtClean="0">
+                          <a:ln>
+                            <a:noFill/>
+                          </a:ln>
+                          <a:solidFill>
+                            <a:prstClr val="black"/>
+                          </a:solidFill>
+                          <a:effectLst/>
+                          <a:uLnTx/>
+                          <a:uFillTx/>
+                          <a:latin typeface="+mn-lt"/>
+                          <a:ea typeface="+mn-ea"/>
+                          <a:cs typeface="+mn-cs"/>
+                          <a:sym typeface="Wingdings" panose="05000000000000000000" pitchFamily="2" charset="2"/>
+                        </a:rPr>
+                        <a:t>	100%</a:t>
+                      </a:r>
+                      <a:endParaRPr kumimoji="0" lang="es-AR" sz="1400" b="0" i="0" u="none" strike="noStrike" kern="1200" cap="none" spc="0" normalizeH="0" baseline="0" noProof="0" dirty="0" smtClean="0">
+                        <a:ln>
+                          <a:noFill/>
+                        </a:ln>
+                        <a:solidFill>
+                          <a:prstClr val="black"/>
+                        </a:solidFill>
+                        <a:effectLst/>
+                        <a:uLnTx/>
+                        <a:uFillTx/>
+                        <a:latin typeface="+mn-lt"/>
+                        <a:ea typeface="+mn-ea"/>
+                        <a:cs typeface="+mn-cs"/>
+                      </a:endParaRPr>
+                    </a:p>
+                    <a:p>
+                      <a:pPr marL="0" marR="0" lvl="0" indent="0" algn="ctr" defTabSz="914400" rtl="0" eaLnBrk="1" fontAlgn="auto" latinLnBrk="0" hangingPunct="1">
+                        <a:lnSpc>
+                          <a:spcPct val="100000"/>
+                        </a:lnSpc>
+                        <a:spcBef>
+                          <a:spcPts val="0"/>
+                        </a:spcBef>
+                        <a:spcAft>
+                          <a:spcPts val="0"/>
+                        </a:spcAft>
+                        <a:buClrTx/>
+                        <a:buSzTx/>
+                        <a:buFontTx/>
+                        <a:buNone/>
+                        <a:tabLst>
+                          <a:tab pos="630238" algn="r"/>
+                        </a:tabLst>
+                        <a:defRPr/>
+                      </a:pPr>
+                      <a:r>
+                        <a:rPr kumimoji="0" lang="es-AR" sz="1400" b="0" i="0" u="none" strike="noStrike" kern="1200" cap="none" spc="0" normalizeH="0" baseline="0" noProof="0" dirty="0" smtClean="0">
+                          <a:ln>
+                            <a:noFill/>
+                          </a:ln>
+                          <a:solidFill>
+                            <a:prstClr val="black"/>
+                          </a:solidFill>
+                          <a:effectLst/>
+                          <a:uLnTx/>
+                          <a:uFillTx/>
+                          <a:latin typeface="+mn-lt"/>
+                          <a:ea typeface="+mn-ea"/>
+                          <a:cs typeface="+mn-cs"/>
+                          <a:sym typeface="Wingdings" panose="05000000000000000000" pitchFamily="2" charset="2"/>
+                        </a:rPr>
+                        <a:t>	100%</a:t>
+                      </a:r>
+                      <a:endParaRPr kumimoji="0" lang="es-AR" sz="1400" b="0" i="0" u="none" strike="noStrike" kern="1200" cap="none" spc="0" normalizeH="0" baseline="0" noProof="0" dirty="0" smtClean="0">
+                        <a:ln>
+                          <a:noFill/>
+                        </a:ln>
+                        <a:solidFill>
+                          <a:prstClr val="black"/>
+                        </a:solidFill>
+                        <a:effectLst/>
+                        <a:uLnTx/>
+                        <a:uFillTx/>
+                        <a:latin typeface="+mn-lt"/>
+                        <a:ea typeface="+mn-ea"/>
+                        <a:cs typeface="+mn-cs"/>
+                      </a:endParaRPr>
+                    </a:p>
+                  </a:txBody>
+                  <a:tcPr/>
+                </a:tc>
+                <a:tc>
+                  <a:txBody>
+                    <a:bodyPr/>
+                    <a:lstStyle/>
+                    <a:p>
+                      <a:pPr marL="0" marR="0" lvl="0" indent="0" algn="ctr" defTabSz="914400" rtl="0" eaLnBrk="1" fontAlgn="auto" latinLnBrk="0" hangingPunct="1">
+                        <a:lnSpc>
+                          <a:spcPct val="100000"/>
+                        </a:lnSpc>
+                        <a:spcBef>
+                          <a:spcPts val="0"/>
+                        </a:spcBef>
+                        <a:spcAft>
+                          <a:spcPts val="0"/>
+                        </a:spcAft>
+                        <a:buClrTx/>
+                        <a:buSzTx/>
+                        <a:buFontTx/>
+                        <a:buNone/>
+                        <a:tabLst/>
+                        <a:defRPr/>
+                      </a:pPr>
+                      <a:r>
+                        <a:rPr kumimoji="0" lang="es-AR" sz="1800" b="0" i="0" u="none" strike="noStrike" kern="1200" cap="none" spc="0" normalizeH="0" baseline="0" noProof="0" dirty="0" smtClean="0">
+                          <a:ln>
+                            <a:noFill/>
+                          </a:ln>
+                          <a:solidFill>
+                            <a:prstClr val="black"/>
+                          </a:solidFill>
+                          <a:effectLst/>
+                          <a:uLnTx/>
+                          <a:uFillTx/>
+                          <a:latin typeface="+mn-lt"/>
+                          <a:ea typeface="+mn-ea"/>
+                          <a:cs typeface="+mn-cs"/>
+                        </a:rPr>
+                        <a:t>100%</a:t>
+                      </a:r>
+                    </a:p>
+                  </a:txBody>
+                  <a:tcPr anchor="ctr"/>
+                </a:tc>
+                <a:extLst>
+                  <a:ext uri="{0D108BD9-81ED-4DB2-BD59-A6C34878D82A}">
+                    <a16:rowId xmlns:a16="http://schemas.microsoft.com/office/drawing/2014/main" val="3275747942"/>
+                  </a:ext>
+                </a:extLst>
+              </a:tr>
+              <a:tr h="370840">
+                <a:tc>
+                  <a:txBody>
+                    <a:bodyPr/>
+                    <a:lstStyle/>
+                    <a:p>
+                      <a:r>
+                        <a:rPr lang="es-AR" dirty="0" smtClean="0"/>
+                        <a:t>Revisión de Productos</a:t>
+                      </a:r>
+                    </a:p>
+                    <a:p>
+                      <a:r>
+                        <a:rPr lang="es-AR" sz="1400" dirty="0" smtClean="0"/>
+                        <a:t>Vistas: 3 (alta, </a:t>
+                      </a:r>
+                      <a:r>
+                        <a:rPr lang="es-AR" sz="1400" dirty="0" err="1" smtClean="0"/>
+                        <a:t>edic</a:t>
+                      </a:r>
+                      <a:r>
+                        <a:rPr lang="es-AR" sz="1400" dirty="0" smtClean="0"/>
+                        <a:t>-avatar, </a:t>
+                      </a:r>
+                      <a:r>
+                        <a:rPr lang="es-AR" sz="1400" dirty="0" err="1" smtClean="0"/>
+                        <a:t>edic</a:t>
+                      </a:r>
+                      <a:r>
+                        <a:rPr lang="es-AR" sz="1400" dirty="0" smtClean="0"/>
+                        <a:t>-demás)</a:t>
+                      </a:r>
+                      <a:endParaRPr lang="es-AR" sz="1400" dirty="0"/>
+                    </a:p>
+                  </a:txBody>
+                  <a:tcPr/>
+                </a:tc>
+                <a:tc>
+                  <a:txBody>
+                    <a:bodyPr/>
+                    <a:lstStyle/>
+                    <a:p>
+                      <a:pPr marL="0" marR="0" lvl="0" indent="0" algn="l" defTabSz="914400" rtl="0" eaLnBrk="1" fontAlgn="auto" latinLnBrk="0" hangingPunct="1">
+                        <a:lnSpc>
+                          <a:spcPct val="100000"/>
+                        </a:lnSpc>
+                        <a:spcBef>
+                          <a:spcPts val="0"/>
+                        </a:spcBef>
+                        <a:spcAft>
+                          <a:spcPts val="0"/>
+                        </a:spcAft>
+                        <a:buClrTx/>
+                        <a:buSzTx/>
+                        <a:buFontTx/>
+                        <a:buNone/>
+                        <a:tabLst/>
+                        <a:defRPr/>
+                      </a:pPr>
+                      <a:r>
+                        <a:rPr kumimoji="0" lang="es-AR" sz="1400" b="0" i="0" u="none" strike="noStrike" kern="1200" cap="none" spc="0" normalizeH="0" baseline="0" noProof="0" smtClean="0">
+                          <a:ln>
+                            <a:noFill/>
+                          </a:ln>
+                          <a:solidFill>
+                            <a:prstClr val="black"/>
+                          </a:solidFill>
+                          <a:effectLst/>
+                          <a:uLnTx/>
+                          <a:uFillTx/>
+                          <a:latin typeface="Calibri" panose="020F0502020204030204"/>
+                          <a:ea typeface="+mn-ea"/>
+                          <a:cs typeface="+mn-cs"/>
+                        </a:rPr>
+                        <a:t>Vistas</a:t>
+                      </a:r>
+                    </a:p>
+                    <a:p>
+                      <a:pPr marL="0" marR="0" lvl="0" indent="0" algn="l" defTabSz="914400" rtl="0" eaLnBrk="1" fontAlgn="auto" latinLnBrk="0" hangingPunct="1">
+                        <a:lnSpc>
+                          <a:spcPct val="100000"/>
+                        </a:lnSpc>
+                        <a:spcBef>
+                          <a:spcPts val="0"/>
+                        </a:spcBef>
+                        <a:spcAft>
+                          <a:spcPts val="0"/>
+                        </a:spcAft>
+                        <a:buClrTx/>
+                        <a:buSzTx/>
+                        <a:buFontTx/>
+                        <a:buNone/>
+                        <a:tabLst/>
+                        <a:defRPr/>
+                      </a:pPr>
+                      <a:r>
+                        <a:rPr kumimoji="0" lang="es-AR" sz="1400" b="0" i="0" u="none" strike="noStrike" kern="1200" cap="none" spc="0" normalizeH="0" baseline="0" noProof="0" smtClean="0">
+                          <a:ln>
+                            <a:noFill/>
+                          </a:ln>
+                          <a:solidFill>
+                            <a:prstClr val="black"/>
+                          </a:solidFill>
+                          <a:effectLst/>
+                          <a:uLnTx/>
+                          <a:uFillTx/>
+                          <a:latin typeface="Calibri" panose="020F0502020204030204"/>
+                          <a:ea typeface="+mn-ea"/>
+                          <a:cs typeface="+mn-cs"/>
+                        </a:rPr>
+                        <a:t>Front-End</a:t>
+                      </a:r>
+                    </a:p>
+                    <a:p>
+                      <a:pPr marL="0" marR="0" lvl="0" indent="0" algn="l" defTabSz="914400" rtl="0" eaLnBrk="1" fontAlgn="auto" latinLnBrk="0" hangingPunct="1">
+                        <a:lnSpc>
+                          <a:spcPct val="100000"/>
+                        </a:lnSpc>
+                        <a:spcBef>
+                          <a:spcPts val="0"/>
+                        </a:spcBef>
+                        <a:spcAft>
+                          <a:spcPts val="0"/>
+                        </a:spcAft>
+                        <a:buClrTx/>
+                        <a:buSzTx/>
+                        <a:buFontTx/>
+                        <a:buNone/>
+                        <a:tabLst/>
+                        <a:defRPr/>
+                      </a:pPr>
+                      <a:r>
+                        <a:rPr kumimoji="0" lang="es-AR" sz="1400" b="0" i="0" u="none" strike="noStrike" kern="1200" cap="none" spc="0" normalizeH="0" baseline="0" noProof="0" smtClean="0">
+                          <a:ln>
+                            <a:noFill/>
+                          </a:ln>
+                          <a:solidFill>
+                            <a:prstClr val="black"/>
+                          </a:solidFill>
+                          <a:effectLst/>
+                          <a:uLnTx/>
+                          <a:uFillTx/>
+                          <a:latin typeface="Calibri" panose="020F0502020204030204"/>
+                          <a:ea typeface="+mn-ea"/>
+                          <a:cs typeface="+mn-cs"/>
+                        </a:rPr>
+                        <a:t>Back-End</a:t>
+                      </a:r>
+                      <a:endParaRPr kumimoji="0" lang="es-AR" sz="1400" b="0" i="0" u="none" strike="noStrike" kern="1200" cap="none" spc="0" normalizeH="0" baseline="0" noProof="0" dirty="0" smtClean="0">
+                        <a:ln>
+                          <a:noFill/>
+                        </a:ln>
+                        <a:solidFill>
+                          <a:prstClr val="black"/>
+                        </a:solidFill>
+                        <a:effectLst/>
+                        <a:uLnTx/>
+                        <a:uFillTx/>
+                        <a:latin typeface="Calibri" panose="020F0502020204030204"/>
+                        <a:ea typeface="+mn-ea"/>
+                        <a:cs typeface="+mn-cs"/>
+                      </a:endParaRPr>
+                    </a:p>
+                  </a:txBody>
+                  <a:tcPr/>
+                </a:tc>
+                <a:tc>
+                  <a:txBody>
+                    <a:bodyPr/>
+                    <a:lstStyle/>
+                    <a:p>
+                      <a:pPr marL="0" marR="0" lvl="0" indent="0" algn="ctr" defTabSz="914400" rtl="0" eaLnBrk="1" fontAlgn="auto" latinLnBrk="0" hangingPunct="1">
+                        <a:lnSpc>
+                          <a:spcPct val="100000"/>
+                        </a:lnSpc>
+                        <a:spcBef>
+                          <a:spcPts val="0"/>
+                        </a:spcBef>
+                        <a:spcAft>
+                          <a:spcPts val="0"/>
+                        </a:spcAft>
+                        <a:buClrTx/>
+                        <a:buSzTx/>
+                        <a:buFontTx/>
+                        <a:buNone/>
+                        <a:tabLst>
+                          <a:tab pos="630238" algn="r"/>
+                        </a:tabLst>
+                        <a:defRPr/>
+                      </a:pPr>
+                      <a:r>
+                        <a:rPr kumimoji="0" lang="es-AR" sz="1400" b="0" i="0" u="none" strike="noStrike" kern="1200" cap="none" spc="0" normalizeH="0" baseline="0" noProof="0" dirty="0" smtClean="0">
+                          <a:ln>
+                            <a:noFill/>
+                          </a:ln>
+                          <a:solidFill>
+                            <a:prstClr val="black"/>
+                          </a:solidFill>
+                          <a:effectLst/>
+                          <a:uLnTx/>
+                          <a:uFillTx/>
+                          <a:latin typeface="+mn-lt"/>
+                          <a:ea typeface="+mn-ea"/>
+                          <a:cs typeface="+mn-cs"/>
+                          <a:sym typeface="Wingdings" panose="05000000000000000000" pitchFamily="2" charset="2"/>
+                        </a:rPr>
+                        <a:t>	100%</a:t>
+                      </a:r>
+                      <a:endParaRPr kumimoji="0" lang="es-AR" sz="1400" b="0" i="0" u="none" strike="noStrike" kern="1200" cap="none" spc="0" normalizeH="0" baseline="0" noProof="0" dirty="0" smtClean="0">
+                        <a:ln>
+                          <a:noFill/>
+                        </a:ln>
+                        <a:solidFill>
+                          <a:prstClr val="black"/>
+                        </a:solidFill>
+                        <a:effectLst/>
+                        <a:uLnTx/>
+                        <a:uFillTx/>
+                        <a:latin typeface="+mn-lt"/>
+                        <a:ea typeface="+mn-ea"/>
+                        <a:cs typeface="+mn-cs"/>
+                      </a:endParaRPr>
+                    </a:p>
+                    <a:p>
+                      <a:pPr marL="0" marR="0" lvl="0" indent="0" algn="ctr" defTabSz="914400" rtl="0" eaLnBrk="1" fontAlgn="auto" latinLnBrk="0" hangingPunct="1">
+                        <a:lnSpc>
+                          <a:spcPct val="100000"/>
+                        </a:lnSpc>
+                        <a:spcBef>
+                          <a:spcPts val="0"/>
+                        </a:spcBef>
+                        <a:spcAft>
+                          <a:spcPts val="0"/>
+                        </a:spcAft>
+                        <a:buClrTx/>
+                        <a:buSzTx/>
+                        <a:buFontTx/>
+                        <a:buNone/>
+                        <a:tabLst>
+                          <a:tab pos="630238" algn="r"/>
+                        </a:tabLst>
+                        <a:defRPr/>
+                      </a:pPr>
+                      <a:r>
+                        <a:rPr kumimoji="0" lang="es-AR" sz="1400" b="0" i="0" u="none" strike="noStrike" kern="1200" cap="none" spc="0" normalizeH="0" baseline="0" noProof="0" dirty="0" smtClean="0">
+                          <a:ln>
+                            <a:noFill/>
+                          </a:ln>
+                          <a:solidFill>
+                            <a:prstClr val="black"/>
+                          </a:solidFill>
+                          <a:effectLst/>
+                          <a:uLnTx/>
+                          <a:uFillTx/>
+                          <a:latin typeface="Calibri" panose="020F0502020204030204"/>
+                          <a:ea typeface="+mn-ea"/>
+                          <a:cs typeface="+mn-cs"/>
+                          <a:sym typeface="Wingdings" panose="05000000000000000000" pitchFamily="2" charset="2"/>
+                        </a:rPr>
+                        <a:t>	100%</a:t>
+                      </a:r>
+                      <a:endParaRPr kumimoji="0" lang="es-AR" sz="1400" b="0" i="0" u="none" strike="noStrike" kern="1200" cap="none" spc="0" normalizeH="0" baseline="0" noProof="0" dirty="0" smtClean="0">
+                        <a:ln>
+                          <a:noFill/>
+                        </a:ln>
+                        <a:solidFill>
+                          <a:prstClr val="black"/>
+                        </a:solidFill>
+                        <a:effectLst/>
+                        <a:uLnTx/>
+                        <a:uFillTx/>
+                        <a:latin typeface="Calibri" panose="020F0502020204030204"/>
+                        <a:ea typeface="+mn-ea"/>
+                        <a:cs typeface="+mn-cs"/>
+                      </a:endParaRPr>
+                    </a:p>
+                    <a:p>
+                      <a:pPr marL="0" marR="0" lvl="0" indent="0" algn="ctr" defTabSz="914400" rtl="0" eaLnBrk="1" fontAlgn="auto" latinLnBrk="0" hangingPunct="1">
+                        <a:lnSpc>
+                          <a:spcPct val="100000"/>
+                        </a:lnSpc>
+                        <a:spcBef>
+                          <a:spcPts val="0"/>
+                        </a:spcBef>
+                        <a:spcAft>
+                          <a:spcPts val="0"/>
+                        </a:spcAft>
+                        <a:buClrTx/>
+                        <a:buSzTx/>
+                        <a:buFontTx/>
+                        <a:buNone/>
+                        <a:tabLst>
+                          <a:tab pos="630238" algn="r"/>
+                        </a:tabLst>
+                        <a:defRPr/>
+                      </a:pPr>
+                      <a:r>
+                        <a:rPr kumimoji="0" lang="es-AR" sz="1400" b="0" i="0" u="none" strike="noStrike" kern="1200" cap="none" spc="0" normalizeH="0" baseline="0" noProof="0" dirty="0" smtClean="0">
+                          <a:ln>
+                            <a:noFill/>
+                          </a:ln>
+                          <a:solidFill>
+                            <a:prstClr val="black"/>
+                          </a:solidFill>
+                          <a:effectLst/>
+                          <a:uLnTx/>
+                          <a:uFillTx/>
+                          <a:latin typeface="Calibri" panose="020F0502020204030204"/>
+                          <a:ea typeface="+mn-ea"/>
+                          <a:cs typeface="+mn-cs"/>
+                          <a:sym typeface="Wingdings" panose="05000000000000000000" pitchFamily="2" charset="2"/>
+                        </a:rPr>
+                        <a:t>	100%</a:t>
+                      </a:r>
+                      <a:endParaRPr kumimoji="0" lang="es-AR" sz="1400" b="0" i="0" u="none" strike="noStrike" kern="1200" cap="none" spc="0" normalizeH="0" baseline="0" noProof="0" dirty="0" smtClean="0">
+                        <a:ln>
+                          <a:noFill/>
+                        </a:ln>
+                        <a:solidFill>
+                          <a:prstClr val="black"/>
+                        </a:solidFill>
+                        <a:effectLst/>
+                        <a:uLnTx/>
+                        <a:uFillTx/>
+                        <a:latin typeface="Calibri" panose="020F0502020204030204"/>
+                        <a:ea typeface="+mn-ea"/>
+                        <a:cs typeface="+mn-cs"/>
+                      </a:endParaRPr>
+                    </a:p>
+                  </a:txBody>
+                  <a:tcPr/>
+                </a:tc>
+                <a:tc>
+                  <a:txBody>
+                    <a:bodyPr/>
+                    <a:lstStyle/>
+                    <a:p>
+                      <a:pPr marL="0" marR="0" lvl="0" indent="0" algn="ctr" defTabSz="914400" rtl="0" eaLnBrk="1" fontAlgn="auto" latinLnBrk="0" hangingPunct="1">
+                        <a:lnSpc>
+                          <a:spcPct val="100000"/>
+                        </a:lnSpc>
+                        <a:spcBef>
+                          <a:spcPts val="0"/>
+                        </a:spcBef>
+                        <a:spcAft>
+                          <a:spcPts val="0"/>
+                        </a:spcAft>
+                        <a:buClrTx/>
+                        <a:buSzTx/>
+                        <a:buFontTx/>
+                        <a:buNone/>
+                        <a:tabLst>
+                          <a:tab pos="630238" algn="r"/>
+                        </a:tabLst>
+                        <a:defRPr/>
+                      </a:pPr>
+                      <a:r>
+                        <a:rPr kumimoji="0" lang="es-AR" sz="1800" b="0" i="0" u="none" strike="noStrike" kern="1200" cap="none" spc="0" normalizeH="0" baseline="0" noProof="0" dirty="0" smtClean="0">
+                          <a:ln>
+                            <a:noFill/>
+                          </a:ln>
+                          <a:solidFill>
+                            <a:prstClr val="black"/>
+                          </a:solidFill>
+                          <a:effectLst/>
+                          <a:uLnTx/>
+                          <a:uFillTx/>
+                          <a:latin typeface="Calibri" panose="020F0502020204030204"/>
+                          <a:ea typeface="+mn-ea"/>
+                          <a:cs typeface="+mn-cs"/>
+                        </a:rPr>
+                        <a:t>100%</a:t>
+                      </a:r>
+                    </a:p>
+                  </a:txBody>
+                  <a:tcPr anchor="ctr"/>
+                </a:tc>
+                <a:extLst>
+                  <a:ext uri="{0D108BD9-81ED-4DB2-BD59-A6C34878D82A}">
+                    <a16:rowId xmlns:a16="http://schemas.microsoft.com/office/drawing/2014/main" val="3696580666"/>
+                  </a:ext>
+                </a:extLst>
+              </a:tr>
+              <a:tr h="370840">
+                <a:tc>
+                  <a:txBody>
+                    <a:bodyPr/>
+                    <a:lstStyle/>
+                    <a:p>
+                      <a:pPr marL="0" algn="l" defTabSz="914400" rtl="0" eaLnBrk="1" latinLnBrk="0" hangingPunct="1"/>
+                      <a:r>
+                        <a:rPr lang="es-AR" sz="1800" b="1" kern="1200" dirty="0" smtClean="0">
+                          <a:solidFill>
+                            <a:schemeClr val="lt1"/>
+                          </a:solidFill>
+                          <a:latin typeface="+mn-lt"/>
+                          <a:ea typeface="+mn-ea"/>
+                          <a:cs typeface="+mn-cs"/>
+                        </a:rPr>
+                        <a:t>GLOBAL</a:t>
+                      </a:r>
+                      <a:endParaRPr lang="es-AR" sz="1800" b="1" kern="1200" dirty="0">
+                        <a:solidFill>
+                          <a:schemeClr val="lt1"/>
+                        </a:solidFill>
+                        <a:latin typeface="+mn-lt"/>
+                        <a:ea typeface="+mn-ea"/>
+                        <a:cs typeface="+mn-cs"/>
+                      </a:endParaRPr>
+                    </a:p>
+                  </a:txBody>
+                  <a:tcPr>
+                    <a:solidFill>
+                      <a:schemeClr val="accent6">
+                        <a:lumMod val="50000"/>
+                      </a:schemeClr>
+                    </a:solidFill>
+                  </a:tcPr>
+                </a:tc>
+                <a:tc>
+                  <a:txBody>
+                    <a:bodyPr/>
+                    <a:lstStyle/>
+                    <a:p>
+                      <a:pPr marL="0" algn="l" defTabSz="914400" rtl="0" eaLnBrk="1" latinLnBrk="0" hangingPunct="1"/>
+                      <a:endParaRPr lang="es-AR" sz="1800" b="1" kern="1200" dirty="0">
+                        <a:solidFill>
+                          <a:schemeClr val="lt1"/>
+                        </a:solidFill>
+                        <a:latin typeface="+mn-lt"/>
+                        <a:ea typeface="+mn-ea"/>
+                        <a:cs typeface="+mn-cs"/>
+                      </a:endParaRPr>
+                    </a:p>
+                  </a:txBody>
+                  <a:tcPr>
+                    <a:solidFill>
+                      <a:schemeClr val="tx1">
+                        <a:lumMod val="50000"/>
+                      </a:schemeClr>
+                    </a:solidFill>
+                  </a:tcPr>
+                </a:tc>
+                <a:tc>
+                  <a:txBody>
+                    <a:bodyPr/>
+                    <a:lstStyle/>
+                    <a:p>
+                      <a:pPr marL="0" marR="0" lvl="0" indent="0" algn="l" defTabSz="914400" rtl="0" eaLnBrk="1" fontAlgn="auto" latinLnBrk="0" hangingPunct="1">
+                        <a:lnSpc>
+                          <a:spcPct val="100000"/>
+                        </a:lnSpc>
+                        <a:spcBef>
+                          <a:spcPts val="0"/>
+                        </a:spcBef>
+                        <a:spcAft>
+                          <a:spcPts val="0"/>
+                        </a:spcAft>
+                        <a:buClrTx/>
+                        <a:buSzTx/>
+                        <a:buFontTx/>
+                        <a:buNone/>
+                        <a:tabLst/>
+                        <a:defRPr/>
+                      </a:pPr>
+                      <a:endParaRPr lang="es-AR" sz="1800" b="1" kern="1200" noProof="0" dirty="0">
+                        <a:solidFill>
+                          <a:schemeClr val="lt1"/>
+                        </a:solidFill>
+                        <a:latin typeface="+mn-lt"/>
+                        <a:ea typeface="+mn-ea"/>
+                        <a:cs typeface="+mn-cs"/>
+                      </a:endParaRPr>
+                    </a:p>
+                  </a:txBody>
+                  <a:tcPr>
+                    <a:solidFill>
+                      <a:schemeClr val="tx1">
+                        <a:lumMod val="50000"/>
+                      </a:schemeClr>
+                    </a:solidFill>
+                  </a:tcPr>
+                </a:tc>
+                <a:tc>
+                  <a:txBody>
+                    <a:bodyPr/>
+                    <a:lstStyle/>
+                    <a:p>
+                      <a:pPr marL="0" marR="0" lvl="0" indent="0" algn="ctr" defTabSz="914400" rtl="0" eaLnBrk="1" fontAlgn="auto" latinLnBrk="0" hangingPunct="1">
+                        <a:lnSpc>
+                          <a:spcPct val="100000"/>
+                        </a:lnSpc>
+                        <a:spcBef>
+                          <a:spcPts val="0"/>
+                        </a:spcBef>
+                        <a:spcAft>
+                          <a:spcPts val="0"/>
+                        </a:spcAft>
+                        <a:buClrTx/>
+                        <a:buSzTx/>
+                        <a:buFontTx/>
+                        <a:buNone/>
+                        <a:tabLst/>
+                        <a:defRPr/>
+                      </a:pPr>
+                      <a:r>
+                        <a:rPr lang="es-AR" sz="1800" b="1" kern="1200" noProof="0" dirty="0" smtClean="0">
+                          <a:solidFill>
+                            <a:schemeClr val="lt1"/>
+                          </a:solidFill>
+                          <a:latin typeface="+mn-lt"/>
+                          <a:ea typeface="+mn-ea"/>
+                          <a:cs typeface="+mn-cs"/>
+                        </a:rPr>
+                        <a:t>100%</a:t>
+                      </a:r>
+                      <a:endParaRPr lang="es-AR" sz="1800" b="1" kern="1200" noProof="0" dirty="0">
+                        <a:solidFill>
+                          <a:schemeClr val="lt1"/>
+                        </a:solidFill>
+                        <a:latin typeface="+mn-lt"/>
+                        <a:ea typeface="+mn-ea"/>
+                        <a:cs typeface="+mn-cs"/>
+                      </a:endParaRPr>
+                    </a:p>
+                  </a:txBody>
+                  <a:tcPr>
+                    <a:solidFill>
+                      <a:schemeClr val="accent6">
+                        <a:lumMod val="50000"/>
+                      </a:schemeClr>
+                    </a:solidFill>
+                  </a:tcPr>
+                </a:tc>
+                <a:extLst>
+                  <a:ext uri="{0D108BD9-81ED-4DB2-BD59-A6C34878D82A}">
+                    <a16:rowId xmlns:a16="http://schemas.microsoft.com/office/drawing/2014/main" val="766195856"/>
+                  </a:ext>
+                </a:extLst>
+              </a:tr>
+            </a:tbl>
+          </a:graphicData>
+        </a:graphic>
+      </p:graphicFrame>
+      <p:sp>
+        <p:nvSpPr>
+          <p:cNvPr id="6" name="CuadroTexto 5"/>
+          <p:cNvSpPr txBox="1"/>
+          <p:nvPr/>
+        </p:nvSpPr>
+        <p:spPr>
+          <a:xfrm>
+            <a:off x="7830317" y="1728216"/>
+            <a:ext cx="2962542" cy="369332"/>
+          </a:xfrm>
+          <a:prstGeom prst="rect">
+            <a:avLst/>
+          </a:prstGeom>
+          <a:noFill/>
+        </p:spPr>
+        <p:txBody>
+          <a:bodyPr wrap="none" rtlCol="0">
+            <a:spAutoFit/>
+          </a:bodyPr>
+          <a:lstStyle/>
+          <a:p>
+            <a:r>
+              <a:rPr lang="es-AR" dirty="0" smtClean="0"/>
+              <a:t>Vistas de CRUD de Productos</a:t>
+            </a:r>
+          </a:p>
+        </p:txBody>
+      </p:sp>
+      <p:graphicFrame>
+        <p:nvGraphicFramePr>
+          <p:cNvPr id="7" name="Tabla 6"/>
+          <p:cNvGraphicFramePr>
+            <a:graphicFrameLocks noGrp="1"/>
+          </p:cNvGraphicFramePr>
+          <p:nvPr>
+            <p:extLst>
+              <p:ext uri="{D42A27DB-BD31-4B8C-83A1-F6EECF244321}">
+                <p14:modId xmlns:p14="http://schemas.microsoft.com/office/powerpoint/2010/main" val="3478870658"/>
+              </p:ext>
+            </p:extLst>
+          </p:nvPr>
+        </p:nvGraphicFramePr>
+        <p:xfrm>
+          <a:off x="7822640" y="2121314"/>
+          <a:ext cx="3854919" cy="2834640"/>
+        </p:xfrm>
+        <a:graphic>
+          <a:graphicData uri="http://schemas.openxmlformats.org/drawingml/2006/table">
+            <a:tbl>
+              <a:tblPr firstRow="1" lastRow="1" bandRow="1">
+                <a:tableStyleId>{5C22544A-7EE6-4342-B048-85BDC9FD1C3A}</a:tableStyleId>
+              </a:tblPr>
+              <a:tblGrid>
+                <a:gridCol w="2018919">
+                  <a:extLst>
+                    <a:ext uri="{9D8B030D-6E8A-4147-A177-3AD203B41FA5}">
+                      <a16:colId xmlns:a16="http://schemas.microsoft.com/office/drawing/2014/main" val="1284990885"/>
+                    </a:ext>
+                  </a:extLst>
+                </a:gridCol>
+                <a:gridCol w="612000">
+                  <a:extLst>
+                    <a:ext uri="{9D8B030D-6E8A-4147-A177-3AD203B41FA5}">
+                      <a16:colId xmlns:a16="http://schemas.microsoft.com/office/drawing/2014/main" val="2200592698"/>
+                    </a:ext>
+                  </a:extLst>
+                </a:gridCol>
+                <a:gridCol w="612000">
+                  <a:extLst>
+                    <a:ext uri="{9D8B030D-6E8A-4147-A177-3AD203B41FA5}">
+                      <a16:colId xmlns:a16="http://schemas.microsoft.com/office/drawing/2014/main" val="2765855669"/>
+                    </a:ext>
+                  </a:extLst>
+                </a:gridCol>
+                <a:gridCol w="612000">
+                  <a:extLst>
+                    <a:ext uri="{9D8B030D-6E8A-4147-A177-3AD203B41FA5}">
+                      <a16:colId xmlns:a16="http://schemas.microsoft.com/office/drawing/2014/main" val="1279672875"/>
+                    </a:ext>
+                  </a:extLst>
+                </a:gridCol>
+              </a:tblGrid>
+              <a:tr h="182967">
+                <a:tc>
+                  <a:txBody>
+                    <a:bodyPr/>
+                    <a:lstStyle/>
+                    <a:p>
+                      <a:endParaRPr lang="es-AR" sz="1400" dirty="0"/>
+                    </a:p>
+                  </a:txBody>
+                  <a:tcPr/>
+                </a:tc>
+                <a:tc>
+                  <a:txBody>
+                    <a:bodyPr/>
+                    <a:lstStyle/>
+                    <a:p>
+                      <a:pPr algn="ctr"/>
+                      <a:r>
+                        <a:rPr lang="es-AR" sz="1400" dirty="0" smtClean="0"/>
+                        <a:t>Vista</a:t>
+                      </a:r>
+                      <a:endParaRPr lang="es-AR" sz="1400" dirty="0"/>
+                    </a:p>
+                  </a:txBody>
+                  <a:tcPr/>
+                </a:tc>
+                <a:tc>
+                  <a:txBody>
+                    <a:bodyPr/>
+                    <a:lstStyle/>
+                    <a:p>
+                      <a:pPr algn="ctr"/>
+                      <a:r>
+                        <a:rPr lang="es-AR" sz="1400" dirty="0" smtClean="0"/>
+                        <a:t>FE</a:t>
+                      </a:r>
+                      <a:endParaRPr lang="es-AR" sz="1400" dirty="0"/>
+                    </a:p>
+                  </a:txBody>
+                  <a:tcPr/>
+                </a:tc>
+                <a:tc>
+                  <a:txBody>
+                    <a:bodyPr/>
+                    <a:lstStyle/>
+                    <a:p>
+                      <a:pPr algn="ctr"/>
+                      <a:r>
+                        <a:rPr lang="es-AR" sz="1400" dirty="0" smtClean="0"/>
+                        <a:t>BE</a:t>
+                      </a:r>
+                      <a:endParaRPr lang="es-AR" sz="1400" dirty="0"/>
+                    </a:p>
+                  </a:txBody>
+                  <a:tcPr/>
+                </a:tc>
+                <a:extLst>
+                  <a:ext uri="{0D108BD9-81ED-4DB2-BD59-A6C34878D82A}">
+                    <a16:rowId xmlns:a16="http://schemas.microsoft.com/office/drawing/2014/main" val="3453166188"/>
+                  </a:ext>
+                </a:extLst>
+              </a:tr>
+              <a:tr h="182967">
+                <a:tc>
+                  <a:txBody>
+                    <a:bodyPr/>
+                    <a:lstStyle/>
+                    <a:p>
+                      <a:pPr marL="265113" marR="0" indent="-265113" algn="l" defTabSz="914400" rtl="0" eaLnBrk="1" fontAlgn="auto" latinLnBrk="0" hangingPunct="1">
+                        <a:lnSpc>
+                          <a:spcPct val="100000"/>
+                        </a:lnSpc>
+                        <a:spcBef>
+                          <a:spcPts val="0"/>
+                        </a:spcBef>
+                        <a:spcAft>
+                          <a:spcPts val="0"/>
+                        </a:spcAft>
+                        <a:buClrTx/>
+                        <a:buSzTx/>
+                        <a:buFont typeface="+mj-lt"/>
+                        <a:buAutoNum type="arabicPeriod"/>
+                        <a:tabLst/>
+                        <a:defRPr/>
+                      </a:pPr>
+                      <a:r>
+                        <a:rPr lang="es-ES" sz="1400" i="1" dirty="0" smtClean="0"/>
+                        <a:t>Responsabilidad</a:t>
+                      </a:r>
+                    </a:p>
+                    <a:p>
+                      <a:pPr marL="265113" marR="0" indent="-265113" algn="l" defTabSz="914400" rtl="0" eaLnBrk="1" fontAlgn="auto" latinLnBrk="0" hangingPunct="1">
+                        <a:lnSpc>
+                          <a:spcPct val="100000"/>
+                        </a:lnSpc>
+                        <a:spcBef>
+                          <a:spcPts val="0"/>
+                        </a:spcBef>
+                        <a:spcAft>
+                          <a:spcPts val="0"/>
+                        </a:spcAft>
+                        <a:buClrTx/>
+                        <a:buSzTx/>
+                        <a:buFont typeface="+mj-lt"/>
+                        <a:buAutoNum type="arabicPeriod"/>
+                        <a:tabLst/>
+                        <a:defRPr/>
+                      </a:pPr>
+                      <a:r>
+                        <a:rPr lang="es-ES" sz="1400" i="1" dirty="0" smtClean="0"/>
+                        <a:t>Palabra clave</a:t>
+                      </a:r>
+                    </a:p>
+                    <a:p>
+                      <a:pPr marL="265113" indent="-265113">
+                        <a:buFont typeface="+mj-lt"/>
+                        <a:buAutoNum type="arabicPeriod"/>
+                      </a:pPr>
+                      <a:r>
+                        <a:rPr lang="es-ES" sz="1400" i="1" dirty="0" smtClean="0"/>
+                        <a:t>Desambiguar</a:t>
+                      </a:r>
+                    </a:p>
+                    <a:p>
+                      <a:pPr marL="265113" indent="-265113">
+                        <a:buFont typeface="+mj-lt"/>
+                        <a:buAutoNum type="arabicPeriod"/>
+                      </a:pPr>
+                      <a:r>
+                        <a:rPr lang="es-ES" sz="1400" i="1" dirty="0" smtClean="0"/>
+                        <a:t>Ingreso Manual</a:t>
+                      </a:r>
+                    </a:p>
+                    <a:p>
+                      <a:pPr marL="265113" indent="-265113">
+                        <a:buFont typeface="+mj-lt"/>
+                        <a:buAutoNum type="arabicPeriod"/>
+                      </a:pPr>
+                      <a:r>
+                        <a:rPr lang="es-ES" sz="1400" i="1" dirty="0" smtClean="0"/>
+                        <a:t>Datos Duros</a:t>
+                      </a:r>
+                    </a:p>
+                    <a:p>
+                      <a:pPr marL="265113" indent="-265113">
+                        <a:buFont typeface="+mj-lt"/>
+                        <a:buAutoNum type="arabicPeriod"/>
+                      </a:pPr>
+                      <a:r>
+                        <a:rPr lang="es-ES" sz="1400" i="1" dirty="0" smtClean="0"/>
+                        <a:t>Datos Personalizados</a:t>
+                      </a:r>
+                    </a:p>
+                    <a:p>
+                      <a:pPr marL="265113" indent="-265113">
+                        <a:buFont typeface="+mj-lt"/>
+                        <a:buAutoNum type="arabicPeriod"/>
+                      </a:pPr>
+                      <a:r>
+                        <a:rPr lang="es-ES" sz="1400" i="1" dirty="0" smtClean="0"/>
+                        <a:t>Confirmar</a:t>
+                      </a:r>
+                    </a:p>
+                    <a:p>
+                      <a:pPr marL="265113" indent="-265113">
+                        <a:buFont typeface="+mj-lt"/>
+                        <a:buAutoNum type="arabicPeriod"/>
+                      </a:pPr>
+                      <a:r>
+                        <a:rPr lang="es-ES" sz="1400" i="1" dirty="0" smtClean="0"/>
+                        <a:t>Terminaste</a:t>
+                      </a:r>
+                    </a:p>
+                    <a:p>
+                      <a:pPr marL="265113" indent="-265113">
+                        <a:buFont typeface="+mj-lt"/>
+                        <a:buAutoNum type="arabicPeriod"/>
+                      </a:pPr>
+                      <a:r>
+                        <a:rPr lang="es-ES" sz="1400" i="1" dirty="0" smtClean="0"/>
+                        <a:t>Detalle</a:t>
+                      </a:r>
+                    </a:p>
+                    <a:p>
+                      <a:pPr marL="265113" indent="-265113">
+                        <a:buFont typeface="+mj-lt"/>
+                        <a:buAutoNum type="arabicPeriod"/>
+                      </a:pPr>
+                      <a:r>
+                        <a:rPr lang="es-ES" sz="1400" i="1" dirty="0" smtClean="0"/>
+                        <a:t>Edición</a:t>
+                      </a:r>
+                    </a:p>
+                  </a:txBody>
+                  <a:tcPr/>
+                </a:tc>
+                <a:tc>
+                  <a:txBody>
+                    <a:bodyPr/>
+                    <a:lstStyle/>
+                    <a:p>
+                      <a:pPr algn="ctr"/>
+                      <a:r>
+                        <a:rPr kumimoji="0" lang="es-AR" sz="1400" b="0" i="0" u="none" strike="noStrike" kern="1200" cap="none" spc="0" normalizeH="0" baseline="0" noProof="0" dirty="0" smtClean="0">
+                          <a:ln>
+                            <a:noFill/>
+                          </a:ln>
+                          <a:solidFill>
+                            <a:prstClr val="black"/>
+                          </a:solidFill>
+                          <a:effectLst/>
+                          <a:uLnTx/>
+                          <a:uFillTx/>
+                          <a:latin typeface="+mn-lt"/>
+                          <a:ea typeface="+mn-ea"/>
+                          <a:cs typeface="+mn-cs"/>
+                          <a:sym typeface="Wingdings" panose="05000000000000000000" pitchFamily="2" charset="2"/>
+                        </a:rPr>
+                        <a:t></a:t>
+                      </a:r>
+                    </a:p>
+                    <a:p>
+                      <a:pPr marL="0" marR="0" indent="0" algn="ctr" defTabSz="914400" rtl="0" eaLnBrk="1" fontAlgn="auto" latinLnBrk="0" hangingPunct="1">
+                        <a:lnSpc>
+                          <a:spcPct val="100000"/>
+                        </a:lnSpc>
+                        <a:spcBef>
+                          <a:spcPts val="0"/>
+                        </a:spcBef>
+                        <a:spcAft>
+                          <a:spcPts val="0"/>
+                        </a:spcAft>
+                        <a:buClrTx/>
+                        <a:buSzTx/>
+                        <a:buFontTx/>
+                        <a:buNone/>
+                        <a:tabLst/>
+                        <a:defRPr/>
+                      </a:pPr>
+                      <a:r>
+                        <a:rPr kumimoji="0" lang="es-AR" sz="1400" b="0" i="0" u="none" strike="noStrike" kern="1200" cap="none" spc="0" normalizeH="0" baseline="0" noProof="0" dirty="0" smtClean="0">
+                          <a:ln>
+                            <a:noFill/>
+                          </a:ln>
+                          <a:solidFill>
+                            <a:prstClr val="black"/>
+                          </a:solidFill>
+                          <a:effectLst/>
+                          <a:uLnTx/>
+                          <a:uFillTx/>
+                          <a:latin typeface="+mn-lt"/>
+                          <a:ea typeface="+mn-ea"/>
+                          <a:cs typeface="+mn-cs"/>
+                          <a:sym typeface="Wingdings" panose="05000000000000000000" pitchFamily="2" charset="2"/>
+                        </a:rPr>
+                        <a:t></a:t>
+                      </a:r>
+                    </a:p>
+                    <a:p>
+                      <a:pPr marL="0" marR="0" indent="0" algn="ctr" defTabSz="914400" rtl="0" eaLnBrk="1" fontAlgn="auto" latinLnBrk="0" hangingPunct="1">
+                        <a:lnSpc>
+                          <a:spcPct val="100000"/>
+                        </a:lnSpc>
+                        <a:spcBef>
+                          <a:spcPts val="0"/>
+                        </a:spcBef>
+                        <a:spcAft>
+                          <a:spcPts val="0"/>
+                        </a:spcAft>
+                        <a:buClrTx/>
+                        <a:buSzTx/>
+                        <a:buFontTx/>
+                        <a:buNone/>
+                        <a:tabLst/>
+                        <a:defRPr/>
+                      </a:pPr>
+                      <a:r>
+                        <a:rPr kumimoji="0" lang="es-AR" sz="1400" b="0" i="0" u="none" strike="noStrike" kern="1200" cap="none" spc="0" normalizeH="0" baseline="0" noProof="0" dirty="0" smtClean="0">
+                          <a:ln>
+                            <a:noFill/>
+                          </a:ln>
+                          <a:solidFill>
+                            <a:prstClr val="black"/>
+                          </a:solidFill>
+                          <a:effectLst/>
+                          <a:uLnTx/>
+                          <a:uFillTx/>
+                          <a:latin typeface="+mn-lt"/>
+                          <a:ea typeface="+mn-ea"/>
+                          <a:cs typeface="+mn-cs"/>
+                          <a:sym typeface="Wingdings" panose="05000000000000000000" pitchFamily="2" charset="2"/>
+                        </a:rPr>
+                        <a:t></a:t>
+                      </a:r>
+                    </a:p>
+                    <a:p>
+                      <a:pPr marL="0" marR="0" indent="0" algn="ctr" defTabSz="914400" rtl="0" eaLnBrk="1" fontAlgn="auto" latinLnBrk="0" hangingPunct="1">
+                        <a:lnSpc>
+                          <a:spcPct val="100000"/>
+                        </a:lnSpc>
+                        <a:spcBef>
+                          <a:spcPts val="0"/>
+                        </a:spcBef>
+                        <a:spcAft>
+                          <a:spcPts val="0"/>
+                        </a:spcAft>
+                        <a:buClrTx/>
+                        <a:buSzTx/>
+                        <a:buFontTx/>
+                        <a:buNone/>
+                        <a:tabLst/>
+                        <a:defRPr/>
+                      </a:pPr>
+                      <a:r>
+                        <a:rPr kumimoji="0" lang="es-AR" sz="1400" b="0" i="0" u="none" strike="noStrike" kern="1200" cap="none" spc="0" normalizeH="0" baseline="0" noProof="0" dirty="0" smtClean="0">
+                          <a:ln>
+                            <a:noFill/>
+                          </a:ln>
+                          <a:solidFill>
+                            <a:prstClr val="black"/>
+                          </a:solidFill>
+                          <a:effectLst/>
+                          <a:uLnTx/>
+                          <a:uFillTx/>
+                          <a:latin typeface="+mn-lt"/>
+                          <a:ea typeface="+mn-ea"/>
+                          <a:cs typeface="+mn-cs"/>
+                          <a:sym typeface="Wingdings" panose="05000000000000000000" pitchFamily="2" charset="2"/>
+                        </a:rPr>
+                        <a:t></a:t>
+                      </a:r>
+                    </a:p>
+                    <a:p>
+                      <a:pPr marL="0" marR="0" indent="0" algn="ctr" defTabSz="914400" rtl="0" eaLnBrk="1" fontAlgn="auto" latinLnBrk="0" hangingPunct="1">
+                        <a:lnSpc>
+                          <a:spcPct val="100000"/>
+                        </a:lnSpc>
+                        <a:spcBef>
+                          <a:spcPts val="0"/>
+                        </a:spcBef>
+                        <a:spcAft>
+                          <a:spcPts val="0"/>
+                        </a:spcAft>
+                        <a:buClrTx/>
+                        <a:buSzTx/>
+                        <a:buFontTx/>
+                        <a:buNone/>
+                        <a:tabLst/>
+                        <a:defRPr/>
+                      </a:pPr>
+                      <a:r>
+                        <a:rPr kumimoji="0" lang="es-AR" sz="1400" b="0" i="0" u="none" strike="noStrike" kern="1200" cap="none" spc="0" normalizeH="0" baseline="0" noProof="0" dirty="0" smtClean="0">
+                          <a:ln>
+                            <a:noFill/>
+                          </a:ln>
+                          <a:solidFill>
+                            <a:prstClr val="black"/>
+                          </a:solidFill>
+                          <a:effectLst/>
+                          <a:uLnTx/>
+                          <a:uFillTx/>
+                          <a:latin typeface="+mn-lt"/>
+                          <a:ea typeface="+mn-ea"/>
+                          <a:cs typeface="+mn-cs"/>
+                          <a:sym typeface="Wingdings" panose="05000000000000000000" pitchFamily="2" charset="2"/>
+                        </a:rPr>
+                        <a:t></a:t>
+                      </a:r>
+                    </a:p>
+                    <a:p>
+                      <a:pPr marL="0" marR="0" indent="0" algn="ctr" defTabSz="914400" rtl="0" eaLnBrk="1" fontAlgn="auto" latinLnBrk="0" hangingPunct="1">
+                        <a:lnSpc>
+                          <a:spcPct val="100000"/>
+                        </a:lnSpc>
+                        <a:spcBef>
+                          <a:spcPts val="0"/>
+                        </a:spcBef>
+                        <a:spcAft>
+                          <a:spcPts val="0"/>
+                        </a:spcAft>
+                        <a:buClrTx/>
+                        <a:buSzTx/>
+                        <a:buFontTx/>
+                        <a:buNone/>
+                        <a:tabLst/>
+                        <a:defRPr/>
+                      </a:pPr>
+                      <a:r>
+                        <a:rPr kumimoji="0" lang="es-AR" sz="1400" b="0" i="0" u="none" strike="noStrike" kern="1200" cap="none" spc="0" normalizeH="0" baseline="0" noProof="0" dirty="0" smtClean="0">
+                          <a:ln>
+                            <a:noFill/>
+                          </a:ln>
+                          <a:solidFill>
+                            <a:prstClr val="black"/>
+                          </a:solidFill>
+                          <a:effectLst/>
+                          <a:uLnTx/>
+                          <a:uFillTx/>
+                          <a:latin typeface="+mn-lt"/>
+                          <a:ea typeface="+mn-ea"/>
+                          <a:cs typeface="+mn-cs"/>
+                          <a:sym typeface="Wingdings" panose="05000000000000000000" pitchFamily="2" charset="2"/>
+                        </a:rPr>
+                        <a:t></a:t>
+                      </a:r>
+                    </a:p>
+                    <a:p>
+                      <a:pPr marL="0" marR="0" indent="0" algn="ctr" defTabSz="914400" rtl="0" eaLnBrk="1" fontAlgn="auto" latinLnBrk="0" hangingPunct="1">
+                        <a:lnSpc>
+                          <a:spcPct val="100000"/>
+                        </a:lnSpc>
+                        <a:spcBef>
+                          <a:spcPts val="0"/>
+                        </a:spcBef>
+                        <a:spcAft>
+                          <a:spcPts val="0"/>
+                        </a:spcAft>
+                        <a:buClrTx/>
+                        <a:buSzTx/>
+                        <a:buFontTx/>
+                        <a:buNone/>
+                        <a:tabLst/>
+                        <a:defRPr/>
+                      </a:pPr>
+                      <a:r>
+                        <a:rPr kumimoji="0" lang="es-AR" sz="1400" b="0" i="0" u="none" strike="noStrike" kern="1200" cap="none" spc="0" normalizeH="0" baseline="0" noProof="0" dirty="0" smtClean="0">
+                          <a:ln>
+                            <a:noFill/>
+                          </a:ln>
+                          <a:solidFill>
+                            <a:prstClr val="black"/>
+                          </a:solidFill>
+                          <a:effectLst/>
+                          <a:uLnTx/>
+                          <a:uFillTx/>
+                          <a:latin typeface="+mn-lt"/>
+                          <a:ea typeface="+mn-ea"/>
+                          <a:cs typeface="+mn-cs"/>
+                          <a:sym typeface="Wingdings" panose="05000000000000000000" pitchFamily="2" charset="2"/>
+                        </a:rPr>
+                        <a:t></a:t>
+                      </a:r>
+                    </a:p>
+                    <a:p>
+                      <a:pPr marL="0" marR="0" indent="0" algn="ctr" defTabSz="914400" rtl="0" eaLnBrk="1" fontAlgn="auto" latinLnBrk="0" hangingPunct="1">
+                        <a:lnSpc>
+                          <a:spcPct val="100000"/>
+                        </a:lnSpc>
+                        <a:spcBef>
+                          <a:spcPts val="0"/>
+                        </a:spcBef>
+                        <a:spcAft>
+                          <a:spcPts val="0"/>
+                        </a:spcAft>
+                        <a:buClrTx/>
+                        <a:buSzTx/>
+                        <a:buFontTx/>
+                        <a:buNone/>
+                        <a:tabLst/>
+                        <a:defRPr/>
+                      </a:pPr>
+                      <a:r>
+                        <a:rPr kumimoji="0" lang="es-AR" sz="1400" b="0" i="0" u="none" strike="noStrike" kern="1200" cap="none" spc="0" normalizeH="0" baseline="0" noProof="0" dirty="0" smtClean="0">
+                          <a:ln>
+                            <a:noFill/>
+                          </a:ln>
+                          <a:solidFill>
+                            <a:prstClr val="black"/>
+                          </a:solidFill>
+                          <a:effectLst/>
+                          <a:uLnTx/>
+                          <a:uFillTx/>
+                          <a:latin typeface="+mn-lt"/>
+                          <a:ea typeface="+mn-ea"/>
+                          <a:cs typeface="+mn-cs"/>
+                          <a:sym typeface="Wingdings" panose="05000000000000000000" pitchFamily="2" charset="2"/>
+                        </a:rPr>
+                        <a:t></a:t>
+                      </a:r>
+                    </a:p>
+                    <a:p>
+                      <a:pPr marL="0" marR="0" indent="0" algn="ctr" defTabSz="914400" rtl="0" eaLnBrk="1" fontAlgn="auto" latinLnBrk="0" hangingPunct="1">
+                        <a:lnSpc>
+                          <a:spcPct val="100000"/>
+                        </a:lnSpc>
+                        <a:spcBef>
+                          <a:spcPts val="0"/>
+                        </a:spcBef>
+                        <a:spcAft>
+                          <a:spcPts val="0"/>
+                        </a:spcAft>
+                        <a:buClrTx/>
+                        <a:buSzTx/>
+                        <a:buFontTx/>
+                        <a:buNone/>
+                        <a:tabLst/>
+                        <a:defRPr/>
+                      </a:pPr>
+                      <a:r>
+                        <a:rPr kumimoji="0" lang="es-AR" sz="1400" b="0" i="0" u="none" strike="noStrike" kern="1200" cap="none" spc="0" normalizeH="0" baseline="0" noProof="0" dirty="0" smtClean="0">
+                          <a:ln>
+                            <a:noFill/>
+                          </a:ln>
+                          <a:solidFill>
+                            <a:prstClr val="black"/>
+                          </a:solidFill>
+                          <a:effectLst/>
+                          <a:uLnTx/>
+                          <a:uFillTx/>
+                          <a:latin typeface="+mn-lt"/>
+                          <a:ea typeface="+mn-ea"/>
+                          <a:cs typeface="+mn-cs"/>
+                          <a:sym typeface="Wingdings" panose="05000000000000000000" pitchFamily="2" charset="2"/>
+                        </a:rPr>
+                        <a:t></a:t>
+                      </a:r>
+                    </a:p>
+                    <a:p>
+                      <a:pPr marL="0" marR="0" indent="0" algn="ctr" defTabSz="914400" rtl="0" eaLnBrk="1" fontAlgn="auto" latinLnBrk="0" hangingPunct="1">
+                        <a:lnSpc>
+                          <a:spcPct val="100000"/>
+                        </a:lnSpc>
+                        <a:spcBef>
+                          <a:spcPts val="0"/>
+                        </a:spcBef>
+                        <a:spcAft>
+                          <a:spcPts val="0"/>
+                        </a:spcAft>
+                        <a:buClrTx/>
+                        <a:buSzTx/>
+                        <a:buFontTx/>
+                        <a:buNone/>
+                        <a:tabLst/>
+                        <a:defRPr/>
+                      </a:pPr>
+                      <a:r>
+                        <a:rPr kumimoji="0" lang="es-AR" sz="1400" b="0" i="0" u="none" strike="noStrike" kern="1200" cap="none" spc="0" normalizeH="0" baseline="0" noProof="0" dirty="0" smtClean="0">
+                          <a:ln>
+                            <a:noFill/>
+                          </a:ln>
+                          <a:solidFill>
+                            <a:prstClr val="black"/>
+                          </a:solidFill>
+                          <a:effectLst/>
+                          <a:uLnTx/>
+                          <a:uFillTx/>
+                          <a:latin typeface="+mn-lt"/>
+                          <a:ea typeface="+mn-ea"/>
+                          <a:cs typeface="+mn-cs"/>
+                          <a:sym typeface="Wingdings" panose="05000000000000000000" pitchFamily="2" charset="2"/>
+                        </a:rPr>
+                        <a:t></a:t>
+                      </a:r>
+                    </a:p>
+                  </a:txBody>
+                  <a:tcPr/>
+                </a:tc>
+                <a:tc>
+                  <a:txBody>
+                    <a:bodyPr/>
+                    <a:lstStyle/>
+                    <a:p>
+                      <a:pPr marL="0" marR="0" indent="0" algn="ctr" defTabSz="914400" rtl="0" eaLnBrk="1" fontAlgn="auto" latinLnBrk="0" hangingPunct="1">
+                        <a:lnSpc>
+                          <a:spcPct val="100000"/>
+                        </a:lnSpc>
+                        <a:spcBef>
+                          <a:spcPts val="0"/>
+                        </a:spcBef>
+                        <a:spcAft>
+                          <a:spcPts val="0"/>
+                        </a:spcAft>
+                        <a:buClrTx/>
+                        <a:buSzTx/>
+                        <a:buFontTx/>
+                        <a:buNone/>
+                        <a:tabLst/>
+                        <a:defRPr/>
+                      </a:pPr>
+                      <a:r>
+                        <a:rPr kumimoji="0" lang="es-AR" sz="1400" b="0" i="0" u="none" strike="noStrike" kern="1200" cap="none" spc="0" normalizeH="0" baseline="0" noProof="0" dirty="0" smtClean="0">
+                          <a:ln>
+                            <a:noFill/>
+                          </a:ln>
+                          <a:solidFill>
+                            <a:prstClr val="black"/>
+                          </a:solidFill>
+                          <a:effectLst/>
+                          <a:uLnTx/>
+                          <a:uFillTx/>
+                          <a:latin typeface="+mn-lt"/>
+                          <a:ea typeface="+mn-ea"/>
+                          <a:cs typeface="+mn-cs"/>
+                          <a:sym typeface="Wingdings" panose="05000000000000000000" pitchFamily="2" charset="2"/>
+                        </a:rPr>
+                        <a:t>-</a:t>
+                      </a:r>
+                    </a:p>
+                    <a:p>
+                      <a:pPr marL="0" marR="0" indent="0" algn="ctr" defTabSz="914400" rtl="0" eaLnBrk="1" fontAlgn="auto" latinLnBrk="0" hangingPunct="1">
+                        <a:lnSpc>
+                          <a:spcPct val="100000"/>
+                        </a:lnSpc>
+                        <a:spcBef>
+                          <a:spcPts val="0"/>
+                        </a:spcBef>
+                        <a:spcAft>
+                          <a:spcPts val="0"/>
+                        </a:spcAft>
+                        <a:buClrTx/>
+                        <a:buSzTx/>
+                        <a:buFontTx/>
+                        <a:buNone/>
+                        <a:tabLst/>
+                        <a:defRPr/>
+                      </a:pPr>
+                      <a:r>
+                        <a:rPr kumimoji="0" lang="es-AR" sz="1400" b="0" i="0" u="none" strike="noStrike" kern="1200" cap="none" spc="0" normalizeH="0" baseline="0" noProof="0" dirty="0" smtClean="0">
+                          <a:ln>
+                            <a:noFill/>
+                          </a:ln>
+                          <a:solidFill>
+                            <a:prstClr val="black"/>
+                          </a:solidFill>
+                          <a:effectLst/>
+                          <a:uLnTx/>
+                          <a:uFillTx/>
+                          <a:latin typeface="+mn-lt"/>
+                          <a:ea typeface="+mn-ea"/>
+                          <a:cs typeface="+mn-cs"/>
+                          <a:sym typeface="Wingdings" panose="05000000000000000000" pitchFamily="2" charset="2"/>
+                        </a:rPr>
+                        <a:t></a:t>
+                      </a:r>
+                    </a:p>
+                    <a:p>
+                      <a:pPr marL="0" marR="0" indent="0" algn="ctr" defTabSz="914400" rtl="0" eaLnBrk="1" fontAlgn="auto" latinLnBrk="0" hangingPunct="1">
+                        <a:lnSpc>
+                          <a:spcPct val="100000"/>
+                        </a:lnSpc>
+                        <a:spcBef>
+                          <a:spcPts val="0"/>
+                        </a:spcBef>
+                        <a:spcAft>
+                          <a:spcPts val="0"/>
+                        </a:spcAft>
+                        <a:buClrTx/>
+                        <a:buSzTx/>
+                        <a:buFontTx/>
+                        <a:buNone/>
+                        <a:tabLst/>
+                        <a:defRPr/>
+                      </a:pPr>
+                      <a:r>
+                        <a:rPr kumimoji="0" lang="es-AR" sz="1400" b="0" i="0" u="none" strike="noStrike" kern="1200" cap="none" spc="0" normalizeH="0" baseline="0" noProof="0" dirty="0" smtClean="0">
+                          <a:ln>
+                            <a:noFill/>
+                          </a:ln>
+                          <a:solidFill>
+                            <a:prstClr val="black"/>
+                          </a:solidFill>
+                          <a:effectLst/>
+                          <a:uLnTx/>
+                          <a:uFillTx/>
+                          <a:latin typeface="+mn-lt"/>
+                          <a:ea typeface="+mn-ea"/>
+                          <a:cs typeface="+mn-cs"/>
+                          <a:sym typeface="Wingdings" panose="05000000000000000000" pitchFamily="2" charset="2"/>
+                        </a:rPr>
+                        <a:t></a:t>
+                      </a:r>
+                    </a:p>
+                    <a:p>
+                      <a:pPr marL="0" marR="0" indent="0" algn="ctr" defTabSz="914400" rtl="0" eaLnBrk="1" fontAlgn="auto" latinLnBrk="0" hangingPunct="1">
+                        <a:lnSpc>
+                          <a:spcPct val="100000"/>
+                        </a:lnSpc>
+                        <a:spcBef>
+                          <a:spcPts val="0"/>
+                        </a:spcBef>
+                        <a:spcAft>
+                          <a:spcPts val="0"/>
+                        </a:spcAft>
+                        <a:buClrTx/>
+                        <a:buSzTx/>
+                        <a:buFontTx/>
+                        <a:buNone/>
+                        <a:tabLst/>
+                        <a:defRPr/>
+                      </a:pPr>
+                      <a:r>
+                        <a:rPr kumimoji="0" lang="es-AR" sz="1400" b="0" i="0" u="none" strike="noStrike" kern="1200" cap="none" spc="0" normalizeH="0" baseline="0" noProof="0" dirty="0" smtClean="0">
+                          <a:ln>
+                            <a:noFill/>
+                          </a:ln>
+                          <a:solidFill>
+                            <a:prstClr val="black"/>
+                          </a:solidFill>
+                          <a:effectLst/>
+                          <a:uLnTx/>
+                          <a:uFillTx/>
+                          <a:latin typeface="+mn-lt"/>
+                          <a:ea typeface="+mn-ea"/>
+                          <a:cs typeface="+mn-cs"/>
+                          <a:sym typeface="Wingdings" panose="05000000000000000000" pitchFamily="2" charset="2"/>
+                        </a:rPr>
+                        <a:t></a:t>
+                      </a:r>
+                    </a:p>
+                    <a:p>
+                      <a:pPr marL="0" marR="0" indent="0" algn="ctr" defTabSz="914400" rtl="0" eaLnBrk="1" fontAlgn="auto" latinLnBrk="0" hangingPunct="1">
+                        <a:lnSpc>
+                          <a:spcPct val="100000"/>
+                        </a:lnSpc>
+                        <a:spcBef>
+                          <a:spcPts val="0"/>
+                        </a:spcBef>
+                        <a:spcAft>
+                          <a:spcPts val="0"/>
+                        </a:spcAft>
+                        <a:buClrTx/>
+                        <a:buSzTx/>
+                        <a:buFontTx/>
+                        <a:buNone/>
+                        <a:tabLst/>
+                        <a:defRPr/>
+                      </a:pPr>
+                      <a:r>
+                        <a:rPr kumimoji="0" lang="es-AR" sz="1400" b="0" i="0" u="none" strike="noStrike" kern="1200" cap="none" spc="0" normalizeH="0" baseline="0" noProof="0" dirty="0" smtClean="0">
+                          <a:ln>
+                            <a:noFill/>
+                          </a:ln>
+                          <a:solidFill>
+                            <a:prstClr val="black"/>
+                          </a:solidFill>
+                          <a:effectLst/>
+                          <a:uLnTx/>
+                          <a:uFillTx/>
+                          <a:latin typeface="+mn-lt"/>
+                          <a:ea typeface="+mn-ea"/>
+                          <a:cs typeface="+mn-cs"/>
+                          <a:sym typeface="Wingdings" panose="05000000000000000000" pitchFamily="2" charset="2"/>
+                        </a:rPr>
+                        <a:t></a:t>
+                      </a:r>
+                    </a:p>
+                    <a:p>
+                      <a:pPr marL="0" marR="0" indent="0" algn="ctr" defTabSz="914400" rtl="0" eaLnBrk="1" fontAlgn="auto" latinLnBrk="0" hangingPunct="1">
+                        <a:lnSpc>
+                          <a:spcPct val="100000"/>
+                        </a:lnSpc>
+                        <a:spcBef>
+                          <a:spcPts val="0"/>
+                        </a:spcBef>
+                        <a:spcAft>
+                          <a:spcPts val="0"/>
+                        </a:spcAft>
+                        <a:buClrTx/>
+                        <a:buSzTx/>
+                        <a:buFontTx/>
+                        <a:buNone/>
+                        <a:tabLst/>
+                        <a:defRPr/>
+                      </a:pPr>
+                      <a:r>
+                        <a:rPr kumimoji="0" lang="es-AR" sz="1400" b="0" i="0" u="none" strike="noStrike" kern="1200" cap="none" spc="0" normalizeH="0" baseline="0" noProof="0" dirty="0" smtClean="0">
+                          <a:ln>
+                            <a:noFill/>
+                          </a:ln>
+                          <a:solidFill>
+                            <a:prstClr val="black"/>
+                          </a:solidFill>
+                          <a:effectLst/>
+                          <a:uLnTx/>
+                          <a:uFillTx/>
+                          <a:latin typeface="+mn-lt"/>
+                          <a:ea typeface="+mn-ea"/>
+                          <a:cs typeface="+mn-cs"/>
+                          <a:sym typeface="Wingdings" panose="05000000000000000000" pitchFamily="2" charset="2"/>
+                        </a:rPr>
+                        <a:t></a:t>
+                      </a:r>
+                    </a:p>
+                    <a:p>
+                      <a:pPr marL="0" marR="0" indent="0" algn="ctr" defTabSz="914400" rtl="0" eaLnBrk="1" fontAlgn="auto" latinLnBrk="0" hangingPunct="1">
+                        <a:lnSpc>
+                          <a:spcPct val="100000"/>
+                        </a:lnSpc>
+                        <a:spcBef>
+                          <a:spcPts val="0"/>
+                        </a:spcBef>
+                        <a:spcAft>
+                          <a:spcPts val="0"/>
+                        </a:spcAft>
+                        <a:buClrTx/>
+                        <a:buSzTx/>
+                        <a:buFontTx/>
+                        <a:buNone/>
+                        <a:tabLst/>
+                        <a:defRPr/>
+                      </a:pPr>
+                      <a:r>
+                        <a:rPr kumimoji="0" lang="es-AR" sz="1400" b="0" i="0" u="none" strike="noStrike" kern="1200" cap="none" spc="0" normalizeH="0" baseline="0" noProof="0" dirty="0" smtClean="0">
+                          <a:ln>
+                            <a:noFill/>
+                          </a:ln>
+                          <a:solidFill>
+                            <a:prstClr val="black"/>
+                          </a:solidFill>
+                          <a:effectLst/>
+                          <a:uLnTx/>
+                          <a:uFillTx/>
+                          <a:latin typeface="+mn-lt"/>
+                          <a:ea typeface="+mn-ea"/>
+                          <a:cs typeface="+mn-cs"/>
+                          <a:sym typeface="Wingdings" panose="05000000000000000000" pitchFamily="2" charset="2"/>
+                        </a:rPr>
+                        <a:t></a:t>
+                      </a:r>
+                    </a:p>
+                    <a:p>
+                      <a:pPr marL="0" marR="0" indent="0" algn="ctr" defTabSz="914400" rtl="0" eaLnBrk="1" fontAlgn="auto" latinLnBrk="0" hangingPunct="1">
+                        <a:lnSpc>
+                          <a:spcPct val="100000"/>
+                        </a:lnSpc>
+                        <a:spcBef>
+                          <a:spcPts val="0"/>
+                        </a:spcBef>
+                        <a:spcAft>
+                          <a:spcPts val="0"/>
+                        </a:spcAft>
+                        <a:buClrTx/>
+                        <a:buSzTx/>
+                        <a:buFontTx/>
+                        <a:buNone/>
+                        <a:tabLst/>
+                        <a:defRPr/>
+                      </a:pPr>
+                      <a:r>
+                        <a:rPr kumimoji="0" lang="es-AR" sz="1400" b="0" i="0" u="none" strike="noStrike" kern="1200" cap="none" spc="0" normalizeH="0" baseline="0" noProof="0" dirty="0" smtClean="0">
+                          <a:ln>
+                            <a:noFill/>
+                          </a:ln>
+                          <a:solidFill>
+                            <a:prstClr val="black"/>
+                          </a:solidFill>
+                          <a:effectLst/>
+                          <a:uLnTx/>
+                          <a:uFillTx/>
+                          <a:latin typeface="+mn-lt"/>
+                          <a:ea typeface="+mn-ea"/>
+                          <a:cs typeface="+mn-cs"/>
+                          <a:sym typeface="Wingdings" panose="05000000000000000000" pitchFamily="2" charset="2"/>
+                        </a:rPr>
+                        <a:t>-</a:t>
+                      </a:r>
+                    </a:p>
+                    <a:p>
+                      <a:pPr marL="0" marR="0" indent="0" algn="ctr" defTabSz="914400" rtl="0" eaLnBrk="1" fontAlgn="auto" latinLnBrk="0" hangingPunct="1">
+                        <a:lnSpc>
+                          <a:spcPct val="100000"/>
+                        </a:lnSpc>
+                        <a:spcBef>
+                          <a:spcPts val="0"/>
+                        </a:spcBef>
+                        <a:spcAft>
+                          <a:spcPts val="0"/>
+                        </a:spcAft>
+                        <a:buClrTx/>
+                        <a:buSzTx/>
+                        <a:buFontTx/>
+                        <a:buNone/>
+                        <a:tabLst/>
+                        <a:defRPr/>
+                      </a:pPr>
+                      <a:r>
+                        <a:rPr kumimoji="0" lang="es-AR" sz="1400" b="0" i="0" u="none" strike="noStrike" kern="1200" cap="none" spc="0" normalizeH="0" baseline="0" noProof="0" dirty="0" smtClean="0">
+                          <a:ln>
+                            <a:noFill/>
+                          </a:ln>
+                          <a:solidFill>
+                            <a:prstClr val="black"/>
+                          </a:solidFill>
+                          <a:effectLst/>
+                          <a:uLnTx/>
+                          <a:uFillTx/>
+                          <a:latin typeface="+mn-lt"/>
+                          <a:ea typeface="+mn-ea"/>
+                          <a:cs typeface="+mn-cs"/>
+                          <a:sym typeface="Wingdings" panose="05000000000000000000" pitchFamily="2" charset="2"/>
+                        </a:rPr>
+                        <a:t></a:t>
+                      </a:r>
+                    </a:p>
+                    <a:p>
+                      <a:pPr marL="0" marR="0" indent="0" algn="ctr" defTabSz="914400" rtl="0" eaLnBrk="1" fontAlgn="auto" latinLnBrk="0" hangingPunct="1">
+                        <a:lnSpc>
+                          <a:spcPct val="100000"/>
+                        </a:lnSpc>
+                        <a:spcBef>
+                          <a:spcPts val="0"/>
+                        </a:spcBef>
+                        <a:spcAft>
+                          <a:spcPts val="0"/>
+                        </a:spcAft>
+                        <a:buClrTx/>
+                        <a:buSzTx/>
+                        <a:buFontTx/>
+                        <a:buNone/>
+                        <a:tabLst/>
+                        <a:defRPr/>
+                      </a:pPr>
+                      <a:r>
+                        <a:rPr kumimoji="0" lang="es-AR" sz="1400" b="0" i="0" u="none" strike="noStrike" kern="1200" cap="none" spc="0" normalizeH="0" baseline="0" noProof="0" dirty="0" smtClean="0">
+                          <a:ln>
+                            <a:noFill/>
+                          </a:ln>
+                          <a:solidFill>
+                            <a:prstClr val="black"/>
+                          </a:solidFill>
+                          <a:effectLst/>
+                          <a:uLnTx/>
+                          <a:uFillTx/>
+                          <a:latin typeface="+mn-lt"/>
+                          <a:ea typeface="+mn-ea"/>
+                          <a:cs typeface="+mn-cs"/>
+                          <a:sym typeface="Wingdings" panose="05000000000000000000" pitchFamily="2" charset="2"/>
+                        </a:rPr>
+                        <a:t></a:t>
+                      </a:r>
+                    </a:p>
+                  </a:txBody>
+                  <a:tcPr/>
+                </a:tc>
+                <a:tc>
+                  <a:txBody>
+                    <a:bodyPr/>
+                    <a:lstStyle/>
+                    <a:p>
+                      <a:pPr marL="0" marR="0" indent="0" algn="ctr" defTabSz="914400" rtl="0" eaLnBrk="1" fontAlgn="auto" latinLnBrk="0" hangingPunct="1">
+                        <a:lnSpc>
+                          <a:spcPct val="100000"/>
+                        </a:lnSpc>
+                        <a:spcBef>
+                          <a:spcPts val="0"/>
+                        </a:spcBef>
+                        <a:spcAft>
+                          <a:spcPts val="0"/>
+                        </a:spcAft>
+                        <a:buClrTx/>
+                        <a:buSzTx/>
+                        <a:buFontTx/>
+                        <a:buNone/>
+                        <a:tabLst/>
+                        <a:defRPr/>
+                      </a:pPr>
+                      <a:r>
+                        <a:rPr kumimoji="0" lang="es-AR" sz="1400" b="0" i="0" u="none" strike="noStrike" kern="1200" cap="none" spc="0" normalizeH="0" baseline="0" noProof="0" dirty="0" smtClean="0">
+                          <a:ln>
+                            <a:noFill/>
+                          </a:ln>
+                          <a:solidFill>
+                            <a:prstClr val="black"/>
+                          </a:solidFill>
+                          <a:effectLst/>
+                          <a:uLnTx/>
+                          <a:uFillTx/>
+                          <a:latin typeface="+mn-lt"/>
+                          <a:ea typeface="+mn-ea"/>
+                          <a:cs typeface="+mn-cs"/>
+                          <a:sym typeface="Wingdings" panose="05000000000000000000" pitchFamily="2" charset="2"/>
+                        </a:rPr>
+                        <a:t></a:t>
+                      </a:r>
+                    </a:p>
+                    <a:p>
+                      <a:pPr marL="0" marR="0" indent="0" algn="ctr" defTabSz="914400" rtl="0" eaLnBrk="1" fontAlgn="auto" latinLnBrk="0" hangingPunct="1">
+                        <a:lnSpc>
+                          <a:spcPct val="100000"/>
+                        </a:lnSpc>
+                        <a:spcBef>
+                          <a:spcPts val="0"/>
+                        </a:spcBef>
+                        <a:spcAft>
+                          <a:spcPts val="0"/>
+                        </a:spcAft>
+                        <a:buClrTx/>
+                        <a:buSzTx/>
+                        <a:buFontTx/>
+                        <a:buNone/>
+                        <a:tabLst/>
+                        <a:defRPr/>
+                      </a:pPr>
+                      <a:r>
+                        <a:rPr kumimoji="0" lang="es-AR" sz="1400" b="0" i="0" u="none" strike="noStrike" kern="1200" cap="none" spc="0" normalizeH="0" baseline="0" noProof="0" dirty="0" smtClean="0">
+                          <a:ln>
+                            <a:noFill/>
+                          </a:ln>
+                          <a:solidFill>
+                            <a:prstClr val="black"/>
+                          </a:solidFill>
+                          <a:effectLst/>
+                          <a:uLnTx/>
+                          <a:uFillTx/>
+                          <a:latin typeface="+mn-lt"/>
+                          <a:ea typeface="+mn-ea"/>
+                          <a:cs typeface="+mn-cs"/>
+                          <a:sym typeface="Wingdings" panose="05000000000000000000" pitchFamily="2" charset="2"/>
+                        </a:rPr>
+                        <a:t></a:t>
+                      </a:r>
+                    </a:p>
+                    <a:p>
+                      <a:pPr marL="0" marR="0" indent="0" algn="ctr" defTabSz="914400" rtl="0" eaLnBrk="1" fontAlgn="auto" latinLnBrk="0" hangingPunct="1">
+                        <a:lnSpc>
+                          <a:spcPct val="100000"/>
+                        </a:lnSpc>
+                        <a:spcBef>
+                          <a:spcPts val="0"/>
+                        </a:spcBef>
+                        <a:spcAft>
+                          <a:spcPts val="0"/>
+                        </a:spcAft>
+                        <a:buClrTx/>
+                        <a:buSzTx/>
+                        <a:buFontTx/>
+                        <a:buNone/>
+                        <a:tabLst/>
+                        <a:defRPr/>
+                      </a:pPr>
+                      <a:r>
+                        <a:rPr kumimoji="0" lang="es-AR" sz="1400" b="0" i="0" u="none" strike="noStrike" kern="1200" cap="none" spc="0" normalizeH="0" baseline="0" noProof="0" dirty="0" smtClean="0">
+                          <a:ln>
+                            <a:noFill/>
+                          </a:ln>
+                          <a:solidFill>
+                            <a:prstClr val="black"/>
+                          </a:solidFill>
+                          <a:effectLst/>
+                          <a:uLnTx/>
+                          <a:uFillTx/>
+                          <a:latin typeface="+mn-lt"/>
+                          <a:ea typeface="+mn-ea"/>
+                          <a:cs typeface="+mn-cs"/>
+                          <a:sym typeface="Wingdings" panose="05000000000000000000" pitchFamily="2" charset="2"/>
+                        </a:rPr>
+                        <a:t></a:t>
+                      </a:r>
+                    </a:p>
+                    <a:p>
+                      <a:pPr marL="0" marR="0" indent="0" algn="ctr" defTabSz="914400" rtl="0" eaLnBrk="1" fontAlgn="auto" latinLnBrk="0" hangingPunct="1">
+                        <a:lnSpc>
+                          <a:spcPct val="100000"/>
+                        </a:lnSpc>
+                        <a:spcBef>
+                          <a:spcPts val="0"/>
+                        </a:spcBef>
+                        <a:spcAft>
+                          <a:spcPts val="0"/>
+                        </a:spcAft>
+                        <a:buClrTx/>
+                        <a:buSzTx/>
+                        <a:buFontTx/>
+                        <a:buNone/>
+                        <a:tabLst/>
+                        <a:defRPr/>
+                      </a:pPr>
+                      <a:r>
+                        <a:rPr kumimoji="0" lang="es-AR" sz="1400" b="0" i="0" u="none" strike="noStrike" kern="1200" cap="none" spc="0" normalizeH="0" baseline="0" noProof="0" dirty="0" smtClean="0">
+                          <a:ln>
+                            <a:noFill/>
+                          </a:ln>
+                          <a:solidFill>
+                            <a:prstClr val="black"/>
+                          </a:solidFill>
+                          <a:effectLst/>
+                          <a:uLnTx/>
+                          <a:uFillTx/>
+                          <a:latin typeface="+mn-lt"/>
+                          <a:ea typeface="+mn-ea"/>
+                          <a:cs typeface="+mn-cs"/>
+                          <a:sym typeface="Wingdings" panose="05000000000000000000" pitchFamily="2" charset="2"/>
+                        </a:rPr>
+                        <a:t></a:t>
+                      </a:r>
+                    </a:p>
+                    <a:p>
+                      <a:pPr marL="0" marR="0" indent="0" algn="ctr" defTabSz="914400" rtl="0" eaLnBrk="1" fontAlgn="auto" latinLnBrk="0" hangingPunct="1">
+                        <a:lnSpc>
+                          <a:spcPct val="100000"/>
+                        </a:lnSpc>
+                        <a:spcBef>
+                          <a:spcPts val="0"/>
+                        </a:spcBef>
+                        <a:spcAft>
+                          <a:spcPts val="0"/>
+                        </a:spcAft>
+                        <a:buClrTx/>
+                        <a:buSzTx/>
+                        <a:buFontTx/>
+                        <a:buNone/>
+                        <a:tabLst/>
+                        <a:defRPr/>
+                      </a:pPr>
+                      <a:r>
+                        <a:rPr kumimoji="0" lang="es-AR" sz="1400" b="0" i="0" u="none" strike="noStrike" kern="1200" cap="none" spc="0" normalizeH="0" baseline="0" noProof="0" dirty="0" smtClean="0">
+                          <a:ln>
+                            <a:noFill/>
+                          </a:ln>
+                          <a:solidFill>
+                            <a:prstClr val="black"/>
+                          </a:solidFill>
+                          <a:effectLst/>
+                          <a:uLnTx/>
+                          <a:uFillTx/>
+                          <a:latin typeface="+mn-lt"/>
+                          <a:ea typeface="+mn-ea"/>
+                          <a:cs typeface="+mn-cs"/>
+                          <a:sym typeface="Wingdings" panose="05000000000000000000" pitchFamily="2" charset="2"/>
+                        </a:rPr>
+                        <a:t></a:t>
+                      </a:r>
+                    </a:p>
+                    <a:p>
+                      <a:pPr marL="0" marR="0" indent="0" algn="ctr" defTabSz="914400" rtl="0" eaLnBrk="1" fontAlgn="auto" latinLnBrk="0" hangingPunct="1">
+                        <a:lnSpc>
+                          <a:spcPct val="100000"/>
+                        </a:lnSpc>
+                        <a:spcBef>
+                          <a:spcPts val="0"/>
+                        </a:spcBef>
+                        <a:spcAft>
+                          <a:spcPts val="0"/>
+                        </a:spcAft>
+                        <a:buClrTx/>
+                        <a:buSzTx/>
+                        <a:buFontTx/>
+                        <a:buNone/>
+                        <a:tabLst/>
+                        <a:defRPr/>
+                      </a:pPr>
+                      <a:r>
+                        <a:rPr kumimoji="0" lang="es-AR" sz="1400" b="0" i="0" u="none" strike="noStrike" kern="1200" cap="none" spc="0" normalizeH="0" baseline="0" noProof="0" dirty="0" smtClean="0">
+                          <a:ln>
+                            <a:noFill/>
+                          </a:ln>
+                          <a:solidFill>
+                            <a:prstClr val="black"/>
+                          </a:solidFill>
+                          <a:effectLst/>
+                          <a:uLnTx/>
+                          <a:uFillTx/>
+                          <a:latin typeface="+mn-lt"/>
+                          <a:ea typeface="+mn-ea"/>
+                          <a:cs typeface="+mn-cs"/>
+                          <a:sym typeface="Wingdings" panose="05000000000000000000" pitchFamily="2" charset="2"/>
+                        </a:rPr>
+                        <a:t></a:t>
+                      </a:r>
+                    </a:p>
+                    <a:p>
+                      <a:pPr marL="0" marR="0" indent="0" algn="ctr" defTabSz="914400" rtl="0" eaLnBrk="1" fontAlgn="auto" latinLnBrk="0" hangingPunct="1">
+                        <a:lnSpc>
+                          <a:spcPct val="100000"/>
+                        </a:lnSpc>
+                        <a:spcBef>
+                          <a:spcPts val="0"/>
+                        </a:spcBef>
+                        <a:spcAft>
+                          <a:spcPts val="0"/>
+                        </a:spcAft>
+                        <a:buClrTx/>
+                        <a:buSzTx/>
+                        <a:buFontTx/>
+                        <a:buNone/>
+                        <a:tabLst/>
+                        <a:defRPr/>
+                      </a:pPr>
+                      <a:r>
+                        <a:rPr kumimoji="0" lang="es-AR" sz="1400" b="0" i="0" u="none" strike="noStrike" kern="1200" cap="none" spc="0" normalizeH="0" baseline="0" noProof="0" dirty="0" smtClean="0">
+                          <a:ln>
+                            <a:noFill/>
+                          </a:ln>
+                          <a:solidFill>
+                            <a:prstClr val="black"/>
+                          </a:solidFill>
+                          <a:effectLst/>
+                          <a:uLnTx/>
+                          <a:uFillTx/>
+                          <a:latin typeface="+mn-lt"/>
+                          <a:ea typeface="+mn-ea"/>
+                          <a:cs typeface="+mn-cs"/>
+                          <a:sym typeface="Wingdings" panose="05000000000000000000" pitchFamily="2" charset="2"/>
+                        </a:rPr>
+                        <a:t></a:t>
+                      </a:r>
+                    </a:p>
+                    <a:p>
+                      <a:pPr marL="0" marR="0" indent="0" algn="ctr" defTabSz="914400" rtl="0" eaLnBrk="1" fontAlgn="auto" latinLnBrk="0" hangingPunct="1">
+                        <a:lnSpc>
+                          <a:spcPct val="100000"/>
+                        </a:lnSpc>
+                        <a:spcBef>
+                          <a:spcPts val="0"/>
+                        </a:spcBef>
+                        <a:spcAft>
+                          <a:spcPts val="0"/>
+                        </a:spcAft>
+                        <a:buClrTx/>
+                        <a:buSzTx/>
+                        <a:buFontTx/>
+                        <a:buNone/>
+                        <a:tabLst/>
+                        <a:defRPr/>
+                      </a:pPr>
+                      <a:r>
+                        <a:rPr kumimoji="0" lang="es-AR" sz="1400" b="0" i="0" u="none" strike="noStrike" kern="1200" cap="none" spc="0" normalizeH="0" baseline="0" noProof="0" dirty="0" smtClean="0">
+                          <a:ln>
+                            <a:noFill/>
+                          </a:ln>
+                          <a:solidFill>
+                            <a:prstClr val="black"/>
+                          </a:solidFill>
+                          <a:effectLst/>
+                          <a:uLnTx/>
+                          <a:uFillTx/>
+                          <a:latin typeface="+mn-lt"/>
+                          <a:ea typeface="+mn-ea"/>
+                          <a:cs typeface="+mn-cs"/>
+                          <a:sym typeface="Wingdings" panose="05000000000000000000" pitchFamily="2" charset="2"/>
+                        </a:rPr>
+                        <a:t></a:t>
+                      </a:r>
+                    </a:p>
+                    <a:p>
+                      <a:pPr marL="0" marR="0" indent="0" algn="ctr" defTabSz="914400" rtl="0" eaLnBrk="1" fontAlgn="auto" latinLnBrk="0" hangingPunct="1">
+                        <a:lnSpc>
+                          <a:spcPct val="100000"/>
+                        </a:lnSpc>
+                        <a:spcBef>
+                          <a:spcPts val="0"/>
+                        </a:spcBef>
+                        <a:spcAft>
+                          <a:spcPts val="0"/>
+                        </a:spcAft>
+                        <a:buClrTx/>
+                        <a:buSzTx/>
+                        <a:buFontTx/>
+                        <a:buNone/>
+                        <a:tabLst/>
+                        <a:defRPr/>
+                      </a:pPr>
+                      <a:r>
+                        <a:rPr kumimoji="0" lang="es-AR" sz="1400" b="0" i="0" u="none" strike="noStrike" kern="1200" cap="none" spc="0" normalizeH="0" baseline="0" noProof="0" dirty="0" smtClean="0">
+                          <a:ln>
+                            <a:noFill/>
+                          </a:ln>
+                          <a:solidFill>
+                            <a:prstClr val="black"/>
+                          </a:solidFill>
+                          <a:effectLst/>
+                          <a:uLnTx/>
+                          <a:uFillTx/>
+                          <a:latin typeface="+mn-lt"/>
+                          <a:ea typeface="+mn-ea"/>
+                          <a:cs typeface="+mn-cs"/>
+                          <a:sym typeface="Wingdings" panose="05000000000000000000" pitchFamily="2" charset="2"/>
+                        </a:rPr>
+                        <a:t></a:t>
+                      </a:r>
+                    </a:p>
+                    <a:p>
+                      <a:pPr marL="0" marR="0" indent="0" algn="ctr" defTabSz="914400" rtl="0" eaLnBrk="1" fontAlgn="auto" latinLnBrk="0" hangingPunct="1">
+                        <a:lnSpc>
+                          <a:spcPct val="100000"/>
+                        </a:lnSpc>
+                        <a:spcBef>
+                          <a:spcPts val="0"/>
+                        </a:spcBef>
+                        <a:spcAft>
+                          <a:spcPts val="0"/>
+                        </a:spcAft>
+                        <a:buClrTx/>
+                        <a:buSzTx/>
+                        <a:buFontTx/>
+                        <a:buNone/>
+                        <a:tabLst/>
+                        <a:defRPr/>
+                      </a:pPr>
+                      <a:r>
+                        <a:rPr kumimoji="0" lang="es-AR" sz="1400" b="0" i="0" u="none" strike="noStrike" kern="1200" cap="none" spc="0" normalizeH="0" baseline="0" noProof="0" dirty="0" smtClean="0">
+                          <a:ln>
+                            <a:noFill/>
+                          </a:ln>
+                          <a:solidFill>
+                            <a:prstClr val="black"/>
+                          </a:solidFill>
+                          <a:effectLst/>
+                          <a:uLnTx/>
+                          <a:uFillTx/>
+                          <a:latin typeface="+mn-lt"/>
+                          <a:ea typeface="+mn-ea"/>
+                          <a:cs typeface="+mn-cs"/>
+                          <a:sym typeface="Wingdings" panose="05000000000000000000" pitchFamily="2" charset="2"/>
+                        </a:rPr>
+                        <a:t></a:t>
+                      </a:r>
+                    </a:p>
+                  </a:txBody>
+                  <a:tcPr/>
+                </a:tc>
+                <a:extLst>
+                  <a:ext uri="{0D108BD9-81ED-4DB2-BD59-A6C34878D82A}">
+                    <a16:rowId xmlns:a16="http://schemas.microsoft.com/office/drawing/2014/main" val="1308215762"/>
+                  </a:ext>
+                </a:extLst>
+              </a:tr>
+              <a:tr h="182967">
+                <a:tc>
+                  <a:txBody>
+                    <a:bodyPr/>
+                    <a:lstStyle/>
+                    <a:p>
+                      <a:pPr marL="0" indent="0">
+                        <a:buFont typeface="+mj-lt"/>
+                        <a:buNone/>
+                      </a:pPr>
+                      <a:r>
+                        <a:rPr lang="es-AR" sz="1400" dirty="0" smtClean="0"/>
+                        <a:t>Total: 97%</a:t>
+                      </a:r>
+                    </a:p>
+                  </a:txBody>
+                  <a:tcPr/>
+                </a:tc>
+                <a:tc>
+                  <a:txBody>
+                    <a:bodyPr/>
+                    <a:lstStyle/>
+                    <a:p>
+                      <a:pPr algn="ctr"/>
+                      <a:r>
+                        <a:rPr lang="es-AR" sz="1400" dirty="0" smtClean="0"/>
+                        <a:t>100%</a:t>
+                      </a:r>
+                      <a:endParaRPr lang="es-AR" sz="1400" dirty="0"/>
+                    </a:p>
+                  </a:txBody>
+                  <a:tcPr/>
+                </a:tc>
+                <a:tc>
+                  <a:txBody>
+                    <a:bodyPr/>
+                    <a:lstStyle/>
+                    <a:p>
+                      <a:pPr algn="ctr"/>
+                      <a:r>
+                        <a:rPr lang="es-AR" sz="1400" dirty="0" smtClean="0"/>
+                        <a:t>100%</a:t>
+                      </a:r>
+                      <a:endParaRPr lang="es-AR" sz="1400" dirty="0"/>
+                    </a:p>
+                  </a:txBody>
+                  <a:tcPr/>
+                </a:tc>
+                <a:tc>
+                  <a:txBody>
+                    <a:bodyPr/>
+                    <a:lstStyle/>
+                    <a:p>
+                      <a:pPr algn="ctr"/>
+                      <a:r>
+                        <a:rPr lang="es-AR" sz="1400" dirty="0" smtClean="0"/>
+                        <a:t>100%</a:t>
+                      </a:r>
+                      <a:endParaRPr lang="es-AR" sz="1400" dirty="0"/>
+                    </a:p>
+                  </a:txBody>
+                  <a:tcPr/>
+                </a:tc>
+                <a:extLst>
+                  <a:ext uri="{0D108BD9-81ED-4DB2-BD59-A6C34878D82A}">
+                    <a16:rowId xmlns:a16="http://schemas.microsoft.com/office/drawing/2014/main" val="978846842"/>
+                  </a:ext>
+                </a:extLst>
+              </a:tr>
+            </a:tbl>
+          </a:graphicData>
+        </a:graphic>
+      </p:graphicFrame>
+      <p:sp>
+        <p:nvSpPr>
+          <p:cNvPr id="8" name="CuadroTexto 7"/>
+          <p:cNvSpPr txBox="1"/>
+          <p:nvPr/>
+        </p:nvSpPr>
+        <p:spPr>
+          <a:xfrm>
+            <a:off x="838200" y="5455270"/>
+            <a:ext cx="9802368" cy="369332"/>
+          </a:xfrm>
+          <a:prstGeom prst="rect">
+            <a:avLst/>
+          </a:prstGeom>
+          <a:noFill/>
+        </p:spPr>
+        <p:txBody>
+          <a:bodyPr wrap="square" rtlCol="0">
+            <a:spAutoFit/>
+          </a:bodyPr>
+          <a:lstStyle/>
+          <a:p>
+            <a:r>
+              <a:rPr lang="es-AR" baseline="30000" dirty="0" smtClean="0"/>
+              <a:t>(x) </a:t>
+            </a:r>
+            <a:r>
+              <a:rPr lang="es-AR" dirty="0" smtClean="0"/>
+              <a:t>Pendiente: formato de </a:t>
+            </a:r>
+            <a:r>
+              <a:rPr lang="es-AR" dirty="0" err="1" smtClean="0"/>
+              <a:t>edic</a:t>
+            </a:r>
+            <a:r>
+              <a:rPr lang="es-AR" dirty="0" smtClean="0"/>
+              <a:t>-demás</a:t>
+            </a:r>
+          </a:p>
+        </p:txBody>
+      </p:sp>
+      <p:sp>
+        <p:nvSpPr>
+          <p:cNvPr id="9" name="Marcador de fecha 8"/>
+          <p:cNvSpPr>
+            <a:spLocks noGrp="1"/>
+          </p:cNvSpPr>
+          <p:nvPr>
+            <p:ph type="dt" sz="half" idx="10"/>
+          </p:nvPr>
+        </p:nvSpPr>
+        <p:spPr/>
+        <p:txBody>
+          <a:bodyPr/>
+          <a:lstStyle/>
+          <a:p>
+            <a:fld id="{026729C1-673E-4729-AC71-847050BEA676}" type="datetime1">
+              <a:rPr lang="es-AR" smtClean="0"/>
+              <a:t>19/dic.22</a:t>
+            </a:fld>
+            <a:endParaRPr lang="es-AR"/>
+          </a:p>
+        </p:txBody>
+      </p:sp>
+    </p:spTree>
+    <p:extLst>
+      <p:ext uri="{BB962C8B-B14F-4D97-AF65-F5344CB8AC3E}">
+        <p14:creationId xmlns:p14="http://schemas.microsoft.com/office/powerpoint/2010/main" val="2971930187"/>
+      </p:ext>
+    </p:extLst>
+  </p:cSld>
+  <p:clrMapOvr>
+    <a:masterClrMapping/>
+  </p:clrMapOvr>
+</p:sld>
+</file>
+
+<file path=ppt/slides/slide11.xml><?xml version="1.0" encoding="utf-8"?>
+<p:sld xmlns:a="http://schemas.openxmlformats.org/drawingml/2006/main" xmlns:r="http://schemas.openxmlformats.org/officeDocument/2006/relationships" xmlns:p="http://schemas.openxmlformats.org/presentationml/2006/main">
+  <p:cSld>
+    <p:spTree>
+      <p:nvGrpSpPr>
+        <p:cNvPr id="1" name=""/>
+        <p:cNvGrpSpPr/>
+        <p:nvPr/>
+      </p:nvGrpSpPr>
+      <p:grpSpPr>
+        <a:xfrm>
+          <a:off x="0" y="0"/>
+          <a:ext cx="0" cy="0"/>
+          <a:chOff x="0" y="0"/>
+          <a:chExt cx="0" cy="0"/>
+        </a:xfrm>
+      </p:grpSpPr>
+      <p:sp>
+        <p:nvSpPr>
+          <p:cNvPr id="2" name="Título 1"/>
+          <p:cNvSpPr>
+            <a:spLocks noGrp="1"/>
+          </p:cNvSpPr>
+          <p:nvPr>
+            <p:ph type="title"/>
+          </p:nvPr>
+        </p:nvSpPr>
+        <p:spPr/>
+        <p:txBody>
+          <a:bodyPr/>
+          <a:lstStyle/>
+          <a:p>
+            <a:r>
+              <a:rPr lang="es-AR" dirty="0" smtClean="0"/>
               <a:t>3/8 - CRUD + Revisión de RCLV</a:t>
             </a:r>
             <a:endParaRPr lang="es-AR" dirty="0"/>
@@ -6346,7 +8902,7 @@
           <a:p>
             <a:fld id="{42F25427-F6B6-4EC7-A2C4-3EF91D1E0584}" type="slidenum">
               <a:rPr lang="es-AR" smtClean="0"/>
-              <a:t>10</a:t>
+              <a:t>11</a:t>
             </a:fld>
             <a:endParaRPr lang="es-AR"/>
           </a:p>
@@ -6730,24 +9286,7 @@
                           <a:ea typeface="+mn-ea"/>
                           <a:cs typeface="+mn-cs"/>
                         </a:rPr>
-                        <a:t>100</a:t>
-                      </a:r>
-                      <a:r>
-                        <a:rPr kumimoji="0" lang="es-AR" sz="1800" b="0" i="0" u="none" strike="noStrike" kern="1200" cap="none" spc="0" normalizeH="0" baseline="0" noProof="0" dirty="0" smtClean="0">
-                          <a:ln>
-                            <a:noFill/>
-                          </a:ln>
-                          <a:solidFill>
-                            <a:prstClr val="black"/>
-                          </a:solidFill>
-                          <a:effectLst/>
-                          <a:uLnTx/>
-                          <a:uFillTx/>
-                          <a:latin typeface="Calibri" panose="020F0502020204030204"/>
-                          <a:ea typeface="+mn-ea"/>
-                          <a:cs typeface="+mn-cs"/>
-                        </a:rPr>
-                        <a:t>%</a:t>
+                        <a:t>100%</a:t>
                       </a:r>
                     </a:p>
                   </a:txBody>
@@ -7442,7 +9981,7 @@
           <a:p>
             <a:fld id="{AA591B98-6277-41D2-B70A-1673F04ACFE9}" type="datetime1">
               <a:rPr lang="es-AR" smtClean="0"/>
-              <a:t>18/dic.22</a:t>
+              <a:t>19/dic.22</a:t>
             </a:fld>
             <a:endParaRPr lang="es-AR"/>
           </a:p>
@@ -7461,7 +10000,7 @@
 </p:sld>
 </file>
 
-<file path=ppt/slides/slide11.xml><?xml version="1.0" encoding="utf-8"?>
+<file path=ppt/slides/slide12.xml><?xml version="1.0" encoding="utf-8"?>
 <p:sld xmlns:a="http://schemas.openxmlformats.org/drawingml/2006/main" xmlns:r="http://schemas.openxmlformats.org/officeDocument/2006/relationships" xmlns:p="http://schemas.openxmlformats.org/presentationml/2006/main">
   <p:cSld>
     <p:spTree>
@@ -7522,7 +10061,7 @@
           <a:p>
             <a:fld id="{42F25427-F6B6-4EC7-A2C4-3EF91D1E0584}" type="slidenum">
               <a:rPr lang="es-AR" smtClean="0"/>
-              <a:t>11</a:t>
+              <a:t>12</a:t>
             </a:fld>
             <a:endParaRPr lang="es-AR"/>
           </a:p>
@@ -8559,7 +11098,7 @@
           <a:p>
             <a:fld id="{C5CE8752-E2F2-47CF-97DC-DD84E18D0F4F}" type="datetime1">
               <a:rPr lang="es-AR" smtClean="0"/>
-              <a:t>18/dic.22</a:t>
+              <a:t>19/dic.22</a:t>
             </a:fld>
             <a:endParaRPr lang="es-AR"/>
           </a:p>
@@ -8578,7 +11117,7 @@
 </p:sld>
 </file>
 
-<file path=ppt/slides/slide12.xml><?xml version="1.0" encoding="utf-8"?>
+<file path=ppt/slides/slide13.xml><?xml version="1.0" encoding="utf-8"?>
 <p:sld xmlns:a="http://schemas.openxmlformats.org/drawingml/2006/main" xmlns:r="http://schemas.openxmlformats.org/officeDocument/2006/relationships" xmlns:p="http://schemas.openxmlformats.org/presentationml/2006/main">
   <p:cSld>
     <p:spTree>
@@ -8641,7 +11180,7 @@
           <a:p>
             <a:fld id="{42F25427-F6B6-4EC7-A2C4-3EF91D1E0584}" type="slidenum">
               <a:rPr lang="es-AR" smtClean="0"/>
-              <a:t>12</a:t>
+              <a:t>13</a:t>
             </a:fld>
             <a:endParaRPr lang="es-AR"/>
           </a:p>
@@ -10175,7 +12714,7 @@
           <a:p>
             <a:fld id="{C7F284DD-8BD8-4AE3-AD53-DA6B95DB2724}" type="datetime1">
               <a:rPr lang="es-AR" smtClean="0"/>
-              <a:t>18/dic.22</a:t>
+              <a:t>19/dic.22</a:t>
             </a:fld>
             <a:endParaRPr lang="es-AR"/>
           </a:p>
@@ -10194,7 +12733,7 @@
 </p:sld>
 </file>
 
-<file path=ppt/slides/slide13.xml><?xml version="1.0" encoding="utf-8"?>
+<file path=ppt/slides/slide14.xml><?xml version="1.0" encoding="utf-8"?>
 <p:sld xmlns:a="http://schemas.openxmlformats.org/drawingml/2006/main" xmlns:r="http://schemas.openxmlformats.org/officeDocument/2006/relationships" xmlns:p="http://schemas.openxmlformats.org/presentationml/2006/main">
   <p:cSld>
     <p:spTree>
@@ -10255,7 +12794,7 @@
           <a:p>
             <a:fld id="{42F25427-F6B6-4EC7-A2C4-3EF91D1E0584}" type="slidenum">
               <a:rPr lang="es-AR" smtClean="0"/>
-              <a:t>13</a:t>
+              <a:t>14</a:t>
             </a:fld>
             <a:endParaRPr lang="es-AR"/>
           </a:p>
@@ -10779,7 +13318,7 @@
           <a:p>
             <a:fld id="{684A9043-1EFE-4B98-B43D-E1961C97A46D}" type="datetime1">
               <a:rPr lang="es-AR" smtClean="0"/>
-              <a:t>18/dic.22</a:t>
+              <a:t>19/dic.22</a:t>
             </a:fld>
             <a:endParaRPr lang="es-AR"/>
           </a:p>
@@ -10798,7 +13337,7 @@
 </p:sld>
 </file>
 
-<file path=ppt/slides/slide14.xml><?xml version="1.0" encoding="utf-8"?>
+<file path=ppt/slides/slide15.xml><?xml version="1.0" encoding="utf-8"?>
 <p:sld xmlns:a="http://schemas.openxmlformats.org/drawingml/2006/main" xmlns:r="http://schemas.openxmlformats.org/officeDocument/2006/relationships" xmlns:p="http://schemas.openxmlformats.org/presentationml/2006/main">
   <p:cSld>
     <p:spTree>
@@ -10863,7 +13402,7 @@
           <a:p>
             <a:fld id="{42F25427-F6B6-4EC7-A2C4-3EF91D1E0584}" type="slidenum">
               <a:rPr lang="es-AR" smtClean="0"/>
-              <a:t>14</a:t>
+              <a:t>15</a:t>
             </a:fld>
             <a:endParaRPr lang="es-AR"/>
           </a:p>
@@ -12422,7 +14961,7 @@
           <a:p>
             <a:fld id="{F2ABE03F-56D9-4DAA-B448-BCAE1AF83530}" type="datetime1">
               <a:rPr lang="es-AR" smtClean="0"/>
-              <a:t>18/dic.22</a:t>
+              <a:t>19/dic.22</a:t>
             </a:fld>
             <a:endParaRPr lang="es-AR"/>
           </a:p>
@@ -12441,7 +14980,7 @@
 </p:sld>
 </file>
 
-<file path=ppt/slides/slide15.xml><?xml version="1.0" encoding="utf-8"?>
+<file path=ppt/slides/slide16.xml><?xml version="1.0" encoding="utf-8"?>
 <p:sld xmlns:a="http://schemas.openxmlformats.org/drawingml/2006/main" xmlns:r="http://schemas.openxmlformats.org/officeDocument/2006/relationships" xmlns:p="http://schemas.openxmlformats.org/presentationml/2006/main">
   <p:cSld>
     <p:spTree>
@@ -12498,7 +15037,7 @@
           <a:p>
             <a:fld id="{42F25427-F6B6-4EC7-A2C4-3EF91D1E0584}" type="slidenum">
               <a:rPr lang="es-AR" smtClean="0"/>
-              <a:t>15</a:t>
+              <a:t>16</a:t>
             </a:fld>
             <a:endParaRPr lang="es-AR"/>
           </a:p>
@@ -13184,7 +15723,7 @@
           <a:p>
             <a:fld id="{E951C919-5623-4638-8F14-AA256741F6A5}" type="datetime1">
               <a:rPr lang="es-AR" smtClean="0"/>
-              <a:t>18/dic.22</a:t>
+              <a:t>19/dic.22</a:t>
             </a:fld>
             <a:endParaRPr lang="es-AR"/>
           </a:p>
@@ -13335,7 +15874,7 @@
           <a:p>
             <a:fld id="{55A656B1-C9FD-42B0-AB20-78DD3B9FFBDA}" type="datetime1">
               <a:rPr lang="es-AR" smtClean="0"/>
-              <a:t>18/dic.22</a:t>
+              <a:t>19/dic.22</a:t>
             </a:fld>
             <a:endParaRPr lang="es-AR"/>
           </a:p>
@@ -13884,7 +16423,7 @@
           <a:p>
             <a:fld id="{E23C16FB-EA57-49DC-AABC-6B4D367E3A00}" type="datetime1">
               <a:rPr lang="es-AR" smtClean="0"/>
-              <a:t>18/dic.22</a:t>
+              <a:t>19/dic.22</a:t>
             </a:fld>
             <a:endParaRPr lang="es-AR"/>
           </a:p>
@@ -14428,7 +16967,7 @@
           <a:p>
             <a:fld id="{927297CD-6264-42C7-ABE6-86FA57CA8201}" type="datetime1">
               <a:rPr lang="es-AR" smtClean="0"/>
-              <a:t>18/dic.22</a:t>
+              <a:t>19/dic.22</a:t>
             </a:fld>
             <a:endParaRPr lang="es-AR"/>
           </a:p>
@@ -14776,7 +17315,7 @@
           <a:p>
             <a:fld id="{7427010C-2A1D-4BE3-9336-5EA48CCE2D32}" type="datetime1">
               <a:rPr lang="es-AR" smtClean="0"/>
-              <a:t>18/dic.22</a:t>
+              <a:t>19/dic.22</a:t>
             </a:fld>
             <a:endParaRPr lang="es-AR"/>
           </a:p>
@@ -14829,7 +17368,11 @@
           <a:p>
             <a:r>
               <a:rPr lang="es-AR" dirty="0" smtClean="0"/>
-              <a:t>Postergación para la Versión 2</a:t>
+              <a:t>Postergación para la Versión </a:t>
+            </a:r>
+            <a:r>
+              <a:rPr lang="es-AR" dirty="0" smtClean="0"/>
+              <a:t>2</a:t>
             </a:r>
             <a:endParaRPr lang="es-AR" dirty="0"/>
           </a:p>
@@ -14848,90 +17391,79 @@
         <p:spPr/>
         <p:txBody>
           <a:bodyPr>
-            <a:normAutofit fontScale="92500" lnSpcReduction="10000"/>
+            <a:normAutofit/>
           </a:bodyPr>
           <a:lstStyle/>
           <a:p>
             <a:r>
+              <a:rPr lang="es-AR" dirty="0"/>
+              <a:t>Opciones </a:t>
+            </a:r>
+            <a:r>
               <a:rPr lang="es-AR" dirty="0" smtClean="0"/>
+              <a:t>para “Detalle </a:t>
+            </a:r>
+            <a:r>
+              <a:rPr lang="es-AR" dirty="0"/>
+              <a:t>de </a:t>
+            </a:r>
+            <a:r>
+              <a:rPr lang="es-AR" dirty="0" smtClean="0"/>
+              <a:t>Producto”</a:t>
+            </a:r>
+            <a:endParaRPr lang="es-AR" dirty="0"/>
+          </a:p>
+          <a:p>
+            <a:pPr lvl="1"/>
+            <a:r>
+              <a:rPr lang="es-ES" dirty="0"/>
+              <a:t>Vinculación a portales, c</a:t>
+            </a:r>
+            <a:r>
+              <a:rPr lang="es-AR" dirty="0" err="1"/>
+              <a:t>alificarlo</a:t>
+            </a:r>
+            <a:r>
+              <a:rPr lang="es-AR" dirty="0"/>
+              <a:t>, preferencia, </a:t>
+            </a:r>
+            <a:r>
+              <a:rPr lang="es-AR" dirty="0" smtClean="0"/>
+              <a:t>inactivar/recuperar</a:t>
+            </a:r>
+          </a:p>
+          <a:p>
+            <a:r>
+              <a:rPr lang="es-AR" dirty="0" err="1" smtClean="0"/>
+              <a:t>CRU</a:t>
+            </a:r>
+            <a:r>
+              <a:rPr lang="es-AR" dirty="0" smtClean="0"/>
+              <a:t> de RCLV</a:t>
+            </a:r>
+          </a:p>
+          <a:p>
+            <a:pPr lvl="1"/>
+            <a:r>
+              <a:rPr lang="es-AR" dirty="0" smtClean="0"/>
+              <a:t>Imagen derecha propia</a:t>
+            </a:r>
+          </a:p>
+          <a:p>
+            <a:r>
+              <a:rPr lang="es-AR" dirty="0"/>
               <a:t>Rutinas automáticas diarias</a:t>
             </a:r>
           </a:p>
           <a:p>
             <a:pPr lvl="1"/>
             <a:r>
-              <a:rPr lang="es-AR" dirty="0" smtClean="0"/>
-              <a:t>Envío de mails, actualización de imagen derecha</a:t>
-            </a:r>
-          </a:p>
-          <a:p>
-            <a:r>
-              <a:rPr lang="es-AR" dirty="0" smtClean="0"/>
-              <a:t>Gestión avanzada de usuario</a:t>
-            </a:r>
-          </a:p>
-          <a:p>
-            <a:pPr lvl="1"/>
-            <a:r>
-              <a:rPr lang="es-AR" dirty="0" smtClean="0"/>
-              <a:t>Edición, preferencias por productos, cambio de contraseña</a:t>
-            </a:r>
-          </a:p>
-          <a:p>
-            <a:r>
-              <a:rPr lang="es-AR" dirty="0" smtClean="0"/>
-              <a:t>Generación de información para uso interno</a:t>
-            </a:r>
-          </a:p>
-          <a:p>
-            <a:pPr lvl="1"/>
-            <a:r>
-              <a:rPr lang="es-AR" dirty="0" err="1" smtClean="0"/>
-              <a:t>Logins</a:t>
+              <a:rPr lang="es-AR" dirty="0"/>
+              <a:t>Envío de mails, actualización de imagen </a:t>
             </a:r>
             <a:r>
               <a:rPr lang="es-AR" dirty="0" smtClean="0"/>
-              <a:t> diarios, productos más visitados</a:t>
-            </a:r>
-          </a:p>
-          <a:p>
-            <a:r>
-              <a:rPr lang="es-AR" dirty="0" smtClean="0"/>
-              <a:t>Opciones de la vista Detalle de Producto</a:t>
-            </a:r>
-          </a:p>
-          <a:p>
-            <a:pPr lvl="1"/>
-            <a:r>
-              <a:rPr lang="es-ES" dirty="0" smtClean="0"/>
-              <a:t>Vinculación a portales, c</a:t>
-            </a:r>
-            <a:r>
-              <a:rPr lang="es-AR" dirty="0" err="1" smtClean="0"/>
-              <a:t>alificarlo</a:t>
-            </a:r>
-            <a:r>
-              <a:rPr lang="es-AR" dirty="0" smtClean="0"/>
-              <a:t>, preferencia, inactivar/recuperar</a:t>
-            </a:r>
-          </a:p>
-          <a:p>
-            <a:r>
-              <a:rPr lang="es-AR" dirty="0" smtClean="0"/>
-              <a:t>Gestión de contáctenos</a:t>
-            </a:r>
-          </a:p>
-          <a:p>
-            <a:r>
-              <a:rPr lang="es-AR" dirty="0" smtClean="0"/>
-              <a:t>Mejora continua de productos en base de datos</a:t>
-            </a:r>
-          </a:p>
-          <a:p>
-            <a:pPr lvl="1"/>
-            <a:r>
-              <a:rPr lang="es-AR" dirty="0" smtClean="0"/>
-              <a:t>Productos sin links, productos atrasados para revisar, baja de RCLV sin productos</a:t>
+              <a:t>derecha</a:t>
             </a:r>
             <a:endParaRPr lang="es-AR" dirty="0"/>
           </a:p>
@@ -14977,7 +17509,182 @@
           <a:p>
             <a:fld id="{EB150FDE-CE14-4564-B75A-7B098249F7BF}" type="datetime1">
               <a:rPr lang="es-AR" smtClean="0"/>
-              <a:t>18/dic.22</a:t>
+              <a:t>19/dic.22</a:t>
+            </a:fld>
+            <a:endParaRPr lang="es-AR"/>
+          </a:p>
+        </p:txBody>
+      </p:sp>
+    </p:spTree>
+    <p:extLst>
+      <p:ext uri="{BB962C8B-B14F-4D97-AF65-F5344CB8AC3E}">
+        <p14:creationId xmlns:p14="http://schemas.microsoft.com/office/powerpoint/2010/main" val="2304477407"/>
+      </p:ext>
+    </p:extLst>
+  </p:cSld>
+  <p:clrMapOvr>
+    <a:masterClrMapping/>
+  </p:clrMapOvr>
+</p:sld>
+</file>
+
+<file path=ppt/slides/slide7.xml><?xml version="1.0" encoding="utf-8"?>
+<p:sld xmlns:a="http://schemas.openxmlformats.org/drawingml/2006/main" xmlns:r="http://schemas.openxmlformats.org/officeDocument/2006/relationships" xmlns:p="http://schemas.openxmlformats.org/presentationml/2006/main">
+  <p:cSld>
+    <p:spTree>
+      <p:nvGrpSpPr>
+        <p:cNvPr id="1" name=""/>
+        <p:cNvGrpSpPr/>
+        <p:nvPr/>
+      </p:nvGrpSpPr>
+      <p:grpSpPr>
+        <a:xfrm>
+          <a:off x="0" y="0"/>
+          <a:ext cx="0" cy="0"/>
+          <a:chOff x="0" y="0"/>
+          <a:chExt cx="0" cy="0"/>
+        </a:xfrm>
+      </p:grpSpPr>
+      <p:sp>
+        <p:nvSpPr>
+          <p:cNvPr id="2" name="Título 1"/>
+          <p:cNvSpPr>
+            <a:spLocks noGrp="1"/>
+          </p:cNvSpPr>
+          <p:nvPr>
+            <p:ph type="title"/>
+          </p:nvPr>
+        </p:nvSpPr>
+        <p:spPr/>
+        <p:txBody>
+          <a:bodyPr/>
+          <a:lstStyle/>
+          <a:p>
+            <a:r>
+              <a:rPr lang="es-AR" dirty="0" smtClean="0"/>
+              <a:t>Postergación para la Versión 2</a:t>
+            </a:r>
+            <a:endParaRPr lang="es-AR" dirty="0"/>
+          </a:p>
+        </p:txBody>
+      </p:sp>
+      <p:sp>
+        <p:nvSpPr>
+          <p:cNvPr id="8" name="Marcador de contenido 7"/>
+          <p:cNvSpPr>
+            <a:spLocks noGrp="1"/>
+          </p:cNvSpPr>
+          <p:nvPr>
+            <p:ph idx="1"/>
+          </p:nvPr>
+        </p:nvSpPr>
+        <p:spPr/>
+        <p:txBody>
+          <a:bodyPr>
+            <a:normAutofit/>
+          </a:bodyPr>
+          <a:lstStyle/>
+          <a:p>
+            <a:r>
+              <a:rPr lang="es-AR" dirty="0" smtClean="0"/>
+              <a:t>Gestión </a:t>
+            </a:r>
+            <a:r>
+              <a:rPr lang="es-AR" dirty="0" smtClean="0"/>
+              <a:t>avanzada de usuario</a:t>
+            </a:r>
+          </a:p>
+          <a:p>
+            <a:pPr lvl="1"/>
+            <a:r>
+              <a:rPr lang="es-AR" dirty="0" smtClean="0"/>
+              <a:t>Edición, preferencias por productos, cambio de contraseña</a:t>
+            </a:r>
+          </a:p>
+          <a:p>
+            <a:r>
+              <a:rPr lang="es-AR" dirty="0" smtClean="0"/>
+              <a:t>Generación de información para uso interno</a:t>
+            </a:r>
+          </a:p>
+          <a:p>
+            <a:pPr lvl="1"/>
+            <a:r>
+              <a:rPr lang="es-AR" dirty="0" err="1" smtClean="0"/>
+              <a:t>Logins</a:t>
+            </a:r>
+            <a:r>
+              <a:rPr lang="es-AR" dirty="0" smtClean="0"/>
+              <a:t> diarios, productos más visitados</a:t>
+            </a:r>
+          </a:p>
+          <a:p>
+            <a:r>
+              <a:rPr lang="es-AR" dirty="0" smtClean="0"/>
+              <a:t>Gestión </a:t>
+            </a:r>
+            <a:r>
+              <a:rPr lang="es-AR" dirty="0" smtClean="0"/>
+              <a:t>de contáctenos</a:t>
+            </a:r>
+          </a:p>
+          <a:p>
+            <a:r>
+              <a:rPr lang="es-AR" dirty="0" smtClean="0"/>
+              <a:t>Mejora continua de productos en base de datos</a:t>
+            </a:r>
+          </a:p>
+          <a:p>
+            <a:pPr lvl="1"/>
+            <a:r>
+              <a:rPr lang="es-AR" dirty="0" smtClean="0"/>
+              <a:t>Productos sin links, productos atrasados para revisar, baja de RCLV sin productos</a:t>
+            </a:r>
+            <a:endParaRPr lang="es-AR" dirty="0"/>
+          </a:p>
+        </p:txBody>
+      </p:sp>
+      <p:sp>
+        <p:nvSpPr>
+          <p:cNvPr id="4" name="Marcador de número de diapositiva 3"/>
+          <p:cNvSpPr>
+            <a:spLocks noGrp="1"/>
+          </p:cNvSpPr>
+          <p:nvPr>
+            <p:ph type="sldNum" sz="quarter" idx="12"/>
+          </p:nvPr>
+        </p:nvSpPr>
+        <p:spPr/>
+        <p:txBody>
+          <a:bodyPr/>
+          <a:lstStyle/>
+          <a:p>
+            <a:fld id="{42F25427-F6B6-4EC7-A2C4-3EF91D1E0584}" type="slidenum">
+              <a:rPr lang="es-AR" smtClean="0"/>
+              <a:t>7</a:t>
+            </a:fld>
+            <a:endParaRPr lang="es-AR"/>
+          </a:p>
+        </p:txBody>
+      </p:sp>
+      <p:sp>
+        <p:nvSpPr>
+          <p:cNvPr id="5" name="Marcador de fecha 4"/>
+          <p:cNvSpPr>
+            <a:spLocks noGrp="1"/>
+          </p:cNvSpPr>
+          <p:nvPr>
+            <p:ph type="dt" sz="half" idx="10"/>
+          </p:nvPr>
+        </p:nvSpPr>
+        <p:spPr/>
+        <p:txBody>
+          <a:bodyPr/>
+          <a:lstStyle/>
+          <a:p>
+            <a:fld id="{EB150FDE-CE14-4564-B75A-7B098249F7BF}" type="datetime1">
+              <a:rPr lang="es-AR" smtClean="0"/>
+              <a:t>19/dic.22</a:t>
             </a:fld>
             <a:endParaRPr lang="es-AR"/>
           </a:p>
@@ -14996,7 +17703,7 @@
 </p:sld>
 </file>
 
-<file path=ppt/slides/slide7.xml><?xml version="1.0" encoding="utf-8"?>
+<file path=ppt/slides/slide8.xml><?xml version="1.0" encoding="utf-8"?>
 <p:sld xmlns:a="http://schemas.openxmlformats.org/drawingml/2006/main" xmlns:r="http://schemas.openxmlformats.org/officeDocument/2006/relationships" xmlns:p="http://schemas.openxmlformats.org/presentationml/2006/main">
   <p:cSld>
     <p:spTree>
@@ -15053,7 +17760,7 @@
           <a:p>
             <a:fld id="{42F25427-F6B6-4EC7-A2C4-3EF91D1E0584}" type="slidenum">
               <a:rPr lang="es-AR" smtClean="0"/>
-              <a:t>7</a:t>
+              <a:t>8</a:t>
             </a:fld>
             <a:endParaRPr lang="es-AR"/>
           </a:p>
@@ -15763,11 +18470,7 @@
                     <a:p>
                       <a:r>
                         <a:rPr lang="es-AR" dirty="0" smtClean="0"/>
-                        <a:t>CRUD </a:t>
-                      </a:r>
-                      <a:r>
-                        <a:rPr lang="es-AR" dirty="0" smtClean="0"/>
-                        <a:t>+ Revisión de Links</a:t>
+                        <a:t>CRUD + Revisión de Links</a:t>
                       </a:r>
                       <a:endParaRPr lang="es-AR" dirty="0"/>
                     </a:p>
@@ -15912,11 +18615,7 @@
                     <a:p>
                       <a:r>
                         <a:rPr lang="es-AR" dirty="0" smtClean="0"/>
-                        <a:t>Consultas personalizadas </a:t>
-                      </a:r>
-                      <a:r>
-                        <a:rPr lang="es-AR" dirty="0" smtClean="0"/>
-                        <a:t>de </a:t>
+                        <a:t>Consultas personalizadas de </a:t>
                       </a:r>
                       <a:r>
                         <a:rPr lang="es-AR" dirty="0" err="1" smtClean="0"/>
@@ -16843,7 +19542,7 @@
           <a:p>
             <a:fld id="{6DB8CD3C-3DAA-4D3B-B403-6CEE1FEBE87F}" type="datetime1">
               <a:rPr lang="es-AR" smtClean="0"/>
-              <a:t>18/dic.22</a:t>
+              <a:t>19/dic.22</a:t>
             </a:fld>
             <a:endParaRPr lang="es-AR"/>
           </a:p>
@@ -16862,7 +19561,7 @@
 </p:sld>
 </file>
 
-<file path=ppt/slides/slide8.xml><?xml version="1.0" encoding="utf-8"?>
+<file path=ppt/slides/slide9.xml><?xml version="1.0" encoding="utf-8"?>
 <p:sld xmlns:a="http://schemas.openxmlformats.org/drawingml/2006/main" xmlns:r="http://schemas.openxmlformats.org/officeDocument/2006/relationships" xmlns:p="http://schemas.openxmlformats.org/presentationml/2006/main">
   <p:cSld>
     <p:spTree>
@@ -16919,7 +19618,7 @@
           <a:p>
             <a:fld id="{42F25427-F6B6-4EC7-A2C4-3EF91D1E0584}" type="slidenum">
               <a:rPr lang="es-AR" smtClean="0"/>
-              <a:t>8</a:t>
+              <a:t>9</a:t>
             </a:fld>
             <a:endParaRPr lang="es-AR"/>
           </a:p>
@@ -17514,7 +20213,7 @@
           <a:p>
             <a:fld id="{EEC263DB-ED5C-4C87-B1ED-E91935869EE7}" type="datetime1">
               <a:rPr lang="es-AR" smtClean="0"/>
-              <a:t>18/dic.22</a:t>
+              <a:t>19/dic.22</a:t>
             </a:fld>
             <a:endParaRPr lang="es-AR"/>
           </a:p>
@@ -17524,2561 +20223,6 @@
     <p:extLst>
       <p:ext uri="{BB962C8B-B14F-4D97-AF65-F5344CB8AC3E}">
         <p14:creationId xmlns:p14="http://schemas.microsoft.com/office/powerpoint/2010/main" val="2964065524"/>
-      </p:ext>
-    </p:extLst>
-  </p:cSld>
-  <p:clrMapOvr>
-    <a:masterClrMapping/>
-  </p:clrMapOvr>
-</p:sld>
-</file>
-
-<file path=ppt/slides/slide9.xml><?xml version="1.0" encoding="utf-8"?>
-<p:sld xmlns:a="http://schemas.openxmlformats.org/drawingml/2006/main" xmlns:r="http://schemas.openxmlformats.org/officeDocument/2006/relationships" xmlns:p="http://schemas.openxmlformats.org/presentationml/2006/main">
-  <p:cSld>
-    <p:spTree>
-      <p:nvGrpSpPr>
-        <p:cNvPr id="1" name=""/>
-        <p:cNvGrpSpPr/>
-        <p:nvPr/>
-      </p:nvGrpSpPr>
-      <p:grpSpPr>
-        <a:xfrm>
-          <a:off x="0" y="0"/>
-          <a:ext cx="0" cy="0"/>
-          <a:chOff x="0" y="0"/>
-          <a:chExt cx="0" cy="0"/>
-        </a:xfrm>
-      </p:grpSpPr>
-      <p:sp>
-        <p:nvSpPr>
-          <p:cNvPr id="2" name="Título 1"/>
-          <p:cNvSpPr>
-            <a:spLocks noGrp="1"/>
-          </p:cNvSpPr>
-          <p:nvPr>
-            <p:ph type="title"/>
-          </p:nvPr>
-        </p:nvSpPr>
-        <p:spPr/>
-        <p:txBody>
-          <a:bodyPr/>
-          <a:lstStyle/>
-          <a:p>
-            <a:r>
-              <a:rPr lang="es-AR" dirty="0" smtClean="0"/>
-              <a:t>2/8 - CRUD + Revisión de Productos</a:t>
-            </a:r>
-            <a:endParaRPr lang="es-AR" dirty="0"/>
-          </a:p>
-        </p:txBody>
-      </p:sp>
-      <p:sp>
-        <p:nvSpPr>
-          <p:cNvPr id="4" name="Marcador de número de diapositiva 3"/>
-          <p:cNvSpPr>
-            <a:spLocks noGrp="1"/>
-          </p:cNvSpPr>
-          <p:nvPr>
-            <p:ph type="sldNum" sz="quarter" idx="12"/>
-          </p:nvPr>
-        </p:nvSpPr>
-        <p:spPr/>
-        <p:txBody>
-          <a:bodyPr/>
-          <a:lstStyle/>
-          <a:p>
-            <a:fld id="{42F25427-F6B6-4EC7-A2C4-3EF91D1E0584}" type="slidenum">
-              <a:rPr lang="es-AR" smtClean="0"/>
-              <a:t>9</a:t>
-            </a:fld>
-            <a:endParaRPr lang="es-AR"/>
-          </a:p>
-        </p:txBody>
-      </p:sp>
-      <p:graphicFrame>
-        <p:nvGraphicFramePr>
-          <p:cNvPr id="5" name="Tabla 4"/>
-          <p:cNvGraphicFramePr>
-            <a:graphicFrameLocks noGrp="1"/>
-          </p:cNvGraphicFramePr>
-          <p:nvPr>
-            <p:extLst>
-              <p:ext uri="{D42A27DB-BD31-4B8C-83A1-F6EECF244321}">
-                <p14:modId xmlns:p14="http://schemas.microsoft.com/office/powerpoint/2010/main" val="2110915455"/>
-              </p:ext>
-            </p:extLst>
-          </p:nvPr>
-        </p:nvGraphicFramePr>
-        <p:xfrm>
-          <a:off x="720216" y="2296160"/>
-          <a:ext cx="6302926" cy="2204720"/>
-        </p:xfrm>
-        <a:graphic>
-          <a:graphicData uri="http://schemas.openxmlformats.org/drawingml/2006/table">
-            <a:tbl>
-              <a:tblPr firstRow="1" lastRow="1" bandRow="1">
-                <a:tableStyleId>{5C22544A-7EE6-4342-B048-85BDC9FD1C3A}</a:tableStyleId>
-              </a:tblPr>
-              <a:tblGrid>
-                <a:gridCol w="3031681">
-                  <a:extLst>
-                    <a:ext uri="{9D8B030D-6E8A-4147-A177-3AD203B41FA5}">
-                      <a16:colId xmlns:a16="http://schemas.microsoft.com/office/drawing/2014/main" val="3481815282"/>
-                    </a:ext>
-                  </a:extLst>
-                </a:gridCol>
-                <a:gridCol w="1134635">
-                  <a:extLst>
-                    <a:ext uri="{9D8B030D-6E8A-4147-A177-3AD203B41FA5}">
-                      <a16:colId xmlns:a16="http://schemas.microsoft.com/office/drawing/2014/main" val="1121319936"/>
-                    </a:ext>
-                  </a:extLst>
-                </a:gridCol>
-                <a:gridCol w="1068305">
-                  <a:extLst>
-                    <a:ext uri="{9D8B030D-6E8A-4147-A177-3AD203B41FA5}">
-                      <a16:colId xmlns:a16="http://schemas.microsoft.com/office/drawing/2014/main" val="4247800139"/>
-                    </a:ext>
-                  </a:extLst>
-                </a:gridCol>
-                <a:gridCol w="1068305">
-                  <a:extLst>
-                    <a:ext uri="{9D8B030D-6E8A-4147-A177-3AD203B41FA5}">
-                      <a16:colId xmlns:a16="http://schemas.microsoft.com/office/drawing/2014/main" val="3339644049"/>
-                    </a:ext>
-                  </a:extLst>
-                </a:gridCol>
-              </a:tblGrid>
-              <a:tr h="370840">
-                <a:tc>
-                  <a:txBody>
-                    <a:bodyPr/>
-                    <a:lstStyle/>
-                    <a:p>
-                      <a:r>
-                        <a:rPr lang="es-AR" dirty="0" smtClean="0"/>
-                        <a:t>Tarea</a:t>
-                      </a:r>
-                      <a:endParaRPr lang="es-AR" dirty="0"/>
-                    </a:p>
-                  </a:txBody>
-                  <a:tcPr/>
-                </a:tc>
-                <a:tc>
-                  <a:txBody>
-                    <a:bodyPr/>
-                    <a:lstStyle/>
-                    <a:p>
-                      <a:r>
-                        <a:rPr lang="es-AR" dirty="0" smtClean="0"/>
-                        <a:t>Detalle</a:t>
-                      </a:r>
-                      <a:endParaRPr lang="es-AR" dirty="0"/>
-                    </a:p>
-                  </a:txBody>
-                  <a:tcPr/>
-                </a:tc>
-                <a:tc>
-                  <a:txBody>
-                    <a:bodyPr/>
-                    <a:lstStyle/>
-                    <a:p>
-                      <a:pPr algn="ctr"/>
-                      <a:r>
-                        <a:rPr lang="es-AR" dirty="0" smtClean="0"/>
-                        <a:t>Avance</a:t>
-                      </a:r>
-                      <a:endParaRPr lang="es-AR" dirty="0"/>
-                    </a:p>
-                  </a:txBody>
-                  <a:tcPr/>
-                </a:tc>
-                <a:tc>
-                  <a:txBody>
-                    <a:bodyPr/>
-                    <a:lstStyle/>
-                    <a:p>
-                      <a:pPr algn="ctr"/>
-                      <a:r>
-                        <a:rPr lang="es-AR" dirty="0" smtClean="0"/>
-                        <a:t>Total</a:t>
-                      </a:r>
-                      <a:endParaRPr lang="es-AR" dirty="0"/>
-                    </a:p>
-                  </a:txBody>
-                  <a:tcPr/>
-                </a:tc>
-                <a:extLst>
-                  <a:ext uri="{0D108BD9-81ED-4DB2-BD59-A6C34878D82A}">
-                    <a16:rowId xmlns:a16="http://schemas.microsoft.com/office/drawing/2014/main" val="202133729"/>
-                  </a:ext>
-                </a:extLst>
-              </a:tr>
-              <a:tr h="370840">
-                <a:tc>
-                  <a:txBody>
-                    <a:bodyPr/>
-                    <a:lstStyle/>
-                    <a:p>
-                      <a:r>
-                        <a:rPr lang="es-AR" dirty="0" smtClean="0"/>
-                        <a:t>CRUD de productos</a:t>
-                      </a:r>
-                    </a:p>
-                    <a:p>
-                      <a:r>
-                        <a:rPr lang="es-AR" sz="1400" dirty="0" smtClean="0"/>
-                        <a:t>Vistas:</a:t>
-                      </a:r>
-                      <a:r>
-                        <a:rPr lang="es-AR" sz="1400" baseline="0" dirty="0" smtClean="0"/>
-                        <a:t> 11</a:t>
-                      </a:r>
-                      <a:endParaRPr lang="es-AR" sz="1400" dirty="0"/>
-                    </a:p>
-                  </a:txBody>
-                  <a:tcPr/>
-                </a:tc>
-                <a:tc>
-                  <a:txBody>
-                    <a:bodyPr/>
-                    <a:lstStyle/>
-                    <a:p>
-                      <a:r>
-                        <a:rPr lang="es-AR" sz="1400" dirty="0" smtClean="0"/>
-                        <a:t>Vistas</a:t>
-                      </a:r>
-                    </a:p>
-                    <a:p>
-                      <a:r>
-                        <a:rPr lang="es-AR" sz="1400" dirty="0" smtClean="0"/>
-                        <a:t>Front</a:t>
-                      </a:r>
-                      <a:r>
-                        <a:rPr lang="es-AR" sz="1400" baseline="0" dirty="0" smtClean="0"/>
-                        <a:t>-</a:t>
-                      </a:r>
-                      <a:r>
-                        <a:rPr lang="es-AR" sz="1400" baseline="0" dirty="0" err="1" smtClean="0"/>
-                        <a:t>End</a:t>
-                      </a:r>
-                      <a:endParaRPr lang="es-AR" sz="1400" baseline="0" dirty="0" smtClean="0"/>
-                    </a:p>
-                    <a:p>
-                      <a:r>
-                        <a:rPr lang="es-AR" sz="1400" dirty="0" smtClean="0"/>
-                        <a:t>Back-</a:t>
-                      </a:r>
-                      <a:r>
-                        <a:rPr lang="es-AR" sz="1400" dirty="0" err="1" smtClean="0"/>
-                        <a:t>End</a:t>
-                      </a:r>
-                      <a:endParaRPr lang="es-AR" sz="1400" dirty="0" smtClean="0"/>
-                    </a:p>
-                  </a:txBody>
-                  <a:tcPr/>
-                </a:tc>
-                <a:tc>
-                  <a:txBody>
-                    <a:bodyPr/>
-                    <a:lstStyle/>
-                    <a:p>
-                      <a:pPr marL="0" marR="0" lvl="0" indent="0" algn="ctr" defTabSz="914400" rtl="0" eaLnBrk="1" fontAlgn="auto" latinLnBrk="0" hangingPunct="1">
-                        <a:lnSpc>
-                          <a:spcPct val="100000"/>
-                        </a:lnSpc>
-                        <a:spcBef>
-                          <a:spcPts val="0"/>
-                        </a:spcBef>
-                        <a:spcAft>
-                          <a:spcPts val="0"/>
-                        </a:spcAft>
-                        <a:buClrTx/>
-                        <a:buSzTx/>
-                        <a:buFontTx/>
-                        <a:buNone/>
-                        <a:tabLst>
-                          <a:tab pos="630238" algn="r"/>
-                        </a:tabLst>
-                        <a:defRPr/>
-                      </a:pPr>
-                      <a:r>
-                        <a:rPr kumimoji="0" lang="es-AR" sz="1400" b="0" i="0" u="none" strike="noStrike" kern="1200" cap="none" spc="0" normalizeH="0" baseline="0" noProof="0" dirty="0" smtClean="0">
-                          <a:ln>
-                            <a:noFill/>
-                          </a:ln>
-                          <a:solidFill>
-                            <a:prstClr val="black"/>
-                          </a:solidFill>
-                          <a:effectLst/>
-                          <a:uLnTx/>
-                          <a:uFillTx/>
-                          <a:latin typeface="+mn-lt"/>
-                          <a:ea typeface="+mn-ea"/>
-                          <a:cs typeface="+mn-cs"/>
-                          <a:sym typeface="Wingdings" panose="05000000000000000000" pitchFamily="2" charset="2"/>
-                        </a:rPr>
-                        <a:t>	100%</a:t>
-                      </a:r>
-                      <a:endParaRPr kumimoji="0" lang="es-AR" sz="1400" b="0" i="0" u="none" strike="noStrike" kern="1200" cap="none" spc="0" normalizeH="0" baseline="0" noProof="0" dirty="0" smtClean="0">
-                        <a:ln>
-                          <a:noFill/>
-                        </a:ln>
-                        <a:solidFill>
-                          <a:prstClr val="black"/>
-                        </a:solidFill>
-                        <a:effectLst/>
-                        <a:uLnTx/>
-                        <a:uFillTx/>
-                        <a:latin typeface="+mn-lt"/>
-                        <a:ea typeface="+mn-ea"/>
-                        <a:cs typeface="+mn-cs"/>
-                      </a:endParaRPr>
-                    </a:p>
-                    <a:p>
-                      <a:pPr marL="0" marR="0" lvl="0" indent="0" algn="ctr" defTabSz="914400" rtl="0" eaLnBrk="1" fontAlgn="auto" latinLnBrk="0" hangingPunct="1">
-                        <a:lnSpc>
-                          <a:spcPct val="100000"/>
-                        </a:lnSpc>
-                        <a:spcBef>
-                          <a:spcPts val="0"/>
-                        </a:spcBef>
-                        <a:spcAft>
-                          <a:spcPts val="0"/>
-                        </a:spcAft>
-                        <a:buClrTx/>
-                        <a:buSzTx/>
-                        <a:buFontTx/>
-                        <a:buNone/>
-                        <a:tabLst>
-                          <a:tab pos="630238" algn="r"/>
-                        </a:tabLst>
-                        <a:defRPr/>
-                      </a:pPr>
-                      <a:r>
-                        <a:rPr kumimoji="0" lang="es-AR" sz="1400" b="0" i="0" u="none" strike="noStrike" kern="1200" cap="none" spc="0" normalizeH="0" baseline="0" noProof="0" dirty="0" smtClean="0">
-                          <a:ln>
-                            <a:noFill/>
-                          </a:ln>
-                          <a:solidFill>
-                            <a:prstClr val="black"/>
-                          </a:solidFill>
-                          <a:effectLst/>
-                          <a:uLnTx/>
-                          <a:uFillTx/>
-                          <a:latin typeface="+mn-lt"/>
-                          <a:ea typeface="+mn-ea"/>
-                          <a:cs typeface="+mn-cs"/>
-                          <a:sym typeface="Wingdings" panose="05000000000000000000" pitchFamily="2" charset="2"/>
-                        </a:rPr>
-                        <a:t>	100%</a:t>
-                      </a:r>
-                      <a:endParaRPr kumimoji="0" lang="es-AR" sz="1400" b="0" i="0" u="none" strike="noStrike" kern="1200" cap="none" spc="0" normalizeH="0" baseline="0" noProof="0" dirty="0" smtClean="0">
-                        <a:ln>
-                          <a:noFill/>
-                        </a:ln>
-                        <a:solidFill>
-                          <a:prstClr val="black"/>
-                        </a:solidFill>
-                        <a:effectLst/>
-                        <a:uLnTx/>
-                        <a:uFillTx/>
-                        <a:latin typeface="+mn-lt"/>
-                        <a:ea typeface="+mn-ea"/>
-                        <a:cs typeface="+mn-cs"/>
-                      </a:endParaRPr>
-                    </a:p>
-                    <a:p>
-                      <a:pPr marL="0" marR="0" lvl="0" indent="0" algn="ctr" defTabSz="914400" rtl="0" eaLnBrk="1" fontAlgn="auto" latinLnBrk="0" hangingPunct="1">
-                        <a:lnSpc>
-                          <a:spcPct val="100000"/>
-                        </a:lnSpc>
-                        <a:spcBef>
-                          <a:spcPts val="0"/>
-                        </a:spcBef>
-                        <a:spcAft>
-                          <a:spcPts val="0"/>
-                        </a:spcAft>
-                        <a:buClrTx/>
-                        <a:buSzTx/>
-                        <a:buFontTx/>
-                        <a:buNone/>
-                        <a:tabLst>
-                          <a:tab pos="630238" algn="r"/>
-                        </a:tabLst>
-                        <a:defRPr/>
-                      </a:pPr>
-                      <a:r>
-                        <a:rPr kumimoji="0" lang="es-AR" sz="1400" b="0" i="0" u="none" strike="noStrike" kern="1200" cap="none" spc="0" normalizeH="0" baseline="0" noProof="0" dirty="0" smtClean="0">
-                          <a:ln>
-                            <a:noFill/>
-                          </a:ln>
-                          <a:solidFill>
-                            <a:prstClr val="black"/>
-                          </a:solidFill>
-                          <a:effectLst/>
-                          <a:uLnTx/>
-                          <a:uFillTx/>
-                          <a:latin typeface="+mn-lt"/>
-                          <a:ea typeface="+mn-ea"/>
-                          <a:cs typeface="+mn-cs"/>
-                          <a:sym typeface="Wingdings" panose="05000000000000000000" pitchFamily="2" charset="2"/>
-                        </a:rPr>
-                        <a:t>	100%</a:t>
-                      </a:r>
-                      <a:endParaRPr kumimoji="0" lang="es-AR" sz="1400" b="0" i="0" u="none" strike="noStrike" kern="1200" cap="none" spc="0" normalizeH="0" baseline="0" noProof="0" dirty="0" smtClean="0">
-                        <a:ln>
-                          <a:noFill/>
-                        </a:ln>
-                        <a:solidFill>
-                          <a:prstClr val="black"/>
-                        </a:solidFill>
-                        <a:effectLst/>
-                        <a:uLnTx/>
-                        <a:uFillTx/>
-                        <a:latin typeface="+mn-lt"/>
-                        <a:ea typeface="+mn-ea"/>
-                        <a:cs typeface="+mn-cs"/>
-                      </a:endParaRPr>
-                    </a:p>
-                  </a:txBody>
-                  <a:tcPr/>
-                </a:tc>
-                <a:tc>
-                  <a:txBody>
-                    <a:bodyPr/>
-                    <a:lstStyle/>
-                    <a:p>
-                      <a:pPr marL="0" marR="0" lvl="0" indent="0" algn="ctr" defTabSz="914400" rtl="0" eaLnBrk="1" fontAlgn="auto" latinLnBrk="0" hangingPunct="1">
-                        <a:lnSpc>
-                          <a:spcPct val="100000"/>
-                        </a:lnSpc>
-                        <a:spcBef>
-                          <a:spcPts val="0"/>
-                        </a:spcBef>
-                        <a:spcAft>
-                          <a:spcPts val="0"/>
-                        </a:spcAft>
-                        <a:buClrTx/>
-                        <a:buSzTx/>
-                        <a:buFontTx/>
-                        <a:buNone/>
-                        <a:tabLst/>
-                        <a:defRPr/>
-                      </a:pPr>
-                      <a:r>
-                        <a:rPr kumimoji="0" lang="es-AR" sz="1800" b="0" i="0" u="none" strike="noStrike" kern="1200" cap="none" spc="0" normalizeH="0" baseline="0" noProof="0" dirty="0" smtClean="0">
-                          <a:ln>
-                            <a:noFill/>
-                          </a:ln>
-                          <a:solidFill>
-                            <a:prstClr val="black"/>
-                          </a:solidFill>
-                          <a:effectLst/>
-                          <a:uLnTx/>
-                          <a:uFillTx/>
-                          <a:latin typeface="+mn-lt"/>
-                          <a:ea typeface="+mn-ea"/>
-                          <a:cs typeface="+mn-cs"/>
-                        </a:rPr>
-                        <a:t>100%</a:t>
-                      </a:r>
-                    </a:p>
-                  </a:txBody>
-                  <a:tcPr anchor="ctr"/>
-                </a:tc>
-                <a:extLst>
-                  <a:ext uri="{0D108BD9-81ED-4DB2-BD59-A6C34878D82A}">
-                    <a16:rowId xmlns:a16="http://schemas.microsoft.com/office/drawing/2014/main" val="3275747942"/>
-                  </a:ext>
-                </a:extLst>
-              </a:tr>
-              <a:tr h="370840">
-                <a:tc>
-                  <a:txBody>
-                    <a:bodyPr/>
-                    <a:lstStyle/>
-                    <a:p>
-                      <a:r>
-                        <a:rPr lang="es-AR" dirty="0" smtClean="0"/>
-                        <a:t>Revisión de Productos</a:t>
-                      </a:r>
-                    </a:p>
-                    <a:p>
-                      <a:r>
-                        <a:rPr lang="es-AR" sz="1400" dirty="0" smtClean="0"/>
-                        <a:t>Vistas: 3 (alta, </a:t>
-                      </a:r>
-                      <a:r>
-                        <a:rPr lang="es-AR" sz="1400" dirty="0" err="1" smtClean="0"/>
-                        <a:t>edic</a:t>
-                      </a:r>
-                      <a:r>
-                        <a:rPr lang="es-AR" sz="1400" dirty="0" smtClean="0"/>
-                        <a:t>-avatar, </a:t>
-                      </a:r>
-                      <a:r>
-                        <a:rPr lang="es-AR" sz="1400" dirty="0" err="1" smtClean="0"/>
-                        <a:t>edic</a:t>
-                      </a:r>
-                      <a:r>
-                        <a:rPr lang="es-AR" sz="1400" dirty="0" smtClean="0"/>
-                        <a:t>-demás)</a:t>
-                      </a:r>
-                      <a:endParaRPr lang="es-AR" sz="1400" dirty="0"/>
-                    </a:p>
-                  </a:txBody>
-                  <a:tcPr/>
-                </a:tc>
-                <a:tc>
-                  <a:txBody>
-                    <a:bodyPr/>
-                    <a:lstStyle/>
-                    <a:p>
-                      <a:pPr marL="0" marR="0" lvl="0" indent="0" algn="l" defTabSz="914400" rtl="0" eaLnBrk="1" fontAlgn="auto" latinLnBrk="0" hangingPunct="1">
-                        <a:lnSpc>
-                          <a:spcPct val="100000"/>
-                        </a:lnSpc>
-                        <a:spcBef>
-                          <a:spcPts val="0"/>
-                        </a:spcBef>
-                        <a:spcAft>
-                          <a:spcPts val="0"/>
-                        </a:spcAft>
-                        <a:buClrTx/>
-                        <a:buSzTx/>
-                        <a:buFontTx/>
-                        <a:buNone/>
-                        <a:tabLst/>
-                        <a:defRPr/>
-                      </a:pPr>
-                      <a:r>
-                        <a:rPr kumimoji="0" lang="es-AR" sz="1400" b="0" i="0" u="none" strike="noStrike" kern="1200" cap="none" spc="0" normalizeH="0" baseline="0" noProof="0" smtClean="0">
-                          <a:ln>
-                            <a:noFill/>
-                          </a:ln>
-                          <a:solidFill>
-                            <a:prstClr val="black"/>
-                          </a:solidFill>
-                          <a:effectLst/>
-                          <a:uLnTx/>
-                          <a:uFillTx/>
-                          <a:latin typeface="Calibri" panose="020F0502020204030204"/>
-                          <a:ea typeface="+mn-ea"/>
-                          <a:cs typeface="+mn-cs"/>
-                        </a:rPr>
-                        <a:t>Vistas</a:t>
-                      </a:r>
-                    </a:p>
-                    <a:p>
-                      <a:pPr marL="0" marR="0" lvl="0" indent="0" algn="l" defTabSz="914400" rtl="0" eaLnBrk="1" fontAlgn="auto" latinLnBrk="0" hangingPunct="1">
-                        <a:lnSpc>
-                          <a:spcPct val="100000"/>
-                        </a:lnSpc>
-                        <a:spcBef>
-                          <a:spcPts val="0"/>
-                        </a:spcBef>
-                        <a:spcAft>
-                          <a:spcPts val="0"/>
-                        </a:spcAft>
-                        <a:buClrTx/>
-                        <a:buSzTx/>
-                        <a:buFontTx/>
-                        <a:buNone/>
-                        <a:tabLst/>
-                        <a:defRPr/>
-                      </a:pPr>
-                      <a:r>
-                        <a:rPr kumimoji="0" lang="es-AR" sz="1400" b="0" i="0" u="none" strike="noStrike" kern="1200" cap="none" spc="0" normalizeH="0" baseline="0" noProof="0" smtClean="0">
-                          <a:ln>
-                            <a:noFill/>
-                          </a:ln>
-                          <a:solidFill>
-                            <a:prstClr val="black"/>
-                          </a:solidFill>
-                          <a:effectLst/>
-                          <a:uLnTx/>
-                          <a:uFillTx/>
-                          <a:latin typeface="Calibri" panose="020F0502020204030204"/>
-                          <a:ea typeface="+mn-ea"/>
-                          <a:cs typeface="+mn-cs"/>
-                        </a:rPr>
-                        <a:t>Front-End</a:t>
-                      </a:r>
-                    </a:p>
-                    <a:p>
-                      <a:pPr marL="0" marR="0" lvl="0" indent="0" algn="l" defTabSz="914400" rtl="0" eaLnBrk="1" fontAlgn="auto" latinLnBrk="0" hangingPunct="1">
-                        <a:lnSpc>
-                          <a:spcPct val="100000"/>
-                        </a:lnSpc>
-                        <a:spcBef>
-                          <a:spcPts val="0"/>
-                        </a:spcBef>
-                        <a:spcAft>
-                          <a:spcPts val="0"/>
-                        </a:spcAft>
-                        <a:buClrTx/>
-                        <a:buSzTx/>
-                        <a:buFontTx/>
-                        <a:buNone/>
-                        <a:tabLst/>
-                        <a:defRPr/>
-                      </a:pPr>
-                      <a:r>
-                        <a:rPr kumimoji="0" lang="es-AR" sz="1400" b="0" i="0" u="none" strike="noStrike" kern="1200" cap="none" spc="0" normalizeH="0" baseline="0" noProof="0" smtClean="0">
-                          <a:ln>
-                            <a:noFill/>
-                          </a:ln>
-                          <a:solidFill>
-                            <a:prstClr val="black"/>
-                          </a:solidFill>
-                          <a:effectLst/>
-                          <a:uLnTx/>
-                          <a:uFillTx/>
-                          <a:latin typeface="Calibri" panose="020F0502020204030204"/>
-                          <a:ea typeface="+mn-ea"/>
-                          <a:cs typeface="+mn-cs"/>
-                        </a:rPr>
-                        <a:t>Back-End</a:t>
-                      </a:r>
-                      <a:endParaRPr kumimoji="0" lang="es-AR" sz="1400" b="0" i="0" u="none" strike="noStrike" kern="1200" cap="none" spc="0" normalizeH="0" baseline="0" noProof="0" dirty="0" smtClean="0">
-                        <a:ln>
-                          <a:noFill/>
-                        </a:ln>
-                        <a:solidFill>
-                          <a:prstClr val="black"/>
-                        </a:solidFill>
-                        <a:effectLst/>
-                        <a:uLnTx/>
-                        <a:uFillTx/>
-                        <a:latin typeface="Calibri" panose="020F0502020204030204"/>
-                        <a:ea typeface="+mn-ea"/>
-                        <a:cs typeface="+mn-cs"/>
-                      </a:endParaRPr>
-                    </a:p>
-                  </a:txBody>
-                  <a:tcPr/>
-                </a:tc>
-                <a:tc>
-                  <a:txBody>
-                    <a:bodyPr/>
-                    <a:lstStyle/>
-                    <a:p>
-                      <a:pPr marL="0" marR="0" lvl="0" indent="0" algn="ctr" defTabSz="914400" rtl="0" eaLnBrk="1" fontAlgn="auto" latinLnBrk="0" hangingPunct="1">
-                        <a:lnSpc>
-                          <a:spcPct val="100000"/>
-                        </a:lnSpc>
-                        <a:spcBef>
-                          <a:spcPts val="0"/>
-                        </a:spcBef>
-                        <a:spcAft>
-                          <a:spcPts val="0"/>
-                        </a:spcAft>
-                        <a:buClrTx/>
-                        <a:buSzTx/>
-                        <a:buFontTx/>
-                        <a:buNone/>
-                        <a:tabLst>
-                          <a:tab pos="630238" algn="r"/>
-                        </a:tabLst>
-                        <a:defRPr/>
-                      </a:pPr>
-                      <a:r>
-                        <a:rPr kumimoji="0" lang="es-AR" sz="1400" b="0" i="0" u="none" strike="noStrike" kern="1200" cap="none" spc="0" normalizeH="0" baseline="0" noProof="0" dirty="0" smtClean="0">
-                          <a:ln>
-                            <a:noFill/>
-                          </a:ln>
-                          <a:solidFill>
-                            <a:prstClr val="black"/>
-                          </a:solidFill>
-                          <a:effectLst/>
-                          <a:uLnTx/>
-                          <a:uFillTx/>
-                          <a:latin typeface="+mn-lt"/>
-                          <a:ea typeface="+mn-ea"/>
-                          <a:cs typeface="+mn-cs"/>
-                          <a:sym typeface="Wingdings" panose="05000000000000000000" pitchFamily="2" charset="2"/>
-                        </a:rPr>
-                        <a:t>	100%</a:t>
-                      </a:r>
-                      <a:endParaRPr kumimoji="0" lang="es-AR" sz="1400" b="0" i="0" u="none" strike="noStrike" kern="1200" cap="none" spc="0" normalizeH="0" baseline="0" noProof="0" dirty="0" smtClean="0">
-                        <a:ln>
-                          <a:noFill/>
-                        </a:ln>
-                        <a:solidFill>
-                          <a:prstClr val="black"/>
-                        </a:solidFill>
-                        <a:effectLst/>
-                        <a:uLnTx/>
-                        <a:uFillTx/>
-                        <a:latin typeface="+mn-lt"/>
-                        <a:ea typeface="+mn-ea"/>
-                        <a:cs typeface="+mn-cs"/>
-                      </a:endParaRPr>
-                    </a:p>
-                    <a:p>
-                      <a:pPr marL="0" marR="0" lvl="0" indent="0" algn="ctr" defTabSz="914400" rtl="0" eaLnBrk="1" fontAlgn="auto" latinLnBrk="0" hangingPunct="1">
-                        <a:lnSpc>
-                          <a:spcPct val="100000"/>
-                        </a:lnSpc>
-                        <a:spcBef>
-                          <a:spcPts val="0"/>
-                        </a:spcBef>
-                        <a:spcAft>
-                          <a:spcPts val="0"/>
-                        </a:spcAft>
-                        <a:buClrTx/>
-                        <a:buSzTx/>
-                        <a:buFontTx/>
-                        <a:buNone/>
-                        <a:tabLst>
-                          <a:tab pos="630238" algn="r"/>
-                        </a:tabLst>
-                        <a:defRPr/>
-                      </a:pPr>
-                      <a:r>
-                        <a:rPr kumimoji="0" lang="es-AR" sz="1400" b="0" i="0" u="none" strike="noStrike" kern="1200" cap="none" spc="0" normalizeH="0" baseline="0" noProof="0" dirty="0" smtClean="0">
-                          <a:ln>
-                            <a:noFill/>
-                          </a:ln>
-                          <a:solidFill>
-                            <a:prstClr val="black"/>
-                          </a:solidFill>
-                          <a:effectLst/>
-                          <a:uLnTx/>
-                          <a:uFillTx/>
-                          <a:latin typeface="Calibri" panose="020F0502020204030204"/>
-                          <a:ea typeface="+mn-ea"/>
-                          <a:cs typeface="+mn-cs"/>
-                          <a:sym typeface="Wingdings" panose="05000000000000000000" pitchFamily="2" charset="2"/>
-                        </a:rPr>
-                        <a:t>	100%</a:t>
-                      </a:r>
-                      <a:endParaRPr kumimoji="0" lang="es-AR" sz="1400" b="0" i="0" u="none" strike="noStrike" kern="1200" cap="none" spc="0" normalizeH="0" baseline="0" noProof="0" dirty="0" smtClean="0">
-                        <a:ln>
-                          <a:noFill/>
-                        </a:ln>
-                        <a:solidFill>
-                          <a:prstClr val="black"/>
-                        </a:solidFill>
-                        <a:effectLst/>
-                        <a:uLnTx/>
-                        <a:uFillTx/>
-                        <a:latin typeface="Calibri" panose="020F0502020204030204"/>
-                        <a:ea typeface="+mn-ea"/>
-                        <a:cs typeface="+mn-cs"/>
-                      </a:endParaRPr>
-                    </a:p>
-                    <a:p>
-                      <a:pPr marL="0" marR="0" lvl="0" indent="0" algn="ctr" defTabSz="914400" rtl="0" eaLnBrk="1" fontAlgn="auto" latinLnBrk="0" hangingPunct="1">
-                        <a:lnSpc>
-                          <a:spcPct val="100000"/>
-                        </a:lnSpc>
-                        <a:spcBef>
-                          <a:spcPts val="0"/>
-                        </a:spcBef>
-                        <a:spcAft>
-                          <a:spcPts val="0"/>
-                        </a:spcAft>
-                        <a:buClrTx/>
-                        <a:buSzTx/>
-                        <a:buFontTx/>
-                        <a:buNone/>
-                        <a:tabLst>
-                          <a:tab pos="630238" algn="r"/>
-                        </a:tabLst>
-                        <a:defRPr/>
-                      </a:pPr>
-                      <a:r>
-                        <a:rPr kumimoji="0" lang="es-AR" sz="1400" b="0" i="0" u="none" strike="noStrike" kern="1200" cap="none" spc="0" normalizeH="0" baseline="0" noProof="0" dirty="0" smtClean="0">
-                          <a:ln>
-                            <a:noFill/>
-                          </a:ln>
-                          <a:solidFill>
-                            <a:prstClr val="black"/>
-                          </a:solidFill>
-                          <a:effectLst/>
-                          <a:uLnTx/>
-                          <a:uFillTx/>
-                          <a:latin typeface="Calibri" panose="020F0502020204030204"/>
-                          <a:ea typeface="+mn-ea"/>
-                          <a:cs typeface="+mn-cs"/>
-                          <a:sym typeface="Wingdings" panose="05000000000000000000" pitchFamily="2" charset="2"/>
-                        </a:rPr>
-                        <a:t>	100%</a:t>
-                      </a:r>
-                      <a:endParaRPr kumimoji="0" lang="es-AR" sz="1400" b="0" i="0" u="none" strike="noStrike" kern="1200" cap="none" spc="0" normalizeH="0" baseline="0" noProof="0" dirty="0" smtClean="0">
-                        <a:ln>
-                          <a:noFill/>
-                        </a:ln>
-                        <a:solidFill>
-                          <a:prstClr val="black"/>
-                        </a:solidFill>
-                        <a:effectLst/>
-                        <a:uLnTx/>
-                        <a:uFillTx/>
-                        <a:latin typeface="Calibri" panose="020F0502020204030204"/>
-                        <a:ea typeface="+mn-ea"/>
-                        <a:cs typeface="+mn-cs"/>
-                      </a:endParaRPr>
-                    </a:p>
-                  </a:txBody>
-                  <a:tcPr/>
-                </a:tc>
-                <a:tc>
-                  <a:txBody>
-                    <a:bodyPr/>
-                    <a:lstStyle/>
-                    <a:p>
-                      <a:pPr marL="0" marR="0" lvl="0" indent="0" algn="ctr" defTabSz="914400" rtl="0" eaLnBrk="1" fontAlgn="auto" latinLnBrk="0" hangingPunct="1">
-                        <a:lnSpc>
-                          <a:spcPct val="100000"/>
-                        </a:lnSpc>
-                        <a:spcBef>
-                          <a:spcPts val="0"/>
-                        </a:spcBef>
-                        <a:spcAft>
-                          <a:spcPts val="0"/>
-                        </a:spcAft>
-                        <a:buClrTx/>
-                        <a:buSzTx/>
-                        <a:buFontTx/>
-                        <a:buNone/>
-                        <a:tabLst>
-                          <a:tab pos="630238" algn="r"/>
-                        </a:tabLst>
-                        <a:defRPr/>
-                      </a:pPr>
-                      <a:r>
-                        <a:rPr kumimoji="0" lang="es-AR" sz="1800" b="0" i="0" u="none" strike="noStrike" kern="1200" cap="none" spc="0" normalizeH="0" baseline="0" noProof="0" dirty="0" smtClean="0">
-                          <a:ln>
-                            <a:noFill/>
-                          </a:ln>
-                          <a:solidFill>
-                            <a:prstClr val="black"/>
-                          </a:solidFill>
-                          <a:effectLst/>
-                          <a:uLnTx/>
-                          <a:uFillTx/>
-                          <a:latin typeface="Calibri" panose="020F0502020204030204"/>
-                          <a:ea typeface="+mn-ea"/>
-                          <a:cs typeface="+mn-cs"/>
-                        </a:rPr>
-                        <a:t>100%</a:t>
-                      </a:r>
-                    </a:p>
-                  </a:txBody>
-                  <a:tcPr anchor="ctr"/>
-                </a:tc>
-                <a:extLst>
-                  <a:ext uri="{0D108BD9-81ED-4DB2-BD59-A6C34878D82A}">
-                    <a16:rowId xmlns:a16="http://schemas.microsoft.com/office/drawing/2014/main" val="3696580666"/>
-                  </a:ext>
-                </a:extLst>
-              </a:tr>
-              <a:tr h="370840">
-                <a:tc>
-                  <a:txBody>
-                    <a:bodyPr/>
-                    <a:lstStyle/>
-                    <a:p>
-                      <a:pPr marL="0" algn="l" defTabSz="914400" rtl="0" eaLnBrk="1" latinLnBrk="0" hangingPunct="1"/>
-                      <a:r>
-                        <a:rPr lang="es-AR" sz="1800" b="1" kern="1200" dirty="0" smtClean="0">
-                          <a:solidFill>
-                            <a:schemeClr val="lt1"/>
-                          </a:solidFill>
-                          <a:latin typeface="+mn-lt"/>
-                          <a:ea typeface="+mn-ea"/>
-                          <a:cs typeface="+mn-cs"/>
-                        </a:rPr>
-                        <a:t>GLOBAL</a:t>
-                      </a:r>
-                      <a:endParaRPr lang="es-AR" sz="1800" b="1" kern="1200" dirty="0">
-                        <a:solidFill>
-                          <a:schemeClr val="lt1"/>
-                        </a:solidFill>
-                        <a:latin typeface="+mn-lt"/>
-                        <a:ea typeface="+mn-ea"/>
-                        <a:cs typeface="+mn-cs"/>
-                      </a:endParaRPr>
-                    </a:p>
-                  </a:txBody>
-                  <a:tcPr>
-                    <a:solidFill>
-                      <a:schemeClr val="accent6">
-                        <a:lumMod val="50000"/>
-                      </a:schemeClr>
-                    </a:solidFill>
-                  </a:tcPr>
-                </a:tc>
-                <a:tc>
-                  <a:txBody>
-                    <a:bodyPr/>
-                    <a:lstStyle/>
-                    <a:p>
-                      <a:pPr marL="0" algn="l" defTabSz="914400" rtl="0" eaLnBrk="1" latinLnBrk="0" hangingPunct="1"/>
-                      <a:endParaRPr lang="es-AR" sz="1800" b="1" kern="1200" dirty="0">
-                        <a:solidFill>
-                          <a:schemeClr val="lt1"/>
-                        </a:solidFill>
-                        <a:latin typeface="+mn-lt"/>
-                        <a:ea typeface="+mn-ea"/>
-                        <a:cs typeface="+mn-cs"/>
-                      </a:endParaRPr>
-                    </a:p>
-                  </a:txBody>
-                  <a:tcPr>
-                    <a:solidFill>
-                      <a:schemeClr val="tx1">
-                        <a:lumMod val="50000"/>
-                      </a:schemeClr>
-                    </a:solidFill>
-                  </a:tcPr>
-                </a:tc>
-                <a:tc>
-                  <a:txBody>
-                    <a:bodyPr/>
-                    <a:lstStyle/>
-                    <a:p>
-                      <a:pPr marL="0" marR="0" lvl="0" indent="0" algn="l" defTabSz="914400" rtl="0" eaLnBrk="1" fontAlgn="auto" latinLnBrk="0" hangingPunct="1">
-                        <a:lnSpc>
-                          <a:spcPct val="100000"/>
-                        </a:lnSpc>
-                        <a:spcBef>
-                          <a:spcPts val="0"/>
-                        </a:spcBef>
-                        <a:spcAft>
-                          <a:spcPts val="0"/>
-                        </a:spcAft>
-                        <a:buClrTx/>
-                        <a:buSzTx/>
-                        <a:buFontTx/>
-                        <a:buNone/>
-                        <a:tabLst/>
-                        <a:defRPr/>
-                      </a:pPr>
-                      <a:endParaRPr lang="es-AR" sz="1800" b="1" kern="1200" noProof="0" dirty="0">
-                        <a:solidFill>
-                          <a:schemeClr val="lt1"/>
-                        </a:solidFill>
-                        <a:latin typeface="+mn-lt"/>
-                        <a:ea typeface="+mn-ea"/>
-                        <a:cs typeface="+mn-cs"/>
-                      </a:endParaRPr>
-                    </a:p>
-                  </a:txBody>
-                  <a:tcPr>
-                    <a:solidFill>
-                      <a:schemeClr val="tx1">
-                        <a:lumMod val="50000"/>
-                      </a:schemeClr>
-                    </a:solidFill>
-                  </a:tcPr>
-                </a:tc>
-                <a:tc>
-                  <a:txBody>
-                    <a:bodyPr/>
-                    <a:lstStyle/>
-                    <a:p>
-                      <a:pPr marL="0" marR="0" lvl="0" indent="0" algn="ctr" defTabSz="914400" rtl="0" eaLnBrk="1" fontAlgn="auto" latinLnBrk="0" hangingPunct="1">
-                        <a:lnSpc>
-                          <a:spcPct val="100000"/>
-                        </a:lnSpc>
-                        <a:spcBef>
-                          <a:spcPts val="0"/>
-                        </a:spcBef>
-                        <a:spcAft>
-                          <a:spcPts val="0"/>
-                        </a:spcAft>
-                        <a:buClrTx/>
-                        <a:buSzTx/>
-                        <a:buFontTx/>
-                        <a:buNone/>
-                        <a:tabLst/>
-                        <a:defRPr/>
-                      </a:pPr>
-                      <a:r>
-                        <a:rPr lang="es-AR" sz="1800" b="1" kern="1200" noProof="0" dirty="0" smtClean="0">
-                          <a:solidFill>
-                            <a:schemeClr val="lt1"/>
-                          </a:solidFill>
-                          <a:latin typeface="+mn-lt"/>
-                          <a:ea typeface="+mn-ea"/>
-                          <a:cs typeface="+mn-cs"/>
-                        </a:rPr>
-                        <a:t>100%</a:t>
-                      </a:r>
-                      <a:endParaRPr lang="es-AR" sz="1800" b="1" kern="1200" noProof="0" dirty="0">
-                        <a:solidFill>
-                          <a:schemeClr val="lt1"/>
-                        </a:solidFill>
-                        <a:latin typeface="+mn-lt"/>
-                        <a:ea typeface="+mn-ea"/>
-                        <a:cs typeface="+mn-cs"/>
-                      </a:endParaRPr>
-                    </a:p>
-                  </a:txBody>
-                  <a:tcPr>
-                    <a:solidFill>
-                      <a:schemeClr val="accent6">
-                        <a:lumMod val="50000"/>
-                      </a:schemeClr>
-                    </a:solidFill>
-                  </a:tcPr>
-                </a:tc>
-                <a:extLst>
-                  <a:ext uri="{0D108BD9-81ED-4DB2-BD59-A6C34878D82A}">
-                    <a16:rowId xmlns:a16="http://schemas.microsoft.com/office/drawing/2014/main" val="766195856"/>
-                  </a:ext>
-                </a:extLst>
-              </a:tr>
-            </a:tbl>
-          </a:graphicData>
-        </a:graphic>
-      </p:graphicFrame>
-      <p:sp>
-        <p:nvSpPr>
-          <p:cNvPr id="6" name="CuadroTexto 5"/>
-          <p:cNvSpPr txBox="1"/>
-          <p:nvPr/>
-        </p:nvSpPr>
-        <p:spPr>
-          <a:xfrm>
-            <a:off x="7830317" y="1728216"/>
-            <a:ext cx="2962542" cy="369332"/>
-          </a:xfrm>
-          <a:prstGeom prst="rect">
-            <a:avLst/>
-          </a:prstGeom>
-          <a:noFill/>
-        </p:spPr>
-        <p:txBody>
-          <a:bodyPr wrap="none" rtlCol="0">
-            <a:spAutoFit/>
-          </a:bodyPr>
-          <a:lstStyle/>
-          <a:p>
-            <a:r>
-              <a:rPr lang="es-AR" dirty="0" smtClean="0"/>
-              <a:t>Vistas de CRUD de Productos</a:t>
-            </a:r>
-          </a:p>
-        </p:txBody>
-      </p:sp>
-      <p:graphicFrame>
-        <p:nvGraphicFramePr>
-          <p:cNvPr id="7" name="Tabla 6"/>
-          <p:cNvGraphicFramePr>
-            <a:graphicFrameLocks noGrp="1"/>
-          </p:cNvGraphicFramePr>
-          <p:nvPr>
-            <p:extLst>
-              <p:ext uri="{D42A27DB-BD31-4B8C-83A1-F6EECF244321}">
-                <p14:modId xmlns:p14="http://schemas.microsoft.com/office/powerpoint/2010/main" val="3478870658"/>
-              </p:ext>
-            </p:extLst>
-          </p:nvPr>
-        </p:nvGraphicFramePr>
-        <p:xfrm>
-          <a:off x="7822640" y="2121314"/>
-          <a:ext cx="3854919" cy="2834640"/>
-        </p:xfrm>
-        <a:graphic>
-          <a:graphicData uri="http://schemas.openxmlformats.org/drawingml/2006/table">
-            <a:tbl>
-              <a:tblPr firstRow="1" lastRow="1" bandRow="1">
-                <a:tableStyleId>{5C22544A-7EE6-4342-B048-85BDC9FD1C3A}</a:tableStyleId>
-              </a:tblPr>
-              <a:tblGrid>
-                <a:gridCol w="2018919">
-                  <a:extLst>
-                    <a:ext uri="{9D8B030D-6E8A-4147-A177-3AD203B41FA5}">
-                      <a16:colId xmlns:a16="http://schemas.microsoft.com/office/drawing/2014/main" val="1284990885"/>
-                    </a:ext>
-                  </a:extLst>
-                </a:gridCol>
-                <a:gridCol w="612000">
-                  <a:extLst>
-                    <a:ext uri="{9D8B030D-6E8A-4147-A177-3AD203B41FA5}">
-                      <a16:colId xmlns:a16="http://schemas.microsoft.com/office/drawing/2014/main" val="2200592698"/>
-                    </a:ext>
-                  </a:extLst>
-                </a:gridCol>
-                <a:gridCol w="612000">
-                  <a:extLst>
-                    <a:ext uri="{9D8B030D-6E8A-4147-A177-3AD203B41FA5}">
-                      <a16:colId xmlns:a16="http://schemas.microsoft.com/office/drawing/2014/main" val="2765855669"/>
-                    </a:ext>
-                  </a:extLst>
-                </a:gridCol>
-                <a:gridCol w="612000">
-                  <a:extLst>
-                    <a:ext uri="{9D8B030D-6E8A-4147-A177-3AD203B41FA5}">
-                      <a16:colId xmlns:a16="http://schemas.microsoft.com/office/drawing/2014/main" val="1279672875"/>
-                    </a:ext>
-                  </a:extLst>
-                </a:gridCol>
-              </a:tblGrid>
-              <a:tr h="182967">
-                <a:tc>
-                  <a:txBody>
-                    <a:bodyPr/>
-                    <a:lstStyle/>
-                    <a:p>
-                      <a:endParaRPr lang="es-AR" sz="1400" dirty="0"/>
-                    </a:p>
-                  </a:txBody>
-                  <a:tcPr/>
-                </a:tc>
-                <a:tc>
-                  <a:txBody>
-                    <a:bodyPr/>
-                    <a:lstStyle/>
-                    <a:p>
-                      <a:pPr algn="ctr"/>
-                      <a:r>
-                        <a:rPr lang="es-AR" sz="1400" dirty="0" smtClean="0"/>
-                        <a:t>Vista</a:t>
-                      </a:r>
-                      <a:endParaRPr lang="es-AR" sz="1400" dirty="0"/>
-                    </a:p>
-                  </a:txBody>
-                  <a:tcPr/>
-                </a:tc>
-                <a:tc>
-                  <a:txBody>
-                    <a:bodyPr/>
-                    <a:lstStyle/>
-                    <a:p>
-                      <a:pPr algn="ctr"/>
-                      <a:r>
-                        <a:rPr lang="es-AR" sz="1400" dirty="0" smtClean="0"/>
-                        <a:t>FE</a:t>
-                      </a:r>
-                      <a:endParaRPr lang="es-AR" sz="1400" dirty="0"/>
-                    </a:p>
-                  </a:txBody>
-                  <a:tcPr/>
-                </a:tc>
-                <a:tc>
-                  <a:txBody>
-                    <a:bodyPr/>
-                    <a:lstStyle/>
-                    <a:p>
-                      <a:pPr algn="ctr"/>
-                      <a:r>
-                        <a:rPr lang="es-AR" sz="1400" dirty="0" smtClean="0"/>
-                        <a:t>BE</a:t>
-                      </a:r>
-                      <a:endParaRPr lang="es-AR" sz="1400" dirty="0"/>
-                    </a:p>
-                  </a:txBody>
-                  <a:tcPr/>
-                </a:tc>
-                <a:extLst>
-                  <a:ext uri="{0D108BD9-81ED-4DB2-BD59-A6C34878D82A}">
-                    <a16:rowId xmlns:a16="http://schemas.microsoft.com/office/drawing/2014/main" val="3453166188"/>
-                  </a:ext>
-                </a:extLst>
-              </a:tr>
-              <a:tr h="182967">
-                <a:tc>
-                  <a:txBody>
-                    <a:bodyPr/>
-                    <a:lstStyle/>
-                    <a:p>
-                      <a:pPr marL="265113" marR="0" indent="-265113" algn="l" defTabSz="914400" rtl="0" eaLnBrk="1" fontAlgn="auto" latinLnBrk="0" hangingPunct="1">
-                        <a:lnSpc>
-                          <a:spcPct val="100000"/>
-                        </a:lnSpc>
-                        <a:spcBef>
-                          <a:spcPts val="0"/>
-                        </a:spcBef>
-                        <a:spcAft>
-                          <a:spcPts val="0"/>
-                        </a:spcAft>
-                        <a:buClrTx/>
-                        <a:buSzTx/>
-                        <a:buFont typeface="+mj-lt"/>
-                        <a:buAutoNum type="arabicPeriod"/>
-                        <a:tabLst/>
-                        <a:defRPr/>
-                      </a:pPr>
-                      <a:r>
-                        <a:rPr lang="es-ES" sz="1400" i="1" dirty="0" smtClean="0"/>
-                        <a:t>Responsabilidad</a:t>
-                      </a:r>
-                    </a:p>
-                    <a:p>
-                      <a:pPr marL="265113" marR="0" indent="-265113" algn="l" defTabSz="914400" rtl="0" eaLnBrk="1" fontAlgn="auto" latinLnBrk="0" hangingPunct="1">
-                        <a:lnSpc>
-                          <a:spcPct val="100000"/>
-                        </a:lnSpc>
-                        <a:spcBef>
-                          <a:spcPts val="0"/>
-                        </a:spcBef>
-                        <a:spcAft>
-                          <a:spcPts val="0"/>
-                        </a:spcAft>
-                        <a:buClrTx/>
-                        <a:buSzTx/>
-                        <a:buFont typeface="+mj-lt"/>
-                        <a:buAutoNum type="arabicPeriod"/>
-                        <a:tabLst/>
-                        <a:defRPr/>
-                      </a:pPr>
-                      <a:r>
-                        <a:rPr lang="es-ES" sz="1400" i="1" dirty="0" smtClean="0"/>
-                        <a:t>Palabra clave</a:t>
-                      </a:r>
-                    </a:p>
-                    <a:p>
-                      <a:pPr marL="265113" indent="-265113">
-                        <a:buFont typeface="+mj-lt"/>
-                        <a:buAutoNum type="arabicPeriod"/>
-                      </a:pPr>
-                      <a:r>
-                        <a:rPr lang="es-ES" sz="1400" i="1" dirty="0" smtClean="0"/>
-                        <a:t>Desambiguar</a:t>
-                      </a:r>
-                    </a:p>
-                    <a:p>
-                      <a:pPr marL="265113" indent="-265113">
-                        <a:buFont typeface="+mj-lt"/>
-                        <a:buAutoNum type="arabicPeriod"/>
-                      </a:pPr>
-                      <a:r>
-                        <a:rPr lang="es-ES" sz="1400" i="1" dirty="0" smtClean="0"/>
-                        <a:t>Ingreso Manual</a:t>
-                      </a:r>
-                    </a:p>
-                    <a:p>
-                      <a:pPr marL="265113" indent="-265113">
-                        <a:buFont typeface="+mj-lt"/>
-                        <a:buAutoNum type="arabicPeriod"/>
-                      </a:pPr>
-                      <a:r>
-                        <a:rPr lang="es-ES" sz="1400" i="1" dirty="0" smtClean="0"/>
-                        <a:t>Datos Duros</a:t>
-                      </a:r>
-                    </a:p>
-                    <a:p>
-                      <a:pPr marL="265113" indent="-265113">
-                        <a:buFont typeface="+mj-lt"/>
-                        <a:buAutoNum type="arabicPeriod"/>
-                      </a:pPr>
-                      <a:r>
-                        <a:rPr lang="es-ES" sz="1400" i="1" dirty="0" smtClean="0"/>
-                        <a:t>Datos Personalizados</a:t>
-                      </a:r>
-                    </a:p>
-                    <a:p>
-                      <a:pPr marL="265113" indent="-265113">
-                        <a:buFont typeface="+mj-lt"/>
-                        <a:buAutoNum type="arabicPeriod"/>
-                      </a:pPr>
-                      <a:r>
-                        <a:rPr lang="es-ES" sz="1400" i="1" dirty="0" smtClean="0"/>
-                        <a:t>Confirmar</a:t>
-                      </a:r>
-                    </a:p>
-                    <a:p>
-                      <a:pPr marL="265113" indent="-265113">
-                        <a:buFont typeface="+mj-lt"/>
-                        <a:buAutoNum type="arabicPeriod"/>
-                      </a:pPr>
-                      <a:r>
-                        <a:rPr lang="es-ES" sz="1400" i="1" dirty="0" smtClean="0"/>
-                        <a:t>Terminaste</a:t>
-                      </a:r>
-                    </a:p>
-                    <a:p>
-                      <a:pPr marL="265113" indent="-265113">
-                        <a:buFont typeface="+mj-lt"/>
-                        <a:buAutoNum type="arabicPeriod"/>
-                      </a:pPr>
-                      <a:r>
-                        <a:rPr lang="es-ES" sz="1400" i="1" dirty="0" smtClean="0"/>
-                        <a:t>Detalle</a:t>
-                      </a:r>
-                    </a:p>
-                    <a:p>
-                      <a:pPr marL="265113" indent="-265113">
-                        <a:buFont typeface="+mj-lt"/>
-                        <a:buAutoNum type="arabicPeriod"/>
-                      </a:pPr>
-                      <a:r>
-                        <a:rPr lang="es-ES" sz="1400" i="1" dirty="0" smtClean="0"/>
-                        <a:t>Edición</a:t>
-                      </a:r>
-                    </a:p>
-                  </a:txBody>
-                  <a:tcPr/>
-                </a:tc>
-                <a:tc>
-                  <a:txBody>
-                    <a:bodyPr/>
-                    <a:lstStyle/>
-                    <a:p>
-                      <a:pPr algn="ctr"/>
-                      <a:r>
-                        <a:rPr kumimoji="0" lang="es-AR" sz="1400" b="0" i="0" u="none" strike="noStrike" kern="1200" cap="none" spc="0" normalizeH="0" baseline="0" noProof="0" dirty="0" smtClean="0">
-                          <a:ln>
-                            <a:noFill/>
-                          </a:ln>
-                          <a:solidFill>
-                            <a:prstClr val="black"/>
-                          </a:solidFill>
-                          <a:effectLst/>
-                          <a:uLnTx/>
-                          <a:uFillTx/>
-                          <a:latin typeface="+mn-lt"/>
-                          <a:ea typeface="+mn-ea"/>
-                          <a:cs typeface="+mn-cs"/>
-                          <a:sym typeface="Wingdings" panose="05000000000000000000" pitchFamily="2" charset="2"/>
-                        </a:rPr>
-                        <a:t></a:t>
-                      </a:r>
-                    </a:p>
-                    <a:p>
-                      <a:pPr marL="0" marR="0" indent="0" algn="ctr" defTabSz="914400" rtl="0" eaLnBrk="1" fontAlgn="auto" latinLnBrk="0" hangingPunct="1">
-                        <a:lnSpc>
-                          <a:spcPct val="100000"/>
-                        </a:lnSpc>
-                        <a:spcBef>
-                          <a:spcPts val="0"/>
-                        </a:spcBef>
-                        <a:spcAft>
-                          <a:spcPts val="0"/>
-                        </a:spcAft>
-                        <a:buClrTx/>
-                        <a:buSzTx/>
-                        <a:buFontTx/>
-                        <a:buNone/>
-                        <a:tabLst/>
-                        <a:defRPr/>
-                      </a:pPr>
-                      <a:r>
-                        <a:rPr kumimoji="0" lang="es-AR" sz="1400" b="0" i="0" u="none" strike="noStrike" kern="1200" cap="none" spc="0" normalizeH="0" baseline="0" noProof="0" dirty="0" smtClean="0">
-                          <a:ln>
-                            <a:noFill/>
-                          </a:ln>
-                          <a:solidFill>
-                            <a:prstClr val="black"/>
-                          </a:solidFill>
-                          <a:effectLst/>
-                          <a:uLnTx/>
-                          <a:uFillTx/>
-                          <a:latin typeface="+mn-lt"/>
-                          <a:ea typeface="+mn-ea"/>
-                          <a:cs typeface="+mn-cs"/>
-                          <a:sym typeface="Wingdings" panose="05000000000000000000" pitchFamily="2" charset="2"/>
-                        </a:rPr>
-                        <a:t></a:t>
-                      </a:r>
-                    </a:p>
-                    <a:p>
-                      <a:pPr marL="0" marR="0" indent="0" algn="ctr" defTabSz="914400" rtl="0" eaLnBrk="1" fontAlgn="auto" latinLnBrk="0" hangingPunct="1">
-                        <a:lnSpc>
-                          <a:spcPct val="100000"/>
-                        </a:lnSpc>
-                        <a:spcBef>
-                          <a:spcPts val="0"/>
-                        </a:spcBef>
-                        <a:spcAft>
-                          <a:spcPts val="0"/>
-                        </a:spcAft>
-                        <a:buClrTx/>
-                        <a:buSzTx/>
-                        <a:buFontTx/>
-                        <a:buNone/>
-                        <a:tabLst/>
-                        <a:defRPr/>
-                      </a:pPr>
-                      <a:r>
-                        <a:rPr kumimoji="0" lang="es-AR" sz="1400" b="0" i="0" u="none" strike="noStrike" kern="1200" cap="none" spc="0" normalizeH="0" baseline="0" noProof="0" dirty="0" smtClean="0">
-                          <a:ln>
-                            <a:noFill/>
-                          </a:ln>
-                          <a:solidFill>
-                            <a:prstClr val="black"/>
-                          </a:solidFill>
-                          <a:effectLst/>
-                          <a:uLnTx/>
-                          <a:uFillTx/>
-                          <a:latin typeface="+mn-lt"/>
-                          <a:ea typeface="+mn-ea"/>
-                          <a:cs typeface="+mn-cs"/>
-                          <a:sym typeface="Wingdings" panose="05000000000000000000" pitchFamily="2" charset="2"/>
-                        </a:rPr>
-                        <a:t></a:t>
-                      </a:r>
-                    </a:p>
-                    <a:p>
-                      <a:pPr marL="0" marR="0" indent="0" algn="ctr" defTabSz="914400" rtl="0" eaLnBrk="1" fontAlgn="auto" latinLnBrk="0" hangingPunct="1">
-                        <a:lnSpc>
-                          <a:spcPct val="100000"/>
-                        </a:lnSpc>
-                        <a:spcBef>
-                          <a:spcPts val="0"/>
-                        </a:spcBef>
-                        <a:spcAft>
-                          <a:spcPts val="0"/>
-                        </a:spcAft>
-                        <a:buClrTx/>
-                        <a:buSzTx/>
-                        <a:buFontTx/>
-                        <a:buNone/>
-                        <a:tabLst/>
-                        <a:defRPr/>
-                      </a:pPr>
-                      <a:r>
-                        <a:rPr kumimoji="0" lang="es-AR" sz="1400" b="0" i="0" u="none" strike="noStrike" kern="1200" cap="none" spc="0" normalizeH="0" baseline="0" noProof="0" dirty="0" smtClean="0">
-                          <a:ln>
-                            <a:noFill/>
-                          </a:ln>
-                          <a:solidFill>
-                            <a:prstClr val="black"/>
-                          </a:solidFill>
-                          <a:effectLst/>
-                          <a:uLnTx/>
-                          <a:uFillTx/>
-                          <a:latin typeface="+mn-lt"/>
-                          <a:ea typeface="+mn-ea"/>
-                          <a:cs typeface="+mn-cs"/>
-                          <a:sym typeface="Wingdings" panose="05000000000000000000" pitchFamily="2" charset="2"/>
-                        </a:rPr>
-                        <a:t></a:t>
-                      </a:r>
-                    </a:p>
-                    <a:p>
-                      <a:pPr marL="0" marR="0" indent="0" algn="ctr" defTabSz="914400" rtl="0" eaLnBrk="1" fontAlgn="auto" latinLnBrk="0" hangingPunct="1">
-                        <a:lnSpc>
-                          <a:spcPct val="100000"/>
-                        </a:lnSpc>
-                        <a:spcBef>
-                          <a:spcPts val="0"/>
-                        </a:spcBef>
-                        <a:spcAft>
-                          <a:spcPts val="0"/>
-                        </a:spcAft>
-                        <a:buClrTx/>
-                        <a:buSzTx/>
-                        <a:buFontTx/>
-                        <a:buNone/>
-                        <a:tabLst/>
-                        <a:defRPr/>
-                      </a:pPr>
-                      <a:r>
-                        <a:rPr kumimoji="0" lang="es-AR" sz="1400" b="0" i="0" u="none" strike="noStrike" kern="1200" cap="none" spc="0" normalizeH="0" baseline="0" noProof="0" dirty="0" smtClean="0">
-                          <a:ln>
-                            <a:noFill/>
-                          </a:ln>
-                          <a:solidFill>
-                            <a:prstClr val="black"/>
-                          </a:solidFill>
-                          <a:effectLst/>
-                          <a:uLnTx/>
-                          <a:uFillTx/>
-                          <a:latin typeface="+mn-lt"/>
-                          <a:ea typeface="+mn-ea"/>
-                          <a:cs typeface="+mn-cs"/>
-                          <a:sym typeface="Wingdings" panose="05000000000000000000" pitchFamily="2" charset="2"/>
-                        </a:rPr>
-                        <a:t></a:t>
-                      </a:r>
-                    </a:p>
-                    <a:p>
-                      <a:pPr marL="0" marR="0" indent="0" algn="ctr" defTabSz="914400" rtl="0" eaLnBrk="1" fontAlgn="auto" latinLnBrk="0" hangingPunct="1">
-                        <a:lnSpc>
-                          <a:spcPct val="100000"/>
-                        </a:lnSpc>
-                        <a:spcBef>
-                          <a:spcPts val="0"/>
-                        </a:spcBef>
-                        <a:spcAft>
-                          <a:spcPts val="0"/>
-                        </a:spcAft>
-                        <a:buClrTx/>
-                        <a:buSzTx/>
-                        <a:buFontTx/>
-                        <a:buNone/>
-                        <a:tabLst/>
-                        <a:defRPr/>
-                      </a:pPr>
-                      <a:r>
-                        <a:rPr kumimoji="0" lang="es-AR" sz="1400" b="0" i="0" u="none" strike="noStrike" kern="1200" cap="none" spc="0" normalizeH="0" baseline="0" noProof="0" dirty="0" smtClean="0">
-                          <a:ln>
-                            <a:noFill/>
-                          </a:ln>
-                          <a:solidFill>
-                            <a:prstClr val="black"/>
-                          </a:solidFill>
-                          <a:effectLst/>
-                          <a:uLnTx/>
-                          <a:uFillTx/>
-                          <a:latin typeface="+mn-lt"/>
-                          <a:ea typeface="+mn-ea"/>
-                          <a:cs typeface="+mn-cs"/>
-                          <a:sym typeface="Wingdings" panose="05000000000000000000" pitchFamily="2" charset="2"/>
-                        </a:rPr>
-                        <a:t></a:t>
-                      </a:r>
-                    </a:p>
-                    <a:p>
-                      <a:pPr marL="0" marR="0" indent="0" algn="ctr" defTabSz="914400" rtl="0" eaLnBrk="1" fontAlgn="auto" latinLnBrk="0" hangingPunct="1">
-                        <a:lnSpc>
-                          <a:spcPct val="100000"/>
-                        </a:lnSpc>
-                        <a:spcBef>
-                          <a:spcPts val="0"/>
-                        </a:spcBef>
-                        <a:spcAft>
-                          <a:spcPts val="0"/>
-                        </a:spcAft>
-                        <a:buClrTx/>
-                        <a:buSzTx/>
-                        <a:buFontTx/>
-                        <a:buNone/>
-                        <a:tabLst/>
-                        <a:defRPr/>
-                      </a:pPr>
-                      <a:r>
-                        <a:rPr kumimoji="0" lang="es-AR" sz="1400" b="0" i="0" u="none" strike="noStrike" kern="1200" cap="none" spc="0" normalizeH="0" baseline="0" noProof="0" dirty="0" smtClean="0">
-                          <a:ln>
-                            <a:noFill/>
-                          </a:ln>
-                          <a:solidFill>
-                            <a:prstClr val="black"/>
-                          </a:solidFill>
-                          <a:effectLst/>
-                          <a:uLnTx/>
-                          <a:uFillTx/>
-                          <a:latin typeface="+mn-lt"/>
-                          <a:ea typeface="+mn-ea"/>
-                          <a:cs typeface="+mn-cs"/>
-                          <a:sym typeface="Wingdings" panose="05000000000000000000" pitchFamily="2" charset="2"/>
-                        </a:rPr>
-                        <a:t></a:t>
-                      </a:r>
-                    </a:p>
-                    <a:p>
-                      <a:pPr marL="0" marR="0" indent="0" algn="ctr" defTabSz="914400" rtl="0" eaLnBrk="1" fontAlgn="auto" latinLnBrk="0" hangingPunct="1">
-                        <a:lnSpc>
-                          <a:spcPct val="100000"/>
-                        </a:lnSpc>
-                        <a:spcBef>
-                          <a:spcPts val="0"/>
-                        </a:spcBef>
-                        <a:spcAft>
-                          <a:spcPts val="0"/>
-                        </a:spcAft>
-                        <a:buClrTx/>
-                        <a:buSzTx/>
-                        <a:buFontTx/>
-                        <a:buNone/>
-                        <a:tabLst/>
-                        <a:defRPr/>
-                      </a:pPr>
-                      <a:r>
-                        <a:rPr kumimoji="0" lang="es-AR" sz="1400" b="0" i="0" u="none" strike="noStrike" kern="1200" cap="none" spc="0" normalizeH="0" baseline="0" noProof="0" dirty="0" smtClean="0">
-                          <a:ln>
-                            <a:noFill/>
-                          </a:ln>
-                          <a:solidFill>
-                            <a:prstClr val="black"/>
-                          </a:solidFill>
-                          <a:effectLst/>
-                          <a:uLnTx/>
-                          <a:uFillTx/>
-                          <a:latin typeface="+mn-lt"/>
-                          <a:ea typeface="+mn-ea"/>
-                          <a:cs typeface="+mn-cs"/>
-                          <a:sym typeface="Wingdings" panose="05000000000000000000" pitchFamily="2" charset="2"/>
-                        </a:rPr>
-                        <a:t></a:t>
-                      </a:r>
-                    </a:p>
-                    <a:p>
-                      <a:pPr marL="0" marR="0" indent="0" algn="ctr" defTabSz="914400" rtl="0" eaLnBrk="1" fontAlgn="auto" latinLnBrk="0" hangingPunct="1">
-                        <a:lnSpc>
-                          <a:spcPct val="100000"/>
-                        </a:lnSpc>
-                        <a:spcBef>
-                          <a:spcPts val="0"/>
-                        </a:spcBef>
-                        <a:spcAft>
-                          <a:spcPts val="0"/>
-                        </a:spcAft>
-                        <a:buClrTx/>
-                        <a:buSzTx/>
-                        <a:buFontTx/>
-                        <a:buNone/>
-                        <a:tabLst/>
-                        <a:defRPr/>
-                      </a:pPr>
-                      <a:r>
-                        <a:rPr kumimoji="0" lang="es-AR" sz="1400" b="0" i="0" u="none" strike="noStrike" kern="1200" cap="none" spc="0" normalizeH="0" baseline="0" noProof="0" dirty="0" smtClean="0">
-                          <a:ln>
-                            <a:noFill/>
-                          </a:ln>
-                          <a:solidFill>
-                            <a:prstClr val="black"/>
-                          </a:solidFill>
-                          <a:effectLst/>
-                          <a:uLnTx/>
-                          <a:uFillTx/>
-                          <a:latin typeface="+mn-lt"/>
-                          <a:ea typeface="+mn-ea"/>
-                          <a:cs typeface="+mn-cs"/>
-                          <a:sym typeface="Wingdings" panose="05000000000000000000" pitchFamily="2" charset="2"/>
-                        </a:rPr>
-                        <a:t></a:t>
-                      </a:r>
-                    </a:p>
-                    <a:p>
-                      <a:pPr marL="0" marR="0" indent="0" algn="ctr" defTabSz="914400" rtl="0" eaLnBrk="1" fontAlgn="auto" latinLnBrk="0" hangingPunct="1">
-                        <a:lnSpc>
-                          <a:spcPct val="100000"/>
-                        </a:lnSpc>
-                        <a:spcBef>
-                          <a:spcPts val="0"/>
-                        </a:spcBef>
-                        <a:spcAft>
-                          <a:spcPts val="0"/>
-                        </a:spcAft>
-                        <a:buClrTx/>
-                        <a:buSzTx/>
-                        <a:buFontTx/>
-                        <a:buNone/>
-                        <a:tabLst/>
-                        <a:defRPr/>
-                      </a:pPr>
-                      <a:r>
-                        <a:rPr kumimoji="0" lang="es-AR" sz="1400" b="0" i="0" u="none" strike="noStrike" kern="1200" cap="none" spc="0" normalizeH="0" baseline="0" noProof="0" dirty="0" smtClean="0">
-                          <a:ln>
-                            <a:noFill/>
-                          </a:ln>
-                          <a:solidFill>
-                            <a:prstClr val="black"/>
-                          </a:solidFill>
-                          <a:effectLst/>
-                          <a:uLnTx/>
-                          <a:uFillTx/>
-                          <a:latin typeface="+mn-lt"/>
-                          <a:ea typeface="+mn-ea"/>
-                          <a:cs typeface="+mn-cs"/>
-                          <a:sym typeface="Wingdings" panose="05000000000000000000" pitchFamily="2" charset="2"/>
-                        </a:rPr>
-                        <a:t></a:t>
-                      </a:r>
-                    </a:p>
-                  </a:txBody>
-                  <a:tcPr/>
-                </a:tc>
-                <a:tc>
-                  <a:txBody>
-                    <a:bodyPr/>
-                    <a:lstStyle/>
-                    <a:p>
-                      <a:pPr marL="0" marR="0" indent="0" algn="ctr" defTabSz="914400" rtl="0" eaLnBrk="1" fontAlgn="auto" latinLnBrk="0" hangingPunct="1">
-                        <a:lnSpc>
-                          <a:spcPct val="100000"/>
-                        </a:lnSpc>
-                        <a:spcBef>
-                          <a:spcPts val="0"/>
-                        </a:spcBef>
-                        <a:spcAft>
-                          <a:spcPts val="0"/>
-                        </a:spcAft>
-                        <a:buClrTx/>
-                        <a:buSzTx/>
-                        <a:buFontTx/>
-                        <a:buNone/>
-                        <a:tabLst/>
-                        <a:defRPr/>
-                      </a:pPr>
-                      <a:r>
-                        <a:rPr kumimoji="0" lang="es-AR" sz="1400" b="0" i="0" u="none" strike="noStrike" kern="1200" cap="none" spc="0" normalizeH="0" baseline="0" noProof="0" dirty="0" smtClean="0">
-                          <a:ln>
-                            <a:noFill/>
-                          </a:ln>
-                          <a:solidFill>
-                            <a:prstClr val="black"/>
-                          </a:solidFill>
-                          <a:effectLst/>
-                          <a:uLnTx/>
-                          <a:uFillTx/>
-                          <a:latin typeface="+mn-lt"/>
-                          <a:ea typeface="+mn-ea"/>
-                          <a:cs typeface="+mn-cs"/>
-                          <a:sym typeface="Wingdings" panose="05000000000000000000" pitchFamily="2" charset="2"/>
-                        </a:rPr>
-                        <a:t>-</a:t>
-                      </a:r>
-                    </a:p>
-                    <a:p>
-                      <a:pPr marL="0" marR="0" indent="0" algn="ctr" defTabSz="914400" rtl="0" eaLnBrk="1" fontAlgn="auto" latinLnBrk="0" hangingPunct="1">
-                        <a:lnSpc>
-                          <a:spcPct val="100000"/>
-                        </a:lnSpc>
-                        <a:spcBef>
-                          <a:spcPts val="0"/>
-                        </a:spcBef>
-                        <a:spcAft>
-                          <a:spcPts val="0"/>
-                        </a:spcAft>
-                        <a:buClrTx/>
-                        <a:buSzTx/>
-                        <a:buFontTx/>
-                        <a:buNone/>
-                        <a:tabLst/>
-                        <a:defRPr/>
-                      </a:pPr>
-                      <a:r>
-                        <a:rPr kumimoji="0" lang="es-AR" sz="1400" b="0" i="0" u="none" strike="noStrike" kern="1200" cap="none" spc="0" normalizeH="0" baseline="0" noProof="0" dirty="0" smtClean="0">
-                          <a:ln>
-                            <a:noFill/>
-                          </a:ln>
-                          <a:solidFill>
-                            <a:prstClr val="black"/>
-                          </a:solidFill>
-                          <a:effectLst/>
-                          <a:uLnTx/>
-                          <a:uFillTx/>
-                          <a:latin typeface="+mn-lt"/>
-                          <a:ea typeface="+mn-ea"/>
-                          <a:cs typeface="+mn-cs"/>
-                          <a:sym typeface="Wingdings" panose="05000000000000000000" pitchFamily="2" charset="2"/>
-                        </a:rPr>
-                        <a:t></a:t>
-                      </a:r>
-                    </a:p>
-                    <a:p>
-                      <a:pPr marL="0" marR="0" indent="0" algn="ctr" defTabSz="914400" rtl="0" eaLnBrk="1" fontAlgn="auto" latinLnBrk="0" hangingPunct="1">
-                        <a:lnSpc>
-                          <a:spcPct val="100000"/>
-                        </a:lnSpc>
-                        <a:spcBef>
-                          <a:spcPts val="0"/>
-                        </a:spcBef>
-                        <a:spcAft>
-                          <a:spcPts val="0"/>
-                        </a:spcAft>
-                        <a:buClrTx/>
-                        <a:buSzTx/>
-                        <a:buFontTx/>
-                        <a:buNone/>
-                        <a:tabLst/>
-                        <a:defRPr/>
-                      </a:pPr>
-                      <a:r>
-                        <a:rPr kumimoji="0" lang="es-AR" sz="1400" b="0" i="0" u="none" strike="noStrike" kern="1200" cap="none" spc="0" normalizeH="0" baseline="0" noProof="0" dirty="0" smtClean="0">
-                          <a:ln>
-                            <a:noFill/>
-                          </a:ln>
-                          <a:solidFill>
-                            <a:prstClr val="black"/>
-                          </a:solidFill>
-                          <a:effectLst/>
-                          <a:uLnTx/>
-                          <a:uFillTx/>
-                          <a:latin typeface="+mn-lt"/>
-                          <a:ea typeface="+mn-ea"/>
-                          <a:cs typeface="+mn-cs"/>
-                          <a:sym typeface="Wingdings" panose="05000000000000000000" pitchFamily="2" charset="2"/>
-                        </a:rPr>
-                        <a:t></a:t>
-                      </a:r>
-                    </a:p>
-                    <a:p>
-                      <a:pPr marL="0" marR="0" indent="0" algn="ctr" defTabSz="914400" rtl="0" eaLnBrk="1" fontAlgn="auto" latinLnBrk="0" hangingPunct="1">
-                        <a:lnSpc>
-                          <a:spcPct val="100000"/>
-                        </a:lnSpc>
-                        <a:spcBef>
-                          <a:spcPts val="0"/>
-                        </a:spcBef>
-                        <a:spcAft>
-                          <a:spcPts val="0"/>
-                        </a:spcAft>
-                        <a:buClrTx/>
-                        <a:buSzTx/>
-                        <a:buFontTx/>
-                        <a:buNone/>
-                        <a:tabLst/>
-                        <a:defRPr/>
-                      </a:pPr>
-                      <a:r>
-                        <a:rPr kumimoji="0" lang="es-AR" sz="1400" b="0" i="0" u="none" strike="noStrike" kern="1200" cap="none" spc="0" normalizeH="0" baseline="0" noProof="0" dirty="0" smtClean="0">
-                          <a:ln>
-                            <a:noFill/>
-                          </a:ln>
-                          <a:solidFill>
-                            <a:prstClr val="black"/>
-                          </a:solidFill>
-                          <a:effectLst/>
-                          <a:uLnTx/>
-                          <a:uFillTx/>
-                          <a:latin typeface="+mn-lt"/>
-                          <a:ea typeface="+mn-ea"/>
-                          <a:cs typeface="+mn-cs"/>
-                          <a:sym typeface="Wingdings" panose="05000000000000000000" pitchFamily="2" charset="2"/>
-                        </a:rPr>
-                        <a:t></a:t>
-                      </a:r>
-                    </a:p>
-                    <a:p>
-                      <a:pPr marL="0" marR="0" indent="0" algn="ctr" defTabSz="914400" rtl="0" eaLnBrk="1" fontAlgn="auto" latinLnBrk="0" hangingPunct="1">
-                        <a:lnSpc>
-                          <a:spcPct val="100000"/>
-                        </a:lnSpc>
-                        <a:spcBef>
-                          <a:spcPts val="0"/>
-                        </a:spcBef>
-                        <a:spcAft>
-                          <a:spcPts val="0"/>
-                        </a:spcAft>
-                        <a:buClrTx/>
-                        <a:buSzTx/>
-                        <a:buFontTx/>
-                        <a:buNone/>
-                        <a:tabLst/>
-                        <a:defRPr/>
-                      </a:pPr>
-                      <a:r>
-                        <a:rPr kumimoji="0" lang="es-AR" sz="1400" b="0" i="0" u="none" strike="noStrike" kern="1200" cap="none" spc="0" normalizeH="0" baseline="0" noProof="0" dirty="0" smtClean="0">
-                          <a:ln>
-                            <a:noFill/>
-                          </a:ln>
-                          <a:solidFill>
-                            <a:prstClr val="black"/>
-                          </a:solidFill>
-                          <a:effectLst/>
-                          <a:uLnTx/>
-                          <a:uFillTx/>
-                          <a:latin typeface="+mn-lt"/>
-                          <a:ea typeface="+mn-ea"/>
-                          <a:cs typeface="+mn-cs"/>
-                          <a:sym typeface="Wingdings" panose="05000000000000000000" pitchFamily="2" charset="2"/>
-                        </a:rPr>
-                        <a:t></a:t>
-                      </a:r>
-                    </a:p>
-                    <a:p>
-                      <a:pPr marL="0" marR="0" indent="0" algn="ctr" defTabSz="914400" rtl="0" eaLnBrk="1" fontAlgn="auto" latinLnBrk="0" hangingPunct="1">
-                        <a:lnSpc>
-                          <a:spcPct val="100000"/>
-                        </a:lnSpc>
-                        <a:spcBef>
-                          <a:spcPts val="0"/>
-                        </a:spcBef>
-                        <a:spcAft>
-                          <a:spcPts val="0"/>
-                        </a:spcAft>
-                        <a:buClrTx/>
-                        <a:buSzTx/>
-                        <a:buFontTx/>
-                        <a:buNone/>
-                        <a:tabLst/>
-                        <a:defRPr/>
-                      </a:pPr>
-                      <a:r>
-                        <a:rPr kumimoji="0" lang="es-AR" sz="1400" b="0" i="0" u="none" strike="noStrike" kern="1200" cap="none" spc="0" normalizeH="0" baseline="0" noProof="0" dirty="0" smtClean="0">
-                          <a:ln>
-                            <a:noFill/>
-                          </a:ln>
-                          <a:solidFill>
-                            <a:prstClr val="black"/>
-                          </a:solidFill>
-                          <a:effectLst/>
-                          <a:uLnTx/>
-                          <a:uFillTx/>
-                          <a:latin typeface="+mn-lt"/>
-                          <a:ea typeface="+mn-ea"/>
-                          <a:cs typeface="+mn-cs"/>
-                          <a:sym typeface="Wingdings" panose="05000000000000000000" pitchFamily="2" charset="2"/>
-                        </a:rPr>
-                        <a:t></a:t>
-                      </a:r>
-                    </a:p>
-                    <a:p>
-                      <a:pPr marL="0" marR="0" indent="0" algn="ctr" defTabSz="914400" rtl="0" eaLnBrk="1" fontAlgn="auto" latinLnBrk="0" hangingPunct="1">
-                        <a:lnSpc>
-                          <a:spcPct val="100000"/>
-                        </a:lnSpc>
-                        <a:spcBef>
-                          <a:spcPts val="0"/>
-                        </a:spcBef>
-                        <a:spcAft>
-                          <a:spcPts val="0"/>
-                        </a:spcAft>
-                        <a:buClrTx/>
-                        <a:buSzTx/>
-                        <a:buFontTx/>
-                        <a:buNone/>
-                        <a:tabLst/>
-                        <a:defRPr/>
-                      </a:pPr>
-                      <a:r>
-                        <a:rPr kumimoji="0" lang="es-AR" sz="1400" b="0" i="0" u="none" strike="noStrike" kern="1200" cap="none" spc="0" normalizeH="0" baseline="0" noProof="0" dirty="0" smtClean="0">
-                          <a:ln>
-                            <a:noFill/>
-                          </a:ln>
-                          <a:solidFill>
-                            <a:prstClr val="black"/>
-                          </a:solidFill>
-                          <a:effectLst/>
-                          <a:uLnTx/>
-                          <a:uFillTx/>
-                          <a:latin typeface="+mn-lt"/>
-                          <a:ea typeface="+mn-ea"/>
-                          <a:cs typeface="+mn-cs"/>
-                          <a:sym typeface="Wingdings" panose="05000000000000000000" pitchFamily="2" charset="2"/>
-                        </a:rPr>
-                        <a:t></a:t>
-                      </a:r>
-                    </a:p>
-                    <a:p>
-                      <a:pPr marL="0" marR="0" indent="0" algn="ctr" defTabSz="914400" rtl="0" eaLnBrk="1" fontAlgn="auto" latinLnBrk="0" hangingPunct="1">
-                        <a:lnSpc>
-                          <a:spcPct val="100000"/>
-                        </a:lnSpc>
-                        <a:spcBef>
-                          <a:spcPts val="0"/>
-                        </a:spcBef>
-                        <a:spcAft>
-                          <a:spcPts val="0"/>
-                        </a:spcAft>
-                        <a:buClrTx/>
-                        <a:buSzTx/>
-                        <a:buFontTx/>
-                        <a:buNone/>
-                        <a:tabLst/>
-                        <a:defRPr/>
-                      </a:pPr>
-                      <a:r>
-                        <a:rPr kumimoji="0" lang="es-AR" sz="1400" b="0" i="0" u="none" strike="noStrike" kern="1200" cap="none" spc="0" normalizeH="0" baseline="0" noProof="0" dirty="0" smtClean="0">
-                          <a:ln>
-                            <a:noFill/>
-                          </a:ln>
-                          <a:solidFill>
-                            <a:prstClr val="black"/>
-                          </a:solidFill>
-                          <a:effectLst/>
-                          <a:uLnTx/>
-                          <a:uFillTx/>
-                          <a:latin typeface="+mn-lt"/>
-                          <a:ea typeface="+mn-ea"/>
-                          <a:cs typeface="+mn-cs"/>
-                          <a:sym typeface="Wingdings" panose="05000000000000000000" pitchFamily="2" charset="2"/>
-                        </a:rPr>
-                        <a:t>-</a:t>
-                      </a:r>
-                    </a:p>
-                    <a:p>
-                      <a:pPr marL="0" marR="0" indent="0" algn="ctr" defTabSz="914400" rtl="0" eaLnBrk="1" fontAlgn="auto" latinLnBrk="0" hangingPunct="1">
-                        <a:lnSpc>
-                          <a:spcPct val="100000"/>
-                        </a:lnSpc>
-                        <a:spcBef>
-                          <a:spcPts val="0"/>
-                        </a:spcBef>
-                        <a:spcAft>
-                          <a:spcPts val="0"/>
-                        </a:spcAft>
-                        <a:buClrTx/>
-                        <a:buSzTx/>
-                        <a:buFontTx/>
-                        <a:buNone/>
-                        <a:tabLst/>
-                        <a:defRPr/>
-                      </a:pPr>
-                      <a:r>
-                        <a:rPr kumimoji="0" lang="es-AR" sz="1400" b="0" i="0" u="none" strike="noStrike" kern="1200" cap="none" spc="0" normalizeH="0" baseline="0" noProof="0" dirty="0" smtClean="0">
-                          <a:ln>
-                            <a:noFill/>
-                          </a:ln>
-                          <a:solidFill>
-                            <a:prstClr val="black"/>
-                          </a:solidFill>
-                          <a:effectLst/>
-                          <a:uLnTx/>
-                          <a:uFillTx/>
-                          <a:latin typeface="+mn-lt"/>
-                          <a:ea typeface="+mn-ea"/>
-                          <a:cs typeface="+mn-cs"/>
-                          <a:sym typeface="Wingdings" panose="05000000000000000000" pitchFamily="2" charset="2"/>
-                        </a:rPr>
-                        <a:t></a:t>
-                      </a:r>
-                    </a:p>
-                    <a:p>
-                      <a:pPr marL="0" marR="0" indent="0" algn="ctr" defTabSz="914400" rtl="0" eaLnBrk="1" fontAlgn="auto" latinLnBrk="0" hangingPunct="1">
-                        <a:lnSpc>
-                          <a:spcPct val="100000"/>
-                        </a:lnSpc>
-                        <a:spcBef>
-                          <a:spcPts val="0"/>
-                        </a:spcBef>
-                        <a:spcAft>
-                          <a:spcPts val="0"/>
-                        </a:spcAft>
-                        <a:buClrTx/>
-                        <a:buSzTx/>
-                        <a:buFontTx/>
-                        <a:buNone/>
-                        <a:tabLst/>
-                        <a:defRPr/>
-                      </a:pPr>
-                      <a:r>
-                        <a:rPr kumimoji="0" lang="es-AR" sz="1400" b="0" i="0" u="none" strike="noStrike" kern="1200" cap="none" spc="0" normalizeH="0" baseline="0" noProof="0" dirty="0" smtClean="0">
-                          <a:ln>
-                            <a:noFill/>
-                          </a:ln>
-                          <a:solidFill>
-                            <a:prstClr val="black"/>
-                          </a:solidFill>
-                          <a:effectLst/>
-                          <a:uLnTx/>
-                          <a:uFillTx/>
-                          <a:latin typeface="+mn-lt"/>
-                          <a:ea typeface="+mn-ea"/>
-                          <a:cs typeface="+mn-cs"/>
-                          <a:sym typeface="Wingdings" panose="05000000000000000000" pitchFamily="2" charset="2"/>
-                        </a:rPr>
-                        <a:t></a:t>
-                      </a:r>
-                    </a:p>
-                  </a:txBody>
-                  <a:tcPr/>
-                </a:tc>
-                <a:tc>
-                  <a:txBody>
-                    <a:bodyPr/>
-                    <a:lstStyle/>
-                    <a:p>
-                      <a:pPr marL="0" marR="0" indent="0" algn="ctr" defTabSz="914400" rtl="0" eaLnBrk="1" fontAlgn="auto" latinLnBrk="0" hangingPunct="1">
-                        <a:lnSpc>
-                          <a:spcPct val="100000"/>
-                        </a:lnSpc>
-                        <a:spcBef>
-                          <a:spcPts val="0"/>
-                        </a:spcBef>
-                        <a:spcAft>
-                          <a:spcPts val="0"/>
-                        </a:spcAft>
-                        <a:buClrTx/>
-                        <a:buSzTx/>
-                        <a:buFontTx/>
-                        <a:buNone/>
-                        <a:tabLst/>
-                        <a:defRPr/>
-                      </a:pPr>
-                      <a:r>
-                        <a:rPr kumimoji="0" lang="es-AR" sz="1400" b="0" i="0" u="none" strike="noStrike" kern="1200" cap="none" spc="0" normalizeH="0" baseline="0" noProof="0" dirty="0" smtClean="0">
-                          <a:ln>
-                            <a:noFill/>
-                          </a:ln>
-                          <a:solidFill>
-                            <a:prstClr val="black"/>
-                          </a:solidFill>
-                          <a:effectLst/>
-                          <a:uLnTx/>
-                          <a:uFillTx/>
-                          <a:latin typeface="+mn-lt"/>
-                          <a:ea typeface="+mn-ea"/>
-                          <a:cs typeface="+mn-cs"/>
-                          <a:sym typeface="Wingdings" panose="05000000000000000000" pitchFamily="2" charset="2"/>
-                        </a:rPr>
-                        <a:t></a:t>
-                      </a:r>
-                    </a:p>
-                    <a:p>
-                      <a:pPr marL="0" marR="0" indent="0" algn="ctr" defTabSz="914400" rtl="0" eaLnBrk="1" fontAlgn="auto" latinLnBrk="0" hangingPunct="1">
-                        <a:lnSpc>
-                          <a:spcPct val="100000"/>
-                        </a:lnSpc>
-                        <a:spcBef>
-                          <a:spcPts val="0"/>
-                        </a:spcBef>
-                        <a:spcAft>
-                          <a:spcPts val="0"/>
-                        </a:spcAft>
-                        <a:buClrTx/>
-                        <a:buSzTx/>
-                        <a:buFontTx/>
-                        <a:buNone/>
-                        <a:tabLst/>
-                        <a:defRPr/>
-                      </a:pPr>
-                      <a:r>
-                        <a:rPr kumimoji="0" lang="es-AR" sz="1400" b="0" i="0" u="none" strike="noStrike" kern="1200" cap="none" spc="0" normalizeH="0" baseline="0" noProof="0" dirty="0" smtClean="0">
-                          <a:ln>
-                            <a:noFill/>
-                          </a:ln>
-                          <a:solidFill>
-                            <a:prstClr val="black"/>
-                          </a:solidFill>
-                          <a:effectLst/>
-                          <a:uLnTx/>
-                          <a:uFillTx/>
-                          <a:latin typeface="+mn-lt"/>
-                          <a:ea typeface="+mn-ea"/>
-                          <a:cs typeface="+mn-cs"/>
-                          <a:sym typeface="Wingdings" panose="05000000000000000000" pitchFamily="2" charset="2"/>
-                        </a:rPr>
-                        <a:t></a:t>
-                      </a:r>
-                    </a:p>
-                    <a:p>
-                      <a:pPr marL="0" marR="0" indent="0" algn="ctr" defTabSz="914400" rtl="0" eaLnBrk="1" fontAlgn="auto" latinLnBrk="0" hangingPunct="1">
-                        <a:lnSpc>
-                          <a:spcPct val="100000"/>
-                        </a:lnSpc>
-                        <a:spcBef>
-                          <a:spcPts val="0"/>
-                        </a:spcBef>
-                        <a:spcAft>
-                          <a:spcPts val="0"/>
-                        </a:spcAft>
-                        <a:buClrTx/>
-                        <a:buSzTx/>
-                        <a:buFontTx/>
-                        <a:buNone/>
-                        <a:tabLst/>
-                        <a:defRPr/>
-                      </a:pPr>
-                      <a:r>
-                        <a:rPr kumimoji="0" lang="es-AR" sz="1400" b="0" i="0" u="none" strike="noStrike" kern="1200" cap="none" spc="0" normalizeH="0" baseline="0" noProof="0" dirty="0" smtClean="0">
-                          <a:ln>
-                            <a:noFill/>
-                          </a:ln>
-                          <a:solidFill>
-                            <a:prstClr val="black"/>
-                          </a:solidFill>
-                          <a:effectLst/>
-                          <a:uLnTx/>
-                          <a:uFillTx/>
-                          <a:latin typeface="+mn-lt"/>
-                          <a:ea typeface="+mn-ea"/>
-                          <a:cs typeface="+mn-cs"/>
-                          <a:sym typeface="Wingdings" panose="05000000000000000000" pitchFamily="2" charset="2"/>
-                        </a:rPr>
-                        <a:t></a:t>
-                      </a:r>
-                    </a:p>
-                    <a:p>
-                      <a:pPr marL="0" marR="0" indent="0" algn="ctr" defTabSz="914400" rtl="0" eaLnBrk="1" fontAlgn="auto" latinLnBrk="0" hangingPunct="1">
-                        <a:lnSpc>
-                          <a:spcPct val="100000"/>
-                        </a:lnSpc>
-                        <a:spcBef>
-                          <a:spcPts val="0"/>
-                        </a:spcBef>
-                        <a:spcAft>
-                          <a:spcPts val="0"/>
-                        </a:spcAft>
-                        <a:buClrTx/>
-                        <a:buSzTx/>
-                        <a:buFontTx/>
-                        <a:buNone/>
-                        <a:tabLst/>
-                        <a:defRPr/>
-                      </a:pPr>
-                      <a:r>
-                        <a:rPr kumimoji="0" lang="es-AR" sz="1400" b="0" i="0" u="none" strike="noStrike" kern="1200" cap="none" spc="0" normalizeH="0" baseline="0" noProof="0" dirty="0" smtClean="0">
-                          <a:ln>
-                            <a:noFill/>
-                          </a:ln>
-                          <a:solidFill>
-                            <a:prstClr val="black"/>
-                          </a:solidFill>
-                          <a:effectLst/>
-                          <a:uLnTx/>
-                          <a:uFillTx/>
-                          <a:latin typeface="+mn-lt"/>
-                          <a:ea typeface="+mn-ea"/>
-                          <a:cs typeface="+mn-cs"/>
-                          <a:sym typeface="Wingdings" panose="05000000000000000000" pitchFamily="2" charset="2"/>
-                        </a:rPr>
-                        <a:t></a:t>
-                      </a:r>
-                    </a:p>
-                    <a:p>
-                      <a:pPr marL="0" marR="0" indent="0" algn="ctr" defTabSz="914400" rtl="0" eaLnBrk="1" fontAlgn="auto" latinLnBrk="0" hangingPunct="1">
-                        <a:lnSpc>
-                          <a:spcPct val="100000"/>
-                        </a:lnSpc>
-                        <a:spcBef>
-                          <a:spcPts val="0"/>
-                        </a:spcBef>
-                        <a:spcAft>
-                          <a:spcPts val="0"/>
-                        </a:spcAft>
-                        <a:buClrTx/>
-                        <a:buSzTx/>
-                        <a:buFontTx/>
-                        <a:buNone/>
-                        <a:tabLst/>
-                        <a:defRPr/>
-                      </a:pPr>
-                      <a:r>
-                        <a:rPr kumimoji="0" lang="es-AR" sz="1400" b="0" i="0" u="none" strike="noStrike" kern="1200" cap="none" spc="0" normalizeH="0" baseline="0" noProof="0" dirty="0" smtClean="0">
-                          <a:ln>
-                            <a:noFill/>
-                          </a:ln>
-                          <a:solidFill>
-                            <a:prstClr val="black"/>
-                          </a:solidFill>
-                          <a:effectLst/>
-                          <a:uLnTx/>
-                          <a:uFillTx/>
-                          <a:latin typeface="+mn-lt"/>
-                          <a:ea typeface="+mn-ea"/>
-                          <a:cs typeface="+mn-cs"/>
-                          <a:sym typeface="Wingdings" panose="05000000000000000000" pitchFamily="2" charset="2"/>
-                        </a:rPr>
-                        <a:t></a:t>
-                      </a:r>
-                    </a:p>
-                    <a:p>
-                      <a:pPr marL="0" marR="0" indent="0" algn="ctr" defTabSz="914400" rtl="0" eaLnBrk="1" fontAlgn="auto" latinLnBrk="0" hangingPunct="1">
-                        <a:lnSpc>
-                          <a:spcPct val="100000"/>
-                        </a:lnSpc>
-                        <a:spcBef>
-                          <a:spcPts val="0"/>
-                        </a:spcBef>
-                        <a:spcAft>
-                          <a:spcPts val="0"/>
-                        </a:spcAft>
-                        <a:buClrTx/>
-                        <a:buSzTx/>
-                        <a:buFontTx/>
-                        <a:buNone/>
-                        <a:tabLst/>
-                        <a:defRPr/>
-                      </a:pPr>
-                      <a:r>
-                        <a:rPr kumimoji="0" lang="es-AR" sz="1400" b="0" i="0" u="none" strike="noStrike" kern="1200" cap="none" spc="0" normalizeH="0" baseline="0" noProof="0" dirty="0" smtClean="0">
-                          <a:ln>
-                            <a:noFill/>
-                          </a:ln>
-                          <a:solidFill>
-                            <a:prstClr val="black"/>
-                          </a:solidFill>
-                          <a:effectLst/>
-                          <a:uLnTx/>
-                          <a:uFillTx/>
-                          <a:latin typeface="+mn-lt"/>
-                          <a:ea typeface="+mn-ea"/>
-                          <a:cs typeface="+mn-cs"/>
-                          <a:sym typeface="Wingdings" panose="05000000000000000000" pitchFamily="2" charset="2"/>
-                        </a:rPr>
-                        <a:t></a:t>
-                      </a:r>
-                    </a:p>
-                    <a:p>
-                      <a:pPr marL="0" marR="0" indent="0" algn="ctr" defTabSz="914400" rtl="0" eaLnBrk="1" fontAlgn="auto" latinLnBrk="0" hangingPunct="1">
-                        <a:lnSpc>
-                          <a:spcPct val="100000"/>
-                        </a:lnSpc>
-                        <a:spcBef>
-                          <a:spcPts val="0"/>
-                        </a:spcBef>
-                        <a:spcAft>
-                          <a:spcPts val="0"/>
-                        </a:spcAft>
-                        <a:buClrTx/>
-                        <a:buSzTx/>
-                        <a:buFontTx/>
-                        <a:buNone/>
-                        <a:tabLst/>
-                        <a:defRPr/>
-                      </a:pPr>
-                      <a:r>
-                        <a:rPr kumimoji="0" lang="es-AR" sz="1400" b="0" i="0" u="none" strike="noStrike" kern="1200" cap="none" spc="0" normalizeH="0" baseline="0" noProof="0" dirty="0" smtClean="0">
-                          <a:ln>
-                            <a:noFill/>
-                          </a:ln>
-                          <a:solidFill>
-                            <a:prstClr val="black"/>
-                          </a:solidFill>
-                          <a:effectLst/>
-                          <a:uLnTx/>
-                          <a:uFillTx/>
-                          <a:latin typeface="+mn-lt"/>
-                          <a:ea typeface="+mn-ea"/>
-                          <a:cs typeface="+mn-cs"/>
-                          <a:sym typeface="Wingdings" panose="05000000000000000000" pitchFamily="2" charset="2"/>
-                        </a:rPr>
-                        <a:t></a:t>
-                      </a:r>
-                    </a:p>
-                    <a:p>
-                      <a:pPr marL="0" marR="0" indent="0" algn="ctr" defTabSz="914400" rtl="0" eaLnBrk="1" fontAlgn="auto" latinLnBrk="0" hangingPunct="1">
-                        <a:lnSpc>
-                          <a:spcPct val="100000"/>
-                        </a:lnSpc>
-                        <a:spcBef>
-                          <a:spcPts val="0"/>
-                        </a:spcBef>
-                        <a:spcAft>
-                          <a:spcPts val="0"/>
-                        </a:spcAft>
-                        <a:buClrTx/>
-                        <a:buSzTx/>
-                        <a:buFontTx/>
-                        <a:buNone/>
-                        <a:tabLst/>
-                        <a:defRPr/>
-                      </a:pPr>
-                      <a:r>
-                        <a:rPr kumimoji="0" lang="es-AR" sz="1400" b="0" i="0" u="none" strike="noStrike" kern="1200" cap="none" spc="0" normalizeH="0" baseline="0" noProof="0" dirty="0" smtClean="0">
-                          <a:ln>
-                            <a:noFill/>
-                          </a:ln>
-                          <a:solidFill>
-                            <a:prstClr val="black"/>
-                          </a:solidFill>
-                          <a:effectLst/>
-                          <a:uLnTx/>
-                          <a:uFillTx/>
-                          <a:latin typeface="+mn-lt"/>
-                          <a:ea typeface="+mn-ea"/>
-                          <a:cs typeface="+mn-cs"/>
-                          <a:sym typeface="Wingdings" panose="05000000000000000000" pitchFamily="2" charset="2"/>
-                        </a:rPr>
-                        <a:t></a:t>
-                      </a:r>
-                    </a:p>
-                    <a:p>
-                      <a:pPr marL="0" marR="0" indent="0" algn="ctr" defTabSz="914400" rtl="0" eaLnBrk="1" fontAlgn="auto" latinLnBrk="0" hangingPunct="1">
-                        <a:lnSpc>
-                          <a:spcPct val="100000"/>
-                        </a:lnSpc>
-                        <a:spcBef>
-                          <a:spcPts val="0"/>
-                        </a:spcBef>
-                        <a:spcAft>
-                          <a:spcPts val="0"/>
-                        </a:spcAft>
-                        <a:buClrTx/>
-                        <a:buSzTx/>
-                        <a:buFontTx/>
-                        <a:buNone/>
-                        <a:tabLst/>
-                        <a:defRPr/>
-                      </a:pPr>
-                      <a:r>
-                        <a:rPr kumimoji="0" lang="es-AR" sz="1400" b="0" i="0" u="none" strike="noStrike" kern="1200" cap="none" spc="0" normalizeH="0" baseline="0" noProof="0" dirty="0" smtClean="0">
-                          <a:ln>
-                            <a:noFill/>
-                          </a:ln>
-                          <a:solidFill>
-                            <a:prstClr val="black"/>
-                          </a:solidFill>
-                          <a:effectLst/>
-                          <a:uLnTx/>
-                          <a:uFillTx/>
-                          <a:latin typeface="+mn-lt"/>
-                          <a:ea typeface="+mn-ea"/>
-                          <a:cs typeface="+mn-cs"/>
-                          <a:sym typeface="Wingdings" panose="05000000000000000000" pitchFamily="2" charset="2"/>
-                        </a:rPr>
-                        <a:t></a:t>
-                      </a:r>
-                    </a:p>
-                    <a:p>
-                      <a:pPr marL="0" marR="0" indent="0" algn="ctr" defTabSz="914400" rtl="0" eaLnBrk="1" fontAlgn="auto" latinLnBrk="0" hangingPunct="1">
-                        <a:lnSpc>
-                          <a:spcPct val="100000"/>
-                        </a:lnSpc>
-                        <a:spcBef>
-                          <a:spcPts val="0"/>
-                        </a:spcBef>
-                        <a:spcAft>
-                          <a:spcPts val="0"/>
-                        </a:spcAft>
-                        <a:buClrTx/>
-                        <a:buSzTx/>
-                        <a:buFontTx/>
-                        <a:buNone/>
-                        <a:tabLst/>
-                        <a:defRPr/>
-                      </a:pPr>
-                      <a:r>
-                        <a:rPr kumimoji="0" lang="es-AR" sz="1400" b="0" i="0" u="none" strike="noStrike" kern="1200" cap="none" spc="0" normalizeH="0" baseline="0" noProof="0" dirty="0" smtClean="0">
-                          <a:ln>
-                            <a:noFill/>
-                          </a:ln>
-                          <a:solidFill>
-                            <a:prstClr val="black"/>
-                          </a:solidFill>
-                          <a:effectLst/>
-                          <a:uLnTx/>
-                          <a:uFillTx/>
-                          <a:latin typeface="+mn-lt"/>
-                          <a:ea typeface="+mn-ea"/>
-                          <a:cs typeface="+mn-cs"/>
-                          <a:sym typeface="Wingdings" panose="05000000000000000000" pitchFamily="2" charset="2"/>
-                        </a:rPr>
-                        <a:t></a:t>
-                      </a:r>
-                    </a:p>
-                  </a:txBody>
-                  <a:tcPr/>
-                </a:tc>
-                <a:extLst>
-                  <a:ext uri="{0D108BD9-81ED-4DB2-BD59-A6C34878D82A}">
-                    <a16:rowId xmlns:a16="http://schemas.microsoft.com/office/drawing/2014/main" val="1308215762"/>
-                  </a:ext>
-                </a:extLst>
-              </a:tr>
-              <a:tr h="182967">
-                <a:tc>
-                  <a:txBody>
-                    <a:bodyPr/>
-                    <a:lstStyle/>
-                    <a:p>
-                      <a:pPr marL="0" indent="0">
-                        <a:buFont typeface="+mj-lt"/>
-                        <a:buNone/>
-                      </a:pPr>
-                      <a:r>
-                        <a:rPr lang="es-AR" sz="1400" dirty="0" smtClean="0"/>
-                        <a:t>Total: 97%</a:t>
-                      </a:r>
-                    </a:p>
-                  </a:txBody>
-                  <a:tcPr/>
-                </a:tc>
-                <a:tc>
-                  <a:txBody>
-                    <a:bodyPr/>
-                    <a:lstStyle/>
-                    <a:p>
-                      <a:pPr algn="ctr"/>
-                      <a:r>
-                        <a:rPr lang="es-AR" sz="1400" dirty="0" smtClean="0"/>
-                        <a:t>100%</a:t>
-                      </a:r>
-                      <a:endParaRPr lang="es-AR" sz="1400" dirty="0"/>
-                    </a:p>
-                  </a:txBody>
-                  <a:tcPr/>
-                </a:tc>
-                <a:tc>
-                  <a:txBody>
-                    <a:bodyPr/>
-                    <a:lstStyle/>
-                    <a:p>
-                      <a:pPr algn="ctr"/>
-                      <a:r>
-                        <a:rPr lang="es-AR" sz="1400" dirty="0" smtClean="0"/>
-                        <a:t>100%</a:t>
-                      </a:r>
-                      <a:endParaRPr lang="es-AR" sz="1400" dirty="0"/>
-                    </a:p>
-                  </a:txBody>
-                  <a:tcPr/>
-                </a:tc>
-                <a:tc>
-                  <a:txBody>
-                    <a:bodyPr/>
-                    <a:lstStyle/>
-                    <a:p>
-                      <a:pPr algn="ctr"/>
-                      <a:r>
-                        <a:rPr lang="es-AR" sz="1400" dirty="0" smtClean="0"/>
-                        <a:t>100%</a:t>
-                      </a:r>
-                      <a:endParaRPr lang="es-AR" sz="1400" dirty="0"/>
-                    </a:p>
-                  </a:txBody>
-                  <a:tcPr/>
-                </a:tc>
-                <a:extLst>
-                  <a:ext uri="{0D108BD9-81ED-4DB2-BD59-A6C34878D82A}">
-                    <a16:rowId xmlns:a16="http://schemas.microsoft.com/office/drawing/2014/main" val="978846842"/>
-                  </a:ext>
-                </a:extLst>
-              </a:tr>
-            </a:tbl>
-          </a:graphicData>
-        </a:graphic>
-      </p:graphicFrame>
-      <p:sp>
-        <p:nvSpPr>
-          <p:cNvPr id="8" name="CuadroTexto 7"/>
-          <p:cNvSpPr txBox="1"/>
-          <p:nvPr/>
-        </p:nvSpPr>
-        <p:spPr>
-          <a:xfrm>
-            <a:off x="838200" y="5455270"/>
-            <a:ext cx="9802368" cy="369332"/>
-          </a:xfrm>
-          <a:prstGeom prst="rect">
-            <a:avLst/>
-          </a:prstGeom>
-          <a:noFill/>
-        </p:spPr>
-        <p:txBody>
-          <a:bodyPr wrap="square" rtlCol="0">
-            <a:spAutoFit/>
-          </a:bodyPr>
-          <a:lstStyle/>
-          <a:p>
-            <a:r>
-              <a:rPr lang="es-AR" baseline="30000" dirty="0" smtClean="0"/>
-              <a:t>(x) </a:t>
-            </a:r>
-            <a:r>
-              <a:rPr lang="es-AR" dirty="0" smtClean="0"/>
-              <a:t>Pendiente: formato de </a:t>
-            </a:r>
-            <a:r>
-              <a:rPr lang="es-AR" dirty="0" err="1" smtClean="0"/>
-              <a:t>edic</a:t>
-            </a:r>
-            <a:r>
-              <a:rPr lang="es-AR" dirty="0" smtClean="0"/>
-              <a:t>-demás</a:t>
-            </a:r>
-          </a:p>
-        </p:txBody>
-      </p:sp>
-      <p:sp>
-        <p:nvSpPr>
-          <p:cNvPr id="9" name="Marcador de fecha 8"/>
-          <p:cNvSpPr>
-            <a:spLocks noGrp="1"/>
-          </p:cNvSpPr>
-          <p:nvPr>
-            <p:ph type="dt" sz="half" idx="10"/>
-          </p:nvPr>
-        </p:nvSpPr>
-        <p:spPr/>
-        <p:txBody>
-          <a:bodyPr/>
-          <a:lstStyle/>
-          <a:p>
-            <a:fld id="{026729C1-673E-4729-AC71-847050BEA676}" type="datetime1">
-              <a:rPr lang="es-AR" smtClean="0"/>
-              <a:t>18/dic.22</a:t>
-            </a:fld>
-            <a:endParaRPr lang="es-AR"/>
-          </a:p>
-        </p:txBody>
-      </p:sp>
-    </p:spTree>
-    <p:extLst>
-      <p:ext uri="{BB962C8B-B14F-4D97-AF65-F5344CB8AC3E}">
-        <p14:creationId xmlns:p14="http://schemas.microsoft.com/office/powerpoint/2010/main" val="2971930187"/>
       </p:ext>
     </p:extLst>
   </p:cSld>

--- a/0-varios/Archivos-Office/Desarrollo web Teovisión v2.pptx
+++ b/0-varios/Archivos-Office/Desarrollo web Teovisión v2.pptx
@@ -3067,7 +3067,7 @@
           <a:p>
             <a:fld id="{15A53EF2-857A-475A-B989-D621464FC5FE}" type="datetimeFigureOut">
               <a:rPr lang="es-AR" smtClean="0"/>
-              <a:t>19/dic.22</a:t>
+              <a:t>20/dic.22</a:t>
             </a:fld>
             <a:endParaRPr lang="es-AR"/>
           </a:p>
@@ -3594,7 +3594,7 @@
           <a:p>
             <a:fld id="{61A29766-F8F1-40A0-9012-1D6D854DEF19}" type="datetime1">
               <a:rPr lang="es-AR" smtClean="0"/>
-              <a:t>19/dic.22</a:t>
+              <a:t>20/dic.22</a:t>
             </a:fld>
             <a:endParaRPr lang="es-AR"/>
           </a:p>
@@ -3774,7 +3774,7 @@
           <a:p>
             <a:fld id="{AE6B27E4-E037-4417-BAA1-4EA2285D12B1}" type="datetime1">
               <a:rPr lang="es-AR" smtClean="0"/>
-              <a:t>19/dic.22</a:t>
+              <a:t>20/dic.22</a:t>
             </a:fld>
             <a:endParaRPr lang="es-AR"/>
           </a:p>
@@ -3954,7 +3954,7 @@
           <a:p>
             <a:fld id="{06E9FD0F-B1A3-4BFC-9B6C-EFC7C439C1C6}" type="datetime1">
               <a:rPr lang="es-AR" smtClean="0"/>
-              <a:t>19/dic.22</a:t>
+              <a:t>20/dic.22</a:t>
             </a:fld>
             <a:endParaRPr lang="es-AR"/>
           </a:p>
@@ -4200,7 +4200,7 @@
           <a:p>
             <a:fld id="{12B0B659-48BD-489A-B1DB-2611836A1BF3}" type="datetime1">
               <a:rPr lang="es-AR" smtClean="0"/>
-              <a:t>19/dic.22</a:t>
+              <a:t>20/dic.22</a:t>
             </a:fld>
             <a:endParaRPr lang="es-AR"/>
           </a:p>
@@ -4432,7 +4432,7 @@
           <a:p>
             <a:fld id="{2012BD2E-4DE1-43F3-9389-38F8F1A594C5}" type="datetime1">
               <a:rPr lang="es-AR" smtClean="0"/>
-              <a:t>19/dic.22</a:t>
+              <a:t>20/dic.22</a:t>
             </a:fld>
             <a:endParaRPr lang="es-AR"/>
           </a:p>
@@ -4799,7 +4799,7 @@
           <a:p>
             <a:fld id="{C40B5982-6B3C-4989-8EDA-6F8B49694493}" type="datetime1">
               <a:rPr lang="es-AR" smtClean="0"/>
-              <a:t>19/dic.22</a:t>
+              <a:t>20/dic.22</a:t>
             </a:fld>
             <a:endParaRPr lang="es-AR"/>
           </a:p>
@@ -4945,7 +4945,7 @@
           <a:p>
             <a:fld id="{BC4B7BD7-8412-49DF-88C1-6EBDC5AFB437}" type="datetime1">
               <a:rPr lang="es-AR" smtClean="0"/>
-              <a:t>19/dic.22</a:t>
+              <a:t>20/dic.22</a:t>
             </a:fld>
             <a:endParaRPr lang="es-AR"/>
           </a:p>
@@ -5040,7 +5040,7 @@
           <a:p>
             <a:fld id="{3F2EFFA2-EE5D-4D7A-8A67-E43B2E1F3BCF}" type="datetime1">
               <a:rPr lang="es-AR" smtClean="0"/>
-              <a:t>19/dic.22</a:t>
+              <a:t>20/dic.22</a:t>
             </a:fld>
             <a:endParaRPr lang="es-AR"/>
           </a:p>
@@ -5317,7 +5317,7 @@
           <a:p>
             <a:fld id="{1657CC18-C596-4B8D-B0F2-39407AF309E9}" type="datetime1">
               <a:rPr lang="es-AR" smtClean="0"/>
-              <a:t>19/dic.22</a:t>
+              <a:t>20/dic.22</a:t>
             </a:fld>
             <a:endParaRPr lang="es-AR"/>
           </a:p>
@@ -5570,7 +5570,7 @@
           <a:p>
             <a:fld id="{70E49125-F661-48D8-9660-7F121CB22E0F}" type="datetime1">
               <a:rPr lang="es-AR" smtClean="0"/>
-              <a:t>19/dic.22</a:t>
+              <a:t>20/dic.22</a:t>
             </a:fld>
             <a:endParaRPr lang="es-AR"/>
           </a:p>
@@ -5783,7 +5783,7 @@
           <a:p>
             <a:fld id="{18DEFC15-B62B-4B9A-91AC-2F8E1CBC4E3C}" type="datetime1">
               <a:rPr lang="es-AR" smtClean="0"/>
-              <a:t>19/dic.22</a:t>
+              <a:t>20/dic.22</a:t>
             </a:fld>
             <a:endParaRPr lang="es-AR"/>
           </a:p>
@@ -8826,7 +8826,7 @@
           <a:p>
             <a:fld id="{026729C1-673E-4729-AC71-847050BEA676}" type="datetime1">
               <a:rPr lang="es-AR" smtClean="0"/>
-              <a:t>19/dic.22</a:t>
+              <a:t>20/dic.22</a:t>
             </a:fld>
             <a:endParaRPr lang="es-AR"/>
           </a:p>
@@ -8917,7 +8917,7 @@
           <p:nvPr>
             <p:extLst>
               <p:ext uri="{D42A27DB-BD31-4B8C-83A1-F6EECF244321}">
-                <p14:modId xmlns:p14="http://schemas.microsoft.com/office/powerpoint/2010/main" val="3750539081"/>
+                <p14:modId xmlns:p14="http://schemas.microsoft.com/office/powerpoint/2010/main" val="4096991807"/>
               </p:ext>
             </p:extLst>
           </p:nvPr>
@@ -9554,7 +9554,25 @@
                           <a:cs typeface="+mn-cs"/>
                           <a:sym typeface="Wingdings" panose="05000000000000000000" pitchFamily="2" charset="2"/>
                         </a:rPr>
-                        <a:t>	35%</a:t>
+                        <a:t>	</a:t>
+                      </a:r>
+                      <a:r>
+                        <a:rPr kumimoji="0" lang="es-AR" sz="1400" b="0" i="0" u="none" strike="noStrike" kern="1200" cap="none" spc="0" normalizeH="0" baseline="0" noProof="0" dirty="0" smtClean="0">
+                          <a:ln>
+                            <a:noFill/>
+                          </a:ln>
+                          <a:solidFill>
+                            <a:prstClr val="black"/>
+                          </a:solidFill>
+                          <a:effectLst/>
+                          <a:uLnTx/>
+                          <a:uFillTx/>
+                          <a:latin typeface="Calibri" panose="020F0502020204030204"/>
+                          <a:ea typeface="+mn-ea"/>
+                          <a:cs typeface="+mn-cs"/>
+                          <a:sym typeface="Wingdings" panose="05000000000000000000" pitchFamily="2" charset="2"/>
+                        </a:rPr>
+                        <a:t>100%</a:t>
                       </a:r>
                       <a:endParaRPr kumimoji="0" lang="es-AR" sz="1400" b="0" i="0" u="none" strike="noStrike" kern="1200" cap="none" spc="0" normalizeH="0" baseline="0" noProof="0" dirty="0" smtClean="0">
                         <a:ln>
@@ -9678,7 +9696,25 @@
                           <a:cs typeface="+mn-cs"/>
                           <a:sym typeface="Wingdings" panose="05000000000000000000" pitchFamily="2" charset="2"/>
                         </a:rPr>
-                        <a:t>	35%</a:t>
+                        <a:t>	</a:t>
+                      </a:r>
+                      <a:r>
+                        <a:rPr kumimoji="0" lang="es-AR" sz="1400" b="0" i="0" u="none" strike="noStrike" kern="1200" cap="none" spc="0" normalizeH="0" baseline="0" noProof="0" dirty="0" smtClean="0">
+                          <a:ln>
+                            <a:noFill/>
+                          </a:ln>
+                          <a:solidFill>
+                            <a:prstClr val="black"/>
+                          </a:solidFill>
+                          <a:effectLst/>
+                          <a:uLnTx/>
+                          <a:uFillTx/>
+                          <a:latin typeface="Calibri" panose="020F0502020204030204"/>
+                          <a:ea typeface="+mn-ea"/>
+                          <a:cs typeface="+mn-cs"/>
+                          <a:sym typeface="Wingdings" panose="05000000000000000000" pitchFamily="2" charset="2"/>
+                        </a:rPr>
+                        <a:t>100%</a:t>
                       </a:r>
                       <a:endParaRPr kumimoji="0" lang="es-AR" sz="1400" b="0" i="0" u="none" strike="noStrike" kern="1200" cap="none" spc="0" normalizeH="0" baseline="0" noProof="0" dirty="0" smtClean="0">
                         <a:ln>
@@ -9737,8 +9773,22 @@
                           <a:ea typeface="+mn-ea"/>
                           <a:cs typeface="+mn-cs"/>
                         </a:rPr>
-                        <a:t>35%</a:t>
-                      </a:r>
+                        <a:t>78%</a:t>
+                      </a:r>
+                      <a:endParaRPr kumimoji="0" lang="es-AR" sz="1800" b="0" i="0" u="none" strike="noStrike" kern="1200" cap="none" spc="0" normalizeH="0" baseline="0" noProof="0" dirty="0" smtClean="0">
+                        <a:ln>
+                          <a:noFill/>
+                        </a:ln>
+                        <a:solidFill>
+                          <a:prstClr val="black"/>
+                        </a:solidFill>
+                        <a:effectLst/>
+                        <a:uLnTx/>
+                        <a:uFillTx/>
+                        <a:latin typeface="Calibri" panose="020F0502020204030204"/>
+                        <a:ea typeface="+mn-ea"/>
+                        <a:cs typeface="+mn-cs"/>
+                      </a:endParaRPr>
                     </a:p>
                   </a:txBody>
                   <a:tcPr anchor="ctr"/>
@@ -9880,7 +9930,7 @@
                           <a:ea typeface="+mn-ea"/>
                           <a:cs typeface="+mn-cs"/>
                         </a:rPr>
-                        <a:t>67%</a:t>
+                        <a:t>89%</a:t>
                       </a:r>
                       <a:endParaRPr lang="es-AR" sz="1800" b="1" kern="1200" noProof="0" dirty="0">
                         <a:solidFill>
@@ -9981,7 +10031,7 @@
           <a:p>
             <a:fld id="{AA591B98-6277-41D2-B70A-1673F04ACFE9}" type="datetime1">
               <a:rPr lang="es-AR" smtClean="0"/>
-              <a:t>19/dic.22</a:t>
+              <a:t>20/dic.22</a:t>
             </a:fld>
             <a:endParaRPr lang="es-AR"/>
           </a:p>
@@ -11098,7 +11148,7 @@
           <a:p>
             <a:fld id="{C5CE8752-E2F2-47CF-97DC-DD84E18D0F4F}" type="datetime1">
               <a:rPr lang="es-AR" smtClean="0"/>
-              <a:t>19/dic.22</a:t>
+              <a:t>20/dic.22</a:t>
             </a:fld>
             <a:endParaRPr lang="es-AR"/>
           </a:p>
@@ -12714,7 +12764,7 @@
           <a:p>
             <a:fld id="{C7F284DD-8BD8-4AE3-AD53-DA6B95DB2724}" type="datetime1">
               <a:rPr lang="es-AR" smtClean="0"/>
-              <a:t>19/dic.22</a:t>
+              <a:t>20/dic.22</a:t>
             </a:fld>
             <a:endParaRPr lang="es-AR"/>
           </a:p>
@@ -13318,7 +13368,7 @@
           <a:p>
             <a:fld id="{684A9043-1EFE-4B98-B43D-E1961C97A46D}" type="datetime1">
               <a:rPr lang="es-AR" smtClean="0"/>
-              <a:t>19/dic.22</a:t>
+              <a:t>20/dic.22</a:t>
             </a:fld>
             <a:endParaRPr lang="es-AR"/>
           </a:p>
@@ -14961,7 +15011,7 @@
           <a:p>
             <a:fld id="{F2ABE03F-56D9-4DAA-B448-BCAE1AF83530}" type="datetime1">
               <a:rPr lang="es-AR" smtClean="0"/>
-              <a:t>19/dic.22</a:t>
+              <a:t>20/dic.22</a:t>
             </a:fld>
             <a:endParaRPr lang="es-AR"/>
           </a:p>
@@ -15723,7 +15773,7 @@
           <a:p>
             <a:fld id="{E951C919-5623-4638-8F14-AA256741F6A5}" type="datetime1">
               <a:rPr lang="es-AR" smtClean="0"/>
-              <a:t>19/dic.22</a:t>
+              <a:t>20/dic.22</a:t>
             </a:fld>
             <a:endParaRPr lang="es-AR"/>
           </a:p>
@@ -15874,7 +15924,7 @@
           <a:p>
             <a:fld id="{55A656B1-C9FD-42B0-AB20-78DD3B9FFBDA}" type="datetime1">
               <a:rPr lang="es-AR" smtClean="0"/>
-              <a:t>19/dic.22</a:t>
+              <a:t>20/dic.22</a:t>
             </a:fld>
             <a:endParaRPr lang="es-AR"/>
           </a:p>
@@ -16423,7 +16473,7 @@
           <a:p>
             <a:fld id="{E23C16FB-EA57-49DC-AABC-6B4D367E3A00}" type="datetime1">
               <a:rPr lang="es-AR" smtClean="0"/>
-              <a:t>19/dic.22</a:t>
+              <a:t>20/dic.22</a:t>
             </a:fld>
             <a:endParaRPr lang="es-AR"/>
           </a:p>
@@ -16967,7 +17017,7 @@
           <a:p>
             <a:fld id="{927297CD-6264-42C7-ABE6-86FA57CA8201}" type="datetime1">
               <a:rPr lang="es-AR" smtClean="0"/>
-              <a:t>19/dic.22</a:t>
+              <a:t>20/dic.22</a:t>
             </a:fld>
             <a:endParaRPr lang="es-AR"/>
           </a:p>
@@ -17205,28 +17255,13 @@
             </a:pPr>
             <a:r>
               <a:rPr lang="es-AR" dirty="0" smtClean="0"/>
-              <a:t>CRUD + Revisión de Productos</a:t>
+              <a:t>CRUD + Revisión de </a:t>
             </a:r>
-          </a:p>
-          <a:p>
-            <a:pPr marL="514350" indent="-514350">
-              <a:buFont typeface="+mj-lt"/>
-              <a:buAutoNum type="arabicPeriod"/>
-            </a:pPr>
             <a:r>
               <a:rPr lang="es-AR" dirty="0" smtClean="0"/>
-              <a:t>CRUD + Revisión de RCLV</a:t>
+              <a:t>Productos, RCLV, y Links</a:t>
             </a:r>
-          </a:p>
-          <a:p>
-            <a:pPr marL="514350" indent="-514350">
-              <a:buFont typeface="+mj-lt"/>
-              <a:buAutoNum type="arabicPeriod"/>
-            </a:pPr>
-            <a:r>
-              <a:rPr lang="es-AR" dirty="0" smtClean="0"/>
-              <a:t>ABM + Revisión de Links</a:t>
-            </a:r>
+            <a:endParaRPr lang="es-AR" dirty="0" smtClean="0"/>
           </a:p>
           <a:p>
             <a:pPr marL="514350" indent="-514350">
@@ -17315,7 +17350,7 @@
           <a:p>
             <a:fld id="{7427010C-2A1D-4BE3-9336-5EA48CCE2D32}" type="datetime1">
               <a:rPr lang="es-AR" smtClean="0"/>
-              <a:t>19/dic.22</a:t>
+              <a:t>20/dic.22</a:t>
             </a:fld>
             <a:endParaRPr lang="es-AR"/>
           </a:p>
@@ -17368,11 +17403,7 @@
           <a:p>
             <a:r>
               <a:rPr lang="es-AR" dirty="0" smtClean="0"/>
-              <a:t>Postergación para la Versión </a:t>
-            </a:r>
-            <a:r>
-              <a:rPr lang="es-AR" dirty="0" smtClean="0"/>
-              <a:t>2</a:t>
+              <a:t>Postergación para la Versión 2</a:t>
             </a:r>
             <a:endParaRPr lang="es-AR" dirty="0"/>
           </a:p>
@@ -17509,7 +17540,7 @@
           <a:p>
             <a:fld id="{EB150FDE-CE14-4564-B75A-7B098249F7BF}" type="datetime1">
               <a:rPr lang="es-AR" smtClean="0"/>
-              <a:t>19/dic.22</a:t>
+              <a:t>20/dic.22</a:t>
             </a:fld>
             <a:endParaRPr lang="es-AR"/>
           </a:p>
@@ -17587,11 +17618,7 @@
           <a:p>
             <a:r>
               <a:rPr lang="es-AR" dirty="0" smtClean="0"/>
-              <a:t>Gestión </a:t>
-            </a:r>
-            <a:r>
-              <a:rPr lang="es-AR" dirty="0" smtClean="0"/>
-              <a:t>avanzada de usuario</a:t>
+              <a:t>Gestión avanzada de usuario</a:t>
             </a:r>
           </a:p>
           <a:p>
@@ -17621,11 +17648,7 @@
           <a:p>
             <a:r>
               <a:rPr lang="es-AR" dirty="0" smtClean="0"/>
-              <a:t>Gestión </a:t>
-            </a:r>
-            <a:r>
-              <a:rPr lang="es-AR" dirty="0" smtClean="0"/>
-              <a:t>de contáctenos</a:t>
+              <a:t>Gestión de contáctenos</a:t>
             </a:r>
           </a:p>
           <a:p>
@@ -17684,7 +17707,7 @@
           <a:p>
             <a:fld id="{EB150FDE-CE14-4564-B75A-7B098249F7BF}" type="datetime1">
               <a:rPr lang="es-AR" smtClean="0"/>
-              <a:t>19/dic.22</a:t>
+              <a:t>20/dic.22</a:t>
             </a:fld>
             <a:endParaRPr lang="es-AR"/>
           </a:p>
@@ -17775,7 +17798,7 @@
           <p:nvPr>
             <p:extLst>
               <p:ext uri="{D42A27DB-BD31-4B8C-83A1-F6EECF244321}">
-                <p14:modId xmlns:p14="http://schemas.microsoft.com/office/powerpoint/2010/main" val="186856667"/>
+                <p14:modId xmlns:p14="http://schemas.microsoft.com/office/powerpoint/2010/main" val="3174355119"/>
               </p:ext>
             </p:extLst>
           </p:nvPr>
@@ -18319,7 +18342,7 @@
                           <a:ea typeface="+mn-ea"/>
                           <a:cs typeface="+mn-cs"/>
                         </a:rPr>
-                        <a:t>67%</a:t>
+                        <a:t>89%</a:t>
                       </a:r>
                       <a:endParaRPr kumimoji="0" lang="es-AR" sz="1800" b="0" i="0" u="none" strike="noStrike" kern="1200" cap="none" spc="0" normalizeH="0" baseline="0" noProof="0" dirty="0">
                         <a:ln>
@@ -19542,7 +19565,7 @@
           <a:p>
             <a:fld id="{6DB8CD3C-3DAA-4D3B-B403-6CEE1FEBE87F}" type="datetime1">
               <a:rPr lang="es-AR" smtClean="0"/>
-              <a:t>19/dic.22</a:t>
+              <a:t>20/dic.22</a:t>
             </a:fld>
             <a:endParaRPr lang="es-AR"/>
           </a:p>
@@ -20213,7 +20236,7 @@
           <a:p>
             <a:fld id="{EEC263DB-ED5C-4C87-B1ED-E91935869EE7}" type="datetime1">
               <a:rPr lang="es-AR" smtClean="0"/>
-              <a:t>19/dic.22</a:t>
+              <a:t>20/dic.22</a:t>
             </a:fld>
             <a:endParaRPr lang="es-AR"/>
           </a:p>

--- a/0-varios/Archivos-Office/Desarrollo web Teovisión v2.pptx
+++ b/0-varios/Archivos-Office/Desarrollo web Teovisión v2.pptx
@@ -8917,7 +8917,7 @@
           <p:nvPr>
             <p:extLst>
               <p:ext uri="{D42A27DB-BD31-4B8C-83A1-F6EECF244321}">
-                <p14:modId xmlns:p14="http://schemas.microsoft.com/office/powerpoint/2010/main" val="4096991807"/>
+                <p14:modId xmlns:p14="http://schemas.microsoft.com/office/powerpoint/2010/main" val="866068711"/>
               </p:ext>
             </p:extLst>
           </p:nvPr>
@@ -9536,43 +9536,7 @@
                           <a:cs typeface="+mn-cs"/>
                           <a:sym typeface="Wingdings" panose="05000000000000000000" pitchFamily="2" charset="2"/>
                         </a:rPr>
-                        <a:t></a:t>
-                      </a:r>
-                      <a:r>
-                        <a:rPr kumimoji="0" lang="es-AR" sz="1400" b="0" i="0" u="none" strike="noStrike" kern="1200" cap="none" spc="0" normalizeH="0" baseline="0" noProof="0" dirty="0" smtClean="0">
-                          <a:ln>
-                            <a:noFill/>
-                          </a:ln>
-                          <a:solidFill>
-                            <a:prstClr val="black"/>
-                          </a:solidFill>
-                          <a:effectLst/>
-                          <a:uLnTx/>
-                          <a:uFillTx/>
-                          <a:latin typeface="Calibri" panose="020F0502020204030204"/>
-                          <a:ea typeface="+mn-ea"/>
-                          <a:cs typeface="+mn-cs"/>
-                          <a:sym typeface="Wingdings" panose="05000000000000000000" pitchFamily="2" charset="2"/>
-                        </a:rPr>
-                        <a:t>	</a:t>
-                      </a:r>
-                      <a:r>
-                        <a:rPr kumimoji="0" lang="es-AR" sz="1400" b="0" i="0" u="none" strike="noStrike" kern="1200" cap="none" spc="0" normalizeH="0" baseline="0" noProof="0" dirty="0" smtClean="0">
-                          <a:ln>
-                            <a:noFill/>
-                          </a:ln>
-                          <a:solidFill>
-                            <a:prstClr val="black"/>
-                          </a:solidFill>
-                          <a:effectLst/>
-                          <a:uLnTx/>
-                          <a:uFillTx/>
-                          <a:latin typeface="Calibri" panose="020F0502020204030204"/>
-                          <a:ea typeface="+mn-ea"/>
-                          <a:cs typeface="+mn-cs"/>
-                          <a:sym typeface="Wingdings" panose="05000000000000000000" pitchFamily="2" charset="2"/>
-                        </a:rPr>
-                        <a:t>100%</a:t>
+                        <a:t>	100%</a:t>
                       </a:r>
                       <a:endParaRPr kumimoji="0" lang="es-AR" sz="1400" b="0" i="0" u="none" strike="noStrike" kern="1200" cap="none" spc="0" normalizeH="0" baseline="0" noProof="0" dirty="0" smtClean="0">
                         <a:ln>
@@ -9584,60 +9548,7 @@
                         <a:effectLst/>
                         <a:uLnTx/>
                         <a:uFillTx/>
-                        <a:latin typeface="Calibri" panose="020F0502020204030204"/>
-                        <a:ea typeface="+mn-ea"/>
-                        <a:cs typeface="+mn-cs"/>
-                      </a:endParaRPr>
-                    </a:p>
-                    <a:p>
-                      <a:pPr marL="0" marR="0" lvl="0" indent="0" algn="ctr" defTabSz="914400" rtl="0" eaLnBrk="1" fontAlgn="auto" latinLnBrk="0" hangingPunct="1">
-                        <a:lnSpc>
-                          <a:spcPct val="100000"/>
-                        </a:lnSpc>
-                        <a:spcBef>
-                          <a:spcPts val="0"/>
-                        </a:spcBef>
-                        <a:spcAft>
-                          <a:spcPts val="0"/>
-                        </a:spcAft>
-                        <a:buClrTx/>
-                        <a:buSzTx/>
-                        <a:buFontTx/>
-                        <a:buNone/>
-                        <a:tabLst>
-                          <a:tab pos="630238" algn="r"/>
-                        </a:tabLst>
-                        <a:defRPr/>
-                      </a:pPr>
-                      <a:r>
-                        <a:rPr kumimoji="0" lang="es-AR" sz="1400" b="0" i="0" u="none" strike="noStrike" kern="1200" cap="none" spc="0" normalizeH="0" baseline="0" noProof="0" dirty="0" smtClean="0">
-                          <a:ln>
-                            <a:noFill/>
-                          </a:ln>
-                          <a:solidFill>
-                            <a:prstClr val="black"/>
-                          </a:solidFill>
-                          <a:effectLst/>
-                          <a:uLnTx/>
-                          <a:uFillTx/>
-                          <a:latin typeface="Calibri" panose="020F0502020204030204"/>
-                          <a:ea typeface="+mn-ea"/>
-                          <a:cs typeface="+mn-cs"/>
-                          <a:sym typeface="Wingdings" panose="05000000000000000000" pitchFamily="2" charset="2"/>
-                        </a:rPr>
-                        <a:t>	35%</a:t>
-                      </a:r>
-                      <a:endParaRPr kumimoji="0" lang="es-AR" sz="1400" b="0" i="0" u="none" strike="noStrike" kern="1200" cap="none" spc="0" normalizeH="0" baseline="0" noProof="0" dirty="0" smtClean="0">
-                        <a:ln>
-                          <a:noFill/>
-                        </a:ln>
-                        <a:solidFill>
-                          <a:prstClr val="black"/>
-                        </a:solidFill>
-                        <a:effectLst/>
-                        <a:uLnTx/>
-                        <a:uFillTx/>
-                        <a:latin typeface="Calibri" panose="020F0502020204030204"/>
+                        <a:latin typeface="+mn-lt"/>
                         <a:ea typeface="+mn-ea"/>
                         <a:cs typeface="+mn-cs"/>
                       </a:endParaRPr>
@@ -9678,8 +9589,43 @@
                           <a:cs typeface="+mn-cs"/>
                           <a:sym typeface="Wingdings" panose="05000000000000000000" pitchFamily="2" charset="2"/>
                         </a:rPr>
-                        <a:t></a:t>
-                      </a:r>
+                        <a:t>	100%</a:t>
+                      </a:r>
+                      <a:endParaRPr kumimoji="0" lang="es-AR" sz="1400" b="0" i="0" u="none" strike="noStrike" kern="1200" cap="none" spc="0" normalizeH="0" baseline="0" noProof="0" dirty="0" smtClean="0">
+                        <a:ln>
+                          <a:noFill/>
+                        </a:ln>
+                        <a:solidFill>
+                          <a:prstClr val="black"/>
+                        </a:solidFill>
+                        <a:effectLst/>
+                        <a:uLnTx/>
+                        <a:uFillTx/>
+                        <a:latin typeface="+mn-lt"/>
+                        <a:ea typeface="+mn-ea"/>
+                        <a:cs typeface="+mn-cs"/>
+                      </a:endParaRPr>
+                    </a:p>
+                    <a:p>
+                      <a:pPr marL="0" marR="0" lvl="0" indent="0" algn="ctr" defTabSz="914400" rtl="0" eaLnBrk="1" fontAlgn="auto" latinLnBrk="0" hangingPunct="1">
+                        <a:lnSpc>
+                          <a:spcPct val="100000"/>
+                        </a:lnSpc>
+                        <a:spcBef>
+                          <a:spcPts val="0"/>
+                        </a:spcBef>
+                        <a:spcAft>
+                          <a:spcPts val="0"/>
+                        </a:spcAft>
+                        <a:buClrTx/>
+                        <a:buSzTx/>
+                        <a:buFontTx/>
+                        <a:buNone/>
+                        <a:tabLst>
+                          <a:tab pos="630238" algn="r"/>
+                        </a:tabLst>
+                        <a:defRPr/>
+                      </a:pPr>
                       <a:r>
                         <a:rPr kumimoji="0" lang="es-AR" sz="1400" b="0" i="0" u="none" strike="noStrike" kern="1200" cap="none" spc="0" normalizeH="0" baseline="0" noProof="0" dirty="0" smtClean="0">
                           <a:ln>
@@ -9691,30 +9637,12 @@
                           <a:effectLst/>
                           <a:uLnTx/>
                           <a:uFillTx/>
-                          <a:latin typeface="Calibri" panose="020F0502020204030204"/>
+                          <a:latin typeface="+mn-lt"/>
                           <a:ea typeface="+mn-ea"/>
                           <a:cs typeface="+mn-cs"/>
                           <a:sym typeface="Wingdings" panose="05000000000000000000" pitchFamily="2" charset="2"/>
                         </a:rPr>
-                        <a:t>	</a:t>
-                      </a:r>
-                      <a:r>
-                        <a:rPr kumimoji="0" lang="es-AR" sz="1400" b="0" i="0" u="none" strike="noStrike" kern="1200" cap="none" spc="0" normalizeH="0" baseline="0" noProof="0" dirty="0" smtClean="0">
-                          <a:ln>
-                            <a:noFill/>
-                          </a:ln>
-                          <a:solidFill>
-                            <a:prstClr val="black"/>
-                          </a:solidFill>
-                          <a:effectLst/>
-                          <a:uLnTx/>
-                          <a:uFillTx/>
-                          <a:latin typeface="Calibri" panose="020F0502020204030204"/>
-                          <a:ea typeface="+mn-ea"/>
-                          <a:cs typeface="+mn-cs"/>
-                          <a:sym typeface="Wingdings" panose="05000000000000000000" pitchFamily="2" charset="2"/>
-                        </a:rPr>
-                        <a:t>100%</a:t>
+                        <a:t>	100%</a:t>
                       </a:r>
                       <a:endParaRPr kumimoji="0" lang="es-AR" sz="1400" b="0" i="0" u="none" strike="noStrike" kern="1200" cap="none" spc="0" normalizeH="0" baseline="0" noProof="0" dirty="0" smtClean="0">
                         <a:ln>
@@ -9726,7 +9654,7 @@
                         <a:effectLst/>
                         <a:uLnTx/>
                         <a:uFillTx/>
-                        <a:latin typeface="Calibri" panose="020F0502020204030204"/>
+                        <a:latin typeface="+mn-lt"/>
                         <a:ea typeface="+mn-ea"/>
                         <a:cs typeface="+mn-cs"/>
                       </a:endParaRPr>
@@ -9773,7 +9701,7 @@
                           <a:ea typeface="+mn-ea"/>
                           <a:cs typeface="+mn-cs"/>
                         </a:rPr>
-                        <a:t>78%</a:t>
+                        <a:t>100%</a:t>
                       </a:r>
                       <a:endParaRPr kumimoji="0" lang="es-AR" sz="1800" b="0" i="0" u="none" strike="noStrike" kern="1200" cap="none" spc="0" normalizeH="0" baseline="0" noProof="0" dirty="0" smtClean="0">
                         <a:ln>
@@ -9930,7 +9858,7 @@
                           <a:ea typeface="+mn-ea"/>
                           <a:cs typeface="+mn-cs"/>
                         </a:rPr>
-                        <a:t>89%</a:t>
+                        <a:t>100%</a:t>
                       </a:r>
                       <a:endParaRPr lang="es-AR" sz="1800" b="1" kern="1200" noProof="0" dirty="0">
                         <a:solidFill>
@@ -17255,13 +17183,8 @@
             </a:pPr>
             <a:r>
               <a:rPr lang="es-AR" dirty="0" smtClean="0"/>
-              <a:t>CRUD + Revisión de </a:t>
+              <a:t>CRUD + Revisión de Productos, RCLV, y Links</a:t>
             </a:r>
-            <a:r>
-              <a:rPr lang="es-AR" dirty="0" smtClean="0"/>
-              <a:t>Productos, RCLV, y Links</a:t>
-            </a:r>
-            <a:endParaRPr lang="es-AR" dirty="0" smtClean="0"/>
           </a:p>
           <a:p>
             <a:pPr marL="514350" indent="-514350">
@@ -17798,7 +17721,7 @@
           <p:nvPr>
             <p:extLst>
               <p:ext uri="{D42A27DB-BD31-4B8C-83A1-F6EECF244321}">
-                <p14:modId xmlns:p14="http://schemas.microsoft.com/office/powerpoint/2010/main" val="3174355119"/>
+                <p14:modId xmlns:p14="http://schemas.microsoft.com/office/powerpoint/2010/main" val="2990172951"/>
               </p:ext>
             </p:extLst>
           </p:nvPr>
@@ -18342,7 +18265,7 @@
                           <a:ea typeface="+mn-ea"/>
                           <a:cs typeface="+mn-cs"/>
                         </a:rPr>
-                        <a:t>89%</a:t>
+                        <a:t>100%</a:t>
                       </a:r>
                       <a:endParaRPr kumimoji="0" lang="es-AR" sz="1800" b="0" i="0" u="none" strike="noStrike" kern="1200" cap="none" spc="0" normalizeH="0" baseline="0" noProof="0" dirty="0">
                         <a:ln>
@@ -18384,24 +18307,6 @@
                         <a:tabLst/>
                         <a:defRPr/>
                       </a:pPr>
-                      <a:r>
-                        <a:rPr kumimoji="0" lang="es-AR" sz="1800" b="0" i="0" u="none" strike="noStrike" kern="1200" cap="none" spc="0" normalizeH="0" baseline="0" noProof="0" dirty="0" smtClean="0">
-                          <a:ln>
-                            <a:noFill/>
-                          </a:ln>
-                          <a:solidFill>
-                            <a:prstClr val="black"/>
-                          </a:solidFill>
-                          <a:effectLst/>
-                          <a:uLnTx/>
-                          <a:uFillTx/>
-                          <a:latin typeface="+mn-lt"/>
-                          <a:ea typeface="+mn-ea"/>
-                          <a:cs typeface="+mn-cs"/>
-                          <a:sym typeface="Symbol" panose="05050102010706020507" pitchFamily="18" charset="2"/>
-                        </a:rPr>
-                        <a:t>②</a:t>
-                      </a:r>
                       <a:endParaRPr kumimoji="0" lang="es-AR" sz="1800" b="0" i="0" u="none" strike="noStrike" kern="1200" cap="none" spc="0" normalizeH="0" baseline="0" noProof="0" dirty="0" smtClean="0">
                         <a:ln>
                           <a:noFill/>
@@ -18418,7 +18323,13 @@
                       </a:endParaRPr>
                     </a:p>
                   </a:txBody>
-                  <a:tcPr/>
+                  <a:tcPr>
+                    <a:solidFill>
+                      <a:schemeClr val="tx1">
+                        <a:lumMod val="65000"/>
+                      </a:schemeClr>
+                    </a:solidFill>
+                  </a:tcPr>
                 </a:tc>
                 <a:tc>
                   <a:txBody>
@@ -18444,23 +18355,6 @@
                         </a:tabLst>
                         <a:defRPr/>
                       </a:pPr>
-                      <a:r>
-                        <a:rPr kumimoji="0" lang="es-AR" sz="1800" b="0" i="0" u="none" strike="noStrike" kern="1200" cap="none" spc="0" normalizeH="0" baseline="0" noProof="0" dirty="0" smtClean="0">
-                          <a:ln>
-                            <a:noFill/>
-                          </a:ln>
-                          <a:solidFill>
-                            <a:prstClr val="black"/>
-                          </a:solidFill>
-                          <a:effectLst/>
-                          <a:uLnTx/>
-                          <a:uFillTx/>
-                          <a:latin typeface="+mn-lt"/>
-                          <a:ea typeface="+mn-ea"/>
-                          <a:cs typeface="+mn-cs"/>
-                        </a:rPr>
-                        <a:t>Diego</a:t>
-                      </a:r>
                       <a:endParaRPr kumimoji="0" lang="es-AR" sz="1800" b="0" i="0" u="none" strike="noStrike" kern="1200" cap="none" spc="0" normalizeH="0" baseline="0" noProof="0" dirty="0">
                         <a:ln>
                           <a:noFill/>
@@ -18477,7 +18371,13 @@
                       </a:endParaRPr>
                     </a:p>
                   </a:txBody>
-                  <a:tcPr/>
+                  <a:tcPr>
+                    <a:solidFill>
+                      <a:schemeClr val="tx1">
+                        <a:lumMod val="65000"/>
+                      </a:schemeClr>
+                    </a:solidFill>
+                  </a:tcPr>
                 </a:tc>
                 <a:extLst>
                   <a:ext uri="{0D108BD9-81ED-4DB2-BD59-A6C34878D82A}">
